--- a/documentazione/Presentazione SWAM.pptx
+++ b/documentazione/Presentazione SWAM.pptx
@@ -248,7 +248,7 @@
           <a:p>
             <a:fld id="{CDC02513-12D4-7C45-A4B1-0A7A90C954B8}" type="datetimeFigureOut">
               <a:rPr lang="it-IT" smtClean="0"/>
-              <a:t>14/10/2024</a:t>
+              <a:t>09/12/2024</a:t>
             </a:fld>
             <a:endParaRPr lang="it-IT"/>
           </a:p>
@@ -425,7 +425,7 @@
           <a:p>
             <a:fld id="{340D7045-9255-E947-B6AE-7BFBA280817C}" type="datetimeFigureOut">
               <a:rPr lang="it-IT" smtClean="0"/>
-              <a:t>14/10/2024</a:t>
+              <a:t>09/12/2024</a:t>
             </a:fld>
             <a:endParaRPr lang="it-IT"/>
           </a:p>
@@ -11390,8 +11390,8 @@
         </p:nvSpPr>
         <p:spPr>
           <a:xfrm>
-            <a:off x="775868" y="1536742"/>
-            <a:ext cx="10981895" cy="4879824"/>
+            <a:off x="3420836" y="2948577"/>
+            <a:ext cx="5350327" cy="960845"/>
           </a:xfrm>
         </p:spPr>
         <p:txBody>
@@ -11399,10 +11399,10 @@
           <a:lstStyle/>
           <a:p>
             <a:r>
-              <a:rPr lang="it-IT" sz="1600" dirty="0"/>
-              <a:t>x</a:t>
-            </a:r>
-            <a:endParaRPr lang="it-IT" sz="1400" dirty="0"/>
+              <a:rPr lang="it-IT" sz="3600" dirty="0"/>
+              <a:t>Vediamolo in azione!</a:t>
+            </a:r>
+            <a:endParaRPr lang="it-IT" sz="3200" dirty="0"/>
           </a:p>
         </p:txBody>
       </p:sp>

--- a/documentazione/Presentazione SWAM.pptx
+++ b/documentazione/Presentazione SWAM.pptx
@@ -5,10 +5,10 @@
     <p:sldMasterId id="2147483671" r:id="rId1"/>
   </p:sldMasterIdLst>
   <p:notesMasterIdLst>
-    <p:notesMasterId r:id="rId36"/>
+    <p:notesMasterId r:id="rId47"/>
   </p:notesMasterIdLst>
   <p:handoutMasterIdLst>
-    <p:handoutMasterId r:id="rId37"/>
+    <p:handoutMasterId r:id="rId48"/>
   </p:handoutMasterIdLst>
   <p:sldIdLst>
     <p:sldId id="260" r:id="rId2"/>
@@ -20,31 +20,42 @@
     <p:sldId id="280" r:id="rId8"/>
     <p:sldId id="277" r:id="rId9"/>
     <p:sldId id="281" r:id="rId10"/>
-    <p:sldId id="282" r:id="rId11"/>
-    <p:sldId id="285" r:id="rId12"/>
-    <p:sldId id="286" r:id="rId13"/>
-    <p:sldId id="291" r:id="rId14"/>
-    <p:sldId id="284" r:id="rId15"/>
-    <p:sldId id="296" r:id="rId16"/>
-    <p:sldId id="297" r:id="rId17"/>
-    <p:sldId id="298" r:id="rId18"/>
-    <p:sldId id="299" r:id="rId19"/>
-    <p:sldId id="300" r:id="rId20"/>
-    <p:sldId id="287" r:id="rId21"/>
-    <p:sldId id="292" r:id="rId22"/>
-    <p:sldId id="288" r:id="rId23"/>
-    <p:sldId id="301" r:id="rId24"/>
-    <p:sldId id="289" r:id="rId25"/>
-    <p:sldId id="303" r:id="rId26"/>
-    <p:sldId id="304" r:id="rId27"/>
-    <p:sldId id="302" r:id="rId28"/>
-    <p:sldId id="305" r:id="rId29"/>
-    <p:sldId id="293" r:id="rId30"/>
-    <p:sldId id="306" r:id="rId31"/>
-    <p:sldId id="307" r:id="rId32"/>
-    <p:sldId id="294" r:id="rId33"/>
-    <p:sldId id="295" r:id="rId34"/>
-    <p:sldId id="262" r:id="rId35"/>
+    <p:sldId id="308" r:id="rId11"/>
+    <p:sldId id="309" r:id="rId12"/>
+    <p:sldId id="313" r:id="rId13"/>
+    <p:sldId id="282" r:id="rId14"/>
+    <p:sldId id="285" r:id="rId15"/>
+    <p:sldId id="286" r:id="rId16"/>
+    <p:sldId id="291" r:id="rId17"/>
+    <p:sldId id="284" r:id="rId18"/>
+    <p:sldId id="296" r:id="rId19"/>
+    <p:sldId id="297" r:id="rId20"/>
+    <p:sldId id="298" r:id="rId21"/>
+    <p:sldId id="299" r:id="rId22"/>
+    <p:sldId id="300" r:id="rId23"/>
+    <p:sldId id="287" r:id="rId24"/>
+    <p:sldId id="292" r:id="rId25"/>
+    <p:sldId id="288" r:id="rId26"/>
+    <p:sldId id="301" r:id="rId27"/>
+    <p:sldId id="289" r:id="rId28"/>
+    <p:sldId id="303" r:id="rId29"/>
+    <p:sldId id="304" r:id="rId30"/>
+    <p:sldId id="311" r:id="rId31"/>
+    <p:sldId id="310" r:id="rId32"/>
+    <p:sldId id="312" r:id="rId33"/>
+    <p:sldId id="302" r:id="rId34"/>
+    <p:sldId id="305" r:id="rId35"/>
+    <p:sldId id="293" r:id="rId36"/>
+    <p:sldId id="306" r:id="rId37"/>
+    <p:sldId id="307" r:id="rId38"/>
+    <p:sldId id="294" r:id="rId39"/>
+    <p:sldId id="317" r:id="rId40"/>
+    <p:sldId id="318" r:id="rId41"/>
+    <p:sldId id="295" r:id="rId42"/>
+    <p:sldId id="315" r:id="rId43"/>
+    <p:sldId id="316" r:id="rId44"/>
+    <p:sldId id="314" r:id="rId45"/>
+    <p:sldId id="262" r:id="rId46"/>
   </p:sldIdLst>
   <p:sldSz cx="12192000" cy="6858000"/>
   <p:notesSz cx="6858000" cy="9144000"/>
@@ -248,7 +259,7 @@
           <a:p>
             <a:fld id="{CDC02513-12D4-7C45-A4B1-0A7A90C954B8}" type="datetimeFigureOut">
               <a:rPr lang="it-IT" smtClean="0"/>
-              <a:t>09/12/2024</a:t>
+              <a:t>29/12/2024</a:t>
             </a:fld>
             <a:endParaRPr lang="it-IT"/>
           </a:p>
@@ -425,7 +436,7 @@
           <a:p>
             <a:fld id="{340D7045-9255-E947-B6AE-7BFBA280817C}" type="datetimeFigureOut">
               <a:rPr lang="it-IT" smtClean="0"/>
-              <a:t>09/12/2024</a:t>
+              <a:t>29/12/2024</a:t>
             </a:fld>
             <a:endParaRPr lang="it-IT"/>
           </a:p>
@@ -769,7 +780,7 @@
         <p:cNvPr id="1" name="">
           <a:extLst>
             <a:ext uri="{FF2B5EF4-FFF2-40B4-BE49-F238E27FC236}">
-              <a16:creationId xmlns:a16="http://schemas.microsoft.com/office/drawing/2014/main" id="{329D4BC0-A772-3F8E-6D12-ECFC34C84F37}"/>
+              <a16:creationId xmlns:a16="http://schemas.microsoft.com/office/drawing/2014/main" id="{52B55BF8-083B-524E-1C89-752B272345DB}"/>
             </a:ext>
           </a:extLst>
         </p:cNvPr>
@@ -789,7 +800,7 @@
           <p:cNvPr id="2" name="Segnaposto immagine diapositiva 1">
             <a:extLst>
               <a:ext uri="{FF2B5EF4-FFF2-40B4-BE49-F238E27FC236}">
-                <a16:creationId xmlns:a16="http://schemas.microsoft.com/office/drawing/2014/main" id="{085448A9-CC7A-8889-642B-50CB29E6A0CD}"/>
+                <a16:creationId xmlns:a16="http://schemas.microsoft.com/office/drawing/2014/main" id="{F6EC22F7-4A8F-7B1D-3392-1F8A1F98F848}"/>
               </a:ext>
             </a:extLst>
           </p:cNvPr>
@@ -807,7 +818,7 @@
           <p:cNvPr id="3" name="Segnaposto note 2">
             <a:extLst>
               <a:ext uri="{FF2B5EF4-FFF2-40B4-BE49-F238E27FC236}">
-                <a16:creationId xmlns:a16="http://schemas.microsoft.com/office/drawing/2014/main" id="{FDAE543D-3B33-7D15-2C63-D51CA244A4C1}"/>
+                <a16:creationId xmlns:a16="http://schemas.microsoft.com/office/drawing/2014/main" id="{31348C23-6933-7107-B9C7-98C2CE84EF2E}"/>
               </a:ext>
             </a:extLst>
           </p:cNvPr>
@@ -832,7 +843,7 @@
           <p:cNvPr id="4" name="Segnaposto numero diapositiva 3">
             <a:extLst>
               <a:ext uri="{FF2B5EF4-FFF2-40B4-BE49-F238E27FC236}">
-                <a16:creationId xmlns:a16="http://schemas.microsoft.com/office/drawing/2014/main" id="{801D26C9-6987-9365-5D3E-5D009CA7DDC3}"/>
+                <a16:creationId xmlns:a16="http://schemas.microsoft.com/office/drawing/2014/main" id="{E5933D01-B0C5-6071-8176-2D03BB8752A1}"/>
               </a:ext>
             </a:extLst>
           </p:cNvPr>
@@ -850,7 +861,7 @@
           <a:p>
             <a:fld id="{79E7D7B2-511C-5746-97D1-507EEDB38854}" type="slidenum">
               <a:rPr lang="it-IT" smtClean="0"/>
-              <a:t>23</a:t>
+              <a:t>21</a:t>
             </a:fld>
             <a:endParaRPr lang="it-IT"/>
           </a:p>
@@ -859,7 +870,7 @@
     </p:spTree>
     <p:extLst>
       <p:ext uri="{BB962C8B-B14F-4D97-AF65-F5344CB8AC3E}">
-        <p14:creationId xmlns:p14="http://schemas.microsoft.com/office/powerpoint/2010/main" val="2325110899"/>
+        <p14:creationId xmlns:p14="http://schemas.microsoft.com/office/powerpoint/2010/main" val="3634645668"/>
       </p:ext>
     </p:extLst>
   </p:cSld>
@@ -870,6 +881,114 @@
 </file>
 
 <file path=ppt/notesSlides/notesSlide11.xml><?xml version="1.0" encoding="utf-8"?>
+<p:notes xmlns:a="http://schemas.openxmlformats.org/drawingml/2006/main" xmlns:r="http://schemas.openxmlformats.org/officeDocument/2006/relationships" xmlns:p="http://schemas.openxmlformats.org/presentationml/2006/main">
+  <p:cSld>
+    <p:spTree>
+      <p:nvGrpSpPr>
+        <p:cNvPr id="1" name="">
+          <a:extLst>
+            <a:ext uri="{FF2B5EF4-FFF2-40B4-BE49-F238E27FC236}">
+              <a16:creationId xmlns:a16="http://schemas.microsoft.com/office/drawing/2014/main" id="{5815BD8A-C6DB-99F9-6119-3C61C1F4748D}"/>
+            </a:ext>
+          </a:extLst>
+        </p:cNvPr>
+        <p:cNvGrpSpPr/>
+        <p:nvPr/>
+      </p:nvGrpSpPr>
+      <p:grpSpPr>
+        <a:xfrm>
+          <a:off x="0" y="0"/>
+          <a:ext cx="0" cy="0"/>
+          <a:chOff x="0" y="0"/>
+          <a:chExt cx="0" cy="0"/>
+        </a:xfrm>
+      </p:grpSpPr>
+      <p:sp>
+        <p:nvSpPr>
+          <p:cNvPr id="2" name="Segnaposto immagine diapositiva 1">
+            <a:extLst>
+              <a:ext uri="{FF2B5EF4-FFF2-40B4-BE49-F238E27FC236}">
+                <a16:creationId xmlns:a16="http://schemas.microsoft.com/office/drawing/2014/main" id="{4F9E6890-884A-23DB-1383-5C7E6CF91A18}"/>
+              </a:ext>
+            </a:extLst>
+          </p:cNvPr>
+          <p:cNvSpPr>
+            <a:spLocks noGrp="1" noRot="1" noChangeAspect="1"/>
+          </p:cNvSpPr>
+          <p:nvPr>
+            <p:ph type="sldImg"/>
+          </p:nvPr>
+        </p:nvSpPr>
+        <p:spPr/>
+      </p:sp>
+      <p:sp>
+        <p:nvSpPr>
+          <p:cNvPr id="3" name="Segnaposto note 2">
+            <a:extLst>
+              <a:ext uri="{FF2B5EF4-FFF2-40B4-BE49-F238E27FC236}">
+                <a16:creationId xmlns:a16="http://schemas.microsoft.com/office/drawing/2014/main" id="{B4F2FAB7-100A-868A-D322-9D441631C33F}"/>
+              </a:ext>
+            </a:extLst>
+          </p:cNvPr>
+          <p:cNvSpPr>
+            <a:spLocks noGrp="1"/>
+          </p:cNvSpPr>
+          <p:nvPr>
+            <p:ph type="body" idx="1"/>
+          </p:nvPr>
+        </p:nvSpPr>
+        <p:spPr/>
+        <p:txBody>
+          <a:bodyPr/>
+          <a:lstStyle/>
+          <a:p>
+            <a:endParaRPr lang="it-IT" dirty="0"/>
+          </a:p>
+        </p:txBody>
+      </p:sp>
+      <p:sp>
+        <p:nvSpPr>
+          <p:cNvPr id="4" name="Segnaposto numero diapositiva 3">
+            <a:extLst>
+              <a:ext uri="{FF2B5EF4-FFF2-40B4-BE49-F238E27FC236}">
+                <a16:creationId xmlns:a16="http://schemas.microsoft.com/office/drawing/2014/main" id="{55A6C7D5-74B6-8EFA-E4CA-27CDA0D3DB72}"/>
+              </a:ext>
+            </a:extLst>
+          </p:cNvPr>
+          <p:cNvSpPr>
+            <a:spLocks noGrp="1"/>
+          </p:cNvSpPr>
+          <p:nvPr>
+            <p:ph type="sldNum" sz="quarter" idx="5"/>
+          </p:nvPr>
+        </p:nvSpPr>
+        <p:spPr/>
+        <p:txBody>
+          <a:bodyPr/>
+          <a:lstStyle/>
+          <a:p>
+            <a:fld id="{79E7D7B2-511C-5746-97D1-507EEDB38854}" type="slidenum">
+              <a:rPr lang="it-IT" smtClean="0"/>
+              <a:t>22</a:t>
+            </a:fld>
+            <a:endParaRPr lang="it-IT"/>
+          </a:p>
+        </p:txBody>
+      </p:sp>
+    </p:spTree>
+    <p:extLst>
+      <p:ext uri="{BB962C8B-B14F-4D97-AF65-F5344CB8AC3E}">
+        <p14:creationId xmlns:p14="http://schemas.microsoft.com/office/powerpoint/2010/main" val="295477480"/>
+      </p:ext>
+    </p:extLst>
+  </p:cSld>
+  <p:clrMapOvr>
+    <a:masterClrMapping/>
+  </p:clrMapOvr>
+</p:notes>
+</file>
+
+<file path=ppt/notesSlides/notesSlide12.xml><?xml version="1.0" encoding="utf-8"?>
 <p:notes xmlns:a="http://schemas.openxmlformats.org/drawingml/2006/main" xmlns:r="http://schemas.openxmlformats.org/officeDocument/2006/relationships" xmlns:p="http://schemas.openxmlformats.org/presentationml/2006/main">
   <p:cSld>
     <p:spTree>
@@ -896,6 +1015,198 @@
             <p:ph type="sldImg"/>
           </p:nvPr>
         </p:nvSpPr>
+        <p:spPr/>
+      </p:sp>
+      <p:sp>
+        <p:nvSpPr>
+          <p:cNvPr id="3" name="Segnaposto note 2"/>
+          <p:cNvSpPr>
+            <a:spLocks noGrp="1"/>
+          </p:cNvSpPr>
+          <p:nvPr>
+            <p:ph type="body" idx="1"/>
+          </p:nvPr>
+        </p:nvSpPr>
+        <p:spPr/>
+        <p:txBody>
+          <a:bodyPr/>
+          <a:lstStyle/>
+          <a:p>
+            <a:endParaRPr lang="it-IT" dirty="0"/>
+          </a:p>
+        </p:txBody>
+      </p:sp>
+      <p:sp>
+        <p:nvSpPr>
+          <p:cNvPr id="4" name="Segnaposto numero diapositiva 3"/>
+          <p:cNvSpPr>
+            <a:spLocks noGrp="1"/>
+          </p:cNvSpPr>
+          <p:nvPr>
+            <p:ph type="sldNum" sz="quarter" idx="5"/>
+          </p:nvPr>
+        </p:nvSpPr>
+        <p:spPr/>
+        <p:txBody>
+          <a:bodyPr/>
+          <a:lstStyle/>
+          <a:p>
+            <a:fld id="{79E7D7B2-511C-5746-97D1-507EEDB38854}" type="slidenum">
+              <a:rPr lang="it-IT" smtClean="0"/>
+              <a:t>25</a:t>
+            </a:fld>
+            <a:endParaRPr lang="it-IT"/>
+          </a:p>
+        </p:txBody>
+      </p:sp>
+    </p:spTree>
+    <p:extLst>
+      <p:ext uri="{BB962C8B-B14F-4D97-AF65-F5344CB8AC3E}">
+        <p14:creationId xmlns:p14="http://schemas.microsoft.com/office/powerpoint/2010/main" val="930307306"/>
+      </p:ext>
+    </p:extLst>
+  </p:cSld>
+  <p:clrMapOvr>
+    <a:masterClrMapping/>
+  </p:clrMapOvr>
+</p:notes>
+</file>
+
+<file path=ppt/notesSlides/notesSlide13.xml><?xml version="1.0" encoding="utf-8"?>
+<p:notes xmlns:a="http://schemas.openxmlformats.org/drawingml/2006/main" xmlns:r="http://schemas.openxmlformats.org/officeDocument/2006/relationships" xmlns:p="http://schemas.openxmlformats.org/presentationml/2006/main">
+  <p:cSld>
+    <p:spTree>
+      <p:nvGrpSpPr>
+        <p:cNvPr id="1" name="">
+          <a:extLst>
+            <a:ext uri="{FF2B5EF4-FFF2-40B4-BE49-F238E27FC236}">
+              <a16:creationId xmlns:a16="http://schemas.microsoft.com/office/drawing/2014/main" id="{329D4BC0-A772-3F8E-6D12-ECFC34C84F37}"/>
+            </a:ext>
+          </a:extLst>
+        </p:cNvPr>
+        <p:cNvGrpSpPr/>
+        <p:nvPr/>
+      </p:nvGrpSpPr>
+      <p:grpSpPr>
+        <a:xfrm>
+          <a:off x="0" y="0"/>
+          <a:ext cx="0" cy="0"/>
+          <a:chOff x="0" y="0"/>
+          <a:chExt cx="0" cy="0"/>
+        </a:xfrm>
+      </p:grpSpPr>
+      <p:sp>
+        <p:nvSpPr>
+          <p:cNvPr id="2" name="Segnaposto immagine diapositiva 1">
+            <a:extLst>
+              <a:ext uri="{FF2B5EF4-FFF2-40B4-BE49-F238E27FC236}">
+                <a16:creationId xmlns:a16="http://schemas.microsoft.com/office/drawing/2014/main" id="{085448A9-CC7A-8889-642B-50CB29E6A0CD}"/>
+              </a:ext>
+            </a:extLst>
+          </p:cNvPr>
+          <p:cNvSpPr>
+            <a:spLocks noGrp="1" noRot="1" noChangeAspect="1"/>
+          </p:cNvSpPr>
+          <p:nvPr>
+            <p:ph type="sldImg"/>
+          </p:nvPr>
+        </p:nvSpPr>
+        <p:spPr/>
+      </p:sp>
+      <p:sp>
+        <p:nvSpPr>
+          <p:cNvPr id="3" name="Segnaposto note 2">
+            <a:extLst>
+              <a:ext uri="{FF2B5EF4-FFF2-40B4-BE49-F238E27FC236}">
+                <a16:creationId xmlns:a16="http://schemas.microsoft.com/office/drawing/2014/main" id="{FDAE543D-3B33-7D15-2C63-D51CA244A4C1}"/>
+              </a:ext>
+            </a:extLst>
+          </p:cNvPr>
+          <p:cNvSpPr>
+            <a:spLocks noGrp="1"/>
+          </p:cNvSpPr>
+          <p:nvPr>
+            <p:ph type="body" idx="1"/>
+          </p:nvPr>
+        </p:nvSpPr>
+        <p:spPr/>
+        <p:txBody>
+          <a:bodyPr/>
+          <a:lstStyle/>
+          <a:p>
+            <a:endParaRPr lang="it-IT" dirty="0"/>
+          </a:p>
+        </p:txBody>
+      </p:sp>
+      <p:sp>
+        <p:nvSpPr>
+          <p:cNvPr id="4" name="Segnaposto numero diapositiva 3">
+            <a:extLst>
+              <a:ext uri="{FF2B5EF4-FFF2-40B4-BE49-F238E27FC236}">
+                <a16:creationId xmlns:a16="http://schemas.microsoft.com/office/drawing/2014/main" id="{801D26C9-6987-9365-5D3E-5D009CA7DDC3}"/>
+              </a:ext>
+            </a:extLst>
+          </p:cNvPr>
+          <p:cNvSpPr>
+            <a:spLocks noGrp="1"/>
+          </p:cNvSpPr>
+          <p:nvPr>
+            <p:ph type="sldNum" sz="quarter" idx="5"/>
+          </p:nvPr>
+        </p:nvSpPr>
+        <p:spPr/>
+        <p:txBody>
+          <a:bodyPr/>
+          <a:lstStyle/>
+          <a:p>
+            <a:fld id="{79E7D7B2-511C-5746-97D1-507EEDB38854}" type="slidenum">
+              <a:rPr lang="it-IT" smtClean="0"/>
+              <a:t>26</a:t>
+            </a:fld>
+            <a:endParaRPr lang="it-IT"/>
+          </a:p>
+        </p:txBody>
+      </p:sp>
+    </p:spTree>
+    <p:extLst>
+      <p:ext uri="{BB962C8B-B14F-4D97-AF65-F5344CB8AC3E}">
+        <p14:creationId xmlns:p14="http://schemas.microsoft.com/office/powerpoint/2010/main" val="2325110899"/>
+      </p:ext>
+    </p:extLst>
+  </p:cSld>
+  <p:clrMapOvr>
+    <a:masterClrMapping/>
+  </p:clrMapOvr>
+</p:notes>
+</file>
+
+<file path=ppt/notesSlides/notesSlide14.xml><?xml version="1.0" encoding="utf-8"?>
+<p:notes xmlns:a="http://schemas.openxmlformats.org/drawingml/2006/main" xmlns:r="http://schemas.openxmlformats.org/officeDocument/2006/relationships" xmlns:p="http://schemas.openxmlformats.org/presentationml/2006/main">
+  <p:cSld>
+    <p:spTree>
+      <p:nvGrpSpPr>
+        <p:cNvPr id="1" name=""/>
+        <p:cNvGrpSpPr/>
+        <p:nvPr/>
+      </p:nvGrpSpPr>
+      <p:grpSpPr>
+        <a:xfrm>
+          <a:off x="0" y="0"/>
+          <a:ext cx="0" cy="0"/>
+          <a:chOff x="0" y="0"/>
+          <a:chExt cx="0" cy="0"/>
+        </a:xfrm>
+      </p:grpSpPr>
+      <p:sp>
+        <p:nvSpPr>
+          <p:cNvPr id="2" name="Segnaposto immagine diapositiva 1"/>
+          <p:cNvSpPr>
+            <a:spLocks noGrp="1" noRot="1" noChangeAspect="1"/>
+          </p:cNvSpPr>
+          <p:nvPr>
+            <p:ph type="sldImg"/>
+          </p:nvPr>
+        </p:nvSpPr>
         <p:spPr>
           <a:xfrm>
             <a:off x="685800" y="1143000"/>
@@ -918,7 +1229,7 @@
           <a:bodyPr/>
           <a:lstStyle/>
           <a:p>
-            <a:endParaRPr lang="it-IT"/>
+            <a:endParaRPr lang="it-IT" dirty="0"/>
           </a:p>
         </p:txBody>
       </p:sp>
@@ -939,7 +1250,7 @@
           <a:p>
             <a:fld id="{79E7D7B2-511C-5746-97D1-507EEDB38854}" type="slidenum">
               <a:rPr lang="it-IT" smtClean="0"/>
-              <a:t>34</a:t>
+              <a:t>45</a:t>
             </a:fld>
             <a:endParaRPr lang="it-IT"/>
           </a:p>
@@ -1047,7 +1358,13 @@
   <p:cSld>
     <p:spTree>
       <p:nvGrpSpPr>
-        <p:cNvPr id="1" name=""/>
+        <p:cNvPr id="1" name="">
+          <a:extLst>
+            <a:ext uri="{FF2B5EF4-FFF2-40B4-BE49-F238E27FC236}">
+              <a16:creationId xmlns:a16="http://schemas.microsoft.com/office/drawing/2014/main" id="{4D990C57-7FAF-7576-2215-E99872B6E183}"/>
+            </a:ext>
+          </a:extLst>
+        </p:cNvPr>
         <p:cNvGrpSpPr/>
         <p:nvPr/>
       </p:nvGrpSpPr>
@@ -1061,7 +1378,13 @@
       </p:grpSpPr>
       <p:sp>
         <p:nvSpPr>
-          <p:cNvPr id="2" name="Segnaposto immagine diapositiva 1"/>
+          <p:cNvPr id="2" name="Segnaposto immagine diapositiva 1">
+            <a:extLst>
+              <a:ext uri="{FF2B5EF4-FFF2-40B4-BE49-F238E27FC236}">
+                <a16:creationId xmlns:a16="http://schemas.microsoft.com/office/drawing/2014/main" id="{40153C4C-480F-B2DA-10AB-EF3CF734788A}"/>
+              </a:ext>
+            </a:extLst>
+          </p:cNvPr>
           <p:cNvSpPr>
             <a:spLocks noGrp="1" noRot="1" noChangeAspect="1"/>
           </p:cNvSpPr>
@@ -1073,7 +1396,13 @@
       </p:sp>
       <p:sp>
         <p:nvSpPr>
-          <p:cNvPr id="3" name="Segnaposto note 2"/>
+          <p:cNvPr id="3" name="Segnaposto note 2">
+            <a:extLst>
+              <a:ext uri="{FF2B5EF4-FFF2-40B4-BE49-F238E27FC236}">
+                <a16:creationId xmlns:a16="http://schemas.microsoft.com/office/drawing/2014/main" id="{FECBA490-0EA5-32A6-9093-743F9147D1A4}"/>
+              </a:ext>
+            </a:extLst>
+          </p:cNvPr>
           <p:cNvSpPr>
             <a:spLocks noGrp="1"/>
           </p:cNvSpPr>
@@ -1092,7 +1421,13 @@
       </p:sp>
       <p:sp>
         <p:nvSpPr>
-          <p:cNvPr id="4" name="Segnaposto numero diapositiva 3"/>
+          <p:cNvPr id="4" name="Segnaposto numero diapositiva 3">
+            <a:extLst>
+              <a:ext uri="{FF2B5EF4-FFF2-40B4-BE49-F238E27FC236}">
+                <a16:creationId xmlns:a16="http://schemas.microsoft.com/office/drawing/2014/main" id="{0CA8B96A-AFF3-9771-5108-C191F202660B}"/>
+              </a:ext>
+            </a:extLst>
+          </p:cNvPr>
           <p:cNvSpPr>
             <a:spLocks noGrp="1"/>
           </p:cNvSpPr>
@@ -1107,7 +1442,7 @@
           <a:p>
             <a:fld id="{79E7D7B2-511C-5746-97D1-507EEDB38854}" type="slidenum">
               <a:rPr lang="it-IT" smtClean="0"/>
-              <a:t>11</a:t>
+              <a:t>10</a:t>
             </a:fld>
             <a:endParaRPr lang="it-IT"/>
           </a:p>
@@ -1116,7 +1451,7 @@
     </p:spTree>
     <p:extLst>
       <p:ext uri="{BB962C8B-B14F-4D97-AF65-F5344CB8AC3E}">
-        <p14:creationId xmlns:p14="http://schemas.microsoft.com/office/powerpoint/2010/main" val="2025129087"/>
+        <p14:creationId xmlns:p14="http://schemas.microsoft.com/office/powerpoint/2010/main" val="1888107388"/>
       </p:ext>
     </p:extLst>
   </p:cSld>
@@ -1127,6 +1462,222 @@
 </file>
 
 <file path=ppt/notesSlides/notesSlide4.xml><?xml version="1.0" encoding="utf-8"?>
+<p:notes xmlns:a="http://schemas.openxmlformats.org/drawingml/2006/main" xmlns:r="http://schemas.openxmlformats.org/officeDocument/2006/relationships" xmlns:p="http://schemas.openxmlformats.org/presentationml/2006/main">
+  <p:cSld>
+    <p:spTree>
+      <p:nvGrpSpPr>
+        <p:cNvPr id="1" name="">
+          <a:extLst>
+            <a:ext uri="{FF2B5EF4-FFF2-40B4-BE49-F238E27FC236}">
+              <a16:creationId xmlns:a16="http://schemas.microsoft.com/office/drawing/2014/main" id="{9EEF8E56-542A-FDBF-2E5B-1B8773029A23}"/>
+            </a:ext>
+          </a:extLst>
+        </p:cNvPr>
+        <p:cNvGrpSpPr/>
+        <p:nvPr/>
+      </p:nvGrpSpPr>
+      <p:grpSpPr>
+        <a:xfrm>
+          <a:off x="0" y="0"/>
+          <a:ext cx="0" cy="0"/>
+          <a:chOff x="0" y="0"/>
+          <a:chExt cx="0" cy="0"/>
+        </a:xfrm>
+      </p:grpSpPr>
+      <p:sp>
+        <p:nvSpPr>
+          <p:cNvPr id="2" name="Segnaposto immagine diapositiva 1">
+            <a:extLst>
+              <a:ext uri="{FF2B5EF4-FFF2-40B4-BE49-F238E27FC236}">
+                <a16:creationId xmlns:a16="http://schemas.microsoft.com/office/drawing/2014/main" id="{9E8B7B0B-4494-BC44-0C04-F5B0A68C80DA}"/>
+              </a:ext>
+            </a:extLst>
+          </p:cNvPr>
+          <p:cNvSpPr>
+            <a:spLocks noGrp="1" noRot="1" noChangeAspect="1"/>
+          </p:cNvSpPr>
+          <p:nvPr>
+            <p:ph type="sldImg"/>
+          </p:nvPr>
+        </p:nvSpPr>
+        <p:spPr/>
+      </p:sp>
+      <p:sp>
+        <p:nvSpPr>
+          <p:cNvPr id="3" name="Segnaposto note 2">
+            <a:extLst>
+              <a:ext uri="{FF2B5EF4-FFF2-40B4-BE49-F238E27FC236}">
+                <a16:creationId xmlns:a16="http://schemas.microsoft.com/office/drawing/2014/main" id="{082EE23A-EC1E-95B4-9423-D84F5AEB3792}"/>
+              </a:ext>
+            </a:extLst>
+          </p:cNvPr>
+          <p:cNvSpPr>
+            <a:spLocks noGrp="1"/>
+          </p:cNvSpPr>
+          <p:nvPr>
+            <p:ph type="body" idx="1"/>
+          </p:nvPr>
+        </p:nvSpPr>
+        <p:spPr/>
+        <p:txBody>
+          <a:bodyPr/>
+          <a:lstStyle/>
+          <a:p>
+            <a:endParaRPr lang="it-IT" dirty="0"/>
+          </a:p>
+        </p:txBody>
+      </p:sp>
+      <p:sp>
+        <p:nvSpPr>
+          <p:cNvPr id="4" name="Segnaposto numero diapositiva 3">
+            <a:extLst>
+              <a:ext uri="{FF2B5EF4-FFF2-40B4-BE49-F238E27FC236}">
+                <a16:creationId xmlns:a16="http://schemas.microsoft.com/office/drawing/2014/main" id="{8E8BFBF4-52E8-0DCE-4B37-F5FF69FF948F}"/>
+              </a:ext>
+            </a:extLst>
+          </p:cNvPr>
+          <p:cNvSpPr>
+            <a:spLocks noGrp="1"/>
+          </p:cNvSpPr>
+          <p:nvPr>
+            <p:ph type="sldNum" sz="quarter" idx="5"/>
+          </p:nvPr>
+        </p:nvSpPr>
+        <p:spPr/>
+        <p:txBody>
+          <a:bodyPr/>
+          <a:lstStyle/>
+          <a:p>
+            <a:fld id="{79E7D7B2-511C-5746-97D1-507EEDB38854}" type="slidenum">
+              <a:rPr lang="it-IT" smtClean="0"/>
+              <a:t>11</a:t>
+            </a:fld>
+            <a:endParaRPr lang="it-IT"/>
+          </a:p>
+        </p:txBody>
+      </p:sp>
+    </p:spTree>
+    <p:extLst>
+      <p:ext uri="{BB962C8B-B14F-4D97-AF65-F5344CB8AC3E}">
+        <p14:creationId xmlns:p14="http://schemas.microsoft.com/office/powerpoint/2010/main" val="4048504511"/>
+      </p:ext>
+    </p:extLst>
+  </p:cSld>
+  <p:clrMapOvr>
+    <a:masterClrMapping/>
+  </p:clrMapOvr>
+</p:notes>
+</file>
+
+<file path=ppt/notesSlides/notesSlide5.xml><?xml version="1.0" encoding="utf-8"?>
+<p:notes xmlns:a="http://schemas.openxmlformats.org/drawingml/2006/main" xmlns:r="http://schemas.openxmlformats.org/officeDocument/2006/relationships" xmlns:p="http://schemas.openxmlformats.org/presentationml/2006/main">
+  <p:cSld>
+    <p:spTree>
+      <p:nvGrpSpPr>
+        <p:cNvPr id="1" name="">
+          <a:extLst>
+            <a:ext uri="{FF2B5EF4-FFF2-40B4-BE49-F238E27FC236}">
+              <a16:creationId xmlns:a16="http://schemas.microsoft.com/office/drawing/2014/main" id="{61ABE0BF-AB69-C114-0DD6-6DE7D188CFFB}"/>
+            </a:ext>
+          </a:extLst>
+        </p:cNvPr>
+        <p:cNvGrpSpPr/>
+        <p:nvPr/>
+      </p:nvGrpSpPr>
+      <p:grpSpPr>
+        <a:xfrm>
+          <a:off x="0" y="0"/>
+          <a:ext cx="0" cy="0"/>
+          <a:chOff x="0" y="0"/>
+          <a:chExt cx="0" cy="0"/>
+        </a:xfrm>
+      </p:grpSpPr>
+      <p:sp>
+        <p:nvSpPr>
+          <p:cNvPr id="2" name="Segnaposto immagine diapositiva 1">
+            <a:extLst>
+              <a:ext uri="{FF2B5EF4-FFF2-40B4-BE49-F238E27FC236}">
+                <a16:creationId xmlns:a16="http://schemas.microsoft.com/office/drawing/2014/main" id="{D3F6D812-C288-6AE5-7F51-29638814F210}"/>
+              </a:ext>
+            </a:extLst>
+          </p:cNvPr>
+          <p:cNvSpPr>
+            <a:spLocks noGrp="1" noRot="1" noChangeAspect="1"/>
+          </p:cNvSpPr>
+          <p:nvPr>
+            <p:ph type="sldImg"/>
+          </p:nvPr>
+        </p:nvSpPr>
+        <p:spPr/>
+      </p:sp>
+      <p:sp>
+        <p:nvSpPr>
+          <p:cNvPr id="3" name="Segnaposto note 2">
+            <a:extLst>
+              <a:ext uri="{FF2B5EF4-FFF2-40B4-BE49-F238E27FC236}">
+                <a16:creationId xmlns:a16="http://schemas.microsoft.com/office/drawing/2014/main" id="{A2249702-0C7A-DBAC-D80F-8C832C9C03C8}"/>
+              </a:ext>
+            </a:extLst>
+          </p:cNvPr>
+          <p:cNvSpPr>
+            <a:spLocks noGrp="1"/>
+          </p:cNvSpPr>
+          <p:nvPr>
+            <p:ph type="body" idx="1"/>
+          </p:nvPr>
+        </p:nvSpPr>
+        <p:spPr/>
+        <p:txBody>
+          <a:bodyPr/>
+          <a:lstStyle/>
+          <a:p>
+            <a:endParaRPr lang="it-IT" dirty="0"/>
+          </a:p>
+        </p:txBody>
+      </p:sp>
+      <p:sp>
+        <p:nvSpPr>
+          <p:cNvPr id="4" name="Segnaposto numero diapositiva 3">
+            <a:extLst>
+              <a:ext uri="{FF2B5EF4-FFF2-40B4-BE49-F238E27FC236}">
+                <a16:creationId xmlns:a16="http://schemas.microsoft.com/office/drawing/2014/main" id="{9CC97CD8-0D91-AEC1-0507-93F1777F76E8}"/>
+              </a:ext>
+            </a:extLst>
+          </p:cNvPr>
+          <p:cNvSpPr>
+            <a:spLocks noGrp="1"/>
+          </p:cNvSpPr>
+          <p:nvPr>
+            <p:ph type="sldNum" sz="quarter" idx="5"/>
+          </p:nvPr>
+        </p:nvSpPr>
+        <p:spPr/>
+        <p:txBody>
+          <a:bodyPr/>
+          <a:lstStyle/>
+          <a:p>
+            <a:fld id="{79E7D7B2-511C-5746-97D1-507EEDB38854}" type="slidenum">
+              <a:rPr lang="it-IT" smtClean="0"/>
+              <a:t>12</a:t>
+            </a:fld>
+            <a:endParaRPr lang="it-IT"/>
+          </a:p>
+        </p:txBody>
+      </p:sp>
+    </p:spTree>
+    <p:extLst>
+      <p:ext uri="{BB962C8B-B14F-4D97-AF65-F5344CB8AC3E}">
+        <p14:creationId xmlns:p14="http://schemas.microsoft.com/office/powerpoint/2010/main" val="521754801"/>
+      </p:ext>
+    </p:extLst>
+  </p:cSld>
+  <p:clrMapOvr>
+    <a:masterClrMapping/>
+  </p:clrMapOvr>
+</p:notes>
+</file>
+
+<file path=ppt/notesSlides/notesSlide6.xml><?xml version="1.0" encoding="utf-8"?>
 <p:notes xmlns:a="http://schemas.openxmlformats.org/drawingml/2006/main" xmlns:r="http://schemas.openxmlformats.org/officeDocument/2006/relationships" xmlns:p="http://schemas.openxmlformats.org/presentationml/2006/main">
   <p:cSld>
     <p:spTree>
@@ -1191,7 +1742,91 @@
           <a:p>
             <a:fld id="{79E7D7B2-511C-5746-97D1-507EEDB38854}" type="slidenum">
               <a:rPr lang="it-IT" smtClean="0"/>
-              <a:t>15</a:t>
+              <a:t>14</a:t>
+            </a:fld>
+            <a:endParaRPr lang="it-IT"/>
+          </a:p>
+        </p:txBody>
+      </p:sp>
+    </p:spTree>
+    <p:extLst>
+      <p:ext uri="{BB962C8B-B14F-4D97-AF65-F5344CB8AC3E}">
+        <p14:creationId xmlns:p14="http://schemas.microsoft.com/office/powerpoint/2010/main" val="2025129087"/>
+      </p:ext>
+    </p:extLst>
+  </p:cSld>
+  <p:clrMapOvr>
+    <a:masterClrMapping/>
+  </p:clrMapOvr>
+</p:notes>
+</file>
+
+<file path=ppt/notesSlides/notesSlide7.xml><?xml version="1.0" encoding="utf-8"?>
+<p:notes xmlns:a="http://schemas.openxmlformats.org/drawingml/2006/main" xmlns:r="http://schemas.openxmlformats.org/officeDocument/2006/relationships" xmlns:p="http://schemas.openxmlformats.org/presentationml/2006/main">
+  <p:cSld>
+    <p:spTree>
+      <p:nvGrpSpPr>
+        <p:cNvPr id="1" name=""/>
+        <p:cNvGrpSpPr/>
+        <p:nvPr/>
+      </p:nvGrpSpPr>
+      <p:grpSpPr>
+        <a:xfrm>
+          <a:off x="0" y="0"/>
+          <a:ext cx="0" cy="0"/>
+          <a:chOff x="0" y="0"/>
+          <a:chExt cx="0" cy="0"/>
+        </a:xfrm>
+      </p:grpSpPr>
+      <p:sp>
+        <p:nvSpPr>
+          <p:cNvPr id="2" name="Segnaposto immagine diapositiva 1"/>
+          <p:cNvSpPr>
+            <a:spLocks noGrp="1" noRot="1" noChangeAspect="1"/>
+          </p:cNvSpPr>
+          <p:nvPr>
+            <p:ph type="sldImg"/>
+          </p:nvPr>
+        </p:nvSpPr>
+        <p:spPr/>
+      </p:sp>
+      <p:sp>
+        <p:nvSpPr>
+          <p:cNvPr id="3" name="Segnaposto note 2"/>
+          <p:cNvSpPr>
+            <a:spLocks noGrp="1"/>
+          </p:cNvSpPr>
+          <p:nvPr>
+            <p:ph type="body" idx="1"/>
+          </p:nvPr>
+        </p:nvSpPr>
+        <p:spPr/>
+        <p:txBody>
+          <a:bodyPr/>
+          <a:lstStyle/>
+          <a:p>
+            <a:endParaRPr lang="it-IT" dirty="0"/>
+          </a:p>
+        </p:txBody>
+      </p:sp>
+      <p:sp>
+        <p:nvSpPr>
+          <p:cNvPr id="4" name="Segnaposto numero diapositiva 3"/>
+          <p:cNvSpPr>
+            <a:spLocks noGrp="1"/>
+          </p:cNvSpPr>
+          <p:nvPr>
+            <p:ph type="sldNum" sz="quarter" idx="5"/>
+          </p:nvPr>
+        </p:nvSpPr>
+        <p:spPr/>
+        <p:txBody>
+          <a:bodyPr/>
+          <a:lstStyle/>
+          <a:p>
+            <a:fld id="{79E7D7B2-511C-5746-97D1-507EEDB38854}" type="slidenum">
+              <a:rPr lang="it-IT" smtClean="0"/>
+              <a:t>18</a:t>
             </a:fld>
             <a:endParaRPr lang="it-IT"/>
           </a:p>
@@ -1210,7 +1845,7 @@
 </p:notes>
 </file>
 
-<file path=ppt/notesSlides/notesSlide5.xml><?xml version="1.0" encoding="utf-8"?>
+<file path=ppt/notesSlides/notesSlide8.xml><?xml version="1.0" encoding="utf-8"?>
 <p:notes xmlns:a="http://schemas.openxmlformats.org/drawingml/2006/main" xmlns:r="http://schemas.openxmlformats.org/officeDocument/2006/relationships" xmlns:p="http://schemas.openxmlformats.org/presentationml/2006/main">
   <p:cSld>
     <p:spTree>
@@ -1299,7 +1934,7 @@
           <a:p>
             <a:fld id="{79E7D7B2-511C-5746-97D1-507EEDB38854}" type="slidenum">
               <a:rPr lang="it-IT" smtClean="0"/>
-              <a:t>16</a:t>
+              <a:t>19</a:t>
             </a:fld>
             <a:endParaRPr lang="it-IT"/>
           </a:p>
@@ -1318,7 +1953,7 @@
 </p:notes>
 </file>
 
-<file path=ppt/notesSlides/notesSlide6.xml><?xml version="1.0" encoding="utf-8"?>
+<file path=ppt/notesSlides/notesSlide9.xml><?xml version="1.0" encoding="utf-8"?>
 <p:notes xmlns:a="http://schemas.openxmlformats.org/drawingml/2006/main" xmlns:r="http://schemas.openxmlformats.org/officeDocument/2006/relationships" xmlns:p="http://schemas.openxmlformats.org/presentationml/2006/main">
   <p:cSld>
     <p:spTree>
@@ -1407,7 +2042,7 @@
           <a:p>
             <a:fld id="{79E7D7B2-511C-5746-97D1-507EEDB38854}" type="slidenum">
               <a:rPr lang="it-IT" smtClean="0"/>
-              <a:t>17</a:t>
+              <a:t>20</a:t>
             </a:fld>
             <a:endParaRPr lang="it-IT"/>
           </a:p>
@@ -1417,306 +2052,6 @@
     <p:extLst>
       <p:ext uri="{BB962C8B-B14F-4D97-AF65-F5344CB8AC3E}">
         <p14:creationId xmlns:p14="http://schemas.microsoft.com/office/powerpoint/2010/main" val="2875352542"/>
-      </p:ext>
-    </p:extLst>
-  </p:cSld>
-  <p:clrMapOvr>
-    <a:masterClrMapping/>
-  </p:clrMapOvr>
-</p:notes>
-</file>
-
-<file path=ppt/notesSlides/notesSlide7.xml><?xml version="1.0" encoding="utf-8"?>
-<p:notes xmlns:a="http://schemas.openxmlformats.org/drawingml/2006/main" xmlns:r="http://schemas.openxmlformats.org/officeDocument/2006/relationships" xmlns:p="http://schemas.openxmlformats.org/presentationml/2006/main">
-  <p:cSld>
-    <p:spTree>
-      <p:nvGrpSpPr>
-        <p:cNvPr id="1" name="">
-          <a:extLst>
-            <a:ext uri="{FF2B5EF4-FFF2-40B4-BE49-F238E27FC236}">
-              <a16:creationId xmlns:a16="http://schemas.microsoft.com/office/drawing/2014/main" id="{52B55BF8-083B-524E-1C89-752B272345DB}"/>
-            </a:ext>
-          </a:extLst>
-        </p:cNvPr>
-        <p:cNvGrpSpPr/>
-        <p:nvPr/>
-      </p:nvGrpSpPr>
-      <p:grpSpPr>
-        <a:xfrm>
-          <a:off x="0" y="0"/>
-          <a:ext cx="0" cy="0"/>
-          <a:chOff x="0" y="0"/>
-          <a:chExt cx="0" cy="0"/>
-        </a:xfrm>
-      </p:grpSpPr>
-      <p:sp>
-        <p:nvSpPr>
-          <p:cNvPr id="2" name="Segnaposto immagine diapositiva 1">
-            <a:extLst>
-              <a:ext uri="{FF2B5EF4-FFF2-40B4-BE49-F238E27FC236}">
-                <a16:creationId xmlns:a16="http://schemas.microsoft.com/office/drawing/2014/main" id="{F6EC22F7-4A8F-7B1D-3392-1F8A1F98F848}"/>
-              </a:ext>
-            </a:extLst>
-          </p:cNvPr>
-          <p:cNvSpPr>
-            <a:spLocks noGrp="1" noRot="1" noChangeAspect="1"/>
-          </p:cNvSpPr>
-          <p:nvPr>
-            <p:ph type="sldImg"/>
-          </p:nvPr>
-        </p:nvSpPr>
-        <p:spPr/>
-      </p:sp>
-      <p:sp>
-        <p:nvSpPr>
-          <p:cNvPr id="3" name="Segnaposto note 2">
-            <a:extLst>
-              <a:ext uri="{FF2B5EF4-FFF2-40B4-BE49-F238E27FC236}">
-                <a16:creationId xmlns:a16="http://schemas.microsoft.com/office/drawing/2014/main" id="{31348C23-6933-7107-B9C7-98C2CE84EF2E}"/>
-              </a:ext>
-            </a:extLst>
-          </p:cNvPr>
-          <p:cNvSpPr>
-            <a:spLocks noGrp="1"/>
-          </p:cNvSpPr>
-          <p:nvPr>
-            <p:ph type="body" idx="1"/>
-          </p:nvPr>
-        </p:nvSpPr>
-        <p:spPr/>
-        <p:txBody>
-          <a:bodyPr/>
-          <a:lstStyle/>
-          <a:p>
-            <a:endParaRPr lang="it-IT" dirty="0"/>
-          </a:p>
-        </p:txBody>
-      </p:sp>
-      <p:sp>
-        <p:nvSpPr>
-          <p:cNvPr id="4" name="Segnaposto numero diapositiva 3">
-            <a:extLst>
-              <a:ext uri="{FF2B5EF4-FFF2-40B4-BE49-F238E27FC236}">
-                <a16:creationId xmlns:a16="http://schemas.microsoft.com/office/drawing/2014/main" id="{E5933D01-B0C5-6071-8176-2D03BB8752A1}"/>
-              </a:ext>
-            </a:extLst>
-          </p:cNvPr>
-          <p:cNvSpPr>
-            <a:spLocks noGrp="1"/>
-          </p:cNvSpPr>
-          <p:nvPr>
-            <p:ph type="sldNum" sz="quarter" idx="5"/>
-          </p:nvPr>
-        </p:nvSpPr>
-        <p:spPr/>
-        <p:txBody>
-          <a:bodyPr/>
-          <a:lstStyle/>
-          <a:p>
-            <a:fld id="{79E7D7B2-511C-5746-97D1-507EEDB38854}" type="slidenum">
-              <a:rPr lang="it-IT" smtClean="0"/>
-              <a:t>18</a:t>
-            </a:fld>
-            <a:endParaRPr lang="it-IT"/>
-          </a:p>
-        </p:txBody>
-      </p:sp>
-    </p:spTree>
-    <p:extLst>
-      <p:ext uri="{BB962C8B-B14F-4D97-AF65-F5344CB8AC3E}">
-        <p14:creationId xmlns:p14="http://schemas.microsoft.com/office/powerpoint/2010/main" val="3634645668"/>
-      </p:ext>
-    </p:extLst>
-  </p:cSld>
-  <p:clrMapOvr>
-    <a:masterClrMapping/>
-  </p:clrMapOvr>
-</p:notes>
-</file>
-
-<file path=ppt/notesSlides/notesSlide8.xml><?xml version="1.0" encoding="utf-8"?>
-<p:notes xmlns:a="http://schemas.openxmlformats.org/drawingml/2006/main" xmlns:r="http://schemas.openxmlformats.org/officeDocument/2006/relationships" xmlns:p="http://schemas.openxmlformats.org/presentationml/2006/main">
-  <p:cSld>
-    <p:spTree>
-      <p:nvGrpSpPr>
-        <p:cNvPr id="1" name="">
-          <a:extLst>
-            <a:ext uri="{FF2B5EF4-FFF2-40B4-BE49-F238E27FC236}">
-              <a16:creationId xmlns:a16="http://schemas.microsoft.com/office/drawing/2014/main" id="{5815BD8A-C6DB-99F9-6119-3C61C1F4748D}"/>
-            </a:ext>
-          </a:extLst>
-        </p:cNvPr>
-        <p:cNvGrpSpPr/>
-        <p:nvPr/>
-      </p:nvGrpSpPr>
-      <p:grpSpPr>
-        <a:xfrm>
-          <a:off x="0" y="0"/>
-          <a:ext cx="0" cy="0"/>
-          <a:chOff x="0" y="0"/>
-          <a:chExt cx="0" cy="0"/>
-        </a:xfrm>
-      </p:grpSpPr>
-      <p:sp>
-        <p:nvSpPr>
-          <p:cNvPr id="2" name="Segnaposto immagine diapositiva 1">
-            <a:extLst>
-              <a:ext uri="{FF2B5EF4-FFF2-40B4-BE49-F238E27FC236}">
-                <a16:creationId xmlns:a16="http://schemas.microsoft.com/office/drawing/2014/main" id="{4F9E6890-884A-23DB-1383-5C7E6CF91A18}"/>
-              </a:ext>
-            </a:extLst>
-          </p:cNvPr>
-          <p:cNvSpPr>
-            <a:spLocks noGrp="1" noRot="1" noChangeAspect="1"/>
-          </p:cNvSpPr>
-          <p:nvPr>
-            <p:ph type="sldImg"/>
-          </p:nvPr>
-        </p:nvSpPr>
-        <p:spPr/>
-      </p:sp>
-      <p:sp>
-        <p:nvSpPr>
-          <p:cNvPr id="3" name="Segnaposto note 2">
-            <a:extLst>
-              <a:ext uri="{FF2B5EF4-FFF2-40B4-BE49-F238E27FC236}">
-                <a16:creationId xmlns:a16="http://schemas.microsoft.com/office/drawing/2014/main" id="{B4F2FAB7-100A-868A-D322-9D441631C33F}"/>
-              </a:ext>
-            </a:extLst>
-          </p:cNvPr>
-          <p:cNvSpPr>
-            <a:spLocks noGrp="1"/>
-          </p:cNvSpPr>
-          <p:nvPr>
-            <p:ph type="body" idx="1"/>
-          </p:nvPr>
-        </p:nvSpPr>
-        <p:spPr/>
-        <p:txBody>
-          <a:bodyPr/>
-          <a:lstStyle/>
-          <a:p>
-            <a:endParaRPr lang="it-IT" dirty="0"/>
-          </a:p>
-        </p:txBody>
-      </p:sp>
-      <p:sp>
-        <p:nvSpPr>
-          <p:cNvPr id="4" name="Segnaposto numero diapositiva 3">
-            <a:extLst>
-              <a:ext uri="{FF2B5EF4-FFF2-40B4-BE49-F238E27FC236}">
-                <a16:creationId xmlns:a16="http://schemas.microsoft.com/office/drawing/2014/main" id="{55A6C7D5-74B6-8EFA-E4CA-27CDA0D3DB72}"/>
-              </a:ext>
-            </a:extLst>
-          </p:cNvPr>
-          <p:cNvSpPr>
-            <a:spLocks noGrp="1"/>
-          </p:cNvSpPr>
-          <p:nvPr>
-            <p:ph type="sldNum" sz="quarter" idx="5"/>
-          </p:nvPr>
-        </p:nvSpPr>
-        <p:spPr/>
-        <p:txBody>
-          <a:bodyPr/>
-          <a:lstStyle/>
-          <a:p>
-            <a:fld id="{79E7D7B2-511C-5746-97D1-507EEDB38854}" type="slidenum">
-              <a:rPr lang="it-IT" smtClean="0"/>
-              <a:t>19</a:t>
-            </a:fld>
-            <a:endParaRPr lang="it-IT"/>
-          </a:p>
-        </p:txBody>
-      </p:sp>
-    </p:spTree>
-    <p:extLst>
-      <p:ext uri="{BB962C8B-B14F-4D97-AF65-F5344CB8AC3E}">
-        <p14:creationId xmlns:p14="http://schemas.microsoft.com/office/powerpoint/2010/main" val="295477480"/>
-      </p:ext>
-    </p:extLst>
-  </p:cSld>
-  <p:clrMapOvr>
-    <a:masterClrMapping/>
-  </p:clrMapOvr>
-</p:notes>
-</file>
-
-<file path=ppt/notesSlides/notesSlide9.xml><?xml version="1.0" encoding="utf-8"?>
-<p:notes xmlns:a="http://schemas.openxmlformats.org/drawingml/2006/main" xmlns:r="http://schemas.openxmlformats.org/officeDocument/2006/relationships" xmlns:p="http://schemas.openxmlformats.org/presentationml/2006/main">
-  <p:cSld>
-    <p:spTree>
-      <p:nvGrpSpPr>
-        <p:cNvPr id="1" name=""/>
-        <p:cNvGrpSpPr/>
-        <p:nvPr/>
-      </p:nvGrpSpPr>
-      <p:grpSpPr>
-        <a:xfrm>
-          <a:off x="0" y="0"/>
-          <a:ext cx="0" cy="0"/>
-          <a:chOff x="0" y="0"/>
-          <a:chExt cx="0" cy="0"/>
-        </a:xfrm>
-      </p:grpSpPr>
-      <p:sp>
-        <p:nvSpPr>
-          <p:cNvPr id="2" name="Segnaposto immagine diapositiva 1"/>
-          <p:cNvSpPr>
-            <a:spLocks noGrp="1" noRot="1" noChangeAspect="1"/>
-          </p:cNvSpPr>
-          <p:nvPr>
-            <p:ph type="sldImg"/>
-          </p:nvPr>
-        </p:nvSpPr>
-        <p:spPr/>
-      </p:sp>
-      <p:sp>
-        <p:nvSpPr>
-          <p:cNvPr id="3" name="Segnaposto note 2"/>
-          <p:cNvSpPr>
-            <a:spLocks noGrp="1"/>
-          </p:cNvSpPr>
-          <p:nvPr>
-            <p:ph type="body" idx="1"/>
-          </p:nvPr>
-        </p:nvSpPr>
-        <p:spPr/>
-        <p:txBody>
-          <a:bodyPr/>
-          <a:lstStyle/>
-          <a:p>
-            <a:endParaRPr lang="it-IT" dirty="0"/>
-          </a:p>
-        </p:txBody>
-      </p:sp>
-      <p:sp>
-        <p:nvSpPr>
-          <p:cNvPr id="4" name="Segnaposto numero diapositiva 3"/>
-          <p:cNvSpPr>
-            <a:spLocks noGrp="1"/>
-          </p:cNvSpPr>
-          <p:nvPr>
-            <p:ph type="sldNum" sz="quarter" idx="5"/>
-          </p:nvPr>
-        </p:nvSpPr>
-        <p:spPr/>
-        <p:txBody>
-          <a:bodyPr/>
-          <a:lstStyle/>
-          <a:p>
-            <a:fld id="{79E7D7B2-511C-5746-97D1-507EEDB38854}" type="slidenum">
-              <a:rPr lang="it-IT" smtClean="0"/>
-              <a:t>22</a:t>
-            </a:fld>
-            <a:endParaRPr lang="it-IT"/>
-          </a:p>
-        </p:txBody>
-      </p:sp>
-    </p:spTree>
-    <p:extLst>
-      <p:ext uri="{BB962C8B-B14F-4D97-AF65-F5344CB8AC3E}">
-        <p14:creationId xmlns:p14="http://schemas.microsoft.com/office/powerpoint/2010/main" val="930307306"/>
       </p:ext>
     </p:extLst>
   </p:cSld>
@@ -5033,6 +5368,450 @@
         <p:cNvPr id="1" name="">
           <a:extLst>
             <a:ext uri="{FF2B5EF4-FFF2-40B4-BE49-F238E27FC236}">
+              <a16:creationId xmlns:a16="http://schemas.microsoft.com/office/drawing/2014/main" id="{2B0E1EDF-55CD-DA26-B19B-F8FFBC2D7CCA}"/>
+            </a:ext>
+          </a:extLst>
+        </p:cNvPr>
+        <p:cNvGrpSpPr/>
+        <p:nvPr/>
+      </p:nvGrpSpPr>
+      <p:grpSpPr>
+        <a:xfrm>
+          <a:off x="0" y="0"/>
+          <a:ext cx="0" cy="0"/>
+          <a:chOff x="0" y="0"/>
+          <a:chExt cx="0" cy="0"/>
+        </a:xfrm>
+      </p:grpSpPr>
+      <p:sp>
+        <p:nvSpPr>
+          <p:cNvPr id="2" name="Segnaposto testo 1">
+            <a:extLst>
+              <a:ext uri="{FF2B5EF4-FFF2-40B4-BE49-F238E27FC236}">
+                <a16:creationId xmlns:a16="http://schemas.microsoft.com/office/drawing/2014/main" id="{F8214B44-AB1E-5172-363F-F5EB2ECDD2B6}"/>
+              </a:ext>
+            </a:extLst>
+          </p:cNvPr>
+          <p:cNvSpPr>
+            <a:spLocks noGrp="1"/>
+          </p:cNvSpPr>
+          <p:nvPr>
+            <p:ph type="body" sz="quarter" idx="14"/>
+          </p:nvPr>
+        </p:nvSpPr>
+        <p:spPr/>
+        <p:txBody>
+          <a:bodyPr/>
+          <a:lstStyle/>
+          <a:p>
+            <a:r>
+              <a:rPr lang="it-IT" b="1" dirty="0"/>
+              <a:t>MyPortfolio - </a:t>
+            </a:r>
+            <a:r>
+              <a:rPr lang="it-IT" dirty="0">
+                <a:latin typeface="Verdana" panose="020B0604030504040204" pitchFamily="34" charset="0"/>
+                <a:ea typeface="Verdana" panose="020B0604030504040204" pitchFamily="34" charset="0"/>
+                <a:cs typeface="Verdana" panose="020B0604030504040204" pitchFamily="34" charset="0"/>
+              </a:rPr>
+              <a:t>Implementazione di una piattaforma Backend + Frontend con architettura API RESTful – Andrea Neri</a:t>
+            </a:r>
+          </a:p>
+          <a:p>
+            <a:endParaRPr lang="it-IT" dirty="0"/>
+          </a:p>
+          <a:p>
+            <a:endParaRPr lang="it-IT" dirty="0"/>
+          </a:p>
+        </p:txBody>
+      </p:sp>
+      <p:sp>
+        <p:nvSpPr>
+          <p:cNvPr id="4" name="Titolo 3">
+            <a:extLst>
+              <a:ext uri="{FF2B5EF4-FFF2-40B4-BE49-F238E27FC236}">
+                <a16:creationId xmlns:a16="http://schemas.microsoft.com/office/drawing/2014/main" id="{DC62FC43-D5DE-C39B-305D-DC2DDB00A64D}"/>
+              </a:ext>
+            </a:extLst>
+          </p:cNvPr>
+          <p:cNvSpPr>
+            <a:spLocks noGrp="1"/>
+          </p:cNvSpPr>
+          <p:nvPr>
+            <p:ph type="title"/>
+          </p:nvPr>
+        </p:nvSpPr>
+        <p:spPr>
+          <a:xfrm>
+            <a:off x="112294" y="1044092"/>
+            <a:ext cx="3651753" cy="578690"/>
+          </a:xfrm>
+        </p:spPr>
+        <p:txBody>
+          <a:bodyPr/>
+          <a:lstStyle/>
+          <a:p>
+            <a:r>
+              <a:rPr lang="it-IT" dirty="0"/>
+              <a:t>Deployment </a:t>
+            </a:r>
+            <a:r>
+              <a:rPr lang="it-IT" dirty="0" err="1"/>
+              <a:t>Diagram</a:t>
+            </a:r>
+            <a:endParaRPr lang="it-IT" dirty="0"/>
+          </a:p>
+        </p:txBody>
+      </p:sp>
+      <p:pic>
+        <p:nvPicPr>
+          <p:cNvPr id="11" name="Immagine 10">
+            <a:extLst>
+              <a:ext uri="{FF2B5EF4-FFF2-40B4-BE49-F238E27FC236}">
+                <a16:creationId xmlns:a16="http://schemas.microsoft.com/office/drawing/2014/main" id="{A4FB6DDD-FC5C-3F40-C468-6DA2E9393CED}"/>
+              </a:ext>
+            </a:extLst>
+          </p:cNvPr>
+          <p:cNvPicPr>
+            <a:picLocks noChangeAspect="1"/>
+          </p:cNvPicPr>
+          <p:nvPr/>
+        </p:nvPicPr>
+        <p:blipFill>
+          <a:blip r:embed="rId3"/>
+          <a:stretch>
+            <a:fillRect/>
+          </a:stretch>
+        </p:blipFill>
+        <p:spPr>
+          <a:xfrm>
+            <a:off x="3667794" y="94457"/>
+            <a:ext cx="8411911" cy="6463052"/>
+          </a:xfrm>
+          <a:prstGeom prst="rect">
+            <a:avLst/>
+          </a:prstGeom>
+        </p:spPr>
+      </p:pic>
+    </p:spTree>
+    <p:extLst>
+      <p:ext uri="{BB962C8B-B14F-4D97-AF65-F5344CB8AC3E}">
+        <p14:creationId xmlns:p14="http://schemas.microsoft.com/office/powerpoint/2010/main" val="453879014"/>
+      </p:ext>
+    </p:extLst>
+  </p:cSld>
+  <p:clrMapOvr>
+    <a:masterClrMapping/>
+  </p:clrMapOvr>
+</p:sld>
+</file>
+
+<file path=ppt/slides/slide11.xml><?xml version="1.0" encoding="utf-8"?>
+<p:sld xmlns:a="http://schemas.openxmlformats.org/drawingml/2006/main" xmlns:r="http://schemas.openxmlformats.org/officeDocument/2006/relationships" xmlns:p="http://schemas.openxmlformats.org/presentationml/2006/main">
+  <p:cSld>
+    <p:spTree>
+      <p:nvGrpSpPr>
+        <p:cNvPr id="1" name="">
+          <a:extLst>
+            <a:ext uri="{FF2B5EF4-FFF2-40B4-BE49-F238E27FC236}">
+              <a16:creationId xmlns:a16="http://schemas.microsoft.com/office/drawing/2014/main" id="{BF2A922F-D4AE-B4E9-F3ED-A1271E2DF229}"/>
+            </a:ext>
+          </a:extLst>
+        </p:cNvPr>
+        <p:cNvGrpSpPr/>
+        <p:nvPr/>
+      </p:nvGrpSpPr>
+      <p:grpSpPr>
+        <a:xfrm>
+          <a:off x="0" y="0"/>
+          <a:ext cx="0" cy="0"/>
+          <a:chOff x="0" y="0"/>
+          <a:chExt cx="0" cy="0"/>
+        </a:xfrm>
+      </p:grpSpPr>
+      <p:sp>
+        <p:nvSpPr>
+          <p:cNvPr id="2" name="Segnaposto testo 1">
+            <a:extLst>
+              <a:ext uri="{FF2B5EF4-FFF2-40B4-BE49-F238E27FC236}">
+                <a16:creationId xmlns:a16="http://schemas.microsoft.com/office/drawing/2014/main" id="{0E7CCC0B-20BD-D055-43CB-20D1403E8A1D}"/>
+              </a:ext>
+            </a:extLst>
+          </p:cNvPr>
+          <p:cNvSpPr>
+            <a:spLocks noGrp="1"/>
+          </p:cNvSpPr>
+          <p:nvPr>
+            <p:ph type="body" sz="quarter" idx="14"/>
+          </p:nvPr>
+        </p:nvSpPr>
+        <p:spPr/>
+        <p:txBody>
+          <a:bodyPr/>
+          <a:lstStyle/>
+          <a:p>
+            <a:r>
+              <a:rPr lang="it-IT" b="1" dirty="0"/>
+              <a:t>MyPortfolio - </a:t>
+            </a:r>
+            <a:r>
+              <a:rPr lang="it-IT" dirty="0">
+                <a:latin typeface="Verdana" panose="020B0604030504040204" pitchFamily="34" charset="0"/>
+                <a:ea typeface="Verdana" panose="020B0604030504040204" pitchFamily="34" charset="0"/>
+                <a:cs typeface="Verdana" panose="020B0604030504040204" pitchFamily="34" charset="0"/>
+              </a:rPr>
+              <a:t>Implementazione di una piattaforma Backend + Frontend con architettura API RESTful – Andrea Neri</a:t>
+            </a:r>
+          </a:p>
+          <a:p>
+            <a:endParaRPr lang="it-IT" dirty="0"/>
+          </a:p>
+          <a:p>
+            <a:endParaRPr lang="it-IT" dirty="0"/>
+          </a:p>
+        </p:txBody>
+      </p:sp>
+      <p:sp>
+        <p:nvSpPr>
+          <p:cNvPr id="4" name="Titolo 3">
+            <a:extLst>
+              <a:ext uri="{FF2B5EF4-FFF2-40B4-BE49-F238E27FC236}">
+                <a16:creationId xmlns:a16="http://schemas.microsoft.com/office/drawing/2014/main" id="{69AF486F-23D4-F223-5E07-7267F5857797}"/>
+              </a:ext>
+            </a:extLst>
+          </p:cNvPr>
+          <p:cNvSpPr>
+            <a:spLocks noGrp="1"/>
+          </p:cNvSpPr>
+          <p:nvPr>
+            <p:ph type="title"/>
+          </p:nvPr>
+        </p:nvSpPr>
+        <p:spPr>
+          <a:xfrm>
+            <a:off x="775868" y="958052"/>
+            <a:ext cx="3998263" cy="578690"/>
+          </a:xfrm>
+        </p:spPr>
+        <p:txBody>
+          <a:bodyPr/>
+          <a:lstStyle/>
+          <a:p>
+            <a:r>
+              <a:rPr lang="it-IT" dirty="0"/>
+              <a:t>Use Cases </a:t>
+            </a:r>
+            <a:r>
+              <a:rPr lang="it-IT" dirty="0" err="1"/>
+              <a:t>Diagram</a:t>
+            </a:r>
+            <a:r>
+              <a:rPr lang="it-IT" dirty="0"/>
+              <a:t> - 1</a:t>
+            </a:r>
+          </a:p>
+        </p:txBody>
+      </p:sp>
+      <p:pic>
+        <p:nvPicPr>
+          <p:cNvPr id="7" name="Immagine 6">
+            <a:extLst>
+              <a:ext uri="{FF2B5EF4-FFF2-40B4-BE49-F238E27FC236}">
+                <a16:creationId xmlns:a16="http://schemas.microsoft.com/office/drawing/2014/main" id="{480C3173-96ED-2626-4997-75FEB0AF0743}"/>
+              </a:ext>
+            </a:extLst>
+          </p:cNvPr>
+          <p:cNvPicPr>
+            <a:picLocks noChangeAspect="1"/>
+          </p:cNvPicPr>
+          <p:nvPr/>
+        </p:nvPicPr>
+        <p:blipFill>
+          <a:blip r:embed="rId3"/>
+          <a:stretch>
+            <a:fillRect/>
+          </a:stretch>
+        </p:blipFill>
+        <p:spPr>
+          <a:xfrm>
+            <a:off x="4659428" y="575473"/>
+            <a:ext cx="7093987" cy="5507693"/>
+          </a:xfrm>
+          <a:prstGeom prst="rect">
+            <a:avLst/>
+          </a:prstGeom>
+        </p:spPr>
+      </p:pic>
+    </p:spTree>
+    <p:extLst>
+      <p:ext uri="{BB962C8B-B14F-4D97-AF65-F5344CB8AC3E}">
+        <p14:creationId xmlns:p14="http://schemas.microsoft.com/office/powerpoint/2010/main" val="3249814982"/>
+      </p:ext>
+    </p:extLst>
+  </p:cSld>
+  <p:clrMapOvr>
+    <a:masterClrMapping/>
+  </p:clrMapOvr>
+</p:sld>
+</file>
+
+<file path=ppt/slides/slide12.xml><?xml version="1.0" encoding="utf-8"?>
+<p:sld xmlns:a="http://schemas.openxmlformats.org/drawingml/2006/main" xmlns:r="http://schemas.openxmlformats.org/officeDocument/2006/relationships" xmlns:p="http://schemas.openxmlformats.org/presentationml/2006/main">
+  <p:cSld>
+    <p:spTree>
+      <p:nvGrpSpPr>
+        <p:cNvPr id="1" name="">
+          <a:extLst>
+            <a:ext uri="{FF2B5EF4-FFF2-40B4-BE49-F238E27FC236}">
+              <a16:creationId xmlns:a16="http://schemas.microsoft.com/office/drawing/2014/main" id="{26A32AEE-CD64-09D3-8989-2CAE89E22E97}"/>
+            </a:ext>
+          </a:extLst>
+        </p:cNvPr>
+        <p:cNvGrpSpPr/>
+        <p:nvPr/>
+      </p:nvGrpSpPr>
+      <p:grpSpPr>
+        <a:xfrm>
+          <a:off x="0" y="0"/>
+          <a:ext cx="0" cy="0"/>
+          <a:chOff x="0" y="0"/>
+          <a:chExt cx="0" cy="0"/>
+        </a:xfrm>
+      </p:grpSpPr>
+      <p:sp>
+        <p:nvSpPr>
+          <p:cNvPr id="2" name="Segnaposto testo 1">
+            <a:extLst>
+              <a:ext uri="{FF2B5EF4-FFF2-40B4-BE49-F238E27FC236}">
+                <a16:creationId xmlns:a16="http://schemas.microsoft.com/office/drawing/2014/main" id="{7A833309-A088-2637-AA86-D09A22F97640}"/>
+              </a:ext>
+            </a:extLst>
+          </p:cNvPr>
+          <p:cNvSpPr>
+            <a:spLocks noGrp="1"/>
+          </p:cNvSpPr>
+          <p:nvPr>
+            <p:ph type="body" sz="quarter" idx="14"/>
+          </p:nvPr>
+        </p:nvSpPr>
+        <p:spPr/>
+        <p:txBody>
+          <a:bodyPr/>
+          <a:lstStyle/>
+          <a:p>
+            <a:r>
+              <a:rPr lang="it-IT" b="1" dirty="0"/>
+              <a:t>MyPortfolio - </a:t>
+            </a:r>
+            <a:r>
+              <a:rPr lang="it-IT" dirty="0">
+                <a:latin typeface="Verdana" panose="020B0604030504040204" pitchFamily="34" charset="0"/>
+                <a:ea typeface="Verdana" panose="020B0604030504040204" pitchFamily="34" charset="0"/>
+                <a:cs typeface="Verdana" panose="020B0604030504040204" pitchFamily="34" charset="0"/>
+              </a:rPr>
+              <a:t>Implementazione di una piattaforma Backend + Frontend con architettura API RESTful – Andrea Neri</a:t>
+            </a:r>
+          </a:p>
+          <a:p>
+            <a:endParaRPr lang="it-IT" dirty="0"/>
+          </a:p>
+          <a:p>
+            <a:endParaRPr lang="it-IT" dirty="0"/>
+          </a:p>
+        </p:txBody>
+      </p:sp>
+      <p:sp>
+        <p:nvSpPr>
+          <p:cNvPr id="4" name="Titolo 3">
+            <a:extLst>
+              <a:ext uri="{FF2B5EF4-FFF2-40B4-BE49-F238E27FC236}">
+                <a16:creationId xmlns:a16="http://schemas.microsoft.com/office/drawing/2014/main" id="{A91F4542-4310-634C-7F37-ACB47785A54E}"/>
+              </a:ext>
+            </a:extLst>
+          </p:cNvPr>
+          <p:cNvSpPr>
+            <a:spLocks noGrp="1"/>
+          </p:cNvSpPr>
+          <p:nvPr>
+            <p:ph type="title"/>
+          </p:nvPr>
+        </p:nvSpPr>
+        <p:spPr>
+          <a:xfrm>
+            <a:off x="775868" y="958052"/>
+            <a:ext cx="3998263" cy="578690"/>
+          </a:xfrm>
+        </p:spPr>
+        <p:txBody>
+          <a:bodyPr/>
+          <a:lstStyle/>
+          <a:p>
+            <a:r>
+              <a:rPr lang="it-IT" dirty="0"/>
+              <a:t>Use Cases </a:t>
+            </a:r>
+            <a:r>
+              <a:rPr lang="it-IT" dirty="0" err="1"/>
+              <a:t>Diagram</a:t>
+            </a:r>
+            <a:r>
+              <a:rPr lang="it-IT" dirty="0"/>
+              <a:t> - 2</a:t>
+            </a:r>
+          </a:p>
+        </p:txBody>
+      </p:sp>
+      <p:pic>
+        <p:nvPicPr>
+          <p:cNvPr id="5" name="Immagine 4">
+            <a:extLst>
+              <a:ext uri="{FF2B5EF4-FFF2-40B4-BE49-F238E27FC236}">
+                <a16:creationId xmlns:a16="http://schemas.microsoft.com/office/drawing/2014/main" id="{622614FB-D12C-7902-313E-53EFDEE63C7F}"/>
+              </a:ext>
+            </a:extLst>
+          </p:cNvPr>
+          <p:cNvPicPr>
+            <a:picLocks noChangeAspect="1"/>
+          </p:cNvPicPr>
+          <p:nvPr/>
+        </p:nvPicPr>
+        <p:blipFill>
+          <a:blip r:embed="rId3"/>
+          <a:stretch>
+            <a:fillRect/>
+          </a:stretch>
+        </p:blipFill>
+        <p:spPr>
+          <a:xfrm>
+            <a:off x="2219325" y="1536742"/>
+            <a:ext cx="7753350" cy="4772025"/>
+          </a:xfrm>
+          <a:prstGeom prst="rect">
+            <a:avLst/>
+          </a:prstGeom>
+        </p:spPr>
+      </p:pic>
+    </p:spTree>
+    <p:extLst>
+      <p:ext uri="{BB962C8B-B14F-4D97-AF65-F5344CB8AC3E}">
+        <p14:creationId xmlns:p14="http://schemas.microsoft.com/office/powerpoint/2010/main" val="1236606359"/>
+      </p:ext>
+    </p:extLst>
+  </p:cSld>
+  <p:clrMapOvr>
+    <a:masterClrMapping/>
+  </p:clrMapOvr>
+</p:sld>
+</file>
+
+<file path=ppt/slides/slide13.xml><?xml version="1.0" encoding="utf-8"?>
+<p:sld xmlns:a="http://schemas.openxmlformats.org/drawingml/2006/main" xmlns:r="http://schemas.openxmlformats.org/officeDocument/2006/relationships" xmlns:p="http://schemas.openxmlformats.org/presentationml/2006/main">
+  <p:cSld>
+    <p:spTree>
+      <p:nvGrpSpPr>
+        <p:cNvPr id="1" name="">
+          <a:extLst>
+            <a:ext uri="{FF2B5EF4-FFF2-40B4-BE49-F238E27FC236}">
               <a16:creationId xmlns:a16="http://schemas.microsoft.com/office/drawing/2014/main" id="{39179349-19A4-B25F-87D5-C7C96A47CF08}"/>
             </a:ext>
           </a:extLst>
@@ -5166,7 +5945,7 @@
 </p:sld>
 </file>
 
-<file path=ppt/slides/slide11.xml><?xml version="1.0" encoding="utf-8"?>
+<file path=ppt/slides/slide14.xml><?xml version="1.0" encoding="utf-8"?>
 <p:sld xmlns:a="http://schemas.openxmlformats.org/drawingml/2006/main" xmlns:r="http://schemas.openxmlformats.org/officeDocument/2006/relationships" xmlns:p="http://schemas.openxmlformats.org/presentationml/2006/main">
   <p:cSld>
     <p:spTree>
@@ -5804,7 +6583,7 @@
 </p:sld>
 </file>
 
-<file path=ppt/slides/slide12.xml><?xml version="1.0" encoding="utf-8"?>
+<file path=ppt/slides/slide15.xml><?xml version="1.0" encoding="utf-8"?>
 <p:sld xmlns:a="http://schemas.openxmlformats.org/drawingml/2006/main" xmlns:r="http://schemas.openxmlformats.org/officeDocument/2006/relationships" xmlns:p="http://schemas.openxmlformats.org/presentationml/2006/main">
   <p:cSld>
     <p:spTree>
@@ -5945,7 +6724,7 @@
 </p:sld>
 </file>
 
-<file path=ppt/slides/slide13.xml><?xml version="1.0" encoding="utf-8"?>
+<file path=ppt/slides/slide16.xml><?xml version="1.0" encoding="utf-8"?>
 <p:sld xmlns:a="http://schemas.openxmlformats.org/drawingml/2006/main" xmlns:r="http://schemas.openxmlformats.org/officeDocument/2006/relationships" xmlns:p="http://schemas.openxmlformats.org/presentationml/2006/main">
   <p:cSld>
     <p:spTree>
@@ -6116,7 +6895,7 @@
 </p:sld>
 </file>
 
-<file path=ppt/slides/slide14.xml><?xml version="1.0" encoding="utf-8"?>
+<file path=ppt/slides/slide17.xml><?xml version="1.0" encoding="utf-8"?>
 <p:sld xmlns:a="http://schemas.openxmlformats.org/drawingml/2006/main" xmlns:r="http://schemas.openxmlformats.org/officeDocument/2006/relationships" xmlns:p="http://schemas.openxmlformats.org/presentationml/2006/main">
   <p:cSld>
     <p:spTree>
@@ -6336,10 +7115,10 @@
       </p:sp>
       <p:pic>
         <p:nvPicPr>
-          <p:cNvPr id="6" name="Immagine 5">
-            <a:extLst>
-              <a:ext uri="{FF2B5EF4-FFF2-40B4-BE49-F238E27FC236}">
-                <a16:creationId xmlns:a16="http://schemas.microsoft.com/office/drawing/2014/main" id="{E3D165BA-15AA-12A2-98DF-CD59EF4FA7DE}"/>
+          <p:cNvPr id="9" name="Immagine 8">
+            <a:extLst>
+              <a:ext uri="{FF2B5EF4-FFF2-40B4-BE49-F238E27FC236}">
+                <a16:creationId xmlns:a16="http://schemas.microsoft.com/office/drawing/2014/main" id="{90B8E6D4-DA07-D8F9-B571-E54C193620BD}"/>
               </a:ext>
             </a:extLst>
           </p:cNvPr>
@@ -6350,13 +7129,14 @@
         </p:nvPicPr>
         <p:blipFill>
           <a:blip r:embed="rId2"/>
-          <a:srcRect t="6451" b="8065"/>
-          <a:stretch/>
+          <a:stretch>
+            <a:fillRect/>
+          </a:stretch>
         </p:blipFill>
         <p:spPr>
           <a:xfrm>
-            <a:off x="1379508" y="4635062"/>
-            <a:ext cx="9432983" cy="1671145"/>
+            <a:off x="2251850" y="4632107"/>
+            <a:ext cx="7688297" cy="1773342"/>
           </a:xfrm>
           <a:prstGeom prst="rect">
             <a:avLst/>
@@ -6376,7 +7156,7 @@
 </p:sld>
 </file>
 
-<file path=ppt/slides/slide15.xml><?xml version="1.0" encoding="utf-8"?>
+<file path=ppt/slides/slide18.xml><?xml version="1.0" encoding="utf-8"?>
 <p:sld xmlns:a="http://schemas.openxmlformats.org/drawingml/2006/main" xmlns:r="http://schemas.openxmlformats.org/officeDocument/2006/relationships" xmlns:p="http://schemas.openxmlformats.org/presentationml/2006/main">
   <p:cSld>
     <p:spTree>
@@ -6636,7 +7416,7 @@
 </p:sld>
 </file>
 
-<file path=ppt/slides/slide16.xml><?xml version="1.0" encoding="utf-8"?>
+<file path=ppt/slides/slide19.xml><?xml version="1.0" encoding="utf-8"?>
 <p:sld xmlns:a="http://schemas.openxmlformats.org/drawingml/2006/main" xmlns:r="http://schemas.openxmlformats.org/officeDocument/2006/relationships" xmlns:p="http://schemas.openxmlformats.org/presentationml/2006/main">
   <p:cSld>
     <p:spTree>
@@ -6862,726 +7642,6 @@
     <p:extLst>
       <p:ext uri="{BB962C8B-B14F-4D97-AF65-F5344CB8AC3E}">
         <p14:creationId xmlns:p14="http://schemas.microsoft.com/office/powerpoint/2010/main" val="2986717592"/>
-      </p:ext>
-    </p:extLst>
-  </p:cSld>
-  <p:clrMapOvr>
-    <a:masterClrMapping/>
-  </p:clrMapOvr>
-</p:sld>
-</file>
-
-<file path=ppt/slides/slide17.xml><?xml version="1.0" encoding="utf-8"?>
-<p:sld xmlns:a="http://schemas.openxmlformats.org/drawingml/2006/main" xmlns:r="http://schemas.openxmlformats.org/officeDocument/2006/relationships" xmlns:p="http://schemas.openxmlformats.org/presentationml/2006/main">
-  <p:cSld>
-    <p:spTree>
-      <p:nvGrpSpPr>
-        <p:cNvPr id="1" name="">
-          <a:extLst>
-            <a:ext uri="{FF2B5EF4-FFF2-40B4-BE49-F238E27FC236}">
-              <a16:creationId xmlns:a16="http://schemas.microsoft.com/office/drawing/2014/main" id="{5584AE39-14BA-786D-BB69-A11471077DE9}"/>
-            </a:ext>
-          </a:extLst>
-        </p:cNvPr>
-        <p:cNvGrpSpPr/>
-        <p:nvPr/>
-      </p:nvGrpSpPr>
-      <p:grpSpPr>
-        <a:xfrm>
-          <a:off x="0" y="0"/>
-          <a:ext cx="0" cy="0"/>
-          <a:chOff x="0" y="0"/>
-          <a:chExt cx="0" cy="0"/>
-        </a:xfrm>
-      </p:grpSpPr>
-      <p:sp>
-        <p:nvSpPr>
-          <p:cNvPr id="2" name="Segnaposto testo 1">
-            <a:extLst>
-              <a:ext uri="{FF2B5EF4-FFF2-40B4-BE49-F238E27FC236}">
-                <a16:creationId xmlns:a16="http://schemas.microsoft.com/office/drawing/2014/main" id="{033BBE7F-925D-BAB0-A958-6CB8BDA40AC8}"/>
-              </a:ext>
-            </a:extLst>
-          </p:cNvPr>
-          <p:cNvSpPr>
-            <a:spLocks noGrp="1"/>
-          </p:cNvSpPr>
-          <p:nvPr>
-            <p:ph type="body" sz="quarter" idx="14"/>
-          </p:nvPr>
-        </p:nvSpPr>
-        <p:spPr/>
-        <p:txBody>
-          <a:bodyPr/>
-          <a:lstStyle/>
-          <a:p>
-            <a:r>
-              <a:rPr lang="it-IT" b="1" dirty="0"/>
-              <a:t>MyPortfolio - </a:t>
-            </a:r>
-            <a:r>
-              <a:rPr lang="it-IT" dirty="0">
-                <a:latin typeface="Verdana" panose="020B0604030504040204" pitchFamily="34" charset="0"/>
-                <a:ea typeface="Verdana" panose="020B0604030504040204" pitchFamily="34" charset="0"/>
-                <a:cs typeface="Verdana" panose="020B0604030504040204" pitchFamily="34" charset="0"/>
-              </a:rPr>
-              <a:t>Implementazione di una piattaforma Backend + Frontend con architettura API RESTful – Andrea Neri</a:t>
-            </a:r>
-          </a:p>
-          <a:p>
-            <a:endParaRPr lang="it-IT" dirty="0"/>
-          </a:p>
-          <a:p>
-            <a:endParaRPr lang="it-IT" dirty="0"/>
-          </a:p>
-        </p:txBody>
-      </p:sp>
-      <p:sp>
-        <p:nvSpPr>
-          <p:cNvPr id="4" name="Titolo 3">
-            <a:extLst>
-              <a:ext uri="{FF2B5EF4-FFF2-40B4-BE49-F238E27FC236}">
-                <a16:creationId xmlns:a16="http://schemas.microsoft.com/office/drawing/2014/main" id="{367635E0-BDDC-6B01-E34A-43FBCBA98025}"/>
-              </a:ext>
-            </a:extLst>
-          </p:cNvPr>
-          <p:cNvSpPr>
-            <a:spLocks noGrp="1"/>
-          </p:cNvSpPr>
-          <p:nvPr>
-            <p:ph type="title"/>
-          </p:nvPr>
-        </p:nvSpPr>
-        <p:spPr>
-          <a:xfrm>
-            <a:off x="775868" y="958052"/>
-            <a:ext cx="10291525" cy="578690"/>
-          </a:xfrm>
-        </p:spPr>
-        <p:txBody>
-          <a:bodyPr/>
-          <a:lstStyle/>
-          <a:p>
-            <a:r>
-              <a:rPr lang="it-IT" dirty="0"/>
-              <a:t>Implementazione back-end (Metodi CRUD inclusi)</a:t>
-            </a:r>
-          </a:p>
-        </p:txBody>
-      </p:sp>
-      <p:sp>
-        <p:nvSpPr>
-          <p:cNvPr id="5" name="Segnaposto testo 2">
-            <a:extLst>
-              <a:ext uri="{FF2B5EF4-FFF2-40B4-BE49-F238E27FC236}">
-                <a16:creationId xmlns:a16="http://schemas.microsoft.com/office/drawing/2014/main" id="{5B5CEE9A-B767-D75D-9BBA-472062D9DED4}"/>
-              </a:ext>
-            </a:extLst>
-          </p:cNvPr>
-          <p:cNvSpPr>
-            <a:spLocks noGrp="1"/>
-          </p:cNvSpPr>
-          <p:nvPr>
-            <p:ph type="body" sz="quarter" idx="13"/>
-          </p:nvPr>
-        </p:nvSpPr>
-        <p:spPr>
-          <a:xfrm>
-            <a:off x="605052" y="1778887"/>
-            <a:ext cx="10981895" cy="4121061"/>
-          </a:xfrm>
-        </p:spPr>
-        <p:txBody>
-          <a:bodyPr/>
-          <a:lstStyle/>
-          <a:p>
-            <a:pPr marL="293688" indent="-285750">
-              <a:buFont typeface="Arial" panose="020B0604020202020204" pitchFamily="34" charset="0"/>
-              <a:buChar char="•"/>
-            </a:pPr>
-            <a:r>
-              <a:rPr lang="it-IT" dirty="0"/>
-              <a:t>CRUD Repository: Spring Data JPA fornisce metodi già pronti per le operazioni CRUD (Create, Read, Update, Delete) attraverso interfacce come </a:t>
-            </a:r>
-            <a:r>
-              <a:rPr lang="it-IT" i="1" dirty="0" err="1"/>
-              <a:t>CrudRepository</a:t>
-            </a:r>
-            <a:r>
-              <a:rPr lang="it-IT" dirty="0"/>
-              <a:t>, </a:t>
-            </a:r>
-            <a:r>
-              <a:rPr lang="it-IT" i="1" dirty="0" err="1"/>
-              <a:t>PagingAndSortingRepository</a:t>
-            </a:r>
-            <a:r>
-              <a:rPr lang="it-IT" dirty="0"/>
-              <a:t>, e </a:t>
-            </a:r>
-            <a:r>
-              <a:rPr lang="it-IT" i="1" dirty="0" err="1"/>
-              <a:t>JpaRepository</a:t>
-            </a:r>
-            <a:r>
-              <a:rPr lang="it-IT" dirty="0"/>
-              <a:t>.</a:t>
-            </a:r>
-          </a:p>
-          <a:p>
-            <a:pPr marL="293688" indent="-285750">
-              <a:buFont typeface="Arial" panose="020B0604020202020204" pitchFamily="34" charset="0"/>
-              <a:buChar char="•"/>
-            </a:pPr>
-            <a:r>
-              <a:rPr lang="it-IT" dirty="0"/>
-              <a:t>Metodi CRUD comuni:</a:t>
-            </a:r>
-          </a:p>
-          <a:p>
-            <a:pPr marL="971516" lvl="1" indent="-285750">
-              <a:buFont typeface="Arial" panose="020B0604020202020204" pitchFamily="34" charset="0"/>
-              <a:buChar char="•"/>
-            </a:pPr>
-            <a:r>
-              <a:rPr lang="it-IT" i="1" dirty="0" err="1"/>
-              <a:t>deleteById</a:t>
-            </a:r>
-            <a:r>
-              <a:rPr lang="it-IT" dirty="0"/>
-              <a:t>: Elimina un'entità dal database tramite il suo ID</a:t>
-            </a:r>
-          </a:p>
-          <a:p>
-            <a:pPr marL="971516" lvl="1" indent="-285750">
-              <a:buFont typeface="Arial" panose="020B0604020202020204" pitchFamily="34" charset="0"/>
-              <a:buChar char="•"/>
-            </a:pPr>
-            <a:r>
-              <a:rPr lang="it-IT" i="1" dirty="0" err="1"/>
-              <a:t>existsById</a:t>
-            </a:r>
-            <a:r>
-              <a:rPr lang="it-IT" dirty="0"/>
-              <a:t>: Verifica l'esistenza di un'entità tramite </a:t>
-            </a:r>
-          </a:p>
-          <a:p>
-            <a:pPr marL="971516" lvl="1" indent="-285750">
-              <a:buFont typeface="Arial" panose="020B0604020202020204" pitchFamily="34" charset="0"/>
-              <a:buChar char="•"/>
-            </a:pPr>
-            <a:r>
-              <a:rPr lang="it-IT" i="1" dirty="0" err="1"/>
-              <a:t>findById</a:t>
-            </a:r>
-            <a:r>
-              <a:rPr lang="it-IT" dirty="0"/>
-              <a:t>: Cerca un'entità per ID</a:t>
-            </a:r>
-          </a:p>
-          <a:p>
-            <a:pPr marL="971516" lvl="1" indent="-285750">
-              <a:buFont typeface="Arial" panose="020B0604020202020204" pitchFamily="34" charset="0"/>
-              <a:buChar char="•"/>
-            </a:pPr>
-            <a:r>
-              <a:rPr lang="it-IT" i="1" dirty="0" err="1"/>
-              <a:t>save</a:t>
-            </a:r>
-            <a:r>
-              <a:rPr lang="it-IT" dirty="0"/>
-              <a:t>: Salva o aggiorna un'entità</a:t>
-            </a:r>
-          </a:p>
-          <a:p>
-            <a:pPr marL="971516" lvl="1" indent="-285750">
-              <a:buFont typeface="Arial" panose="020B0604020202020204" pitchFamily="34" charset="0"/>
-              <a:buChar char="•"/>
-            </a:pPr>
-            <a:r>
-              <a:rPr lang="it-IT" i="1" dirty="0" err="1"/>
-              <a:t>findAll</a:t>
-            </a:r>
-            <a:r>
-              <a:rPr lang="it-IT" dirty="0"/>
-              <a:t>: Restituisce tutte le entità</a:t>
-            </a:r>
-          </a:p>
-          <a:p>
-            <a:pPr marL="971516" lvl="1" indent="-285750">
-              <a:buFont typeface="Arial" panose="020B0604020202020204" pitchFamily="34" charset="0"/>
-              <a:buChar char="•"/>
-            </a:pPr>
-            <a:r>
-              <a:rPr lang="it-IT" i="1" dirty="0" err="1"/>
-              <a:t>count</a:t>
-            </a:r>
-            <a:r>
-              <a:rPr lang="it-IT" dirty="0"/>
-              <a:t>: Conta il numero totale di entità</a:t>
-            </a:r>
-          </a:p>
-          <a:p>
-            <a:pPr marL="971516" lvl="1" indent="-285750">
-              <a:buFont typeface="Arial" panose="020B0604020202020204" pitchFamily="34" charset="0"/>
-              <a:buChar char="•"/>
-            </a:pPr>
-            <a:r>
-              <a:rPr lang="it-IT" i="1" dirty="0" err="1"/>
-              <a:t>exists</a:t>
-            </a:r>
-            <a:r>
-              <a:rPr lang="it-IT" dirty="0"/>
-              <a:t>: Controlla l'esistenza di un'entità.</a:t>
-            </a:r>
-          </a:p>
-        </p:txBody>
-      </p:sp>
-    </p:spTree>
-    <p:extLst>
-      <p:ext uri="{BB962C8B-B14F-4D97-AF65-F5344CB8AC3E}">
-        <p14:creationId xmlns:p14="http://schemas.microsoft.com/office/powerpoint/2010/main" val="3955670210"/>
-      </p:ext>
-    </p:extLst>
-  </p:cSld>
-  <p:clrMapOvr>
-    <a:masterClrMapping/>
-  </p:clrMapOvr>
-</p:sld>
-</file>
-
-<file path=ppt/slides/slide18.xml><?xml version="1.0" encoding="utf-8"?>
-<p:sld xmlns:a="http://schemas.openxmlformats.org/drawingml/2006/main" xmlns:r="http://schemas.openxmlformats.org/officeDocument/2006/relationships" xmlns:p="http://schemas.openxmlformats.org/presentationml/2006/main">
-  <p:cSld>
-    <p:spTree>
-      <p:nvGrpSpPr>
-        <p:cNvPr id="1" name="">
-          <a:extLst>
-            <a:ext uri="{FF2B5EF4-FFF2-40B4-BE49-F238E27FC236}">
-              <a16:creationId xmlns:a16="http://schemas.microsoft.com/office/drawing/2014/main" id="{0DFAEEB3-238C-D0E0-B9A4-0ECF0F024269}"/>
-            </a:ext>
-          </a:extLst>
-        </p:cNvPr>
-        <p:cNvGrpSpPr/>
-        <p:nvPr/>
-      </p:nvGrpSpPr>
-      <p:grpSpPr>
-        <a:xfrm>
-          <a:off x="0" y="0"/>
-          <a:ext cx="0" cy="0"/>
-          <a:chOff x="0" y="0"/>
-          <a:chExt cx="0" cy="0"/>
-        </a:xfrm>
-      </p:grpSpPr>
-      <p:sp>
-        <p:nvSpPr>
-          <p:cNvPr id="2" name="Segnaposto testo 1">
-            <a:extLst>
-              <a:ext uri="{FF2B5EF4-FFF2-40B4-BE49-F238E27FC236}">
-                <a16:creationId xmlns:a16="http://schemas.microsoft.com/office/drawing/2014/main" id="{42EE3122-B26C-D464-BD58-8EB9A81EE4B9}"/>
-              </a:ext>
-            </a:extLst>
-          </p:cNvPr>
-          <p:cNvSpPr>
-            <a:spLocks noGrp="1"/>
-          </p:cNvSpPr>
-          <p:nvPr>
-            <p:ph type="body" sz="quarter" idx="14"/>
-          </p:nvPr>
-        </p:nvSpPr>
-        <p:spPr/>
-        <p:txBody>
-          <a:bodyPr/>
-          <a:lstStyle/>
-          <a:p>
-            <a:r>
-              <a:rPr lang="it-IT" b="1" dirty="0"/>
-              <a:t>MyPortfolio - </a:t>
-            </a:r>
-            <a:r>
-              <a:rPr lang="it-IT" dirty="0">
-                <a:latin typeface="Verdana" panose="020B0604030504040204" pitchFamily="34" charset="0"/>
-                <a:ea typeface="Verdana" panose="020B0604030504040204" pitchFamily="34" charset="0"/>
-                <a:cs typeface="Verdana" panose="020B0604030504040204" pitchFamily="34" charset="0"/>
-              </a:rPr>
-              <a:t>Implementazione di una piattaforma Backend + Frontend con architettura API RESTful – Andrea Neri</a:t>
-            </a:r>
-          </a:p>
-          <a:p>
-            <a:endParaRPr lang="it-IT" dirty="0"/>
-          </a:p>
-          <a:p>
-            <a:endParaRPr lang="it-IT" dirty="0"/>
-          </a:p>
-        </p:txBody>
-      </p:sp>
-      <p:sp>
-        <p:nvSpPr>
-          <p:cNvPr id="4" name="Titolo 3">
-            <a:extLst>
-              <a:ext uri="{FF2B5EF4-FFF2-40B4-BE49-F238E27FC236}">
-                <a16:creationId xmlns:a16="http://schemas.microsoft.com/office/drawing/2014/main" id="{24A37BD6-CFD3-8902-D20B-4DB156EECC85}"/>
-              </a:ext>
-            </a:extLst>
-          </p:cNvPr>
-          <p:cNvSpPr>
-            <a:spLocks noGrp="1"/>
-          </p:cNvSpPr>
-          <p:nvPr>
-            <p:ph type="title"/>
-          </p:nvPr>
-        </p:nvSpPr>
-        <p:spPr>
-          <a:xfrm>
-            <a:off x="775868" y="958052"/>
-            <a:ext cx="10291525" cy="578690"/>
-          </a:xfrm>
-        </p:spPr>
-        <p:txBody>
-          <a:bodyPr/>
-          <a:lstStyle/>
-          <a:p>
-            <a:r>
-              <a:rPr lang="it-IT" dirty="0"/>
-              <a:t>Implementazione back-end (Query Methods)</a:t>
-            </a:r>
-          </a:p>
-        </p:txBody>
-      </p:sp>
-      <p:sp>
-        <p:nvSpPr>
-          <p:cNvPr id="5" name="Segnaposto testo 2">
-            <a:extLst>
-              <a:ext uri="{FF2B5EF4-FFF2-40B4-BE49-F238E27FC236}">
-                <a16:creationId xmlns:a16="http://schemas.microsoft.com/office/drawing/2014/main" id="{B23146F0-3C8F-7C6B-6386-43C5B3EE1A13}"/>
-              </a:ext>
-            </a:extLst>
-          </p:cNvPr>
-          <p:cNvSpPr>
-            <a:spLocks noGrp="1"/>
-          </p:cNvSpPr>
-          <p:nvPr>
-            <p:ph type="body" sz="quarter" idx="13"/>
-          </p:nvPr>
-        </p:nvSpPr>
-        <p:spPr>
-          <a:xfrm>
-            <a:off x="605052" y="1778887"/>
-            <a:ext cx="10981895" cy="4121061"/>
-          </a:xfrm>
-        </p:spPr>
-        <p:txBody>
-          <a:bodyPr/>
-          <a:lstStyle/>
-          <a:p>
-            <a:pPr marL="293688" indent="-285750">
-              <a:buFont typeface="Arial" panose="020B0604020202020204" pitchFamily="34" charset="0"/>
-              <a:buChar char="•"/>
-            </a:pPr>
-            <a:r>
-              <a:rPr lang="it-IT" dirty="0"/>
-              <a:t>Query Methods: Metodi che eseguono query SQL automaticamente basati su convenzioni nei nomi. Non è necessario scrivere manualmente query SQL o JPQL</a:t>
-            </a:r>
-          </a:p>
-          <a:p>
-            <a:pPr marL="293688" indent="-285750">
-              <a:buFont typeface="Arial" panose="020B0604020202020204" pitchFamily="34" charset="0"/>
-              <a:buChar char="•"/>
-            </a:pPr>
-            <a:r>
-              <a:rPr lang="it-IT" dirty="0"/>
-              <a:t>Keyword supportate: </a:t>
-            </a:r>
-          </a:p>
-          <a:p>
-            <a:pPr marL="971516" lvl="1" indent="-285750">
-              <a:buFont typeface="Arial" panose="020B0604020202020204" pitchFamily="34" charset="0"/>
-              <a:buChar char="•"/>
-            </a:pPr>
-            <a:r>
-              <a:rPr lang="it-IT" dirty="0"/>
-              <a:t>Per la selezione/conteggio: </a:t>
-            </a:r>
-            <a:r>
-              <a:rPr lang="it-IT" i="1" dirty="0" err="1"/>
-              <a:t>findBy</a:t>
-            </a:r>
-            <a:r>
-              <a:rPr lang="it-IT" dirty="0"/>
-              <a:t>, </a:t>
-            </a:r>
-            <a:r>
-              <a:rPr lang="it-IT" i="1" dirty="0" err="1"/>
-              <a:t>countBy</a:t>
-            </a:r>
-            <a:r>
-              <a:rPr lang="it-IT" dirty="0"/>
-              <a:t>, </a:t>
-            </a:r>
-            <a:r>
-              <a:rPr lang="it-IT" i="1" dirty="0" err="1"/>
-              <a:t>deleteBy</a:t>
-            </a:r>
-            <a:r>
-              <a:rPr lang="it-IT" dirty="0"/>
-              <a:t>, </a:t>
-            </a:r>
-            <a:r>
-              <a:rPr lang="it-IT" i="1" dirty="0" err="1"/>
-              <a:t>existsBy</a:t>
-            </a:r>
-            <a:endParaRPr lang="it-IT" i="1" dirty="0"/>
-          </a:p>
-          <a:p>
-            <a:pPr marL="971516" lvl="1" indent="-285750">
-              <a:buFont typeface="Arial" panose="020B0604020202020204" pitchFamily="34" charset="0"/>
-              <a:buChar char="•"/>
-            </a:pPr>
-            <a:r>
-              <a:rPr lang="it-IT" dirty="0"/>
-              <a:t>Per concatenare combinazioni logiche e confronti: </a:t>
-            </a:r>
-            <a:r>
-              <a:rPr lang="it-IT" i="1" dirty="0"/>
-              <a:t>And</a:t>
-            </a:r>
-            <a:r>
-              <a:rPr lang="it-IT" dirty="0"/>
-              <a:t>, </a:t>
-            </a:r>
-            <a:r>
-              <a:rPr lang="it-IT" i="1" dirty="0"/>
-              <a:t>Or</a:t>
-            </a:r>
-            <a:endParaRPr lang="it-IT" dirty="0"/>
-          </a:p>
-          <a:p>
-            <a:pPr marL="971516" lvl="1" indent="-285750">
-              <a:buFont typeface="Arial" panose="020B0604020202020204" pitchFamily="34" charset="0"/>
-              <a:buChar char="•"/>
-            </a:pPr>
-            <a:r>
-              <a:rPr lang="it-IT" dirty="0"/>
-              <a:t>Per confronti numerici e pattern: </a:t>
-            </a:r>
-            <a:r>
-              <a:rPr lang="it-IT" i="1" dirty="0" err="1"/>
-              <a:t>GreaterThan</a:t>
-            </a:r>
-            <a:r>
-              <a:rPr lang="it-IT" dirty="0"/>
-              <a:t>, </a:t>
-            </a:r>
-            <a:r>
-              <a:rPr lang="it-IT" i="1" dirty="0" err="1"/>
-              <a:t>LessThan</a:t>
-            </a:r>
-            <a:r>
-              <a:rPr lang="it-IT" dirty="0"/>
-              <a:t>, </a:t>
-            </a:r>
-            <a:r>
-              <a:rPr lang="it-IT" i="1" dirty="0" err="1"/>
-              <a:t>Between</a:t>
-            </a:r>
-            <a:r>
-              <a:rPr lang="it-IT" dirty="0"/>
-              <a:t>, </a:t>
-            </a:r>
-            <a:r>
-              <a:rPr lang="it-IT" i="1" dirty="0"/>
-              <a:t>Like</a:t>
-            </a:r>
-            <a:r>
-              <a:rPr lang="it-IT" dirty="0"/>
-              <a:t>, </a:t>
-            </a:r>
-            <a:r>
-              <a:rPr lang="it-IT" i="1" dirty="0"/>
-              <a:t>In</a:t>
-            </a:r>
-          </a:p>
-          <a:p>
-            <a:pPr marL="971516" lvl="1" indent="-285750">
-              <a:buFont typeface="Arial" panose="020B0604020202020204" pitchFamily="34" charset="0"/>
-              <a:buChar char="•"/>
-            </a:pPr>
-            <a:r>
-              <a:rPr lang="it-IT" dirty="0"/>
-              <a:t>Per ordinare i risultati: </a:t>
-            </a:r>
-            <a:r>
-              <a:rPr lang="it-IT" i="1" dirty="0" err="1"/>
-              <a:t>OrderBy</a:t>
-            </a:r>
-            <a:endParaRPr lang="it-IT" i="1" dirty="0"/>
-          </a:p>
-          <a:p>
-            <a:pPr marL="293688" indent="-285750">
-              <a:buFont typeface="Arial" panose="020B0604020202020204" pitchFamily="34" charset="0"/>
-              <a:buChar char="•"/>
-            </a:pPr>
-            <a:r>
-              <a:rPr lang="it-IT" dirty="0"/>
-              <a:t> I Query Methods sono ideali per query semplici e comuni, in alternativa è possibile utilizzare l'annotazione @Query per scrivere query JPQL o SQL personalizzate</a:t>
-            </a:r>
-          </a:p>
-        </p:txBody>
-      </p:sp>
-    </p:spTree>
-    <p:extLst>
-      <p:ext uri="{BB962C8B-B14F-4D97-AF65-F5344CB8AC3E}">
-        <p14:creationId xmlns:p14="http://schemas.microsoft.com/office/powerpoint/2010/main" val="4086150871"/>
-      </p:ext>
-    </p:extLst>
-  </p:cSld>
-  <p:clrMapOvr>
-    <a:masterClrMapping/>
-  </p:clrMapOvr>
-</p:sld>
-</file>
-
-<file path=ppt/slides/slide19.xml><?xml version="1.0" encoding="utf-8"?>
-<p:sld xmlns:a="http://schemas.openxmlformats.org/drawingml/2006/main" xmlns:r="http://schemas.openxmlformats.org/officeDocument/2006/relationships" xmlns:p="http://schemas.openxmlformats.org/presentationml/2006/main">
-  <p:cSld>
-    <p:spTree>
-      <p:nvGrpSpPr>
-        <p:cNvPr id="1" name="">
-          <a:extLst>
-            <a:ext uri="{FF2B5EF4-FFF2-40B4-BE49-F238E27FC236}">
-              <a16:creationId xmlns:a16="http://schemas.microsoft.com/office/drawing/2014/main" id="{A22B8750-4E1A-20BE-3B35-E7E4BF811317}"/>
-            </a:ext>
-          </a:extLst>
-        </p:cNvPr>
-        <p:cNvGrpSpPr/>
-        <p:nvPr/>
-      </p:nvGrpSpPr>
-      <p:grpSpPr>
-        <a:xfrm>
-          <a:off x="0" y="0"/>
-          <a:ext cx="0" cy="0"/>
-          <a:chOff x="0" y="0"/>
-          <a:chExt cx="0" cy="0"/>
-        </a:xfrm>
-      </p:grpSpPr>
-      <p:sp>
-        <p:nvSpPr>
-          <p:cNvPr id="2" name="Segnaposto testo 1">
-            <a:extLst>
-              <a:ext uri="{FF2B5EF4-FFF2-40B4-BE49-F238E27FC236}">
-                <a16:creationId xmlns:a16="http://schemas.microsoft.com/office/drawing/2014/main" id="{F6D16B00-4611-F7A3-354F-78C9283ABC08}"/>
-              </a:ext>
-            </a:extLst>
-          </p:cNvPr>
-          <p:cNvSpPr>
-            <a:spLocks noGrp="1"/>
-          </p:cNvSpPr>
-          <p:nvPr>
-            <p:ph type="body" sz="quarter" idx="14"/>
-          </p:nvPr>
-        </p:nvSpPr>
-        <p:spPr/>
-        <p:txBody>
-          <a:bodyPr/>
-          <a:lstStyle/>
-          <a:p>
-            <a:r>
-              <a:rPr lang="it-IT" b="1" dirty="0"/>
-              <a:t>MyPortfolio - </a:t>
-            </a:r>
-            <a:r>
-              <a:rPr lang="it-IT" dirty="0">
-                <a:latin typeface="Verdana" panose="020B0604030504040204" pitchFamily="34" charset="0"/>
-                <a:ea typeface="Verdana" panose="020B0604030504040204" pitchFamily="34" charset="0"/>
-                <a:cs typeface="Verdana" panose="020B0604030504040204" pitchFamily="34" charset="0"/>
-              </a:rPr>
-              <a:t>Implementazione di una piattaforma Backend + Frontend con architettura API RESTful – Andrea Neri</a:t>
-            </a:r>
-          </a:p>
-          <a:p>
-            <a:endParaRPr lang="it-IT" dirty="0"/>
-          </a:p>
-          <a:p>
-            <a:endParaRPr lang="it-IT" dirty="0"/>
-          </a:p>
-        </p:txBody>
-      </p:sp>
-      <p:sp>
-        <p:nvSpPr>
-          <p:cNvPr id="4" name="Titolo 3">
-            <a:extLst>
-              <a:ext uri="{FF2B5EF4-FFF2-40B4-BE49-F238E27FC236}">
-                <a16:creationId xmlns:a16="http://schemas.microsoft.com/office/drawing/2014/main" id="{1CC9914A-7C8F-8687-5109-7CEF60B80D68}"/>
-              </a:ext>
-            </a:extLst>
-          </p:cNvPr>
-          <p:cNvSpPr>
-            <a:spLocks noGrp="1"/>
-          </p:cNvSpPr>
-          <p:nvPr>
-            <p:ph type="title"/>
-          </p:nvPr>
-        </p:nvSpPr>
-        <p:spPr>
-          <a:xfrm>
-            <a:off x="775868" y="958052"/>
-            <a:ext cx="10291525" cy="578690"/>
-          </a:xfrm>
-        </p:spPr>
-        <p:txBody>
-          <a:bodyPr/>
-          <a:lstStyle/>
-          <a:p>
-            <a:r>
-              <a:rPr lang="it-IT" dirty="0"/>
-              <a:t>Implementazione back-end (</a:t>
-            </a:r>
-            <a:r>
-              <a:rPr lang="it-IT" dirty="0" err="1"/>
-              <a:t>UserRepository</a:t>
-            </a:r>
-            <a:r>
-              <a:rPr lang="it-IT" dirty="0"/>
-              <a:t>)</a:t>
-            </a:r>
-          </a:p>
-        </p:txBody>
-      </p:sp>
-      <p:pic>
-        <p:nvPicPr>
-          <p:cNvPr id="6" name="Immagine 5">
-            <a:extLst>
-              <a:ext uri="{FF2B5EF4-FFF2-40B4-BE49-F238E27FC236}">
-                <a16:creationId xmlns:a16="http://schemas.microsoft.com/office/drawing/2014/main" id="{873AF86D-8E3A-90B1-A001-13B7FF76E85A}"/>
-              </a:ext>
-            </a:extLst>
-          </p:cNvPr>
-          <p:cNvPicPr>
-            <a:picLocks noChangeAspect="1"/>
-          </p:cNvPicPr>
-          <p:nvPr/>
-        </p:nvPicPr>
-        <p:blipFill>
-          <a:blip r:embed="rId3"/>
-          <a:stretch>
-            <a:fillRect/>
-          </a:stretch>
-        </p:blipFill>
-        <p:spPr>
-          <a:xfrm>
-            <a:off x="1138795" y="1887010"/>
-            <a:ext cx="9914409" cy="3786753"/>
-          </a:xfrm>
-          <a:prstGeom prst="rect">
-            <a:avLst/>
-          </a:prstGeom>
-        </p:spPr>
-      </p:pic>
-    </p:spTree>
-    <p:extLst>
-      <p:ext uri="{BB962C8B-B14F-4D97-AF65-F5344CB8AC3E}">
-        <p14:creationId xmlns:p14="http://schemas.microsoft.com/office/powerpoint/2010/main" val="1213176808"/>
       </p:ext>
     </p:extLst>
   </p:cSld>
@@ -8074,6 +8134,726 @@
         <p:cNvPr id="1" name="">
           <a:extLst>
             <a:ext uri="{FF2B5EF4-FFF2-40B4-BE49-F238E27FC236}">
+              <a16:creationId xmlns:a16="http://schemas.microsoft.com/office/drawing/2014/main" id="{5584AE39-14BA-786D-BB69-A11471077DE9}"/>
+            </a:ext>
+          </a:extLst>
+        </p:cNvPr>
+        <p:cNvGrpSpPr/>
+        <p:nvPr/>
+      </p:nvGrpSpPr>
+      <p:grpSpPr>
+        <a:xfrm>
+          <a:off x="0" y="0"/>
+          <a:ext cx="0" cy="0"/>
+          <a:chOff x="0" y="0"/>
+          <a:chExt cx="0" cy="0"/>
+        </a:xfrm>
+      </p:grpSpPr>
+      <p:sp>
+        <p:nvSpPr>
+          <p:cNvPr id="2" name="Segnaposto testo 1">
+            <a:extLst>
+              <a:ext uri="{FF2B5EF4-FFF2-40B4-BE49-F238E27FC236}">
+                <a16:creationId xmlns:a16="http://schemas.microsoft.com/office/drawing/2014/main" id="{033BBE7F-925D-BAB0-A958-6CB8BDA40AC8}"/>
+              </a:ext>
+            </a:extLst>
+          </p:cNvPr>
+          <p:cNvSpPr>
+            <a:spLocks noGrp="1"/>
+          </p:cNvSpPr>
+          <p:nvPr>
+            <p:ph type="body" sz="quarter" idx="14"/>
+          </p:nvPr>
+        </p:nvSpPr>
+        <p:spPr/>
+        <p:txBody>
+          <a:bodyPr/>
+          <a:lstStyle/>
+          <a:p>
+            <a:r>
+              <a:rPr lang="it-IT" b="1" dirty="0"/>
+              <a:t>MyPortfolio - </a:t>
+            </a:r>
+            <a:r>
+              <a:rPr lang="it-IT" dirty="0">
+                <a:latin typeface="Verdana" panose="020B0604030504040204" pitchFamily="34" charset="0"/>
+                <a:ea typeface="Verdana" panose="020B0604030504040204" pitchFamily="34" charset="0"/>
+                <a:cs typeface="Verdana" panose="020B0604030504040204" pitchFamily="34" charset="0"/>
+              </a:rPr>
+              <a:t>Implementazione di una piattaforma Backend + Frontend con architettura API RESTful – Andrea Neri</a:t>
+            </a:r>
+          </a:p>
+          <a:p>
+            <a:endParaRPr lang="it-IT" dirty="0"/>
+          </a:p>
+          <a:p>
+            <a:endParaRPr lang="it-IT" dirty="0"/>
+          </a:p>
+        </p:txBody>
+      </p:sp>
+      <p:sp>
+        <p:nvSpPr>
+          <p:cNvPr id="4" name="Titolo 3">
+            <a:extLst>
+              <a:ext uri="{FF2B5EF4-FFF2-40B4-BE49-F238E27FC236}">
+                <a16:creationId xmlns:a16="http://schemas.microsoft.com/office/drawing/2014/main" id="{367635E0-BDDC-6B01-E34A-43FBCBA98025}"/>
+              </a:ext>
+            </a:extLst>
+          </p:cNvPr>
+          <p:cNvSpPr>
+            <a:spLocks noGrp="1"/>
+          </p:cNvSpPr>
+          <p:nvPr>
+            <p:ph type="title"/>
+          </p:nvPr>
+        </p:nvSpPr>
+        <p:spPr>
+          <a:xfrm>
+            <a:off x="775868" y="958052"/>
+            <a:ext cx="10291525" cy="578690"/>
+          </a:xfrm>
+        </p:spPr>
+        <p:txBody>
+          <a:bodyPr/>
+          <a:lstStyle/>
+          <a:p>
+            <a:r>
+              <a:rPr lang="it-IT" dirty="0"/>
+              <a:t>Implementazione back-end (Metodi CRUD inclusi)</a:t>
+            </a:r>
+          </a:p>
+        </p:txBody>
+      </p:sp>
+      <p:sp>
+        <p:nvSpPr>
+          <p:cNvPr id="5" name="Segnaposto testo 2">
+            <a:extLst>
+              <a:ext uri="{FF2B5EF4-FFF2-40B4-BE49-F238E27FC236}">
+                <a16:creationId xmlns:a16="http://schemas.microsoft.com/office/drawing/2014/main" id="{5B5CEE9A-B767-D75D-9BBA-472062D9DED4}"/>
+              </a:ext>
+            </a:extLst>
+          </p:cNvPr>
+          <p:cNvSpPr>
+            <a:spLocks noGrp="1"/>
+          </p:cNvSpPr>
+          <p:nvPr>
+            <p:ph type="body" sz="quarter" idx="13"/>
+          </p:nvPr>
+        </p:nvSpPr>
+        <p:spPr>
+          <a:xfrm>
+            <a:off x="605052" y="1778887"/>
+            <a:ext cx="10981895" cy="4121061"/>
+          </a:xfrm>
+        </p:spPr>
+        <p:txBody>
+          <a:bodyPr/>
+          <a:lstStyle/>
+          <a:p>
+            <a:pPr marL="293688" indent="-285750">
+              <a:buFont typeface="Arial" panose="020B0604020202020204" pitchFamily="34" charset="0"/>
+              <a:buChar char="•"/>
+            </a:pPr>
+            <a:r>
+              <a:rPr lang="it-IT" dirty="0"/>
+              <a:t>CRUD Repository: Spring Data JPA fornisce metodi già pronti per le operazioni CRUD (Create, Read, Update, Delete) attraverso interfacce come </a:t>
+            </a:r>
+            <a:r>
+              <a:rPr lang="it-IT" i="1" dirty="0" err="1"/>
+              <a:t>CrudRepository</a:t>
+            </a:r>
+            <a:r>
+              <a:rPr lang="it-IT" dirty="0"/>
+              <a:t>, </a:t>
+            </a:r>
+            <a:r>
+              <a:rPr lang="it-IT" i="1" dirty="0" err="1"/>
+              <a:t>PagingAndSortingRepository</a:t>
+            </a:r>
+            <a:r>
+              <a:rPr lang="it-IT" dirty="0"/>
+              <a:t>, e </a:t>
+            </a:r>
+            <a:r>
+              <a:rPr lang="it-IT" i="1" dirty="0" err="1"/>
+              <a:t>JpaRepository</a:t>
+            </a:r>
+            <a:r>
+              <a:rPr lang="it-IT" dirty="0"/>
+              <a:t>.</a:t>
+            </a:r>
+          </a:p>
+          <a:p>
+            <a:pPr marL="293688" indent="-285750">
+              <a:buFont typeface="Arial" panose="020B0604020202020204" pitchFamily="34" charset="0"/>
+              <a:buChar char="•"/>
+            </a:pPr>
+            <a:r>
+              <a:rPr lang="it-IT" dirty="0"/>
+              <a:t>Metodi CRUD comuni:</a:t>
+            </a:r>
+          </a:p>
+          <a:p>
+            <a:pPr marL="971516" lvl="1" indent="-285750">
+              <a:buFont typeface="Arial" panose="020B0604020202020204" pitchFamily="34" charset="0"/>
+              <a:buChar char="•"/>
+            </a:pPr>
+            <a:r>
+              <a:rPr lang="it-IT" i="1" dirty="0" err="1"/>
+              <a:t>deleteById</a:t>
+            </a:r>
+            <a:r>
+              <a:rPr lang="it-IT" dirty="0"/>
+              <a:t>: Elimina un'entità dal database tramite il suo ID</a:t>
+            </a:r>
+          </a:p>
+          <a:p>
+            <a:pPr marL="971516" lvl="1" indent="-285750">
+              <a:buFont typeface="Arial" panose="020B0604020202020204" pitchFamily="34" charset="0"/>
+              <a:buChar char="•"/>
+            </a:pPr>
+            <a:r>
+              <a:rPr lang="it-IT" i="1" dirty="0" err="1"/>
+              <a:t>existsById</a:t>
+            </a:r>
+            <a:r>
+              <a:rPr lang="it-IT" dirty="0"/>
+              <a:t>: Verifica l'esistenza di un'entità tramite </a:t>
+            </a:r>
+          </a:p>
+          <a:p>
+            <a:pPr marL="971516" lvl="1" indent="-285750">
+              <a:buFont typeface="Arial" panose="020B0604020202020204" pitchFamily="34" charset="0"/>
+              <a:buChar char="•"/>
+            </a:pPr>
+            <a:r>
+              <a:rPr lang="it-IT" i="1" dirty="0" err="1"/>
+              <a:t>findById</a:t>
+            </a:r>
+            <a:r>
+              <a:rPr lang="it-IT" dirty="0"/>
+              <a:t>: Cerca un'entità per ID</a:t>
+            </a:r>
+          </a:p>
+          <a:p>
+            <a:pPr marL="971516" lvl="1" indent="-285750">
+              <a:buFont typeface="Arial" panose="020B0604020202020204" pitchFamily="34" charset="0"/>
+              <a:buChar char="•"/>
+            </a:pPr>
+            <a:r>
+              <a:rPr lang="it-IT" i="1" dirty="0" err="1"/>
+              <a:t>save</a:t>
+            </a:r>
+            <a:r>
+              <a:rPr lang="it-IT" dirty="0"/>
+              <a:t>: Salva o aggiorna un'entità</a:t>
+            </a:r>
+          </a:p>
+          <a:p>
+            <a:pPr marL="971516" lvl="1" indent="-285750">
+              <a:buFont typeface="Arial" panose="020B0604020202020204" pitchFamily="34" charset="0"/>
+              <a:buChar char="•"/>
+            </a:pPr>
+            <a:r>
+              <a:rPr lang="it-IT" i="1" dirty="0" err="1"/>
+              <a:t>findAll</a:t>
+            </a:r>
+            <a:r>
+              <a:rPr lang="it-IT" dirty="0"/>
+              <a:t>: Restituisce tutte le entità</a:t>
+            </a:r>
+          </a:p>
+          <a:p>
+            <a:pPr marL="971516" lvl="1" indent="-285750">
+              <a:buFont typeface="Arial" panose="020B0604020202020204" pitchFamily="34" charset="0"/>
+              <a:buChar char="•"/>
+            </a:pPr>
+            <a:r>
+              <a:rPr lang="it-IT" i="1" dirty="0" err="1"/>
+              <a:t>count</a:t>
+            </a:r>
+            <a:r>
+              <a:rPr lang="it-IT" dirty="0"/>
+              <a:t>: Conta il numero totale di entità</a:t>
+            </a:r>
+          </a:p>
+          <a:p>
+            <a:pPr marL="971516" lvl="1" indent="-285750">
+              <a:buFont typeface="Arial" panose="020B0604020202020204" pitchFamily="34" charset="0"/>
+              <a:buChar char="•"/>
+            </a:pPr>
+            <a:r>
+              <a:rPr lang="it-IT" i="1" dirty="0" err="1"/>
+              <a:t>exists</a:t>
+            </a:r>
+            <a:r>
+              <a:rPr lang="it-IT" dirty="0"/>
+              <a:t>: Controlla l'esistenza di un'entità.</a:t>
+            </a:r>
+          </a:p>
+        </p:txBody>
+      </p:sp>
+    </p:spTree>
+    <p:extLst>
+      <p:ext uri="{BB962C8B-B14F-4D97-AF65-F5344CB8AC3E}">
+        <p14:creationId xmlns:p14="http://schemas.microsoft.com/office/powerpoint/2010/main" val="3955670210"/>
+      </p:ext>
+    </p:extLst>
+  </p:cSld>
+  <p:clrMapOvr>
+    <a:masterClrMapping/>
+  </p:clrMapOvr>
+</p:sld>
+</file>
+
+<file path=ppt/slides/slide21.xml><?xml version="1.0" encoding="utf-8"?>
+<p:sld xmlns:a="http://schemas.openxmlformats.org/drawingml/2006/main" xmlns:r="http://schemas.openxmlformats.org/officeDocument/2006/relationships" xmlns:p="http://schemas.openxmlformats.org/presentationml/2006/main">
+  <p:cSld>
+    <p:spTree>
+      <p:nvGrpSpPr>
+        <p:cNvPr id="1" name="">
+          <a:extLst>
+            <a:ext uri="{FF2B5EF4-FFF2-40B4-BE49-F238E27FC236}">
+              <a16:creationId xmlns:a16="http://schemas.microsoft.com/office/drawing/2014/main" id="{0DFAEEB3-238C-D0E0-B9A4-0ECF0F024269}"/>
+            </a:ext>
+          </a:extLst>
+        </p:cNvPr>
+        <p:cNvGrpSpPr/>
+        <p:nvPr/>
+      </p:nvGrpSpPr>
+      <p:grpSpPr>
+        <a:xfrm>
+          <a:off x="0" y="0"/>
+          <a:ext cx="0" cy="0"/>
+          <a:chOff x="0" y="0"/>
+          <a:chExt cx="0" cy="0"/>
+        </a:xfrm>
+      </p:grpSpPr>
+      <p:sp>
+        <p:nvSpPr>
+          <p:cNvPr id="2" name="Segnaposto testo 1">
+            <a:extLst>
+              <a:ext uri="{FF2B5EF4-FFF2-40B4-BE49-F238E27FC236}">
+                <a16:creationId xmlns:a16="http://schemas.microsoft.com/office/drawing/2014/main" id="{42EE3122-B26C-D464-BD58-8EB9A81EE4B9}"/>
+              </a:ext>
+            </a:extLst>
+          </p:cNvPr>
+          <p:cNvSpPr>
+            <a:spLocks noGrp="1"/>
+          </p:cNvSpPr>
+          <p:nvPr>
+            <p:ph type="body" sz="quarter" idx="14"/>
+          </p:nvPr>
+        </p:nvSpPr>
+        <p:spPr/>
+        <p:txBody>
+          <a:bodyPr/>
+          <a:lstStyle/>
+          <a:p>
+            <a:r>
+              <a:rPr lang="it-IT" b="1" dirty="0"/>
+              <a:t>MyPortfolio - </a:t>
+            </a:r>
+            <a:r>
+              <a:rPr lang="it-IT" dirty="0">
+                <a:latin typeface="Verdana" panose="020B0604030504040204" pitchFamily="34" charset="0"/>
+                <a:ea typeface="Verdana" panose="020B0604030504040204" pitchFamily="34" charset="0"/>
+                <a:cs typeface="Verdana" panose="020B0604030504040204" pitchFamily="34" charset="0"/>
+              </a:rPr>
+              <a:t>Implementazione di una piattaforma Backend + Frontend con architettura API RESTful – Andrea Neri</a:t>
+            </a:r>
+          </a:p>
+          <a:p>
+            <a:endParaRPr lang="it-IT" dirty="0"/>
+          </a:p>
+          <a:p>
+            <a:endParaRPr lang="it-IT" dirty="0"/>
+          </a:p>
+        </p:txBody>
+      </p:sp>
+      <p:sp>
+        <p:nvSpPr>
+          <p:cNvPr id="4" name="Titolo 3">
+            <a:extLst>
+              <a:ext uri="{FF2B5EF4-FFF2-40B4-BE49-F238E27FC236}">
+                <a16:creationId xmlns:a16="http://schemas.microsoft.com/office/drawing/2014/main" id="{24A37BD6-CFD3-8902-D20B-4DB156EECC85}"/>
+              </a:ext>
+            </a:extLst>
+          </p:cNvPr>
+          <p:cNvSpPr>
+            <a:spLocks noGrp="1"/>
+          </p:cNvSpPr>
+          <p:nvPr>
+            <p:ph type="title"/>
+          </p:nvPr>
+        </p:nvSpPr>
+        <p:spPr>
+          <a:xfrm>
+            <a:off x="775868" y="958052"/>
+            <a:ext cx="10291525" cy="578690"/>
+          </a:xfrm>
+        </p:spPr>
+        <p:txBody>
+          <a:bodyPr/>
+          <a:lstStyle/>
+          <a:p>
+            <a:r>
+              <a:rPr lang="it-IT" dirty="0"/>
+              <a:t>Implementazione back-end (Query Methods)</a:t>
+            </a:r>
+          </a:p>
+        </p:txBody>
+      </p:sp>
+      <p:sp>
+        <p:nvSpPr>
+          <p:cNvPr id="5" name="Segnaposto testo 2">
+            <a:extLst>
+              <a:ext uri="{FF2B5EF4-FFF2-40B4-BE49-F238E27FC236}">
+                <a16:creationId xmlns:a16="http://schemas.microsoft.com/office/drawing/2014/main" id="{B23146F0-3C8F-7C6B-6386-43C5B3EE1A13}"/>
+              </a:ext>
+            </a:extLst>
+          </p:cNvPr>
+          <p:cNvSpPr>
+            <a:spLocks noGrp="1"/>
+          </p:cNvSpPr>
+          <p:nvPr>
+            <p:ph type="body" sz="quarter" idx="13"/>
+          </p:nvPr>
+        </p:nvSpPr>
+        <p:spPr>
+          <a:xfrm>
+            <a:off x="605052" y="1778887"/>
+            <a:ext cx="10981895" cy="4121061"/>
+          </a:xfrm>
+        </p:spPr>
+        <p:txBody>
+          <a:bodyPr/>
+          <a:lstStyle/>
+          <a:p>
+            <a:pPr marL="293688" indent="-285750">
+              <a:buFont typeface="Arial" panose="020B0604020202020204" pitchFamily="34" charset="0"/>
+              <a:buChar char="•"/>
+            </a:pPr>
+            <a:r>
+              <a:rPr lang="it-IT" dirty="0"/>
+              <a:t>Query Methods: Metodi che eseguono query SQL automaticamente basati su convenzioni nei nomi. Non è necessario scrivere manualmente query SQL o JPQL</a:t>
+            </a:r>
+          </a:p>
+          <a:p>
+            <a:pPr marL="293688" indent="-285750">
+              <a:buFont typeface="Arial" panose="020B0604020202020204" pitchFamily="34" charset="0"/>
+              <a:buChar char="•"/>
+            </a:pPr>
+            <a:r>
+              <a:rPr lang="it-IT" dirty="0"/>
+              <a:t>Keyword supportate: </a:t>
+            </a:r>
+          </a:p>
+          <a:p>
+            <a:pPr marL="971516" lvl="1" indent="-285750">
+              <a:buFont typeface="Arial" panose="020B0604020202020204" pitchFamily="34" charset="0"/>
+              <a:buChar char="•"/>
+            </a:pPr>
+            <a:r>
+              <a:rPr lang="it-IT" dirty="0"/>
+              <a:t>Per la selezione/conteggio: </a:t>
+            </a:r>
+            <a:r>
+              <a:rPr lang="it-IT" i="1" dirty="0" err="1"/>
+              <a:t>findBy</a:t>
+            </a:r>
+            <a:r>
+              <a:rPr lang="it-IT" dirty="0"/>
+              <a:t>, </a:t>
+            </a:r>
+            <a:r>
+              <a:rPr lang="it-IT" i="1" dirty="0" err="1"/>
+              <a:t>countBy</a:t>
+            </a:r>
+            <a:r>
+              <a:rPr lang="it-IT" dirty="0"/>
+              <a:t>, </a:t>
+            </a:r>
+            <a:r>
+              <a:rPr lang="it-IT" i="1" dirty="0" err="1"/>
+              <a:t>deleteBy</a:t>
+            </a:r>
+            <a:r>
+              <a:rPr lang="it-IT" dirty="0"/>
+              <a:t>, </a:t>
+            </a:r>
+            <a:r>
+              <a:rPr lang="it-IT" i="1" dirty="0" err="1"/>
+              <a:t>existsBy</a:t>
+            </a:r>
+            <a:endParaRPr lang="it-IT" i="1" dirty="0"/>
+          </a:p>
+          <a:p>
+            <a:pPr marL="971516" lvl="1" indent="-285750">
+              <a:buFont typeface="Arial" panose="020B0604020202020204" pitchFamily="34" charset="0"/>
+              <a:buChar char="•"/>
+            </a:pPr>
+            <a:r>
+              <a:rPr lang="it-IT" dirty="0"/>
+              <a:t>Per concatenare combinazioni logiche e confronti: </a:t>
+            </a:r>
+            <a:r>
+              <a:rPr lang="it-IT" i="1" dirty="0"/>
+              <a:t>And</a:t>
+            </a:r>
+            <a:r>
+              <a:rPr lang="it-IT" dirty="0"/>
+              <a:t>, </a:t>
+            </a:r>
+            <a:r>
+              <a:rPr lang="it-IT" i="1" dirty="0"/>
+              <a:t>Or</a:t>
+            </a:r>
+            <a:endParaRPr lang="it-IT" dirty="0"/>
+          </a:p>
+          <a:p>
+            <a:pPr marL="971516" lvl="1" indent="-285750">
+              <a:buFont typeface="Arial" panose="020B0604020202020204" pitchFamily="34" charset="0"/>
+              <a:buChar char="•"/>
+            </a:pPr>
+            <a:r>
+              <a:rPr lang="it-IT" dirty="0"/>
+              <a:t>Per confronti numerici e pattern: </a:t>
+            </a:r>
+            <a:r>
+              <a:rPr lang="it-IT" i="1" dirty="0" err="1"/>
+              <a:t>GreaterThan</a:t>
+            </a:r>
+            <a:r>
+              <a:rPr lang="it-IT" dirty="0"/>
+              <a:t>, </a:t>
+            </a:r>
+            <a:r>
+              <a:rPr lang="it-IT" i="1" dirty="0" err="1"/>
+              <a:t>LessThan</a:t>
+            </a:r>
+            <a:r>
+              <a:rPr lang="it-IT" dirty="0"/>
+              <a:t>, </a:t>
+            </a:r>
+            <a:r>
+              <a:rPr lang="it-IT" i="1" dirty="0" err="1"/>
+              <a:t>Between</a:t>
+            </a:r>
+            <a:r>
+              <a:rPr lang="it-IT" dirty="0"/>
+              <a:t>, </a:t>
+            </a:r>
+            <a:r>
+              <a:rPr lang="it-IT" i="1" dirty="0"/>
+              <a:t>Like</a:t>
+            </a:r>
+            <a:r>
+              <a:rPr lang="it-IT" dirty="0"/>
+              <a:t>, </a:t>
+            </a:r>
+            <a:r>
+              <a:rPr lang="it-IT" i="1" dirty="0"/>
+              <a:t>In</a:t>
+            </a:r>
+          </a:p>
+          <a:p>
+            <a:pPr marL="971516" lvl="1" indent="-285750">
+              <a:buFont typeface="Arial" panose="020B0604020202020204" pitchFamily="34" charset="0"/>
+              <a:buChar char="•"/>
+            </a:pPr>
+            <a:r>
+              <a:rPr lang="it-IT" dirty="0"/>
+              <a:t>Per ordinare i risultati: </a:t>
+            </a:r>
+            <a:r>
+              <a:rPr lang="it-IT" i="1" dirty="0" err="1"/>
+              <a:t>OrderBy</a:t>
+            </a:r>
+            <a:endParaRPr lang="it-IT" i="1" dirty="0"/>
+          </a:p>
+          <a:p>
+            <a:pPr marL="293688" indent="-285750">
+              <a:buFont typeface="Arial" panose="020B0604020202020204" pitchFamily="34" charset="0"/>
+              <a:buChar char="•"/>
+            </a:pPr>
+            <a:r>
+              <a:rPr lang="it-IT" dirty="0"/>
+              <a:t> I Query Methods sono ideali per query semplici e comuni, in alternativa è possibile utilizzare l'annotazione @Query per scrivere query JPQL o SQL personalizzate</a:t>
+            </a:r>
+          </a:p>
+        </p:txBody>
+      </p:sp>
+    </p:spTree>
+    <p:extLst>
+      <p:ext uri="{BB962C8B-B14F-4D97-AF65-F5344CB8AC3E}">
+        <p14:creationId xmlns:p14="http://schemas.microsoft.com/office/powerpoint/2010/main" val="4086150871"/>
+      </p:ext>
+    </p:extLst>
+  </p:cSld>
+  <p:clrMapOvr>
+    <a:masterClrMapping/>
+  </p:clrMapOvr>
+</p:sld>
+</file>
+
+<file path=ppt/slides/slide22.xml><?xml version="1.0" encoding="utf-8"?>
+<p:sld xmlns:a="http://schemas.openxmlformats.org/drawingml/2006/main" xmlns:r="http://schemas.openxmlformats.org/officeDocument/2006/relationships" xmlns:p="http://schemas.openxmlformats.org/presentationml/2006/main">
+  <p:cSld>
+    <p:spTree>
+      <p:nvGrpSpPr>
+        <p:cNvPr id="1" name="">
+          <a:extLst>
+            <a:ext uri="{FF2B5EF4-FFF2-40B4-BE49-F238E27FC236}">
+              <a16:creationId xmlns:a16="http://schemas.microsoft.com/office/drawing/2014/main" id="{A22B8750-4E1A-20BE-3B35-E7E4BF811317}"/>
+            </a:ext>
+          </a:extLst>
+        </p:cNvPr>
+        <p:cNvGrpSpPr/>
+        <p:nvPr/>
+      </p:nvGrpSpPr>
+      <p:grpSpPr>
+        <a:xfrm>
+          <a:off x="0" y="0"/>
+          <a:ext cx="0" cy="0"/>
+          <a:chOff x="0" y="0"/>
+          <a:chExt cx="0" cy="0"/>
+        </a:xfrm>
+      </p:grpSpPr>
+      <p:sp>
+        <p:nvSpPr>
+          <p:cNvPr id="2" name="Segnaposto testo 1">
+            <a:extLst>
+              <a:ext uri="{FF2B5EF4-FFF2-40B4-BE49-F238E27FC236}">
+                <a16:creationId xmlns:a16="http://schemas.microsoft.com/office/drawing/2014/main" id="{F6D16B00-4611-F7A3-354F-78C9283ABC08}"/>
+              </a:ext>
+            </a:extLst>
+          </p:cNvPr>
+          <p:cNvSpPr>
+            <a:spLocks noGrp="1"/>
+          </p:cNvSpPr>
+          <p:nvPr>
+            <p:ph type="body" sz="quarter" idx="14"/>
+          </p:nvPr>
+        </p:nvSpPr>
+        <p:spPr/>
+        <p:txBody>
+          <a:bodyPr/>
+          <a:lstStyle/>
+          <a:p>
+            <a:r>
+              <a:rPr lang="it-IT" b="1" dirty="0"/>
+              <a:t>MyPortfolio - </a:t>
+            </a:r>
+            <a:r>
+              <a:rPr lang="it-IT" dirty="0">
+                <a:latin typeface="Verdana" panose="020B0604030504040204" pitchFamily="34" charset="0"/>
+                <a:ea typeface="Verdana" panose="020B0604030504040204" pitchFamily="34" charset="0"/>
+                <a:cs typeface="Verdana" panose="020B0604030504040204" pitchFamily="34" charset="0"/>
+              </a:rPr>
+              <a:t>Implementazione di una piattaforma Backend + Frontend con architettura API RESTful – Andrea Neri</a:t>
+            </a:r>
+          </a:p>
+          <a:p>
+            <a:endParaRPr lang="it-IT" dirty="0"/>
+          </a:p>
+          <a:p>
+            <a:endParaRPr lang="it-IT" dirty="0"/>
+          </a:p>
+        </p:txBody>
+      </p:sp>
+      <p:sp>
+        <p:nvSpPr>
+          <p:cNvPr id="4" name="Titolo 3">
+            <a:extLst>
+              <a:ext uri="{FF2B5EF4-FFF2-40B4-BE49-F238E27FC236}">
+                <a16:creationId xmlns:a16="http://schemas.microsoft.com/office/drawing/2014/main" id="{1CC9914A-7C8F-8687-5109-7CEF60B80D68}"/>
+              </a:ext>
+            </a:extLst>
+          </p:cNvPr>
+          <p:cNvSpPr>
+            <a:spLocks noGrp="1"/>
+          </p:cNvSpPr>
+          <p:nvPr>
+            <p:ph type="title"/>
+          </p:nvPr>
+        </p:nvSpPr>
+        <p:spPr>
+          <a:xfrm>
+            <a:off x="775868" y="958052"/>
+            <a:ext cx="10291525" cy="578690"/>
+          </a:xfrm>
+        </p:spPr>
+        <p:txBody>
+          <a:bodyPr/>
+          <a:lstStyle/>
+          <a:p>
+            <a:r>
+              <a:rPr lang="it-IT" dirty="0"/>
+              <a:t>Implementazione back-end (</a:t>
+            </a:r>
+            <a:r>
+              <a:rPr lang="it-IT" dirty="0" err="1"/>
+              <a:t>UserRepository</a:t>
+            </a:r>
+            <a:r>
+              <a:rPr lang="it-IT" dirty="0"/>
+              <a:t>)</a:t>
+            </a:r>
+          </a:p>
+        </p:txBody>
+      </p:sp>
+      <p:pic>
+        <p:nvPicPr>
+          <p:cNvPr id="5" name="Immagine 4">
+            <a:extLst>
+              <a:ext uri="{FF2B5EF4-FFF2-40B4-BE49-F238E27FC236}">
+                <a16:creationId xmlns:a16="http://schemas.microsoft.com/office/drawing/2014/main" id="{A298A4E2-B1E9-5B6E-1B36-2E6884AF3707}"/>
+              </a:ext>
+            </a:extLst>
+          </p:cNvPr>
+          <p:cNvPicPr>
+            <a:picLocks noChangeAspect="1"/>
+          </p:cNvPicPr>
+          <p:nvPr/>
+        </p:nvPicPr>
+        <p:blipFill>
+          <a:blip r:embed="rId3"/>
+          <a:stretch>
+            <a:fillRect/>
+          </a:stretch>
+        </p:blipFill>
+        <p:spPr>
+          <a:xfrm>
+            <a:off x="1482606" y="1914525"/>
+            <a:ext cx="9226788" cy="3658502"/>
+          </a:xfrm>
+          <a:prstGeom prst="rect">
+            <a:avLst/>
+          </a:prstGeom>
+        </p:spPr>
+      </p:pic>
+    </p:spTree>
+    <p:extLst>
+      <p:ext uri="{BB962C8B-B14F-4D97-AF65-F5344CB8AC3E}">
+        <p14:creationId xmlns:p14="http://schemas.microsoft.com/office/powerpoint/2010/main" val="1213176808"/>
+      </p:ext>
+    </p:extLst>
+  </p:cSld>
+  <p:clrMapOvr>
+    <a:masterClrMapping/>
+  </p:clrMapOvr>
+</p:sld>
+</file>
+
+<file path=ppt/slides/slide23.xml><?xml version="1.0" encoding="utf-8"?>
+<p:sld xmlns:a="http://schemas.openxmlformats.org/drawingml/2006/main" xmlns:r="http://schemas.openxmlformats.org/officeDocument/2006/relationships" xmlns:p="http://schemas.openxmlformats.org/presentationml/2006/main">
+  <p:cSld>
+    <p:spTree>
+      <p:nvGrpSpPr>
+        <p:cNvPr id="1" name="">
+          <a:extLst>
+            <a:ext uri="{FF2B5EF4-FFF2-40B4-BE49-F238E27FC236}">
               <a16:creationId xmlns:a16="http://schemas.microsoft.com/office/drawing/2014/main" id="{48B9F804-D7F0-977E-AEFD-1D01FF78A78B}"/>
             </a:ext>
           </a:extLst>
@@ -8266,7 +9046,7 @@
 </p:sld>
 </file>
 
-<file path=ppt/slides/slide21.xml><?xml version="1.0" encoding="utf-8"?>
+<file path=ppt/slides/slide24.xml><?xml version="1.0" encoding="utf-8"?>
 <p:sld xmlns:a="http://schemas.openxmlformats.org/drawingml/2006/main" xmlns:r="http://schemas.openxmlformats.org/officeDocument/2006/relationships" xmlns:p="http://schemas.openxmlformats.org/presentationml/2006/main">
   <p:cSld>
     <p:spTree>
@@ -8446,7 +9226,7 @@
 </p:sld>
 </file>
 
-<file path=ppt/slides/slide22.xml><?xml version="1.0" encoding="utf-8"?>
+<file path=ppt/slides/slide25.xml><?xml version="1.0" encoding="utf-8"?>
 <p:sld xmlns:a="http://schemas.openxmlformats.org/drawingml/2006/main" xmlns:r="http://schemas.openxmlformats.org/officeDocument/2006/relationships" xmlns:p="http://schemas.openxmlformats.org/presentationml/2006/main">
   <p:cSld>
     <p:spTree>
@@ -8782,7 +9562,7 @@
 </p:sld>
 </file>
 
-<file path=ppt/slides/slide23.xml><?xml version="1.0" encoding="utf-8"?>
+<file path=ppt/slides/slide26.xml><?xml version="1.0" encoding="utf-8"?>
 <p:sld xmlns:a="http://schemas.openxmlformats.org/drawingml/2006/main" xmlns:r="http://schemas.openxmlformats.org/officeDocument/2006/relationships" xmlns:p="http://schemas.openxmlformats.org/presentationml/2006/main">
   <p:cSld>
     <p:spTree>
@@ -8923,7 +9703,7 @@
 </p:sld>
 </file>
 
-<file path=ppt/slides/slide24.xml><?xml version="1.0" encoding="utf-8"?>
+<file path=ppt/slides/slide27.xml><?xml version="1.0" encoding="utf-8"?>
 <p:sld xmlns:a="http://schemas.openxmlformats.org/drawingml/2006/main" xmlns:r="http://schemas.openxmlformats.org/officeDocument/2006/relationships" xmlns:p="http://schemas.openxmlformats.org/presentationml/2006/main">
   <p:cSld>
     <p:spTree>
@@ -9075,7 +9855,7 @@
 </p:sld>
 </file>
 
-<file path=ppt/slides/slide25.xml><?xml version="1.0" encoding="utf-8"?>
+<file path=ppt/slides/slide28.xml><?xml version="1.0" encoding="utf-8"?>
 <p:sld xmlns:a="http://schemas.openxmlformats.org/drawingml/2006/main" xmlns:r="http://schemas.openxmlformats.org/officeDocument/2006/relationships" xmlns:p="http://schemas.openxmlformats.org/presentationml/2006/main">
   <p:cSld>
     <p:spTree>
@@ -9227,7 +10007,7 @@
 </p:sld>
 </file>
 
-<file path=ppt/slides/slide26.xml><?xml version="1.0" encoding="utf-8"?>
+<file path=ppt/slides/slide29.xml><?xml version="1.0" encoding="utf-8"?>
 <p:sld xmlns:a="http://schemas.openxmlformats.org/drawingml/2006/main" xmlns:r="http://schemas.openxmlformats.org/officeDocument/2006/relationships" xmlns:p="http://schemas.openxmlformats.org/presentationml/2006/main">
   <p:cSld>
     <p:spTree>
@@ -9310,8 +10090,8 @@
         </p:nvSpPr>
         <p:spPr>
           <a:xfrm>
-            <a:off x="775868" y="958052"/>
-            <a:ext cx="9542414" cy="578690"/>
+            <a:off x="775867" y="958052"/>
+            <a:ext cx="9994801" cy="578690"/>
           </a:xfrm>
         </p:spPr>
         <p:txBody>
@@ -9320,7 +10100,7 @@
           <a:p>
             <a:r>
               <a:rPr lang="it-IT" dirty="0"/>
-              <a:t>Implementazione back-end (Gestione copyright immagini)</a:t>
+              <a:t>Implementazione back-end (Gestione copyright immagini - 1)</a:t>
             </a:r>
           </a:p>
         </p:txBody>
@@ -9482,7 +10262,758 @@
 </p:sld>
 </file>
 
-<file path=ppt/slides/slide27.xml><?xml version="1.0" encoding="utf-8"?>
+<file path=ppt/slides/slide3.xml><?xml version="1.0" encoding="utf-8"?>
+<p:sld xmlns:a="http://schemas.openxmlformats.org/drawingml/2006/main" xmlns:r="http://schemas.openxmlformats.org/officeDocument/2006/relationships" xmlns:p="http://schemas.openxmlformats.org/presentationml/2006/main">
+  <p:cSld>
+    <p:spTree>
+      <p:nvGrpSpPr>
+        <p:cNvPr id="1" name="">
+          <a:extLst>
+            <a:ext uri="{FF2B5EF4-FFF2-40B4-BE49-F238E27FC236}">
+              <a16:creationId xmlns:a16="http://schemas.microsoft.com/office/drawing/2014/main" id="{8D166143-064C-1BBB-C97F-61B0C8A4C8A2}"/>
+            </a:ext>
+          </a:extLst>
+        </p:cNvPr>
+        <p:cNvGrpSpPr/>
+        <p:nvPr/>
+      </p:nvGrpSpPr>
+      <p:grpSpPr>
+        <a:xfrm>
+          <a:off x="0" y="0"/>
+          <a:ext cx="0" cy="0"/>
+          <a:chOff x="0" y="0"/>
+          <a:chExt cx="0" cy="0"/>
+        </a:xfrm>
+      </p:grpSpPr>
+      <p:sp>
+        <p:nvSpPr>
+          <p:cNvPr id="2" name="Segnaposto testo 1">
+            <a:extLst>
+              <a:ext uri="{FF2B5EF4-FFF2-40B4-BE49-F238E27FC236}">
+                <a16:creationId xmlns:a16="http://schemas.microsoft.com/office/drawing/2014/main" id="{57B8D3D5-45F2-DD04-DF87-BF03E10030AD}"/>
+              </a:ext>
+            </a:extLst>
+          </p:cNvPr>
+          <p:cNvSpPr>
+            <a:spLocks noGrp="1"/>
+          </p:cNvSpPr>
+          <p:nvPr>
+            <p:ph type="body" sz="quarter" idx="14"/>
+          </p:nvPr>
+        </p:nvSpPr>
+        <p:spPr/>
+        <p:txBody>
+          <a:bodyPr/>
+          <a:lstStyle/>
+          <a:p>
+            <a:r>
+              <a:rPr lang="it-IT" b="1" dirty="0"/>
+              <a:t>MyPortfolio - </a:t>
+            </a:r>
+            <a:r>
+              <a:rPr lang="it-IT" dirty="0">
+                <a:latin typeface="Verdana" panose="020B0604030504040204" pitchFamily="34" charset="0"/>
+                <a:ea typeface="Verdana" panose="020B0604030504040204" pitchFamily="34" charset="0"/>
+                <a:cs typeface="Verdana" panose="020B0604030504040204" pitchFamily="34" charset="0"/>
+              </a:rPr>
+              <a:t>Implementazione di una piattaforma Backend + Frontend con architettura API RESTful – Andrea Neri</a:t>
+            </a:r>
+          </a:p>
+          <a:p>
+            <a:endParaRPr lang="it-IT" dirty="0"/>
+          </a:p>
+          <a:p>
+            <a:endParaRPr lang="it-IT" dirty="0"/>
+          </a:p>
+        </p:txBody>
+      </p:sp>
+      <p:sp>
+        <p:nvSpPr>
+          <p:cNvPr id="3" name="Segnaposto testo 2">
+            <a:extLst>
+              <a:ext uri="{FF2B5EF4-FFF2-40B4-BE49-F238E27FC236}">
+                <a16:creationId xmlns:a16="http://schemas.microsoft.com/office/drawing/2014/main" id="{9EDDF28B-9352-AD41-CA64-B79EEEAF7843}"/>
+              </a:ext>
+            </a:extLst>
+          </p:cNvPr>
+          <p:cNvSpPr>
+            <a:spLocks noGrp="1"/>
+          </p:cNvSpPr>
+          <p:nvPr>
+            <p:ph type="body" sz="quarter" idx="13"/>
+          </p:nvPr>
+        </p:nvSpPr>
+        <p:spPr>
+          <a:xfrm>
+            <a:off x="775868" y="1536742"/>
+            <a:ext cx="10981895" cy="4470050"/>
+          </a:xfrm>
+        </p:spPr>
+        <p:txBody>
+          <a:bodyPr/>
+          <a:lstStyle/>
+          <a:p>
+            <a:pPr marL="293688" indent="-285750">
+              <a:buFont typeface="Arial" panose="020B0604020202020204" pitchFamily="34" charset="0"/>
+              <a:buChar char="•"/>
+            </a:pPr>
+            <a:r>
+              <a:rPr lang="it-IT" dirty="0"/>
+              <a:t>Il progetto nasce da una richiesta di un fotografo per condividere cartelle del NAS in modo selettivo e sicuro.</a:t>
+            </a:r>
+          </a:p>
+          <a:p>
+            <a:pPr marL="293688" indent="-285750">
+              <a:buFont typeface="Arial" panose="020B0604020202020204" pitchFamily="34" charset="0"/>
+              <a:buChar char="•"/>
+            </a:pPr>
+            <a:r>
+              <a:rPr lang="it-IT" dirty="0"/>
+              <a:t>Prime soluzioni valutate:</a:t>
+            </a:r>
+          </a:p>
+          <a:p>
+            <a:pPr marL="971516" lvl="1" indent="-285750">
+              <a:buFont typeface="Arial" panose="020B0604020202020204" pitchFamily="34" charset="0"/>
+              <a:buChar char="•"/>
+            </a:pPr>
+            <a:r>
+              <a:rPr lang="it-IT" dirty="0"/>
+              <a:t>Utilizzo dell'app del produttore del NAS che consente l'accesso ai file e la gestione dei permessi. Scartata per la necessità di condividere l'intera libreria del NAS sulla rete pubblica.</a:t>
+            </a:r>
+          </a:p>
+          <a:p>
+            <a:pPr marL="971516" lvl="1" indent="-285750">
+              <a:buFont typeface="Arial" panose="020B0604020202020204" pitchFamily="34" charset="0"/>
+              <a:buChar char="•"/>
+            </a:pPr>
+            <a:r>
+              <a:rPr lang="it-IT" dirty="0"/>
+              <a:t>Utilizzo di piattaforme come </a:t>
+            </a:r>
+            <a:r>
+              <a:rPr lang="it-IT" dirty="0" err="1"/>
+              <a:t>WeTransfer</a:t>
+            </a:r>
+            <a:r>
+              <a:rPr lang="it-IT" dirty="0"/>
+              <a:t>, soluzione scomoda e temporanea per la condivisione dei file.</a:t>
+            </a:r>
+          </a:p>
+          <a:p>
+            <a:pPr marL="293688" indent="-285750">
+              <a:buFont typeface="Arial" panose="020B0604020202020204" pitchFamily="34" charset="0"/>
+              <a:buChar char="•"/>
+            </a:pPr>
+            <a:r>
+              <a:rPr lang="it-IT" dirty="0"/>
+              <a:t>Esigenze principali:</a:t>
+            </a:r>
+          </a:p>
+          <a:p>
+            <a:pPr marL="971516" lvl="1" indent="-285750">
+              <a:buFont typeface="Arial" panose="020B0604020202020204" pitchFamily="34" charset="0"/>
+              <a:buChar char="•"/>
+            </a:pPr>
+            <a:r>
+              <a:rPr lang="it-IT" dirty="0"/>
+              <a:t>Visualizzazione di immagini con watermark per utenti registrati con permessi specifici.</a:t>
+            </a:r>
+          </a:p>
+          <a:p>
+            <a:pPr marL="971516" lvl="1" indent="-285750">
+              <a:buFont typeface="Arial" panose="020B0604020202020204" pitchFamily="34" charset="0"/>
+              <a:buChar char="•"/>
+            </a:pPr>
+            <a:r>
+              <a:rPr lang="it-IT" dirty="0"/>
+              <a:t>Gestione delle foto tramite raccolte (Work) che rappresentano progetti fotografici o temi comuni, per una gestione accurata degli accessi.</a:t>
+            </a:r>
+          </a:p>
+        </p:txBody>
+      </p:sp>
+      <p:sp>
+        <p:nvSpPr>
+          <p:cNvPr id="4" name="Titolo 3">
+            <a:extLst>
+              <a:ext uri="{FF2B5EF4-FFF2-40B4-BE49-F238E27FC236}">
+                <a16:creationId xmlns:a16="http://schemas.microsoft.com/office/drawing/2014/main" id="{8052DA5E-DFE5-E540-52EB-5B8730B5DF42}"/>
+              </a:ext>
+            </a:extLst>
+          </p:cNvPr>
+          <p:cNvSpPr>
+            <a:spLocks noGrp="1"/>
+          </p:cNvSpPr>
+          <p:nvPr>
+            <p:ph type="title"/>
+          </p:nvPr>
+        </p:nvSpPr>
+        <p:spPr>
+          <a:xfrm>
+            <a:off x="775869" y="958052"/>
+            <a:ext cx="2550655" cy="578690"/>
+          </a:xfrm>
+        </p:spPr>
+        <p:txBody>
+          <a:bodyPr/>
+          <a:lstStyle/>
+          <a:p>
+            <a:r>
+              <a:rPr lang="it-IT" dirty="0"/>
+              <a:t>Introduzione</a:t>
+            </a:r>
+          </a:p>
+        </p:txBody>
+      </p:sp>
+    </p:spTree>
+    <p:extLst>
+      <p:ext uri="{BB962C8B-B14F-4D97-AF65-F5344CB8AC3E}">
+        <p14:creationId xmlns:p14="http://schemas.microsoft.com/office/powerpoint/2010/main" val="1373041245"/>
+      </p:ext>
+    </p:extLst>
+  </p:cSld>
+  <p:clrMapOvr>
+    <a:masterClrMapping/>
+  </p:clrMapOvr>
+</p:sld>
+</file>
+
+<file path=ppt/slides/slide30.xml><?xml version="1.0" encoding="utf-8"?>
+<p:sld xmlns:a="http://schemas.openxmlformats.org/drawingml/2006/main" xmlns:r="http://schemas.openxmlformats.org/officeDocument/2006/relationships" xmlns:p="http://schemas.openxmlformats.org/presentationml/2006/main">
+  <p:cSld>
+    <p:spTree>
+      <p:nvGrpSpPr>
+        <p:cNvPr id="1" name="">
+          <a:extLst>
+            <a:ext uri="{FF2B5EF4-FFF2-40B4-BE49-F238E27FC236}">
+              <a16:creationId xmlns:a16="http://schemas.microsoft.com/office/drawing/2014/main" id="{7F8FD5B5-B0D7-8717-321B-FEAB7BD8648F}"/>
+            </a:ext>
+          </a:extLst>
+        </p:cNvPr>
+        <p:cNvGrpSpPr/>
+        <p:nvPr/>
+      </p:nvGrpSpPr>
+      <p:grpSpPr>
+        <a:xfrm>
+          <a:off x="0" y="0"/>
+          <a:ext cx="0" cy="0"/>
+          <a:chOff x="0" y="0"/>
+          <a:chExt cx="0" cy="0"/>
+        </a:xfrm>
+      </p:grpSpPr>
+      <p:sp>
+        <p:nvSpPr>
+          <p:cNvPr id="2" name="Segnaposto testo 1">
+            <a:extLst>
+              <a:ext uri="{FF2B5EF4-FFF2-40B4-BE49-F238E27FC236}">
+                <a16:creationId xmlns:a16="http://schemas.microsoft.com/office/drawing/2014/main" id="{898E0049-2DE2-18B4-68A1-A8D94DCB9EF0}"/>
+              </a:ext>
+            </a:extLst>
+          </p:cNvPr>
+          <p:cNvSpPr>
+            <a:spLocks noGrp="1"/>
+          </p:cNvSpPr>
+          <p:nvPr>
+            <p:ph type="body" sz="quarter" idx="14"/>
+          </p:nvPr>
+        </p:nvSpPr>
+        <p:spPr/>
+        <p:txBody>
+          <a:bodyPr/>
+          <a:lstStyle/>
+          <a:p>
+            <a:r>
+              <a:rPr lang="it-IT" b="1" dirty="0"/>
+              <a:t>MyPortfolio - </a:t>
+            </a:r>
+            <a:r>
+              <a:rPr lang="it-IT" dirty="0">
+                <a:latin typeface="Verdana" panose="020B0604030504040204" pitchFamily="34" charset="0"/>
+                <a:ea typeface="Verdana" panose="020B0604030504040204" pitchFamily="34" charset="0"/>
+                <a:cs typeface="Verdana" panose="020B0604030504040204" pitchFamily="34" charset="0"/>
+              </a:rPr>
+              <a:t>Implementazione di una piattaforma Backend + Frontend con architettura API RESTful – Andrea Neri</a:t>
+            </a:r>
+          </a:p>
+          <a:p>
+            <a:endParaRPr lang="it-IT" dirty="0"/>
+          </a:p>
+          <a:p>
+            <a:endParaRPr lang="it-IT" dirty="0"/>
+          </a:p>
+        </p:txBody>
+      </p:sp>
+      <p:sp>
+        <p:nvSpPr>
+          <p:cNvPr id="4" name="Titolo 3">
+            <a:extLst>
+              <a:ext uri="{FF2B5EF4-FFF2-40B4-BE49-F238E27FC236}">
+                <a16:creationId xmlns:a16="http://schemas.microsoft.com/office/drawing/2014/main" id="{704CED56-8731-F6BC-7CE1-1F4D4C18832E}"/>
+              </a:ext>
+            </a:extLst>
+          </p:cNvPr>
+          <p:cNvSpPr>
+            <a:spLocks noGrp="1"/>
+          </p:cNvSpPr>
+          <p:nvPr>
+            <p:ph type="title"/>
+          </p:nvPr>
+        </p:nvSpPr>
+        <p:spPr>
+          <a:xfrm>
+            <a:off x="775867" y="958052"/>
+            <a:ext cx="10120335" cy="578690"/>
+          </a:xfrm>
+        </p:spPr>
+        <p:txBody>
+          <a:bodyPr/>
+          <a:lstStyle/>
+          <a:p>
+            <a:r>
+              <a:rPr lang="it-IT" dirty="0"/>
+              <a:t>Implementazione back-end (Gestione copyright immagini - 2)</a:t>
+            </a:r>
+          </a:p>
+        </p:txBody>
+      </p:sp>
+      <p:pic>
+        <p:nvPicPr>
+          <p:cNvPr id="5" name="Immagine 4">
+            <a:extLst>
+              <a:ext uri="{FF2B5EF4-FFF2-40B4-BE49-F238E27FC236}">
+                <a16:creationId xmlns:a16="http://schemas.microsoft.com/office/drawing/2014/main" id="{A6D8929D-083F-CC0C-74E8-D2F21B1F095E}"/>
+              </a:ext>
+            </a:extLst>
+          </p:cNvPr>
+          <p:cNvPicPr>
+            <a:picLocks noChangeAspect="1"/>
+          </p:cNvPicPr>
+          <p:nvPr/>
+        </p:nvPicPr>
+        <p:blipFill>
+          <a:blip r:embed="rId2"/>
+          <a:stretch>
+            <a:fillRect/>
+          </a:stretch>
+        </p:blipFill>
+        <p:spPr>
+          <a:xfrm>
+            <a:off x="2110589" y="1381575"/>
+            <a:ext cx="8124825" cy="5095875"/>
+          </a:xfrm>
+          <a:prstGeom prst="rect">
+            <a:avLst/>
+          </a:prstGeom>
+        </p:spPr>
+      </p:pic>
+    </p:spTree>
+    <p:extLst>
+      <p:ext uri="{BB962C8B-B14F-4D97-AF65-F5344CB8AC3E}">
+        <p14:creationId xmlns:p14="http://schemas.microsoft.com/office/powerpoint/2010/main" val="3543592753"/>
+      </p:ext>
+    </p:extLst>
+  </p:cSld>
+  <p:clrMapOvr>
+    <a:masterClrMapping/>
+  </p:clrMapOvr>
+</p:sld>
+</file>
+
+<file path=ppt/slides/slide31.xml><?xml version="1.0" encoding="utf-8"?>
+<p:sld xmlns:a="http://schemas.openxmlformats.org/drawingml/2006/main" xmlns:r="http://schemas.openxmlformats.org/officeDocument/2006/relationships" xmlns:p="http://schemas.openxmlformats.org/presentationml/2006/main">
+  <p:cSld>
+    <p:spTree>
+      <p:nvGrpSpPr>
+        <p:cNvPr id="1" name="">
+          <a:extLst>
+            <a:ext uri="{FF2B5EF4-FFF2-40B4-BE49-F238E27FC236}">
+              <a16:creationId xmlns:a16="http://schemas.microsoft.com/office/drawing/2014/main" id="{7B330642-6243-C3ED-AFD2-3275EE8A8055}"/>
+            </a:ext>
+          </a:extLst>
+        </p:cNvPr>
+        <p:cNvGrpSpPr/>
+        <p:nvPr/>
+      </p:nvGrpSpPr>
+      <p:grpSpPr>
+        <a:xfrm>
+          <a:off x="0" y="0"/>
+          <a:ext cx="0" cy="0"/>
+          <a:chOff x="0" y="0"/>
+          <a:chExt cx="0" cy="0"/>
+        </a:xfrm>
+      </p:grpSpPr>
+      <p:sp>
+        <p:nvSpPr>
+          <p:cNvPr id="2" name="Segnaposto testo 1">
+            <a:extLst>
+              <a:ext uri="{FF2B5EF4-FFF2-40B4-BE49-F238E27FC236}">
+                <a16:creationId xmlns:a16="http://schemas.microsoft.com/office/drawing/2014/main" id="{EF8D62E9-A408-C604-14B6-6E3462E3F238}"/>
+              </a:ext>
+            </a:extLst>
+          </p:cNvPr>
+          <p:cNvSpPr>
+            <a:spLocks noGrp="1"/>
+          </p:cNvSpPr>
+          <p:nvPr>
+            <p:ph type="body" sz="quarter" idx="14"/>
+          </p:nvPr>
+        </p:nvSpPr>
+        <p:spPr/>
+        <p:txBody>
+          <a:bodyPr/>
+          <a:lstStyle/>
+          <a:p>
+            <a:r>
+              <a:rPr lang="it-IT" b="1" dirty="0"/>
+              <a:t>MyPortfolio - </a:t>
+            </a:r>
+            <a:r>
+              <a:rPr lang="it-IT" dirty="0">
+                <a:latin typeface="Verdana" panose="020B0604030504040204" pitchFamily="34" charset="0"/>
+                <a:ea typeface="Verdana" panose="020B0604030504040204" pitchFamily="34" charset="0"/>
+                <a:cs typeface="Verdana" panose="020B0604030504040204" pitchFamily="34" charset="0"/>
+              </a:rPr>
+              <a:t>Implementazione di una piattaforma Backend + Frontend con architettura API RESTful – Andrea Neri</a:t>
+            </a:r>
+          </a:p>
+          <a:p>
+            <a:endParaRPr lang="it-IT" dirty="0"/>
+          </a:p>
+          <a:p>
+            <a:endParaRPr lang="it-IT" dirty="0"/>
+          </a:p>
+        </p:txBody>
+      </p:sp>
+      <p:sp>
+        <p:nvSpPr>
+          <p:cNvPr id="4" name="Titolo 3">
+            <a:extLst>
+              <a:ext uri="{FF2B5EF4-FFF2-40B4-BE49-F238E27FC236}">
+                <a16:creationId xmlns:a16="http://schemas.microsoft.com/office/drawing/2014/main" id="{70B3F940-5104-B98E-21A5-A330B6071BC7}"/>
+              </a:ext>
+            </a:extLst>
+          </p:cNvPr>
+          <p:cNvSpPr>
+            <a:spLocks noGrp="1"/>
+          </p:cNvSpPr>
+          <p:nvPr>
+            <p:ph type="title"/>
+          </p:nvPr>
+        </p:nvSpPr>
+        <p:spPr>
+          <a:xfrm>
+            <a:off x="775867" y="958052"/>
+            <a:ext cx="10120335" cy="578690"/>
+          </a:xfrm>
+        </p:spPr>
+        <p:txBody>
+          <a:bodyPr/>
+          <a:lstStyle/>
+          <a:p>
+            <a:r>
+              <a:rPr lang="it-IT" dirty="0"/>
+              <a:t>Implementazione back-end (Gestione copyright immagini - 3)</a:t>
+            </a:r>
+          </a:p>
+        </p:txBody>
+      </p:sp>
+      <p:pic>
+        <p:nvPicPr>
+          <p:cNvPr id="8" name="Immagine 7">
+            <a:extLst>
+              <a:ext uri="{FF2B5EF4-FFF2-40B4-BE49-F238E27FC236}">
+                <a16:creationId xmlns:a16="http://schemas.microsoft.com/office/drawing/2014/main" id="{EEAA9C41-4419-6D86-AE11-5E4D10669B56}"/>
+              </a:ext>
+            </a:extLst>
+          </p:cNvPr>
+          <p:cNvPicPr>
+            <a:picLocks noChangeAspect="1"/>
+          </p:cNvPicPr>
+          <p:nvPr/>
+        </p:nvPicPr>
+        <p:blipFill>
+          <a:blip r:embed="rId2"/>
+          <a:stretch>
+            <a:fillRect/>
+          </a:stretch>
+        </p:blipFill>
+        <p:spPr>
+          <a:xfrm>
+            <a:off x="2314848" y="1688030"/>
+            <a:ext cx="7562303" cy="4414048"/>
+          </a:xfrm>
+          <a:prstGeom prst="rect">
+            <a:avLst/>
+          </a:prstGeom>
+        </p:spPr>
+      </p:pic>
+    </p:spTree>
+    <p:extLst>
+      <p:ext uri="{BB962C8B-B14F-4D97-AF65-F5344CB8AC3E}">
+        <p14:creationId xmlns:p14="http://schemas.microsoft.com/office/powerpoint/2010/main" val="1086904623"/>
+      </p:ext>
+    </p:extLst>
+  </p:cSld>
+  <p:clrMapOvr>
+    <a:masterClrMapping/>
+  </p:clrMapOvr>
+</p:sld>
+</file>
+
+<file path=ppt/slides/slide32.xml><?xml version="1.0" encoding="utf-8"?>
+<p:sld xmlns:a="http://schemas.openxmlformats.org/drawingml/2006/main" xmlns:r="http://schemas.openxmlformats.org/officeDocument/2006/relationships" xmlns:p="http://schemas.openxmlformats.org/presentationml/2006/main">
+  <p:cSld>
+    <p:spTree>
+      <p:nvGrpSpPr>
+        <p:cNvPr id="1" name="">
+          <a:extLst>
+            <a:ext uri="{FF2B5EF4-FFF2-40B4-BE49-F238E27FC236}">
+              <a16:creationId xmlns:a16="http://schemas.microsoft.com/office/drawing/2014/main" id="{027F2B72-9B17-4852-10A7-7C87C6891E03}"/>
+            </a:ext>
+          </a:extLst>
+        </p:cNvPr>
+        <p:cNvGrpSpPr/>
+        <p:nvPr/>
+      </p:nvGrpSpPr>
+      <p:grpSpPr>
+        <a:xfrm>
+          <a:off x="0" y="0"/>
+          <a:ext cx="0" cy="0"/>
+          <a:chOff x="0" y="0"/>
+          <a:chExt cx="0" cy="0"/>
+        </a:xfrm>
+      </p:grpSpPr>
+      <p:sp>
+        <p:nvSpPr>
+          <p:cNvPr id="2" name="Segnaposto testo 1">
+            <a:extLst>
+              <a:ext uri="{FF2B5EF4-FFF2-40B4-BE49-F238E27FC236}">
+                <a16:creationId xmlns:a16="http://schemas.microsoft.com/office/drawing/2014/main" id="{4F62D740-FB62-F827-5751-7034793BDB24}"/>
+              </a:ext>
+            </a:extLst>
+          </p:cNvPr>
+          <p:cNvSpPr>
+            <a:spLocks noGrp="1"/>
+          </p:cNvSpPr>
+          <p:nvPr>
+            <p:ph type="body" sz="quarter" idx="14"/>
+          </p:nvPr>
+        </p:nvSpPr>
+        <p:spPr/>
+        <p:txBody>
+          <a:bodyPr/>
+          <a:lstStyle/>
+          <a:p>
+            <a:r>
+              <a:rPr lang="it-IT" b="1" dirty="0"/>
+              <a:t>MyPortfolio - </a:t>
+            </a:r>
+            <a:r>
+              <a:rPr lang="it-IT" dirty="0">
+                <a:latin typeface="Verdana" panose="020B0604030504040204" pitchFamily="34" charset="0"/>
+                <a:ea typeface="Verdana" panose="020B0604030504040204" pitchFamily="34" charset="0"/>
+                <a:cs typeface="Verdana" panose="020B0604030504040204" pitchFamily="34" charset="0"/>
+              </a:rPr>
+              <a:t>Implementazione di una piattaforma Backend + Frontend con architettura API RESTful – Andrea Neri</a:t>
+            </a:r>
+          </a:p>
+          <a:p>
+            <a:endParaRPr lang="it-IT" dirty="0"/>
+          </a:p>
+          <a:p>
+            <a:endParaRPr lang="it-IT" dirty="0"/>
+          </a:p>
+        </p:txBody>
+      </p:sp>
+      <p:sp>
+        <p:nvSpPr>
+          <p:cNvPr id="4" name="Titolo 3">
+            <a:extLst>
+              <a:ext uri="{FF2B5EF4-FFF2-40B4-BE49-F238E27FC236}">
+                <a16:creationId xmlns:a16="http://schemas.microsoft.com/office/drawing/2014/main" id="{294DC899-C468-460F-2C2A-4F909C47FA23}"/>
+              </a:ext>
+            </a:extLst>
+          </p:cNvPr>
+          <p:cNvSpPr>
+            <a:spLocks noGrp="1"/>
+          </p:cNvSpPr>
+          <p:nvPr>
+            <p:ph type="title"/>
+          </p:nvPr>
+        </p:nvSpPr>
+        <p:spPr>
+          <a:xfrm>
+            <a:off x="775867" y="958052"/>
+            <a:ext cx="10120335" cy="578690"/>
+          </a:xfrm>
+        </p:spPr>
+        <p:txBody>
+          <a:bodyPr/>
+          <a:lstStyle/>
+          <a:p>
+            <a:r>
+              <a:rPr lang="it-IT" dirty="0"/>
+              <a:t>Implementazione back-end (Gestione copyright immagini - 4)</a:t>
+            </a:r>
+          </a:p>
+        </p:txBody>
+      </p:sp>
+      <p:pic>
+        <p:nvPicPr>
+          <p:cNvPr id="5" name="Immagine 4">
+            <a:extLst>
+              <a:ext uri="{FF2B5EF4-FFF2-40B4-BE49-F238E27FC236}">
+                <a16:creationId xmlns:a16="http://schemas.microsoft.com/office/drawing/2014/main" id="{E8287DCD-4E71-0E1F-2B82-C062F58BC0DB}"/>
+              </a:ext>
+            </a:extLst>
+          </p:cNvPr>
+          <p:cNvPicPr>
+            <a:picLocks noChangeAspect="1"/>
+          </p:cNvPicPr>
+          <p:nvPr/>
+        </p:nvPicPr>
+        <p:blipFill>
+          <a:blip r:embed="rId2"/>
+          <a:stretch>
+            <a:fillRect/>
+          </a:stretch>
+        </p:blipFill>
+        <p:spPr>
+          <a:xfrm>
+            <a:off x="775867" y="1771935"/>
+            <a:ext cx="4768285" cy="4128013"/>
+          </a:xfrm>
+          <a:prstGeom prst="rect">
+            <a:avLst/>
+          </a:prstGeom>
+        </p:spPr>
+      </p:pic>
+      <p:pic>
+        <p:nvPicPr>
+          <p:cNvPr id="7" name="Immagine 6">
+            <a:extLst>
+              <a:ext uri="{FF2B5EF4-FFF2-40B4-BE49-F238E27FC236}">
+                <a16:creationId xmlns:a16="http://schemas.microsoft.com/office/drawing/2014/main" id="{5F73EFA3-EC28-93A0-353E-3EB3ED624EEE}"/>
+              </a:ext>
+            </a:extLst>
+          </p:cNvPr>
+          <p:cNvPicPr>
+            <a:picLocks noChangeAspect="1"/>
+          </p:cNvPicPr>
+          <p:nvPr/>
+        </p:nvPicPr>
+        <p:blipFill>
+          <a:blip r:embed="rId3"/>
+          <a:stretch>
+            <a:fillRect/>
+          </a:stretch>
+        </p:blipFill>
+        <p:spPr>
+          <a:xfrm>
+            <a:off x="8138912" y="2293477"/>
+            <a:ext cx="3061688" cy="3084927"/>
+          </a:xfrm>
+          <a:prstGeom prst="rect">
+            <a:avLst/>
+          </a:prstGeom>
+        </p:spPr>
+      </p:pic>
+      <p:sp>
+        <p:nvSpPr>
+          <p:cNvPr id="11" name="Segnaposto testo 2">
+            <a:extLst>
+              <a:ext uri="{FF2B5EF4-FFF2-40B4-BE49-F238E27FC236}">
+                <a16:creationId xmlns:a16="http://schemas.microsoft.com/office/drawing/2014/main" id="{C87593D2-C08D-4238-24E9-4A43F31FD7AE}"/>
+              </a:ext>
+            </a:extLst>
+          </p:cNvPr>
+          <p:cNvSpPr>
+            <a:spLocks noGrp="1"/>
+          </p:cNvSpPr>
+          <p:nvPr>
+            <p:ph type="body" sz="quarter" idx="13"/>
+          </p:nvPr>
+        </p:nvSpPr>
+        <p:spPr>
+          <a:xfrm>
+            <a:off x="775867" y="6022757"/>
+            <a:ext cx="10981895" cy="462013"/>
+          </a:xfrm>
+        </p:spPr>
+        <p:txBody>
+          <a:bodyPr/>
+          <a:lstStyle/>
+          <a:p>
+            <a:r>
+              <a:rPr lang="it-IT" sz="1600" dirty="0"/>
+              <a:t>	2048x1773							527x531</a:t>
+            </a:r>
+          </a:p>
+        </p:txBody>
+      </p:sp>
+      <p:sp>
+        <p:nvSpPr>
+          <p:cNvPr id="13" name="Freccia a destra 12">
+            <a:extLst>
+              <a:ext uri="{FF2B5EF4-FFF2-40B4-BE49-F238E27FC236}">
+                <a16:creationId xmlns:a16="http://schemas.microsoft.com/office/drawing/2014/main" id="{30BC7507-E2B0-4455-0F42-D3D0E2D5111F}"/>
+              </a:ext>
+            </a:extLst>
+          </p:cNvPr>
+          <p:cNvSpPr/>
+          <p:nvPr/>
+        </p:nvSpPr>
+        <p:spPr>
+          <a:xfrm>
+            <a:off x="5736657" y="3429000"/>
+            <a:ext cx="2079057" cy="578690"/>
+          </a:xfrm>
+          <a:prstGeom prst="rightArrow">
+            <a:avLst/>
+          </a:prstGeom>
+          <a:solidFill>
+            <a:srgbClr val="004C7E"/>
+          </a:solidFill>
+        </p:spPr>
+        <p:style>
+          <a:lnRef idx="2">
+            <a:schemeClr val="accent1">
+              <a:shade val="15000"/>
+            </a:schemeClr>
+          </a:lnRef>
+          <a:fillRef idx="1">
+            <a:schemeClr val="accent1"/>
+          </a:fillRef>
+          <a:effectRef idx="0">
+            <a:schemeClr val="accent1"/>
+          </a:effectRef>
+          <a:fontRef idx="minor">
+            <a:schemeClr val="lt1"/>
+          </a:fontRef>
+        </p:style>
+        <p:txBody>
+          <a:bodyPr rtlCol="0" anchor="ctr"/>
+          <a:lstStyle/>
+          <a:p>
+            <a:pPr algn="ctr"/>
+            <a:endParaRPr lang="it-IT"/>
+          </a:p>
+        </p:txBody>
+      </p:sp>
+    </p:spTree>
+    <p:extLst>
+      <p:ext uri="{BB962C8B-B14F-4D97-AF65-F5344CB8AC3E}">
+        <p14:creationId xmlns:p14="http://schemas.microsoft.com/office/powerpoint/2010/main" val="3638681581"/>
+      </p:ext>
+    </p:extLst>
+  </p:cSld>
+  <p:clrMapOvr>
+    <a:masterClrMapping/>
+  </p:clrMapOvr>
+</p:sld>
+</file>
+
+<file path=ppt/slides/slide33.xml><?xml version="1.0" encoding="utf-8"?>
 <p:sld xmlns:a="http://schemas.openxmlformats.org/drawingml/2006/main" xmlns:r="http://schemas.openxmlformats.org/officeDocument/2006/relationships" xmlns:p="http://schemas.openxmlformats.org/presentationml/2006/main">
   <p:cSld>
     <p:spTree>
@@ -9647,7 +11178,7 @@
 </p:sld>
 </file>
 
-<file path=ppt/slides/slide28.xml><?xml version="1.0" encoding="utf-8"?>
+<file path=ppt/slides/slide34.xml><?xml version="1.0" encoding="utf-8"?>
 <p:sld xmlns:a="http://schemas.openxmlformats.org/drawingml/2006/main" xmlns:r="http://schemas.openxmlformats.org/officeDocument/2006/relationships" xmlns:p="http://schemas.openxmlformats.org/presentationml/2006/main">
   <p:cSld>
     <p:spTree>
@@ -9788,7 +11319,7 @@
 </p:sld>
 </file>
 
-<file path=ppt/slides/slide29.xml><?xml version="1.0" encoding="utf-8"?>
+<file path=ppt/slides/slide35.xml><?xml version="1.0" encoding="utf-8"?>
 <p:sld xmlns:a="http://schemas.openxmlformats.org/drawingml/2006/main" xmlns:r="http://schemas.openxmlformats.org/officeDocument/2006/relationships" xmlns:p="http://schemas.openxmlformats.org/presentationml/2006/main">
   <p:cSld>
     <p:spTree>
@@ -9982,223 +11513,7 @@
 </p:sld>
 </file>
 
-<file path=ppt/slides/slide3.xml><?xml version="1.0" encoding="utf-8"?>
-<p:sld xmlns:a="http://schemas.openxmlformats.org/drawingml/2006/main" xmlns:r="http://schemas.openxmlformats.org/officeDocument/2006/relationships" xmlns:p="http://schemas.openxmlformats.org/presentationml/2006/main">
-  <p:cSld>
-    <p:spTree>
-      <p:nvGrpSpPr>
-        <p:cNvPr id="1" name="">
-          <a:extLst>
-            <a:ext uri="{FF2B5EF4-FFF2-40B4-BE49-F238E27FC236}">
-              <a16:creationId xmlns:a16="http://schemas.microsoft.com/office/drawing/2014/main" id="{8D166143-064C-1BBB-C97F-61B0C8A4C8A2}"/>
-            </a:ext>
-          </a:extLst>
-        </p:cNvPr>
-        <p:cNvGrpSpPr/>
-        <p:nvPr/>
-      </p:nvGrpSpPr>
-      <p:grpSpPr>
-        <a:xfrm>
-          <a:off x="0" y="0"/>
-          <a:ext cx="0" cy="0"/>
-          <a:chOff x="0" y="0"/>
-          <a:chExt cx="0" cy="0"/>
-        </a:xfrm>
-      </p:grpSpPr>
-      <p:sp>
-        <p:nvSpPr>
-          <p:cNvPr id="2" name="Segnaposto testo 1">
-            <a:extLst>
-              <a:ext uri="{FF2B5EF4-FFF2-40B4-BE49-F238E27FC236}">
-                <a16:creationId xmlns:a16="http://schemas.microsoft.com/office/drawing/2014/main" id="{57B8D3D5-45F2-DD04-DF87-BF03E10030AD}"/>
-              </a:ext>
-            </a:extLst>
-          </p:cNvPr>
-          <p:cNvSpPr>
-            <a:spLocks noGrp="1"/>
-          </p:cNvSpPr>
-          <p:nvPr>
-            <p:ph type="body" sz="quarter" idx="14"/>
-          </p:nvPr>
-        </p:nvSpPr>
-        <p:spPr/>
-        <p:txBody>
-          <a:bodyPr/>
-          <a:lstStyle/>
-          <a:p>
-            <a:r>
-              <a:rPr lang="it-IT" b="1" dirty="0"/>
-              <a:t>MyPortfolio - </a:t>
-            </a:r>
-            <a:r>
-              <a:rPr lang="it-IT" dirty="0">
-                <a:latin typeface="Verdana" panose="020B0604030504040204" pitchFamily="34" charset="0"/>
-                <a:ea typeface="Verdana" panose="020B0604030504040204" pitchFamily="34" charset="0"/>
-                <a:cs typeface="Verdana" panose="020B0604030504040204" pitchFamily="34" charset="0"/>
-              </a:rPr>
-              <a:t>Implementazione di una piattaforma Backend + Frontend con architettura API RESTful – Andrea Neri</a:t>
-            </a:r>
-          </a:p>
-          <a:p>
-            <a:endParaRPr lang="it-IT" dirty="0"/>
-          </a:p>
-          <a:p>
-            <a:endParaRPr lang="it-IT" dirty="0"/>
-          </a:p>
-        </p:txBody>
-      </p:sp>
-      <p:sp>
-        <p:nvSpPr>
-          <p:cNvPr id="3" name="Segnaposto testo 2">
-            <a:extLst>
-              <a:ext uri="{FF2B5EF4-FFF2-40B4-BE49-F238E27FC236}">
-                <a16:creationId xmlns:a16="http://schemas.microsoft.com/office/drawing/2014/main" id="{9EDDF28B-9352-AD41-CA64-B79EEEAF7843}"/>
-              </a:ext>
-            </a:extLst>
-          </p:cNvPr>
-          <p:cNvSpPr>
-            <a:spLocks noGrp="1"/>
-          </p:cNvSpPr>
-          <p:nvPr>
-            <p:ph type="body" sz="quarter" idx="13"/>
-          </p:nvPr>
-        </p:nvSpPr>
-        <p:spPr>
-          <a:xfrm>
-            <a:off x="775868" y="1536742"/>
-            <a:ext cx="10981895" cy="4470050"/>
-          </a:xfrm>
-        </p:spPr>
-        <p:txBody>
-          <a:bodyPr/>
-          <a:lstStyle/>
-          <a:p>
-            <a:pPr marL="293688" indent="-285750">
-              <a:buFont typeface="Arial" panose="020B0604020202020204" pitchFamily="34" charset="0"/>
-              <a:buChar char="•"/>
-            </a:pPr>
-            <a:r>
-              <a:rPr lang="it-IT" dirty="0"/>
-              <a:t>Il progetto nasce da una richiesta di un fotografo per condividere cartelle del NAS in modo selettivo e sicuro.</a:t>
-            </a:r>
-          </a:p>
-          <a:p>
-            <a:pPr marL="293688" indent="-285750">
-              <a:buFont typeface="Arial" panose="020B0604020202020204" pitchFamily="34" charset="0"/>
-              <a:buChar char="•"/>
-            </a:pPr>
-            <a:r>
-              <a:rPr lang="it-IT" dirty="0"/>
-              <a:t>Prime soluzioni valutate:</a:t>
-            </a:r>
-          </a:p>
-          <a:p>
-            <a:pPr marL="971516" lvl="1" indent="-285750">
-              <a:buFont typeface="Arial" panose="020B0604020202020204" pitchFamily="34" charset="0"/>
-              <a:buChar char="•"/>
-            </a:pPr>
-            <a:r>
-              <a:rPr lang="it-IT" dirty="0"/>
-              <a:t>Utilizzo dell'app del produttore del NAS che consente l'accesso ai file e la gestione dei permessi. Scartata per la necessità di condividere l'intera libreria del NAS sulla rete pubblica.</a:t>
-            </a:r>
-          </a:p>
-          <a:p>
-            <a:pPr marL="971516" lvl="1" indent="-285750">
-              <a:buFont typeface="Arial" panose="020B0604020202020204" pitchFamily="34" charset="0"/>
-              <a:buChar char="•"/>
-            </a:pPr>
-            <a:r>
-              <a:rPr lang="it-IT" dirty="0"/>
-              <a:t>Utilizzo di piattaforme come </a:t>
-            </a:r>
-            <a:r>
-              <a:rPr lang="it-IT" dirty="0" err="1"/>
-              <a:t>WeTransfer</a:t>
-            </a:r>
-            <a:r>
-              <a:rPr lang="it-IT" dirty="0"/>
-              <a:t>, soluzione scomoda e temporanea per la condivisione dei file.</a:t>
-            </a:r>
-          </a:p>
-          <a:p>
-            <a:pPr marL="293688" indent="-285750">
-              <a:buFont typeface="Arial" panose="020B0604020202020204" pitchFamily="34" charset="0"/>
-              <a:buChar char="•"/>
-            </a:pPr>
-            <a:r>
-              <a:rPr lang="it-IT" dirty="0"/>
-              <a:t>Esigenze principali:</a:t>
-            </a:r>
-          </a:p>
-          <a:p>
-            <a:pPr marL="971516" lvl="1" indent="-285750">
-              <a:buFont typeface="Arial" panose="020B0604020202020204" pitchFamily="34" charset="0"/>
-              <a:buChar char="•"/>
-            </a:pPr>
-            <a:r>
-              <a:rPr lang="it-IT" dirty="0"/>
-              <a:t>Visualizzazione di immagini con watermark per utenti registrati con permessi specifici.</a:t>
-            </a:r>
-          </a:p>
-          <a:p>
-            <a:pPr marL="971516" lvl="1" indent="-285750">
-              <a:buFont typeface="Arial" panose="020B0604020202020204" pitchFamily="34" charset="0"/>
-              <a:buChar char="•"/>
-            </a:pPr>
-            <a:r>
-              <a:rPr lang="it-IT" dirty="0"/>
-              <a:t>Gestione delle foto tramite raccolte (Work) che rappresentano progetti fotografici o temi comuni, per una gestione accurata degli accessi.</a:t>
-            </a:r>
-          </a:p>
-        </p:txBody>
-      </p:sp>
-      <p:sp>
-        <p:nvSpPr>
-          <p:cNvPr id="4" name="Titolo 3">
-            <a:extLst>
-              <a:ext uri="{FF2B5EF4-FFF2-40B4-BE49-F238E27FC236}">
-                <a16:creationId xmlns:a16="http://schemas.microsoft.com/office/drawing/2014/main" id="{8052DA5E-DFE5-E540-52EB-5B8730B5DF42}"/>
-              </a:ext>
-            </a:extLst>
-          </p:cNvPr>
-          <p:cNvSpPr>
-            <a:spLocks noGrp="1"/>
-          </p:cNvSpPr>
-          <p:nvPr>
-            <p:ph type="title"/>
-          </p:nvPr>
-        </p:nvSpPr>
-        <p:spPr>
-          <a:xfrm>
-            <a:off x="775869" y="958052"/>
-            <a:ext cx="2550655" cy="578690"/>
-          </a:xfrm>
-        </p:spPr>
-        <p:txBody>
-          <a:bodyPr/>
-          <a:lstStyle/>
-          <a:p>
-            <a:r>
-              <a:rPr lang="it-IT" dirty="0"/>
-              <a:t>Introduzione</a:t>
-            </a:r>
-          </a:p>
-        </p:txBody>
-      </p:sp>
-    </p:spTree>
-    <p:extLst>
-      <p:ext uri="{BB962C8B-B14F-4D97-AF65-F5344CB8AC3E}">
-        <p14:creationId xmlns:p14="http://schemas.microsoft.com/office/powerpoint/2010/main" val="1373041245"/>
-      </p:ext>
-    </p:extLst>
-  </p:cSld>
-  <p:clrMapOvr>
-    <a:masterClrMapping/>
-  </p:clrMapOvr>
-</p:sld>
-</file>
-
-<file path=ppt/slides/slide30.xml><?xml version="1.0" encoding="utf-8"?>
+<file path=ppt/slides/slide36.xml><?xml version="1.0" encoding="utf-8"?>
 <p:sld xmlns:a="http://schemas.openxmlformats.org/drawingml/2006/main" xmlns:r="http://schemas.openxmlformats.org/officeDocument/2006/relationships" xmlns:p="http://schemas.openxmlformats.org/presentationml/2006/main">
   <p:cSld>
     <p:spTree>
@@ -10481,7 +11796,7 @@
 </p:sld>
 </file>
 
-<file path=ppt/slides/slide31.xml><?xml version="1.0" encoding="utf-8"?>
+<file path=ppt/slides/slide37.xml><?xml version="1.0" encoding="utf-8"?>
 <p:sld xmlns:a="http://schemas.openxmlformats.org/drawingml/2006/main" xmlns:r="http://schemas.openxmlformats.org/officeDocument/2006/relationships" xmlns:p="http://schemas.openxmlformats.org/presentationml/2006/main">
   <p:cSld>
     <p:spTree>
@@ -11103,7 +12418,7 @@
 </p:sld>
 </file>
 
-<file path=ppt/slides/slide32.xml><?xml version="1.0" encoding="utf-8"?>
+<file path=ppt/slides/slide38.xml><?xml version="1.0" encoding="utf-8"?>
 <p:sld xmlns:a="http://schemas.openxmlformats.org/drawingml/2006/main" xmlns:r="http://schemas.openxmlformats.org/officeDocument/2006/relationships" xmlns:p="http://schemas.openxmlformats.org/presentationml/2006/main">
   <p:cSld>
     <p:spTree>
@@ -11274,7 +12589,7 @@
 </p:sld>
 </file>
 
-<file path=ppt/slides/slide33.xml><?xml version="1.0" encoding="utf-8"?>
+<file path=ppt/slides/slide39.xml><?xml version="1.0" encoding="utf-8"?>
 <p:sld xmlns:a="http://schemas.openxmlformats.org/drawingml/2006/main" xmlns:r="http://schemas.openxmlformats.org/officeDocument/2006/relationships" xmlns:p="http://schemas.openxmlformats.org/presentationml/2006/main">
   <p:cSld>
     <p:spTree>
@@ -11282,7 +12597,7 @@
         <p:cNvPr id="1" name="">
           <a:extLst>
             <a:ext uri="{FF2B5EF4-FFF2-40B4-BE49-F238E27FC236}">
-              <a16:creationId xmlns:a16="http://schemas.microsoft.com/office/drawing/2014/main" id="{95717DA7-CDE1-62C0-C41E-6FA339CD8EB4}"/>
+              <a16:creationId xmlns:a16="http://schemas.microsoft.com/office/drawing/2014/main" id="{9B5F5231-1F94-323F-A8F7-1517BB216618}"/>
             </a:ext>
           </a:extLst>
         </p:cNvPr>
@@ -11302,7 +12617,7 @@
           <p:cNvPr id="2" name="Segnaposto testo 1">
             <a:extLst>
               <a:ext uri="{FF2B5EF4-FFF2-40B4-BE49-F238E27FC236}">
-                <a16:creationId xmlns:a16="http://schemas.microsoft.com/office/drawing/2014/main" id="{5357F08E-37AB-1B36-E25F-39D4DB152B4D}"/>
+                <a16:creationId xmlns:a16="http://schemas.microsoft.com/office/drawing/2014/main" id="{12FED1D1-C865-DA2D-6636-735A3AF85E53}"/>
               </a:ext>
             </a:extLst>
           </p:cNvPr>
@@ -11344,7 +12659,7 @@
           <p:cNvPr id="4" name="Titolo 3">
             <a:extLst>
               <a:ext uri="{FF2B5EF4-FFF2-40B4-BE49-F238E27FC236}">
-                <a16:creationId xmlns:a16="http://schemas.microsoft.com/office/drawing/2014/main" id="{4258C54D-DE58-F173-9B4A-36811DE71479}"/>
+                <a16:creationId xmlns:a16="http://schemas.microsoft.com/office/drawing/2014/main" id="{1A8B2C48-0E33-22B1-0348-5A6C509585BD}"/>
               </a:ext>
             </a:extLst>
           </p:cNvPr>
@@ -11367,263 +12682,45 @@
           <a:p>
             <a:r>
               <a:rPr lang="it-IT" dirty="0"/>
-              <a:t>Front-end</a:t>
-            </a:r>
-          </a:p>
-        </p:txBody>
-      </p:sp>
-      <p:sp>
-        <p:nvSpPr>
-          <p:cNvPr id="5" name="Segnaposto testo 2">
-            <a:extLst>
-              <a:ext uri="{FF2B5EF4-FFF2-40B4-BE49-F238E27FC236}">
-                <a16:creationId xmlns:a16="http://schemas.microsoft.com/office/drawing/2014/main" id="{6EEBDC7F-C0F5-B5DD-D6D2-66410442C3B3}"/>
-              </a:ext>
-            </a:extLst>
-          </p:cNvPr>
-          <p:cNvSpPr>
-            <a:spLocks noGrp="1"/>
-          </p:cNvSpPr>
-          <p:nvPr>
-            <p:ph type="body" sz="quarter" idx="13"/>
-          </p:nvPr>
-        </p:nvSpPr>
+              <a:t>Blockchain – Transazioni (3)</a:t>
+            </a:r>
+          </a:p>
+        </p:txBody>
+      </p:sp>
+      <p:pic>
+        <p:nvPicPr>
+          <p:cNvPr id="3" name="Immagine 2">
+            <a:extLst>
+              <a:ext uri="{FF2B5EF4-FFF2-40B4-BE49-F238E27FC236}">
+                <a16:creationId xmlns:a16="http://schemas.microsoft.com/office/drawing/2014/main" id="{57D35BFF-0224-CCDF-4450-E531B20F19E0}"/>
+              </a:ext>
+            </a:extLst>
+          </p:cNvPr>
+          <p:cNvPicPr>
+            <a:picLocks noChangeAspect="1"/>
+          </p:cNvPicPr>
+          <p:nvPr/>
+        </p:nvPicPr>
+        <p:blipFill>
+          <a:blip r:embed="rId2"/>
+          <a:stretch>
+            <a:fillRect/>
+          </a:stretch>
+        </p:blipFill>
         <p:spPr>
           <a:xfrm>
-            <a:off x="3420836" y="2948577"/>
-            <a:ext cx="5350327" cy="960845"/>
+            <a:off x="809028" y="1536742"/>
+            <a:ext cx="10573943" cy="4363206"/>
           </a:xfrm>
+          <a:prstGeom prst="rect">
+            <a:avLst/>
+          </a:prstGeom>
         </p:spPr>
-        <p:txBody>
-          <a:bodyPr/>
-          <a:lstStyle/>
-          <a:p>
-            <a:r>
-              <a:rPr lang="it-IT" sz="3600" dirty="0"/>
-              <a:t>Vediamolo in azione!</a:t>
-            </a:r>
-            <a:endParaRPr lang="it-IT" sz="3200" dirty="0"/>
-          </a:p>
-        </p:txBody>
-      </p:sp>
+      </p:pic>
     </p:spTree>
     <p:extLst>
       <p:ext uri="{BB962C8B-B14F-4D97-AF65-F5344CB8AC3E}">
-        <p14:creationId xmlns:p14="http://schemas.microsoft.com/office/powerpoint/2010/main" val="3653860435"/>
-      </p:ext>
-    </p:extLst>
-  </p:cSld>
-  <p:clrMapOvr>
-    <a:masterClrMapping/>
-  </p:clrMapOvr>
-</p:sld>
-</file>
-
-<file path=ppt/slides/slide34.xml><?xml version="1.0" encoding="utf-8"?>
-<p:sld xmlns:a="http://schemas.openxmlformats.org/drawingml/2006/main" xmlns:r="http://schemas.openxmlformats.org/officeDocument/2006/relationships" xmlns:p="http://schemas.openxmlformats.org/presentationml/2006/main">
-  <p:cSld>
-    <p:spTree>
-      <p:nvGrpSpPr>
-        <p:cNvPr id="1" name=""/>
-        <p:cNvGrpSpPr/>
-        <p:nvPr/>
-      </p:nvGrpSpPr>
-      <p:grpSpPr>
-        <a:xfrm>
-          <a:off x="0" y="0"/>
-          <a:ext cx="0" cy="0"/>
-          <a:chOff x="0" y="0"/>
-          <a:chExt cx="0" cy="0"/>
-        </a:xfrm>
-      </p:grpSpPr>
-      <p:sp>
-        <p:nvSpPr>
-          <p:cNvPr id="2" name="Segnaposto testo 1">
-            <a:extLst>
-              <a:ext uri="{FF2B5EF4-FFF2-40B4-BE49-F238E27FC236}">
-                <a16:creationId xmlns:a16="http://schemas.microsoft.com/office/drawing/2014/main" id="{ABC80FAA-9435-E04B-A7B3-D175AA515575}"/>
-              </a:ext>
-            </a:extLst>
-          </p:cNvPr>
-          <p:cNvSpPr>
-            <a:spLocks noGrp="1"/>
-          </p:cNvSpPr>
-          <p:nvPr>
-            <p:ph type="body" sz="quarter" idx="11"/>
-          </p:nvPr>
-        </p:nvSpPr>
-        <p:spPr/>
-        <p:txBody>
-          <a:bodyPr>
-            <a:normAutofit lnSpcReduction="10000"/>
-          </a:bodyPr>
-          <a:lstStyle/>
-          <a:p>
-            <a:endParaRPr lang="it-IT"/>
-          </a:p>
-        </p:txBody>
-      </p:sp>
-      <p:sp>
-        <p:nvSpPr>
-          <p:cNvPr id="3" name="Segnaposto testo 2">
-            <a:extLst>
-              <a:ext uri="{FF2B5EF4-FFF2-40B4-BE49-F238E27FC236}">
-                <a16:creationId xmlns:a16="http://schemas.microsoft.com/office/drawing/2014/main" id="{7D7916F2-F149-6048-9C0C-A3C1EE95E3C4}"/>
-              </a:ext>
-            </a:extLst>
-          </p:cNvPr>
-          <p:cNvSpPr>
-            <a:spLocks noGrp="1"/>
-          </p:cNvSpPr>
-          <p:nvPr>
-            <p:ph type="body" sz="quarter" idx="12"/>
-          </p:nvPr>
-        </p:nvSpPr>
-        <p:spPr/>
-        <p:txBody>
-          <a:bodyPr/>
-          <a:lstStyle/>
-          <a:p>
-            <a:endParaRPr lang="it-IT"/>
-          </a:p>
-        </p:txBody>
-      </p:sp>
-      <p:sp>
-        <p:nvSpPr>
-          <p:cNvPr id="4" name="Segnaposto testo 3">
-            <a:extLst>
-              <a:ext uri="{FF2B5EF4-FFF2-40B4-BE49-F238E27FC236}">
-                <a16:creationId xmlns:a16="http://schemas.microsoft.com/office/drawing/2014/main" id="{260CD1E0-52F9-E149-A57F-714D455359F4}"/>
-              </a:ext>
-            </a:extLst>
-          </p:cNvPr>
-          <p:cNvSpPr>
-            <a:spLocks noGrp="1"/>
-          </p:cNvSpPr>
-          <p:nvPr>
-            <p:ph type="body" sz="quarter" idx="13"/>
-          </p:nvPr>
-        </p:nvSpPr>
-        <p:spPr/>
-        <p:txBody>
-          <a:bodyPr>
-            <a:normAutofit fontScale="92500" lnSpcReduction="20000"/>
-          </a:bodyPr>
-          <a:lstStyle/>
-          <a:p>
-            <a:endParaRPr lang="it-IT" dirty="0"/>
-          </a:p>
-        </p:txBody>
-      </p:sp>
-      <p:sp>
-        <p:nvSpPr>
-          <p:cNvPr id="5" name="Segnaposto testo 4">
-            <a:extLst>
-              <a:ext uri="{FF2B5EF4-FFF2-40B4-BE49-F238E27FC236}">
-                <a16:creationId xmlns:a16="http://schemas.microsoft.com/office/drawing/2014/main" id="{97FBA6F7-C967-CF4D-AD7D-FC03901314B9}"/>
-              </a:ext>
-            </a:extLst>
-          </p:cNvPr>
-          <p:cNvSpPr>
-            <a:spLocks noGrp="1"/>
-          </p:cNvSpPr>
-          <p:nvPr>
-            <p:ph type="body" sz="quarter" idx="14"/>
-          </p:nvPr>
-        </p:nvSpPr>
-        <p:spPr/>
-        <p:txBody>
-          <a:bodyPr>
-            <a:normAutofit fontScale="92500" lnSpcReduction="20000"/>
-          </a:bodyPr>
-          <a:lstStyle/>
-          <a:p>
-            <a:endParaRPr lang="it-IT" dirty="0"/>
-          </a:p>
-        </p:txBody>
-      </p:sp>
-      <p:sp>
-        <p:nvSpPr>
-          <p:cNvPr id="6" name="Segnaposto testo 5">
-            <a:extLst>
-              <a:ext uri="{FF2B5EF4-FFF2-40B4-BE49-F238E27FC236}">
-                <a16:creationId xmlns:a16="http://schemas.microsoft.com/office/drawing/2014/main" id="{8EB8E93C-7698-414F-97DD-BFDA4142916A}"/>
-              </a:ext>
-            </a:extLst>
-          </p:cNvPr>
-          <p:cNvSpPr>
-            <a:spLocks noGrp="1"/>
-          </p:cNvSpPr>
-          <p:nvPr>
-            <p:ph type="body" sz="quarter" idx="15"/>
-          </p:nvPr>
-        </p:nvSpPr>
-        <p:spPr/>
-        <p:txBody>
-          <a:bodyPr/>
-          <a:lstStyle/>
-          <a:p>
-            <a:endParaRPr lang="it-IT"/>
-          </a:p>
-        </p:txBody>
-      </p:sp>
-      <p:sp>
-        <p:nvSpPr>
-          <p:cNvPr id="7" name="Segnaposto testo 6">
-            <a:extLst>
-              <a:ext uri="{FF2B5EF4-FFF2-40B4-BE49-F238E27FC236}">
-                <a16:creationId xmlns:a16="http://schemas.microsoft.com/office/drawing/2014/main" id="{55D5C45F-1F83-9949-83E6-E9AFC9760135}"/>
-              </a:ext>
-            </a:extLst>
-          </p:cNvPr>
-          <p:cNvSpPr>
-            <a:spLocks noGrp="1"/>
-          </p:cNvSpPr>
-          <p:nvPr>
-            <p:ph type="body" sz="quarter" idx="16"/>
-          </p:nvPr>
-        </p:nvSpPr>
-        <p:spPr/>
-        <p:txBody>
-          <a:bodyPr/>
-          <a:lstStyle/>
-          <a:p>
-            <a:endParaRPr lang="it-IT"/>
-          </a:p>
-        </p:txBody>
-      </p:sp>
-      <p:sp>
-        <p:nvSpPr>
-          <p:cNvPr id="8" name="Titolo 7">
-            <a:extLst>
-              <a:ext uri="{FF2B5EF4-FFF2-40B4-BE49-F238E27FC236}">
-                <a16:creationId xmlns:a16="http://schemas.microsoft.com/office/drawing/2014/main" id="{D4EA38DD-12F7-FB4B-8A7D-28D03E1D2AD0}"/>
-              </a:ext>
-            </a:extLst>
-          </p:cNvPr>
-          <p:cNvSpPr>
-            <a:spLocks noGrp="1"/>
-          </p:cNvSpPr>
-          <p:nvPr>
-            <p:ph type="title"/>
-          </p:nvPr>
-        </p:nvSpPr>
-        <p:spPr/>
-        <p:txBody>
-          <a:bodyPr/>
-          <a:lstStyle/>
-          <a:p>
-            <a:r>
-              <a:rPr lang="it-IT" dirty="0"/>
-              <a:t>Conclusione</a:t>
-            </a:r>
-          </a:p>
-        </p:txBody>
-      </p:sp>
-    </p:spTree>
-    <p:extLst>
-      <p:ext uri="{BB962C8B-B14F-4D97-AF65-F5344CB8AC3E}">
-        <p14:creationId xmlns:p14="http://schemas.microsoft.com/office/powerpoint/2010/main" val="2332281121"/>
+        <p14:creationId xmlns:p14="http://schemas.microsoft.com/office/powerpoint/2010/main" val="1181642579"/>
       </p:ext>
     </p:extLst>
   </p:cSld>
@@ -11793,6 +12890,1595 @@
     <p:extLst>
       <p:ext uri="{BB962C8B-B14F-4D97-AF65-F5344CB8AC3E}">
         <p14:creationId xmlns:p14="http://schemas.microsoft.com/office/powerpoint/2010/main" val="1590286674"/>
+      </p:ext>
+    </p:extLst>
+  </p:cSld>
+  <p:clrMapOvr>
+    <a:masterClrMapping/>
+  </p:clrMapOvr>
+</p:sld>
+</file>
+
+<file path=ppt/slides/slide40.xml><?xml version="1.0" encoding="utf-8"?>
+<p:sld xmlns:a="http://schemas.openxmlformats.org/drawingml/2006/main" xmlns:r="http://schemas.openxmlformats.org/officeDocument/2006/relationships" xmlns:p="http://schemas.openxmlformats.org/presentationml/2006/main">
+  <p:cSld>
+    <p:spTree>
+      <p:nvGrpSpPr>
+        <p:cNvPr id="1" name="">
+          <a:extLst>
+            <a:ext uri="{FF2B5EF4-FFF2-40B4-BE49-F238E27FC236}">
+              <a16:creationId xmlns:a16="http://schemas.microsoft.com/office/drawing/2014/main" id="{B35A6803-CBF7-D6B7-60AA-CD8FB4C76843}"/>
+            </a:ext>
+          </a:extLst>
+        </p:cNvPr>
+        <p:cNvGrpSpPr/>
+        <p:nvPr/>
+      </p:nvGrpSpPr>
+      <p:grpSpPr>
+        <a:xfrm>
+          <a:off x="0" y="0"/>
+          <a:ext cx="0" cy="0"/>
+          <a:chOff x="0" y="0"/>
+          <a:chExt cx="0" cy="0"/>
+        </a:xfrm>
+      </p:grpSpPr>
+      <p:sp>
+        <p:nvSpPr>
+          <p:cNvPr id="2" name="Segnaposto testo 1">
+            <a:extLst>
+              <a:ext uri="{FF2B5EF4-FFF2-40B4-BE49-F238E27FC236}">
+                <a16:creationId xmlns:a16="http://schemas.microsoft.com/office/drawing/2014/main" id="{1901EFEA-817E-7A7D-74BC-1873ECD1C379}"/>
+              </a:ext>
+            </a:extLst>
+          </p:cNvPr>
+          <p:cNvSpPr>
+            <a:spLocks noGrp="1"/>
+          </p:cNvSpPr>
+          <p:nvPr>
+            <p:ph type="body" sz="quarter" idx="14"/>
+          </p:nvPr>
+        </p:nvSpPr>
+        <p:spPr/>
+        <p:txBody>
+          <a:bodyPr/>
+          <a:lstStyle/>
+          <a:p>
+            <a:r>
+              <a:rPr lang="it-IT" b="1" dirty="0"/>
+              <a:t>MyPortfolio - </a:t>
+            </a:r>
+            <a:r>
+              <a:rPr lang="it-IT" dirty="0">
+                <a:latin typeface="Verdana" panose="020B0604030504040204" pitchFamily="34" charset="0"/>
+                <a:ea typeface="Verdana" panose="020B0604030504040204" pitchFamily="34" charset="0"/>
+                <a:cs typeface="Verdana" panose="020B0604030504040204" pitchFamily="34" charset="0"/>
+              </a:rPr>
+              <a:t>Implementazione di una piattaforma Backend + Frontend con architettura API RESTful – Andrea Neri</a:t>
+            </a:r>
+          </a:p>
+          <a:p>
+            <a:endParaRPr lang="it-IT" dirty="0"/>
+          </a:p>
+          <a:p>
+            <a:endParaRPr lang="it-IT" dirty="0"/>
+          </a:p>
+        </p:txBody>
+      </p:sp>
+      <p:sp>
+        <p:nvSpPr>
+          <p:cNvPr id="4" name="Titolo 3">
+            <a:extLst>
+              <a:ext uri="{FF2B5EF4-FFF2-40B4-BE49-F238E27FC236}">
+                <a16:creationId xmlns:a16="http://schemas.microsoft.com/office/drawing/2014/main" id="{8D933231-0676-1E03-A6C7-822E4ED9966D}"/>
+              </a:ext>
+            </a:extLst>
+          </p:cNvPr>
+          <p:cNvSpPr>
+            <a:spLocks noGrp="1"/>
+          </p:cNvSpPr>
+          <p:nvPr>
+            <p:ph type="title"/>
+          </p:nvPr>
+        </p:nvSpPr>
+        <p:spPr>
+          <a:xfrm>
+            <a:off x="775868" y="958052"/>
+            <a:ext cx="9542414" cy="578690"/>
+          </a:xfrm>
+        </p:spPr>
+        <p:txBody>
+          <a:bodyPr/>
+          <a:lstStyle/>
+          <a:p>
+            <a:r>
+              <a:rPr lang="it-IT" dirty="0"/>
+              <a:t>Blockchain – Transazioni (4)</a:t>
+            </a:r>
+          </a:p>
+        </p:txBody>
+      </p:sp>
+      <p:pic>
+        <p:nvPicPr>
+          <p:cNvPr id="5" name="Immagine 4">
+            <a:extLst>
+              <a:ext uri="{FF2B5EF4-FFF2-40B4-BE49-F238E27FC236}">
+                <a16:creationId xmlns:a16="http://schemas.microsoft.com/office/drawing/2014/main" id="{E80E6A51-CF2F-7D99-3850-E00A0E0C017F}"/>
+              </a:ext>
+            </a:extLst>
+          </p:cNvPr>
+          <p:cNvPicPr>
+            <a:picLocks noChangeAspect="1"/>
+          </p:cNvPicPr>
+          <p:nvPr/>
+        </p:nvPicPr>
+        <p:blipFill>
+          <a:blip r:embed="rId2"/>
+          <a:stretch>
+            <a:fillRect/>
+          </a:stretch>
+        </p:blipFill>
+        <p:spPr>
+          <a:xfrm>
+            <a:off x="328777" y="1370088"/>
+            <a:ext cx="7763611" cy="4117823"/>
+          </a:xfrm>
+          <a:prstGeom prst="rect">
+            <a:avLst/>
+          </a:prstGeom>
+        </p:spPr>
+      </p:pic>
+      <p:pic>
+        <p:nvPicPr>
+          <p:cNvPr id="6" name="Immagine 5">
+            <a:extLst>
+              <a:ext uri="{FF2B5EF4-FFF2-40B4-BE49-F238E27FC236}">
+                <a16:creationId xmlns:a16="http://schemas.microsoft.com/office/drawing/2014/main" id="{666B056C-F466-B6E9-0C78-6848EDADA0F7}"/>
+              </a:ext>
+            </a:extLst>
+          </p:cNvPr>
+          <p:cNvPicPr>
+            <a:picLocks noChangeAspect="1"/>
+          </p:cNvPicPr>
+          <p:nvPr/>
+        </p:nvPicPr>
+        <p:blipFill>
+          <a:blip r:embed="rId3"/>
+          <a:stretch>
+            <a:fillRect/>
+          </a:stretch>
+        </p:blipFill>
+        <p:spPr>
+          <a:xfrm>
+            <a:off x="2464120" y="5625082"/>
+            <a:ext cx="8229547" cy="845326"/>
+          </a:xfrm>
+          <a:prstGeom prst="rect">
+            <a:avLst/>
+          </a:prstGeom>
+        </p:spPr>
+      </p:pic>
+    </p:spTree>
+    <p:extLst>
+      <p:ext uri="{BB962C8B-B14F-4D97-AF65-F5344CB8AC3E}">
+        <p14:creationId xmlns:p14="http://schemas.microsoft.com/office/powerpoint/2010/main" val="314680648"/>
+      </p:ext>
+    </p:extLst>
+  </p:cSld>
+  <p:clrMapOvr>
+    <a:masterClrMapping/>
+  </p:clrMapOvr>
+</p:sld>
+</file>
+
+<file path=ppt/slides/slide41.xml><?xml version="1.0" encoding="utf-8"?>
+<p:sld xmlns:a="http://schemas.openxmlformats.org/drawingml/2006/main" xmlns:r="http://schemas.openxmlformats.org/officeDocument/2006/relationships" xmlns:p="http://schemas.openxmlformats.org/presentationml/2006/main">
+  <p:cSld>
+    <p:spTree>
+      <p:nvGrpSpPr>
+        <p:cNvPr id="1" name="">
+          <a:extLst>
+            <a:ext uri="{FF2B5EF4-FFF2-40B4-BE49-F238E27FC236}">
+              <a16:creationId xmlns:a16="http://schemas.microsoft.com/office/drawing/2014/main" id="{95717DA7-CDE1-62C0-C41E-6FA339CD8EB4}"/>
+            </a:ext>
+          </a:extLst>
+        </p:cNvPr>
+        <p:cNvGrpSpPr/>
+        <p:nvPr/>
+      </p:nvGrpSpPr>
+      <p:grpSpPr>
+        <a:xfrm>
+          <a:off x="0" y="0"/>
+          <a:ext cx="0" cy="0"/>
+          <a:chOff x="0" y="0"/>
+          <a:chExt cx="0" cy="0"/>
+        </a:xfrm>
+      </p:grpSpPr>
+      <p:sp>
+        <p:nvSpPr>
+          <p:cNvPr id="2" name="Segnaposto testo 1">
+            <a:extLst>
+              <a:ext uri="{FF2B5EF4-FFF2-40B4-BE49-F238E27FC236}">
+                <a16:creationId xmlns:a16="http://schemas.microsoft.com/office/drawing/2014/main" id="{5357F08E-37AB-1B36-E25F-39D4DB152B4D}"/>
+              </a:ext>
+            </a:extLst>
+          </p:cNvPr>
+          <p:cNvSpPr>
+            <a:spLocks noGrp="1"/>
+          </p:cNvSpPr>
+          <p:nvPr>
+            <p:ph type="body" sz="quarter" idx="14"/>
+          </p:nvPr>
+        </p:nvSpPr>
+        <p:spPr/>
+        <p:txBody>
+          <a:bodyPr/>
+          <a:lstStyle/>
+          <a:p>
+            <a:r>
+              <a:rPr lang="it-IT" b="1" dirty="0"/>
+              <a:t>MyPortfolio - </a:t>
+            </a:r>
+            <a:r>
+              <a:rPr lang="it-IT" dirty="0">
+                <a:latin typeface="Verdana" panose="020B0604030504040204" pitchFamily="34" charset="0"/>
+                <a:ea typeface="Verdana" panose="020B0604030504040204" pitchFamily="34" charset="0"/>
+                <a:cs typeface="Verdana" panose="020B0604030504040204" pitchFamily="34" charset="0"/>
+              </a:rPr>
+              <a:t>Implementazione di una piattaforma Backend + Frontend con architettura API RESTful – Andrea Neri</a:t>
+            </a:r>
+          </a:p>
+          <a:p>
+            <a:endParaRPr lang="it-IT" dirty="0"/>
+          </a:p>
+          <a:p>
+            <a:endParaRPr lang="it-IT" dirty="0"/>
+          </a:p>
+        </p:txBody>
+      </p:sp>
+      <p:sp>
+        <p:nvSpPr>
+          <p:cNvPr id="4" name="Titolo 3">
+            <a:extLst>
+              <a:ext uri="{FF2B5EF4-FFF2-40B4-BE49-F238E27FC236}">
+                <a16:creationId xmlns:a16="http://schemas.microsoft.com/office/drawing/2014/main" id="{4258C54D-DE58-F173-9B4A-36811DE71479}"/>
+              </a:ext>
+            </a:extLst>
+          </p:cNvPr>
+          <p:cNvSpPr>
+            <a:spLocks noGrp="1"/>
+          </p:cNvSpPr>
+          <p:nvPr>
+            <p:ph type="title"/>
+          </p:nvPr>
+        </p:nvSpPr>
+        <p:spPr>
+          <a:xfrm>
+            <a:off x="775868" y="958052"/>
+            <a:ext cx="9542414" cy="578690"/>
+          </a:xfrm>
+        </p:spPr>
+        <p:txBody>
+          <a:bodyPr/>
+          <a:lstStyle/>
+          <a:p>
+            <a:r>
+              <a:rPr lang="it-IT" dirty="0"/>
+              <a:t>Front-end – </a:t>
+            </a:r>
+            <a:r>
+              <a:rPr lang="it-IT" dirty="0" err="1"/>
+              <a:t>Vue</a:t>
+            </a:r>
+            <a:r>
+              <a:rPr lang="it-IT" dirty="0"/>
+              <a:t> JS - 1</a:t>
+            </a:r>
+          </a:p>
+        </p:txBody>
+      </p:sp>
+      <p:sp>
+        <p:nvSpPr>
+          <p:cNvPr id="6" name="Segnaposto testo 5">
+            <a:extLst>
+              <a:ext uri="{FF2B5EF4-FFF2-40B4-BE49-F238E27FC236}">
+                <a16:creationId xmlns:a16="http://schemas.microsoft.com/office/drawing/2014/main" id="{CAD10AA0-2F39-5822-6D26-5C457C194425}"/>
+              </a:ext>
+            </a:extLst>
+          </p:cNvPr>
+          <p:cNvSpPr>
+            <a:spLocks noGrp="1"/>
+          </p:cNvSpPr>
+          <p:nvPr>
+            <p:ph type="body" sz="quarter" idx="13"/>
+          </p:nvPr>
+        </p:nvSpPr>
+        <p:spPr>
+          <a:xfrm>
+            <a:off x="775868" y="1342380"/>
+            <a:ext cx="10981895" cy="5515625"/>
+          </a:xfrm>
+        </p:spPr>
+        <p:txBody>
+          <a:bodyPr/>
+          <a:lstStyle/>
+          <a:p>
+            <a:pPr marL="293688" indent="-285750">
+              <a:buFont typeface="Arial" panose="020B0604020202020204" pitchFamily="34" charset="0"/>
+              <a:buChar char="•"/>
+            </a:pPr>
+            <a:r>
+              <a:rPr lang="it-IT" sz="1600" dirty="0"/>
+              <a:t>Cos'è Vue.js?</a:t>
+            </a:r>
+          </a:p>
+          <a:p>
+            <a:pPr marL="971516" lvl="1" indent="-285750">
+              <a:buFont typeface="Arial" panose="020B0604020202020204" pitchFamily="34" charset="0"/>
+              <a:buChar char="•"/>
+            </a:pPr>
+            <a:r>
+              <a:rPr lang="it-IT" sz="1600" dirty="0"/>
+              <a:t>Framework JavaScript progressivo.</a:t>
+            </a:r>
+          </a:p>
+          <a:p>
+            <a:pPr marL="971516" lvl="1" indent="-285750">
+              <a:buFont typeface="Arial" panose="020B0604020202020204" pitchFamily="34" charset="0"/>
+              <a:buChar char="•"/>
+            </a:pPr>
+            <a:r>
+              <a:rPr lang="it-IT" sz="1600" dirty="0"/>
+              <a:t>Ideale per costruire interfacce utente interattive.</a:t>
+            </a:r>
+          </a:p>
+          <a:p>
+            <a:pPr marL="971516" lvl="1" indent="-285750">
+              <a:buFont typeface="Arial" panose="020B0604020202020204" pitchFamily="34" charset="0"/>
+              <a:buChar char="•"/>
+            </a:pPr>
+            <a:r>
+              <a:rPr lang="it-IT" sz="1600" dirty="0"/>
+              <a:t>Basato su un'architettura modulare e componenti riutilizzabili.</a:t>
+            </a:r>
+          </a:p>
+          <a:p>
+            <a:pPr marL="293688" indent="-285750">
+              <a:buFont typeface="Arial" panose="020B0604020202020204" pitchFamily="34" charset="0"/>
+              <a:buChar char="•"/>
+            </a:pPr>
+            <a:r>
+              <a:rPr lang="it-IT" sz="1600" dirty="0"/>
+              <a:t>Principali vantaggi di Vue.js:</a:t>
+            </a:r>
+          </a:p>
+          <a:p>
+            <a:pPr marL="971516" lvl="1" indent="-285750">
+              <a:buFont typeface="Arial" panose="020B0604020202020204" pitchFamily="34" charset="0"/>
+              <a:buChar char="•"/>
+            </a:pPr>
+            <a:r>
+              <a:rPr lang="it-IT" sz="1600" dirty="0"/>
+              <a:t>Facilità d'uso: sintassi semplice e intuitiva.</a:t>
+            </a:r>
+          </a:p>
+          <a:p>
+            <a:pPr marL="971516" lvl="1" indent="-285750">
+              <a:buFont typeface="Arial" panose="020B0604020202020204" pitchFamily="34" charset="0"/>
+              <a:buChar char="•"/>
+            </a:pPr>
+            <a:r>
+              <a:rPr lang="it-IT" sz="1600" dirty="0"/>
+              <a:t>Reattività: aggiornamento dinamico dell'interfaccia in risposta ai cambiamenti dei dati.</a:t>
+            </a:r>
+          </a:p>
+          <a:p>
+            <a:pPr marL="971516" lvl="1" indent="-285750">
+              <a:buFont typeface="Arial" panose="020B0604020202020204" pitchFamily="34" charset="0"/>
+              <a:buChar char="•"/>
+            </a:pPr>
+            <a:r>
+              <a:rPr lang="it-IT" sz="1600" dirty="0"/>
+              <a:t>Modularità: architettura basata su componenti per organizzare il codice in modo chiaro.</a:t>
+            </a:r>
+          </a:p>
+          <a:p>
+            <a:pPr marL="293688" indent="-285750">
+              <a:buFont typeface="Arial" panose="020B0604020202020204" pitchFamily="34" charset="0"/>
+              <a:buChar char="•"/>
+            </a:pPr>
+            <a:r>
+              <a:rPr lang="it-IT" sz="1600" dirty="0"/>
+              <a:t>Perché è stato scelto per questo progetto?</a:t>
+            </a:r>
+          </a:p>
+          <a:p>
+            <a:pPr marL="971516" lvl="1" indent="-285750">
+              <a:buFont typeface="Arial" panose="020B0604020202020204" pitchFamily="34" charset="0"/>
+              <a:buChar char="•"/>
+            </a:pPr>
+            <a:r>
+              <a:rPr lang="it-IT" sz="1600" dirty="0"/>
+              <a:t>Permette di creare un'interfaccia moderna e interattiva.</a:t>
+            </a:r>
+          </a:p>
+          <a:p>
+            <a:pPr marL="971516" lvl="1" indent="-285750">
+              <a:buFont typeface="Arial" panose="020B0604020202020204" pitchFamily="34" charset="0"/>
+              <a:buChar char="•"/>
+            </a:pPr>
+            <a:r>
+              <a:rPr lang="it-IT" sz="1600" dirty="0"/>
+              <a:t>Semplifica l'implementazione di funzionalità complesse come il caricamento di immagini e la gestione dello stato.</a:t>
+            </a:r>
+          </a:p>
+          <a:p>
+            <a:pPr marL="971516" lvl="1" indent="-285750">
+              <a:buFont typeface="Arial" panose="020B0604020202020204" pitchFamily="34" charset="0"/>
+              <a:buChar char="•"/>
+            </a:pPr>
+            <a:r>
+              <a:rPr lang="it-IT" sz="1600" dirty="0"/>
+              <a:t>Innovativo rispetto ad </a:t>
+            </a:r>
+            <a:r>
+              <a:rPr lang="it-IT" sz="1600" dirty="0" err="1"/>
+              <a:t>Angular</a:t>
+            </a:r>
+            <a:r>
+              <a:rPr lang="it-IT" sz="1600" dirty="0"/>
+              <a:t>, introdotto al corso come alternativa leggera.</a:t>
+            </a:r>
+          </a:p>
+          <a:p>
+            <a:endParaRPr lang="it-IT" sz="1600" dirty="0"/>
+          </a:p>
+        </p:txBody>
+      </p:sp>
+    </p:spTree>
+    <p:extLst>
+      <p:ext uri="{BB962C8B-B14F-4D97-AF65-F5344CB8AC3E}">
+        <p14:creationId xmlns:p14="http://schemas.microsoft.com/office/powerpoint/2010/main" val="3653860435"/>
+      </p:ext>
+    </p:extLst>
+  </p:cSld>
+  <p:clrMapOvr>
+    <a:masterClrMapping/>
+  </p:clrMapOvr>
+</p:sld>
+</file>
+
+<file path=ppt/slides/slide42.xml><?xml version="1.0" encoding="utf-8"?>
+<p:sld xmlns:a="http://schemas.openxmlformats.org/drawingml/2006/main" xmlns:r="http://schemas.openxmlformats.org/officeDocument/2006/relationships" xmlns:p="http://schemas.openxmlformats.org/presentationml/2006/main">
+  <p:cSld>
+    <p:spTree>
+      <p:nvGrpSpPr>
+        <p:cNvPr id="1" name="">
+          <a:extLst>
+            <a:ext uri="{FF2B5EF4-FFF2-40B4-BE49-F238E27FC236}">
+              <a16:creationId xmlns:a16="http://schemas.microsoft.com/office/drawing/2014/main" id="{39DE2019-F781-F16F-47C9-F89A8C4C784F}"/>
+            </a:ext>
+          </a:extLst>
+        </p:cNvPr>
+        <p:cNvGrpSpPr/>
+        <p:nvPr/>
+      </p:nvGrpSpPr>
+      <p:grpSpPr>
+        <a:xfrm>
+          <a:off x="0" y="0"/>
+          <a:ext cx="0" cy="0"/>
+          <a:chOff x="0" y="0"/>
+          <a:chExt cx="0" cy="0"/>
+        </a:xfrm>
+      </p:grpSpPr>
+      <p:sp>
+        <p:nvSpPr>
+          <p:cNvPr id="2" name="Segnaposto testo 1">
+            <a:extLst>
+              <a:ext uri="{FF2B5EF4-FFF2-40B4-BE49-F238E27FC236}">
+                <a16:creationId xmlns:a16="http://schemas.microsoft.com/office/drawing/2014/main" id="{D7AEF046-4BF0-03DF-06D7-E16FF1A51FA0}"/>
+              </a:ext>
+            </a:extLst>
+          </p:cNvPr>
+          <p:cNvSpPr>
+            <a:spLocks noGrp="1"/>
+          </p:cNvSpPr>
+          <p:nvPr>
+            <p:ph type="body" sz="quarter" idx="14"/>
+          </p:nvPr>
+        </p:nvSpPr>
+        <p:spPr/>
+        <p:txBody>
+          <a:bodyPr/>
+          <a:lstStyle/>
+          <a:p>
+            <a:r>
+              <a:rPr lang="it-IT" b="1" dirty="0"/>
+              <a:t>MyPortfolio - </a:t>
+            </a:r>
+            <a:r>
+              <a:rPr lang="it-IT" dirty="0">
+                <a:latin typeface="Verdana" panose="020B0604030504040204" pitchFamily="34" charset="0"/>
+                <a:ea typeface="Verdana" panose="020B0604030504040204" pitchFamily="34" charset="0"/>
+                <a:cs typeface="Verdana" panose="020B0604030504040204" pitchFamily="34" charset="0"/>
+              </a:rPr>
+              <a:t>Implementazione di una piattaforma Backend + Frontend con architettura API RESTful – Andrea Neri</a:t>
+            </a:r>
+          </a:p>
+          <a:p>
+            <a:endParaRPr lang="it-IT" dirty="0"/>
+          </a:p>
+          <a:p>
+            <a:endParaRPr lang="it-IT" dirty="0"/>
+          </a:p>
+        </p:txBody>
+      </p:sp>
+      <p:sp>
+        <p:nvSpPr>
+          <p:cNvPr id="4" name="Titolo 3">
+            <a:extLst>
+              <a:ext uri="{FF2B5EF4-FFF2-40B4-BE49-F238E27FC236}">
+                <a16:creationId xmlns:a16="http://schemas.microsoft.com/office/drawing/2014/main" id="{D3A3BC1A-5134-308C-5CB6-264DD1C0E7F8}"/>
+              </a:ext>
+            </a:extLst>
+          </p:cNvPr>
+          <p:cNvSpPr>
+            <a:spLocks noGrp="1"/>
+          </p:cNvSpPr>
+          <p:nvPr>
+            <p:ph type="title"/>
+          </p:nvPr>
+        </p:nvSpPr>
+        <p:spPr>
+          <a:xfrm>
+            <a:off x="775868" y="958052"/>
+            <a:ext cx="9542414" cy="578690"/>
+          </a:xfrm>
+        </p:spPr>
+        <p:txBody>
+          <a:bodyPr/>
+          <a:lstStyle/>
+          <a:p>
+            <a:r>
+              <a:rPr lang="it-IT" dirty="0"/>
+              <a:t>Front-end – </a:t>
+            </a:r>
+            <a:r>
+              <a:rPr lang="it-IT" dirty="0" err="1"/>
+              <a:t>Vue</a:t>
+            </a:r>
+            <a:r>
+              <a:rPr lang="it-IT" dirty="0"/>
+              <a:t> JS - 2</a:t>
+            </a:r>
+          </a:p>
+        </p:txBody>
+      </p:sp>
+      <p:sp>
+        <p:nvSpPr>
+          <p:cNvPr id="6" name="Segnaposto testo 5">
+            <a:extLst>
+              <a:ext uri="{FF2B5EF4-FFF2-40B4-BE49-F238E27FC236}">
+                <a16:creationId xmlns:a16="http://schemas.microsoft.com/office/drawing/2014/main" id="{B780EEFC-2685-D659-6460-008F22F4AD29}"/>
+              </a:ext>
+            </a:extLst>
+          </p:cNvPr>
+          <p:cNvSpPr>
+            <a:spLocks noGrp="1"/>
+          </p:cNvSpPr>
+          <p:nvPr>
+            <p:ph type="body" sz="quarter" idx="13"/>
+          </p:nvPr>
+        </p:nvSpPr>
+        <p:spPr>
+          <a:xfrm>
+            <a:off x="775868" y="1342381"/>
+            <a:ext cx="10981895" cy="5116172"/>
+          </a:xfrm>
+        </p:spPr>
+        <p:txBody>
+          <a:bodyPr numCol="2"/>
+          <a:lstStyle/>
+          <a:p>
+            <a:pPr marL="742950" lvl="1" indent="-285750">
+              <a:lnSpc>
+                <a:spcPct val="115000"/>
+              </a:lnSpc>
+              <a:spcBef>
+                <a:spcPts val="800"/>
+              </a:spcBef>
+              <a:spcAft>
+                <a:spcPts val="400"/>
+              </a:spcAft>
+              <a:buSzPts val="1000"/>
+              <a:buFont typeface="Arial" panose="020B0604020202020204" pitchFamily="34" charset="0"/>
+              <a:buChar char="•"/>
+              <a:tabLst>
+                <a:tab pos="914400" algn="l"/>
+              </a:tabLst>
+            </a:pPr>
+            <a:r>
+              <a:rPr lang="it-IT" sz="1600" dirty="0" err="1"/>
+              <a:t>components</a:t>
+            </a:r>
+            <a:r>
+              <a:rPr lang="it-IT" sz="1600" dirty="0"/>
+              <a:t>:</a:t>
+            </a:r>
+          </a:p>
+          <a:p>
+            <a:pPr marL="1200126" lvl="2" indent="-285750">
+              <a:lnSpc>
+                <a:spcPct val="115000"/>
+              </a:lnSpc>
+              <a:spcBef>
+                <a:spcPts val="800"/>
+              </a:spcBef>
+              <a:spcAft>
+                <a:spcPts val="400"/>
+              </a:spcAft>
+              <a:buSzPts val="1000"/>
+              <a:buFont typeface="Arial" panose="020B0604020202020204" pitchFamily="34" charset="0"/>
+              <a:buChar char="•"/>
+              <a:tabLst>
+                <a:tab pos="914400" algn="l"/>
+              </a:tabLst>
+            </a:pPr>
+            <a:r>
+              <a:rPr lang="it-IT" sz="1600" dirty="0"/>
+              <a:t>Contiene componenti riutilizzabili come </a:t>
+            </a:r>
+            <a:r>
+              <a:rPr lang="it-IT" sz="1600" dirty="0" err="1"/>
+              <a:t>ManageShopableImages.vue</a:t>
+            </a:r>
+            <a:r>
+              <a:rPr lang="it-IT" sz="1600" dirty="0"/>
+              <a:t> e </a:t>
+            </a:r>
+            <a:r>
+              <a:rPr lang="it-IT" sz="1600" dirty="0" err="1"/>
+              <a:t>UploadImages.vue</a:t>
+            </a:r>
+            <a:r>
+              <a:rPr lang="it-IT" sz="1600" dirty="0"/>
+              <a:t>.</a:t>
+            </a:r>
+          </a:p>
+          <a:p>
+            <a:pPr marL="1200126" lvl="2" indent="-285750">
+              <a:lnSpc>
+                <a:spcPct val="115000"/>
+              </a:lnSpc>
+              <a:spcBef>
+                <a:spcPts val="800"/>
+              </a:spcBef>
+              <a:spcAft>
+                <a:spcPts val="400"/>
+              </a:spcAft>
+              <a:buSzPts val="1000"/>
+              <a:buFont typeface="Arial" panose="020B0604020202020204" pitchFamily="34" charset="0"/>
+              <a:buChar char="•"/>
+              <a:tabLst>
+                <a:tab pos="914400" algn="l"/>
+              </a:tabLst>
+            </a:pPr>
+            <a:r>
+              <a:rPr lang="it-IT" sz="1600" dirty="0" err="1"/>
+              <a:t>LayoutHeader.vue</a:t>
+            </a:r>
+            <a:r>
+              <a:rPr lang="it-IT" sz="1600" dirty="0"/>
+              <a:t> e </a:t>
+            </a:r>
+            <a:r>
+              <a:rPr lang="it-IT" sz="1600" dirty="0" err="1"/>
+              <a:t>LayoutFooter.vue</a:t>
+            </a:r>
+            <a:r>
+              <a:rPr lang="it-IT" sz="1600" dirty="0"/>
+              <a:t> per struttura e design generale.</a:t>
+            </a:r>
+          </a:p>
+          <a:p>
+            <a:pPr marL="742950" lvl="1" indent="-285750">
+              <a:lnSpc>
+                <a:spcPct val="115000"/>
+              </a:lnSpc>
+              <a:spcBef>
+                <a:spcPts val="800"/>
+              </a:spcBef>
+              <a:spcAft>
+                <a:spcPts val="400"/>
+              </a:spcAft>
+              <a:buSzPts val="1000"/>
+              <a:buFont typeface="Arial" panose="020B0604020202020204" pitchFamily="34" charset="0"/>
+              <a:buChar char="•"/>
+              <a:tabLst>
+                <a:tab pos="914400" algn="l"/>
+              </a:tabLst>
+            </a:pPr>
+            <a:r>
+              <a:rPr lang="it-IT" sz="1600" dirty="0"/>
+              <a:t>services:</a:t>
+            </a:r>
+          </a:p>
+          <a:p>
+            <a:pPr marL="1200126" lvl="2" indent="-285750">
+              <a:lnSpc>
+                <a:spcPct val="115000"/>
+              </a:lnSpc>
+              <a:spcBef>
+                <a:spcPts val="800"/>
+              </a:spcBef>
+              <a:spcAft>
+                <a:spcPts val="400"/>
+              </a:spcAft>
+              <a:buSzPts val="1000"/>
+              <a:buFont typeface="Arial" panose="020B0604020202020204" pitchFamily="34" charset="0"/>
+              <a:buChar char="•"/>
+              <a:tabLst>
+                <a:tab pos="914400" algn="l"/>
+              </a:tabLst>
+            </a:pPr>
+            <a:r>
+              <a:rPr lang="it-IT" sz="1600" dirty="0"/>
+              <a:t>File </a:t>
+            </a:r>
+            <a:r>
+              <a:rPr lang="it-IT" sz="1600" dirty="0" err="1"/>
+              <a:t>TypeScript</a:t>
+            </a:r>
+            <a:r>
+              <a:rPr lang="it-IT" sz="1600" dirty="0"/>
+              <a:t> per interfacciarsi con le API (es. </a:t>
+            </a:r>
+            <a:r>
+              <a:rPr lang="it-IT" sz="1600" dirty="0" err="1"/>
+              <a:t>auth.service.ts</a:t>
+            </a:r>
+            <a:r>
+              <a:rPr lang="it-IT" sz="1600" dirty="0"/>
+              <a:t>, </a:t>
+            </a:r>
+            <a:r>
+              <a:rPr lang="it-IT" sz="1600" dirty="0" err="1"/>
+              <a:t>image.service.ts</a:t>
+            </a:r>
+            <a:r>
+              <a:rPr lang="it-IT" sz="1600" dirty="0"/>
+              <a:t>).</a:t>
+            </a:r>
+          </a:p>
+          <a:p>
+            <a:pPr marL="742950" lvl="1" indent="-285750">
+              <a:lnSpc>
+                <a:spcPct val="115000"/>
+              </a:lnSpc>
+              <a:spcBef>
+                <a:spcPts val="800"/>
+              </a:spcBef>
+              <a:spcAft>
+                <a:spcPts val="400"/>
+              </a:spcAft>
+              <a:buSzPts val="1000"/>
+              <a:buFont typeface="Arial" panose="020B0604020202020204" pitchFamily="34" charset="0"/>
+              <a:buChar char="•"/>
+              <a:tabLst>
+                <a:tab pos="914400" algn="l"/>
+              </a:tabLst>
+            </a:pPr>
+            <a:r>
+              <a:rPr lang="it-IT" sz="1600" dirty="0" err="1"/>
+              <a:t>types</a:t>
+            </a:r>
+            <a:r>
+              <a:rPr lang="it-IT" sz="1600" dirty="0"/>
+              <a:t>:</a:t>
+            </a:r>
+          </a:p>
+          <a:p>
+            <a:pPr marL="1200126" lvl="2" indent="-285750">
+              <a:lnSpc>
+                <a:spcPct val="115000"/>
+              </a:lnSpc>
+              <a:spcBef>
+                <a:spcPts val="800"/>
+              </a:spcBef>
+              <a:spcAft>
+                <a:spcPts val="400"/>
+              </a:spcAft>
+              <a:buSzPts val="1000"/>
+              <a:buFont typeface="Arial" panose="020B0604020202020204" pitchFamily="34" charset="0"/>
+              <a:buChar char="•"/>
+              <a:tabLst>
+                <a:tab pos="914400" algn="l"/>
+              </a:tabLst>
+            </a:pPr>
+            <a:r>
+              <a:rPr lang="it-IT" sz="1600" dirty="0"/>
+              <a:t>Definizione di tipi e interfacce (es. </a:t>
+            </a:r>
+            <a:r>
+              <a:rPr lang="it-IT" sz="1600" dirty="0" err="1"/>
+              <a:t>image.type.ts</a:t>
+            </a:r>
+            <a:r>
+              <a:rPr lang="it-IT" sz="1600" dirty="0"/>
+              <a:t>, </a:t>
+            </a:r>
+            <a:r>
+              <a:rPr lang="it-IT" sz="1600" dirty="0" err="1"/>
+              <a:t>user.type.ts</a:t>
+            </a:r>
+            <a:r>
+              <a:rPr lang="it-IT" sz="1600" dirty="0"/>
+              <a:t>).</a:t>
+            </a:r>
+          </a:p>
+          <a:p>
+            <a:pPr marL="742950" lvl="1" indent="-285750">
+              <a:lnSpc>
+                <a:spcPct val="115000"/>
+              </a:lnSpc>
+              <a:spcBef>
+                <a:spcPts val="800"/>
+              </a:spcBef>
+              <a:spcAft>
+                <a:spcPts val="400"/>
+              </a:spcAft>
+              <a:buSzPts val="1000"/>
+              <a:buFont typeface="Arial" panose="020B0604020202020204" pitchFamily="34" charset="0"/>
+              <a:buChar char="•"/>
+              <a:tabLst>
+                <a:tab pos="914400" algn="l"/>
+              </a:tabLst>
+            </a:pPr>
+            <a:endParaRPr lang="it-IT" sz="1600" dirty="0"/>
+          </a:p>
+          <a:p>
+            <a:pPr marL="742950" lvl="1" indent="-285750">
+              <a:lnSpc>
+                <a:spcPct val="115000"/>
+              </a:lnSpc>
+              <a:spcBef>
+                <a:spcPts val="800"/>
+              </a:spcBef>
+              <a:spcAft>
+                <a:spcPts val="400"/>
+              </a:spcAft>
+              <a:buSzPts val="1000"/>
+              <a:buFont typeface="Arial" panose="020B0604020202020204" pitchFamily="34" charset="0"/>
+              <a:buChar char="•"/>
+              <a:tabLst>
+                <a:tab pos="914400" algn="l"/>
+              </a:tabLst>
+            </a:pPr>
+            <a:endParaRPr lang="it-IT" sz="1600" dirty="0"/>
+          </a:p>
+          <a:p>
+            <a:pPr marL="742950" lvl="1" indent="-285750">
+              <a:lnSpc>
+                <a:spcPct val="115000"/>
+              </a:lnSpc>
+              <a:spcBef>
+                <a:spcPts val="800"/>
+              </a:spcBef>
+              <a:spcAft>
+                <a:spcPts val="400"/>
+              </a:spcAft>
+              <a:buSzPts val="1000"/>
+              <a:buFont typeface="Arial" panose="020B0604020202020204" pitchFamily="34" charset="0"/>
+              <a:buChar char="•"/>
+              <a:tabLst>
+                <a:tab pos="914400" algn="l"/>
+              </a:tabLst>
+            </a:pPr>
+            <a:endParaRPr lang="it-IT" sz="1600" dirty="0"/>
+          </a:p>
+          <a:p>
+            <a:pPr marL="742950" lvl="1" indent="-285750">
+              <a:lnSpc>
+                <a:spcPct val="115000"/>
+              </a:lnSpc>
+              <a:spcBef>
+                <a:spcPts val="800"/>
+              </a:spcBef>
+              <a:spcAft>
+                <a:spcPts val="400"/>
+              </a:spcAft>
+              <a:buSzPts val="1000"/>
+              <a:buFont typeface="Arial" panose="020B0604020202020204" pitchFamily="34" charset="0"/>
+              <a:buChar char="•"/>
+              <a:tabLst>
+                <a:tab pos="914400" algn="l"/>
+              </a:tabLst>
+            </a:pPr>
+            <a:r>
+              <a:rPr lang="it-IT" sz="1600" dirty="0" err="1"/>
+              <a:t>views</a:t>
+            </a:r>
+            <a:r>
+              <a:rPr lang="it-IT" sz="1600" dirty="0"/>
+              <a:t>:</a:t>
+            </a:r>
+          </a:p>
+          <a:p>
+            <a:pPr marL="1200126" lvl="2" indent="-285750">
+              <a:lnSpc>
+                <a:spcPct val="115000"/>
+              </a:lnSpc>
+              <a:spcBef>
+                <a:spcPts val="800"/>
+              </a:spcBef>
+              <a:spcAft>
+                <a:spcPts val="400"/>
+              </a:spcAft>
+              <a:buSzPts val="1000"/>
+              <a:buFont typeface="Arial" panose="020B0604020202020204" pitchFamily="34" charset="0"/>
+              <a:buChar char="•"/>
+              <a:tabLst>
+                <a:tab pos="914400" algn="l"/>
+              </a:tabLst>
+            </a:pPr>
+            <a:r>
+              <a:rPr lang="it-IT" sz="1600" dirty="0"/>
+              <a:t>Contiene le pagine principali (es. </a:t>
+            </a:r>
+            <a:r>
+              <a:rPr lang="it-IT" sz="1600" dirty="0" err="1"/>
+              <a:t>HomeView.vue</a:t>
+            </a:r>
+            <a:r>
+              <a:rPr lang="it-IT" sz="1600" dirty="0"/>
+              <a:t>, </a:t>
+            </a:r>
+            <a:r>
+              <a:rPr lang="it-IT" sz="1600" dirty="0" err="1"/>
+              <a:t>LoginView.vue</a:t>
+            </a:r>
+            <a:r>
+              <a:rPr lang="it-IT" sz="1600" dirty="0"/>
+              <a:t>).</a:t>
+            </a:r>
+          </a:p>
+          <a:p>
+            <a:pPr marL="1200150" lvl="2" indent="-285750">
+              <a:lnSpc>
+                <a:spcPct val="115000"/>
+              </a:lnSpc>
+              <a:spcBef>
+                <a:spcPts val="800"/>
+              </a:spcBef>
+              <a:spcAft>
+                <a:spcPts val="400"/>
+              </a:spcAft>
+              <a:buSzPts val="1000"/>
+              <a:buFont typeface="Arial" panose="020B0604020202020204" pitchFamily="34" charset="0"/>
+              <a:buChar char="•"/>
+              <a:tabLst>
+                <a:tab pos="1371600" algn="l"/>
+              </a:tabLst>
+            </a:pPr>
+            <a:r>
+              <a:rPr lang="it-IT" sz="1600" dirty="0"/>
+              <a:t>	Organizzate per ruolo (es. sottocartella admin).</a:t>
+            </a:r>
+          </a:p>
+          <a:p>
+            <a:pPr marL="742950" lvl="1" indent="-285750">
+              <a:lnSpc>
+                <a:spcPct val="115000"/>
+              </a:lnSpc>
+              <a:spcBef>
+                <a:spcPts val="800"/>
+              </a:spcBef>
+              <a:spcAft>
+                <a:spcPts val="400"/>
+              </a:spcAft>
+              <a:buSzPts val="1000"/>
+              <a:buFont typeface="Arial" panose="020B0604020202020204" pitchFamily="34" charset="0"/>
+              <a:buChar char="•"/>
+              <a:tabLst>
+                <a:tab pos="914400" algn="l"/>
+              </a:tabLst>
+            </a:pPr>
+            <a:r>
+              <a:rPr lang="it-IT" sz="1600" dirty="0"/>
+              <a:t>stores:</a:t>
+            </a:r>
+          </a:p>
+          <a:p>
+            <a:pPr marL="1200126" lvl="2" indent="-285750">
+              <a:lnSpc>
+                <a:spcPct val="115000"/>
+              </a:lnSpc>
+              <a:spcBef>
+                <a:spcPts val="800"/>
+              </a:spcBef>
+              <a:spcAft>
+                <a:spcPts val="400"/>
+              </a:spcAft>
+              <a:buSzPts val="1000"/>
+              <a:buFont typeface="Arial" panose="020B0604020202020204" pitchFamily="34" charset="0"/>
+              <a:buChar char="•"/>
+              <a:tabLst>
+                <a:tab pos="914400" algn="l"/>
+              </a:tabLst>
+            </a:pPr>
+            <a:r>
+              <a:rPr lang="it-IT" sz="1600" dirty="0"/>
+              <a:t>Gestione dello stato centralizzata con </a:t>
+            </a:r>
+            <a:r>
+              <a:rPr lang="it-IT" sz="1600" dirty="0" err="1"/>
+              <a:t>Vuex</a:t>
+            </a:r>
+            <a:r>
+              <a:rPr lang="it-IT" sz="1600" dirty="0"/>
+              <a:t> o </a:t>
+            </a:r>
+            <a:r>
+              <a:rPr lang="it-IT" sz="1600" dirty="0" err="1"/>
+              <a:t>Pinia</a:t>
+            </a:r>
+            <a:r>
+              <a:rPr lang="it-IT" sz="1600" dirty="0"/>
+              <a:t> (es. </a:t>
+            </a:r>
+            <a:r>
+              <a:rPr lang="it-IT" sz="1600" dirty="0" err="1"/>
+              <a:t>auth.ts</a:t>
+            </a:r>
+            <a:r>
+              <a:rPr lang="it-IT" sz="1600" dirty="0"/>
+              <a:t>, </a:t>
+            </a:r>
+            <a:r>
+              <a:rPr lang="it-IT" sz="1600" dirty="0" err="1"/>
+              <a:t>cart.ts</a:t>
+            </a:r>
+            <a:r>
+              <a:rPr lang="it-IT" sz="1600" dirty="0"/>
+              <a:t>).</a:t>
+            </a:r>
+          </a:p>
+          <a:p>
+            <a:pPr marL="742950" lvl="1" indent="-285750">
+              <a:lnSpc>
+                <a:spcPct val="115000"/>
+              </a:lnSpc>
+              <a:spcBef>
+                <a:spcPts val="800"/>
+              </a:spcBef>
+              <a:spcAft>
+                <a:spcPts val="400"/>
+              </a:spcAft>
+              <a:buSzPts val="1000"/>
+              <a:buFont typeface="Arial" panose="020B0604020202020204" pitchFamily="34" charset="0"/>
+              <a:buChar char="•"/>
+              <a:tabLst>
+                <a:tab pos="914400" algn="l"/>
+              </a:tabLst>
+            </a:pPr>
+            <a:r>
+              <a:rPr lang="it-IT" sz="1600" dirty="0"/>
+              <a:t>router:</a:t>
+            </a:r>
+          </a:p>
+          <a:p>
+            <a:pPr marL="1200126" lvl="2" indent="-285750">
+              <a:lnSpc>
+                <a:spcPct val="115000"/>
+              </a:lnSpc>
+              <a:spcBef>
+                <a:spcPts val="800"/>
+              </a:spcBef>
+              <a:spcAft>
+                <a:spcPts val="400"/>
+              </a:spcAft>
+              <a:buSzPts val="1000"/>
+              <a:buFont typeface="Arial" panose="020B0604020202020204" pitchFamily="34" charset="0"/>
+              <a:buChar char="•"/>
+              <a:tabLst>
+                <a:tab pos="914400" algn="l"/>
+              </a:tabLst>
+            </a:pPr>
+            <a:r>
+              <a:rPr lang="it-IT" sz="1600" dirty="0"/>
+              <a:t>Gestione della navigazione tra pagine e controllo degli accessi.</a:t>
+            </a:r>
+          </a:p>
+          <a:p>
+            <a:pPr marL="742950" lvl="1" indent="-285750">
+              <a:lnSpc>
+                <a:spcPct val="115000"/>
+              </a:lnSpc>
+              <a:spcBef>
+                <a:spcPts val="800"/>
+              </a:spcBef>
+              <a:spcAft>
+                <a:spcPts val="400"/>
+              </a:spcAft>
+              <a:buSzPts val="1000"/>
+              <a:buFont typeface="Arial" panose="020B0604020202020204" pitchFamily="34" charset="0"/>
+              <a:buChar char="•"/>
+              <a:tabLst>
+                <a:tab pos="914400" algn="l"/>
+              </a:tabLst>
+            </a:pPr>
+            <a:r>
+              <a:rPr lang="it-IT" sz="1600" dirty="0" err="1"/>
+              <a:t>App.vue</a:t>
+            </a:r>
+            <a:r>
+              <a:rPr lang="it-IT" sz="1600" dirty="0"/>
+              <a:t>: punto di ingresso dell'applicazione.</a:t>
+            </a:r>
+          </a:p>
+          <a:p>
+            <a:pPr marL="742950" lvl="1" indent="-285750">
+              <a:lnSpc>
+                <a:spcPct val="115000"/>
+              </a:lnSpc>
+              <a:spcBef>
+                <a:spcPts val="800"/>
+              </a:spcBef>
+              <a:spcAft>
+                <a:spcPts val="400"/>
+              </a:spcAft>
+              <a:buSzPts val="1000"/>
+              <a:buFont typeface="Arial" panose="020B0604020202020204" pitchFamily="34" charset="0"/>
+              <a:buChar char="•"/>
+              <a:tabLst>
+                <a:tab pos="914400" algn="l"/>
+              </a:tabLst>
+            </a:pPr>
+            <a:r>
+              <a:rPr lang="it-IT" sz="1600" dirty="0" err="1"/>
+              <a:t>main.ts</a:t>
+            </a:r>
+            <a:r>
+              <a:rPr lang="it-IT" sz="1600" dirty="0"/>
+              <a:t>: configurazione iniziale del progetto.</a:t>
+            </a:r>
+          </a:p>
+          <a:p>
+            <a:pPr marL="293688" indent="-285750">
+              <a:buFont typeface="Arial" panose="020B0604020202020204" pitchFamily="34" charset="0"/>
+              <a:buChar char="•"/>
+            </a:pPr>
+            <a:endParaRPr lang="it-IT" sz="1600" dirty="0"/>
+          </a:p>
+        </p:txBody>
+      </p:sp>
+    </p:spTree>
+    <p:extLst>
+      <p:ext uri="{BB962C8B-B14F-4D97-AF65-F5344CB8AC3E}">
+        <p14:creationId xmlns:p14="http://schemas.microsoft.com/office/powerpoint/2010/main" val="3521873409"/>
+      </p:ext>
+    </p:extLst>
+  </p:cSld>
+  <p:clrMapOvr>
+    <a:masterClrMapping/>
+  </p:clrMapOvr>
+</p:sld>
+</file>
+
+<file path=ppt/slides/slide43.xml><?xml version="1.0" encoding="utf-8"?>
+<p:sld xmlns:a="http://schemas.openxmlformats.org/drawingml/2006/main" xmlns:r="http://schemas.openxmlformats.org/officeDocument/2006/relationships" xmlns:p="http://schemas.openxmlformats.org/presentationml/2006/main">
+  <p:cSld>
+    <p:spTree>
+      <p:nvGrpSpPr>
+        <p:cNvPr id="1" name="">
+          <a:extLst>
+            <a:ext uri="{FF2B5EF4-FFF2-40B4-BE49-F238E27FC236}">
+              <a16:creationId xmlns:a16="http://schemas.microsoft.com/office/drawing/2014/main" id="{315FBA0A-E556-B7AC-E361-8196928FC120}"/>
+            </a:ext>
+          </a:extLst>
+        </p:cNvPr>
+        <p:cNvGrpSpPr/>
+        <p:nvPr/>
+      </p:nvGrpSpPr>
+      <p:grpSpPr>
+        <a:xfrm>
+          <a:off x="0" y="0"/>
+          <a:ext cx="0" cy="0"/>
+          <a:chOff x="0" y="0"/>
+          <a:chExt cx="0" cy="0"/>
+        </a:xfrm>
+      </p:grpSpPr>
+      <p:sp>
+        <p:nvSpPr>
+          <p:cNvPr id="2" name="Segnaposto testo 1">
+            <a:extLst>
+              <a:ext uri="{FF2B5EF4-FFF2-40B4-BE49-F238E27FC236}">
+                <a16:creationId xmlns:a16="http://schemas.microsoft.com/office/drawing/2014/main" id="{36C64AB9-4C66-D1A3-86B6-12350F95A10C}"/>
+              </a:ext>
+            </a:extLst>
+          </p:cNvPr>
+          <p:cNvSpPr>
+            <a:spLocks noGrp="1"/>
+          </p:cNvSpPr>
+          <p:nvPr>
+            <p:ph type="body" sz="quarter" idx="14"/>
+          </p:nvPr>
+        </p:nvSpPr>
+        <p:spPr/>
+        <p:txBody>
+          <a:bodyPr/>
+          <a:lstStyle/>
+          <a:p>
+            <a:r>
+              <a:rPr lang="it-IT" b="1" dirty="0"/>
+              <a:t>MyPortfolio - </a:t>
+            </a:r>
+            <a:r>
+              <a:rPr lang="it-IT" dirty="0">
+                <a:latin typeface="Verdana" panose="020B0604030504040204" pitchFamily="34" charset="0"/>
+                <a:ea typeface="Verdana" panose="020B0604030504040204" pitchFamily="34" charset="0"/>
+                <a:cs typeface="Verdana" panose="020B0604030504040204" pitchFamily="34" charset="0"/>
+              </a:rPr>
+              <a:t>Implementazione di una piattaforma Backend + Frontend con architettura API RESTful – Andrea Neri</a:t>
+            </a:r>
+          </a:p>
+          <a:p>
+            <a:endParaRPr lang="it-IT" dirty="0"/>
+          </a:p>
+          <a:p>
+            <a:endParaRPr lang="it-IT" dirty="0"/>
+          </a:p>
+        </p:txBody>
+      </p:sp>
+      <p:sp>
+        <p:nvSpPr>
+          <p:cNvPr id="4" name="Titolo 3">
+            <a:extLst>
+              <a:ext uri="{FF2B5EF4-FFF2-40B4-BE49-F238E27FC236}">
+                <a16:creationId xmlns:a16="http://schemas.microsoft.com/office/drawing/2014/main" id="{C46DBBCF-D793-EE4F-11A9-9E3A38BFA22E}"/>
+              </a:ext>
+            </a:extLst>
+          </p:cNvPr>
+          <p:cNvSpPr>
+            <a:spLocks noGrp="1"/>
+          </p:cNvSpPr>
+          <p:nvPr>
+            <p:ph type="title"/>
+          </p:nvPr>
+        </p:nvSpPr>
+        <p:spPr>
+          <a:xfrm>
+            <a:off x="775868" y="958052"/>
+            <a:ext cx="9542414" cy="578690"/>
+          </a:xfrm>
+        </p:spPr>
+        <p:txBody>
+          <a:bodyPr/>
+          <a:lstStyle/>
+          <a:p>
+            <a:r>
+              <a:rPr lang="it-IT" dirty="0"/>
+              <a:t>Front-end – </a:t>
+            </a:r>
+            <a:r>
+              <a:rPr lang="it-IT" dirty="0" err="1"/>
+              <a:t>Vue</a:t>
+            </a:r>
+            <a:r>
+              <a:rPr lang="it-IT" dirty="0"/>
+              <a:t> JS - 3</a:t>
+            </a:r>
+          </a:p>
+        </p:txBody>
+      </p:sp>
+      <p:pic>
+        <p:nvPicPr>
+          <p:cNvPr id="8" name="Immagine 7">
+            <a:extLst>
+              <a:ext uri="{FF2B5EF4-FFF2-40B4-BE49-F238E27FC236}">
+                <a16:creationId xmlns:a16="http://schemas.microsoft.com/office/drawing/2014/main" id="{17426E93-E30E-20B1-47BB-4CF8E341886C}"/>
+              </a:ext>
+            </a:extLst>
+          </p:cNvPr>
+          <p:cNvPicPr>
+            <a:picLocks noChangeAspect="1"/>
+          </p:cNvPicPr>
+          <p:nvPr/>
+        </p:nvPicPr>
+        <p:blipFill>
+          <a:blip r:embed="rId2"/>
+          <a:stretch>
+            <a:fillRect/>
+          </a:stretch>
+        </p:blipFill>
+        <p:spPr>
+          <a:xfrm>
+            <a:off x="207974" y="1481397"/>
+            <a:ext cx="5037793" cy="4805636"/>
+          </a:xfrm>
+          <a:prstGeom prst="rect">
+            <a:avLst/>
+          </a:prstGeom>
+        </p:spPr>
+      </p:pic>
+      <p:pic>
+        <p:nvPicPr>
+          <p:cNvPr id="10" name="Immagine 9">
+            <a:extLst>
+              <a:ext uri="{FF2B5EF4-FFF2-40B4-BE49-F238E27FC236}">
+                <a16:creationId xmlns:a16="http://schemas.microsoft.com/office/drawing/2014/main" id="{D019E3DA-553C-4BCB-7FA5-C6118C515593}"/>
+              </a:ext>
+            </a:extLst>
+          </p:cNvPr>
+          <p:cNvPicPr>
+            <a:picLocks noChangeAspect="1"/>
+          </p:cNvPicPr>
+          <p:nvPr/>
+        </p:nvPicPr>
+        <p:blipFill>
+          <a:blip r:embed="rId3"/>
+          <a:stretch>
+            <a:fillRect/>
+          </a:stretch>
+        </p:blipFill>
+        <p:spPr>
+          <a:xfrm>
+            <a:off x="5690910" y="2588431"/>
+            <a:ext cx="6409368" cy="1502306"/>
+          </a:xfrm>
+          <a:prstGeom prst="rect">
+            <a:avLst/>
+          </a:prstGeom>
+        </p:spPr>
+      </p:pic>
+    </p:spTree>
+    <p:extLst>
+      <p:ext uri="{BB962C8B-B14F-4D97-AF65-F5344CB8AC3E}">
+        <p14:creationId xmlns:p14="http://schemas.microsoft.com/office/powerpoint/2010/main" val="3579453291"/>
+      </p:ext>
+    </p:extLst>
+  </p:cSld>
+  <p:clrMapOvr>
+    <a:masterClrMapping/>
+  </p:clrMapOvr>
+</p:sld>
+</file>
+
+<file path=ppt/slides/slide44.xml><?xml version="1.0" encoding="utf-8"?>
+<p:sld xmlns:a="http://schemas.openxmlformats.org/drawingml/2006/main" xmlns:r="http://schemas.openxmlformats.org/officeDocument/2006/relationships" xmlns:p="http://schemas.openxmlformats.org/presentationml/2006/main">
+  <p:cSld>
+    <p:spTree>
+      <p:nvGrpSpPr>
+        <p:cNvPr id="1" name="">
+          <a:extLst>
+            <a:ext uri="{FF2B5EF4-FFF2-40B4-BE49-F238E27FC236}">
+              <a16:creationId xmlns:a16="http://schemas.microsoft.com/office/drawing/2014/main" id="{995E8EC1-FD07-E2A3-998C-BFA87D5604B6}"/>
+            </a:ext>
+          </a:extLst>
+        </p:cNvPr>
+        <p:cNvGrpSpPr/>
+        <p:nvPr/>
+      </p:nvGrpSpPr>
+      <p:grpSpPr>
+        <a:xfrm>
+          <a:off x="0" y="0"/>
+          <a:ext cx="0" cy="0"/>
+          <a:chOff x="0" y="0"/>
+          <a:chExt cx="0" cy="0"/>
+        </a:xfrm>
+      </p:grpSpPr>
+      <p:sp>
+        <p:nvSpPr>
+          <p:cNvPr id="2" name="Segnaposto testo 1">
+            <a:extLst>
+              <a:ext uri="{FF2B5EF4-FFF2-40B4-BE49-F238E27FC236}">
+                <a16:creationId xmlns:a16="http://schemas.microsoft.com/office/drawing/2014/main" id="{1D1C41B7-6834-DE98-6A23-378466CDC322}"/>
+              </a:ext>
+            </a:extLst>
+          </p:cNvPr>
+          <p:cNvSpPr>
+            <a:spLocks noGrp="1"/>
+          </p:cNvSpPr>
+          <p:nvPr>
+            <p:ph type="body" sz="quarter" idx="14"/>
+          </p:nvPr>
+        </p:nvSpPr>
+        <p:spPr/>
+        <p:txBody>
+          <a:bodyPr/>
+          <a:lstStyle/>
+          <a:p>
+            <a:r>
+              <a:rPr lang="it-IT" b="1" dirty="0"/>
+              <a:t>MyPortfolio - </a:t>
+            </a:r>
+            <a:r>
+              <a:rPr lang="it-IT" dirty="0">
+                <a:latin typeface="Verdana" panose="020B0604030504040204" pitchFamily="34" charset="0"/>
+                <a:ea typeface="Verdana" panose="020B0604030504040204" pitchFamily="34" charset="0"/>
+                <a:cs typeface="Verdana" panose="020B0604030504040204" pitchFamily="34" charset="0"/>
+              </a:rPr>
+              <a:t>Implementazione di una piattaforma Backend + Frontend con architettura API RESTful – Andrea Neri</a:t>
+            </a:r>
+          </a:p>
+          <a:p>
+            <a:endParaRPr lang="it-IT" dirty="0"/>
+          </a:p>
+          <a:p>
+            <a:endParaRPr lang="it-IT" dirty="0"/>
+          </a:p>
+        </p:txBody>
+      </p:sp>
+      <p:sp>
+        <p:nvSpPr>
+          <p:cNvPr id="4" name="Titolo 3">
+            <a:extLst>
+              <a:ext uri="{FF2B5EF4-FFF2-40B4-BE49-F238E27FC236}">
+                <a16:creationId xmlns:a16="http://schemas.microsoft.com/office/drawing/2014/main" id="{A258EF72-1996-803D-290E-F1F8CEA0FD50}"/>
+              </a:ext>
+            </a:extLst>
+          </p:cNvPr>
+          <p:cNvSpPr>
+            <a:spLocks noGrp="1"/>
+          </p:cNvSpPr>
+          <p:nvPr>
+            <p:ph type="title"/>
+          </p:nvPr>
+        </p:nvSpPr>
+        <p:spPr>
+          <a:xfrm>
+            <a:off x="775868" y="958052"/>
+            <a:ext cx="9542414" cy="578690"/>
+          </a:xfrm>
+        </p:spPr>
+        <p:txBody>
+          <a:bodyPr/>
+          <a:lstStyle/>
+          <a:p>
+            <a:r>
+              <a:rPr lang="it-IT" dirty="0"/>
+              <a:t>Front-end</a:t>
+            </a:r>
+          </a:p>
+        </p:txBody>
+      </p:sp>
+      <p:sp>
+        <p:nvSpPr>
+          <p:cNvPr id="5" name="Segnaposto testo 2">
+            <a:extLst>
+              <a:ext uri="{FF2B5EF4-FFF2-40B4-BE49-F238E27FC236}">
+                <a16:creationId xmlns:a16="http://schemas.microsoft.com/office/drawing/2014/main" id="{B55B40D8-98AB-F7B4-BF7B-8C0476394C06}"/>
+              </a:ext>
+            </a:extLst>
+          </p:cNvPr>
+          <p:cNvSpPr>
+            <a:spLocks noGrp="1"/>
+          </p:cNvSpPr>
+          <p:nvPr>
+            <p:ph type="body" sz="quarter" idx="13"/>
+          </p:nvPr>
+        </p:nvSpPr>
+        <p:spPr>
+          <a:xfrm>
+            <a:off x="3420836" y="2948577"/>
+            <a:ext cx="5350327" cy="960845"/>
+          </a:xfrm>
+        </p:spPr>
+        <p:txBody>
+          <a:bodyPr/>
+          <a:lstStyle/>
+          <a:p>
+            <a:r>
+              <a:rPr lang="it-IT" sz="3600" dirty="0"/>
+              <a:t>Vediamolo in azione!</a:t>
+            </a:r>
+            <a:endParaRPr lang="it-IT" sz="3200" dirty="0"/>
+          </a:p>
+        </p:txBody>
+      </p:sp>
+    </p:spTree>
+    <p:extLst>
+      <p:ext uri="{BB962C8B-B14F-4D97-AF65-F5344CB8AC3E}">
+        <p14:creationId xmlns:p14="http://schemas.microsoft.com/office/powerpoint/2010/main" val="7435595"/>
+      </p:ext>
+    </p:extLst>
+  </p:cSld>
+  <p:clrMapOvr>
+    <a:masterClrMapping/>
+  </p:clrMapOvr>
+</p:sld>
+</file>
+
+<file path=ppt/slides/slide45.xml><?xml version="1.0" encoding="utf-8"?>
+<p:sld xmlns:a="http://schemas.openxmlformats.org/drawingml/2006/main" xmlns:r="http://schemas.openxmlformats.org/officeDocument/2006/relationships" xmlns:p="http://schemas.openxmlformats.org/presentationml/2006/main">
+  <p:cSld>
+    <p:spTree>
+      <p:nvGrpSpPr>
+        <p:cNvPr id="1" name=""/>
+        <p:cNvGrpSpPr/>
+        <p:nvPr/>
+      </p:nvGrpSpPr>
+      <p:grpSpPr>
+        <a:xfrm>
+          <a:off x="0" y="0"/>
+          <a:ext cx="0" cy="0"/>
+          <a:chOff x="0" y="0"/>
+          <a:chExt cx="0" cy="0"/>
+        </a:xfrm>
+      </p:grpSpPr>
+      <p:sp>
+        <p:nvSpPr>
+          <p:cNvPr id="7" name="Segnaposto testo 6">
+            <a:extLst>
+              <a:ext uri="{FF2B5EF4-FFF2-40B4-BE49-F238E27FC236}">
+                <a16:creationId xmlns:a16="http://schemas.microsoft.com/office/drawing/2014/main" id="{55D5C45F-1F83-9949-83E6-E9AFC9760135}"/>
+              </a:ext>
+            </a:extLst>
+          </p:cNvPr>
+          <p:cNvSpPr>
+            <a:spLocks noGrp="1"/>
+          </p:cNvSpPr>
+          <p:nvPr>
+            <p:ph type="body" sz="quarter" idx="16"/>
+          </p:nvPr>
+        </p:nvSpPr>
+        <p:spPr/>
+        <p:txBody>
+          <a:bodyPr/>
+          <a:lstStyle/>
+          <a:p>
+            <a:r>
+              <a:rPr lang="it-IT" b="1" dirty="0"/>
+              <a:t>MyPortfolio - </a:t>
+            </a:r>
+            <a:r>
+              <a:rPr lang="it-IT" dirty="0">
+                <a:latin typeface="Verdana" panose="020B0604030504040204" pitchFamily="34" charset="0"/>
+                <a:ea typeface="Verdana" panose="020B0604030504040204" pitchFamily="34" charset="0"/>
+                <a:cs typeface="Verdana" panose="020B0604030504040204" pitchFamily="34" charset="0"/>
+              </a:rPr>
+              <a:t>Implementazione di una piattaforma Backend + Frontend con architettura API RESTful – Andrea Neri</a:t>
+            </a:r>
+          </a:p>
+          <a:p>
+            <a:endParaRPr lang="it-IT" dirty="0"/>
+          </a:p>
+          <a:p>
+            <a:endParaRPr lang="it-IT" dirty="0"/>
+          </a:p>
+        </p:txBody>
+      </p:sp>
+      <p:sp>
+        <p:nvSpPr>
+          <p:cNvPr id="8" name="Titolo 7">
+            <a:extLst>
+              <a:ext uri="{FF2B5EF4-FFF2-40B4-BE49-F238E27FC236}">
+                <a16:creationId xmlns:a16="http://schemas.microsoft.com/office/drawing/2014/main" id="{D4EA38DD-12F7-FB4B-8A7D-28D03E1D2AD0}"/>
+              </a:ext>
+            </a:extLst>
+          </p:cNvPr>
+          <p:cNvSpPr>
+            <a:spLocks noGrp="1"/>
+          </p:cNvSpPr>
+          <p:nvPr>
+            <p:ph type="title"/>
+          </p:nvPr>
+        </p:nvSpPr>
+        <p:spPr/>
+        <p:txBody>
+          <a:bodyPr/>
+          <a:lstStyle/>
+          <a:p>
+            <a:r>
+              <a:rPr lang="it-IT" dirty="0"/>
+              <a:t>Conclusione</a:t>
+            </a:r>
+          </a:p>
+        </p:txBody>
+      </p:sp>
+    </p:spTree>
+    <p:extLst>
+      <p:ext uri="{BB962C8B-B14F-4D97-AF65-F5344CB8AC3E}">
+        <p14:creationId xmlns:p14="http://schemas.microsoft.com/office/powerpoint/2010/main" val="2332281121"/>
       </p:ext>
     </p:extLst>
   </p:cSld>

--- a/documentazione/Presentazione SWAM.pptx
+++ b/documentazione/Presentazione SWAM.pptx
@@ -5,10 +5,10 @@
     <p:sldMasterId id="2147483671" r:id="rId1"/>
   </p:sldMasterIdLst>
   <p:notesMasterIdLst>
-    <p:notesMasterId r:id="rId47"/>
+    <p:notesMasterId r:id="rId48"/>
   </p:notesMasterIdLst>
   <p:handoutMasterIdLst>
-    <p:handoutMasterId r:id="rId48"/>
+    <p:handoutMasterId r:id="rId49"/>
   </p:handoutMasterIdLst>
   <p:sldIdLst>
     <p:sldId id="260" r:id="rId2"/>
@@ -52,10 +52,11 @@
     <p:sldId id="317" r:id="rId40"/>
     <p:sldId id="318" r:id="rId41"/>
     <p:sldId id="295" r:id="rId42"/>
-    <p:sldId id="315" r:id="rId43"/>
-    <p:sldId id="316" r:id="rId44"/>
-    <p:sldId id="314" r:id="rId45"/>
-    <p:sldId id="262" r:id="rId46"/>
+    <p:sldId id="319" r:id="rId43"/>
+    <p:sldId id="315" r:id="rId44"/>
+    <p:sldId id="316" r:id="rId45"/>
+    <p:sldId id="314" r:id="rId46"/>
+    <p:sldId id="262" r:id="rId47"/>
   </p:sldIdLst>
   <p:sldSz cx="12192000" cy="6858000"/>
   <p:notesSz cx="6858000" cy="9144000"/>
@@ -259,7 +260,7 @@
           <a:p>
             <a:fld id="{CDC02513-12D4-7C45-A4B1-0A7A90C954B8}" type="datetimeFigureOut">
               <a:rPr lang="it-IT" smtClean="0"/>
-              <a:t>29/12/2024</a:t>
+              <a:t>09/01/2025</a:t>
             </a:fld>
             <a:endParaRPr lang="it-IT"/>
           </a:p>
@@ -436,7 +437,7 @@
           <a:p>
             <a:fld id="{340D7045-9255-E947-B6AE-7BFBA280817C}" type="datetimeFigureOut">
               <a:rPr lang="it-IT" smtClean="0"/>
-              <a:t>29/12/2024</a:t>
+              <a:t>09/01/2025</a:t>
             </a:fld>
             <a:endParaRPr lang="it-IT"/>
           </a:p>
@@ -1207,6 +1208,90 @@
             <p:ph type="sldImg"/>
           </p:nvPr>
         </p:nvSpPr>
+        <p:spPr/>
+      </p:sp>
+      <p:sp>
+        <p:nvSpPr>
+          <p:cNvPr id="3" name="Segnaposto note 2"/>
+          <p:cNvSpPr>
+            <a:spLocks noGrp="1"/>
+          </p:cNvSpPr>
+          <p:nvPr>
+            <p:ph type="body" idx="1"/>
+          </p:nvPr>
+        </p:nvSpPr>
+        <p:spPr/>
+        <p:txBody>
+          <a:bodyPr/>
+          <a:lstStyle/>
+          <a:p>
+            <a:endParaRPr lang="it-IT" dirty="0"/>
+          </a:p>
+        </p:txBody>
+      </p:sp>
+      <p:sp>
+        <p:nvSpPr>
+          <p:cNvPr id="4" name="Segnaposto numero diapositiva 3"/>
+          <p:cNvSpPr>
+            <a:spLocks noGrp="1"/>
+          </p:cNvSpPr>
+          <p:nvPr>
+            <p:ph type="sldNum" sz="quarter" idx="5"/>
+          </p:nvPr>
+        </p:nvSpPr>
+        <p:spPr/>
+        <p:txBody>
+          <a:bodyPr/>
+          <a:lstStyle/>
+          <a:p>
+            <a:fld id="{79E7D7B2-511C-5746-97D1-507EEDB38854}" type="slidenum">
+              <a:rPr lang="it-IT" smtClean="0"/>
+              <a:t>44</a:t>
+            </a:fld>
+            <a:endParaRPr lang="it-IT"/>
+          </a:p>
+        </p:txBody>
+      </p:sp>
+    </p:spTree>
+    <p:extLst>
+      <p:ext uri="{BB962C8B-B14F-4D97-AF65-F5344CB8AC3E}">
+        <p14:creationId xmlns:p14="http://schemas.microsoft.com/office/powerpoint/2010/main" val="2471646548"/>
+      </p:ext>
+    </p:extLst>
+  </p:cSld>
+  <p:clrMapOvr>
+    <a:masterClrMapping/>
+  </p:clrMapOvr>
+</p:notes>
+</file>
+
+<file path=ppt/notesSlides/notesSlide15.xml><?xml version="1.0" encoding="utf-8"?>
+<p:notes xmlns:a="http://schemas.openxmlformats.org/drawingml/2006/main" xmlns:r="http://schemas.openxmlformats.org/officeDocument/2006/relationships" xmlns:p="http://schemas.openxmlformats.org/presentationml/2006/main">
+  <p:cSld>
+    <p:spTree>
+      <p:nvGrpSpPr>
+        <p:cNvPr id="1" name=""/>
+        <p:cNvGrpSpPr/>
+        <p:nvPr/>
+      </p:nvGrpSpPr>
+      <p:grpSpPr>
+        <a:xfrm>
+          <a:off x="0" y="0"/>
+          <a:ext cx="0" cy="0"/>
+          <a:chOff x="0" y="0"/>
+          <a:chExt cx="0" cy="0"/>
+        </a:xfrm>
+      </p:grpSpPr>
+      <p:sp>
+        <p:nvSpPr>
+          <p:cNvPr id="2" name="Segnaposto immagine diapositiva 1"/>
+          <p:cNvSpPr>
+            <a:spLocks noGrp="1" noRot="1" noChangeAspect="1"/>
+          </p:cNvSpPr>
+          <p:nvPr>
+            <p:ph type="sldImg"/>
+          </p:nvPr>
+        </p:nvSpPr>
         <p:spPr>
           <a:xfrm>
             <a:off x="685800" y="1143000"/>
@@ -1250,7 +1335,7 @@
           <a:p>
             <a:fld id="{79E7D7B2-511C-5746-97D1-507EEDB38854}" type="slidenum">
               <a:rPr lang="it-IT" smtClean="0"/>
-              <a:t>45</a:t>
+              <a:t>46</a:t>
             </a:fld>
             <a:endParaRPr lang="it-IT"/>
           </a:p>
@@ -13218,7 +13303,7 @@
             </a:pPr>
             <a:r>
               <a:rPr lang="it-IT" sz="1600" dirty="0"/>
-              <a:t>Framework JavaScript progressivo.</a:t>
+              <a:t>Framework JavaScript per la costruzione di interfacce utente.</a:t>
             </a:r>
           </a:p>
           <a:p>
@@ -13228,7 +13313,7 @@
             </a:pPr>
             <a:r>
               <a:rPr lang="it-IT" sz="1600" dirty="0"/>
-              <a:t>Ideale per costruire interfacce utente interattive.</a:t>
+              <a:t>Si basa su standard HTML, CSS e JavaScript e fornisce un modello di programmazione dichiarativo e basato su componenti che ti aiuta a sviluppare in modo efficiente interfacce utente, siano esse semplici o complesse.</a:t>
             </a:r>
           </a:p>
           <a:p>
@@ -13348,6 +13433,226 @@
 </file>
 
 <file path=ppt/slides/slide42.xml><?xml version="1.0" encoding="utf-8"?>
+<p:sld xmlns:a="http://schemas.openxmlformats.org/drawingml/2006/main" xmlns:r="http://schemas.openxmlformats.org/officeDocument/2006/relationships" xmlns:p="http://schemas.openxmlformats.org/presentationml/2006/main">
+  <p:cSld>
+    <p:spTree>
+      <p:nvGrpSpPr>
+        <p:cNvPr id="1" name="">
+          <a:extLst>
+            <a:ext uri="{FF2B5EF4-FFF2-40B4-BE49-F238E27FC236}">
+              <a16:creationId xmlns:a16="http://schemas.microsoft.com/office/drawing/2014/main" id="{812EA13A-CDA6-EAD2-4471-EC4EB68DAAC1}"/>
+            </a:ext>
+          </a:extLst>
+        </p:cNvPr>
+        <p:cNvGrpSpPr/>
+        <p:nvPr/>
+      </p:nvGrpSpPr>
+      <p:grpSpPr>
+        <a:xfrm>
+          <a:off x="0" y="0"/>
+          <a:ext cx="0" cy="0"/>
+          <a:chOff x="0" y="0"/>
+          <a:chExt cx="0" cy="0"/>
+        </a:xfrm>
+      </p:grpSpPr>
+      <p:sp>
+        <p:nvSpPr>
+          <p:cNvPr id="2" name="Segnaposto testo 1">
+            <a:extLst>
+              <a:ext uri="{FF2B5EF4-FFF2-40B4-BE49-F238E27FC236}">
+                <a16:creationId xmlns:a16="http://schemas.microsoft.com/office/drawing/2014/main" id="{6112B542-A8C5-800C-5B14-4B902B460AB6}"/>
+              </a:ext>
+            </a:extLst>
+          </p:cNvPr>
+          <p:cNvSpPr>
+            <a:spLocks noGrp="1"/>
+          </p:cNvSpPr>
+          <p:nvPr>
+            <p:ph type="body" sz="quarter" idx="14"/>
+          </p:nvPr>
+        </p:nvSpPr>
+        <p:spPr/>
+        <p:txBody>
+          <a:bodyPr/>
+          <a:lstStyle/>
+          <a:p>
+            <a:r>
+              <a:rPr lang="it-IT" b="1" dirty="0"/>
+              <a:t>MyPortfolio - </a:t>
+            </a:r>
+            <a:r>
+              <a:rPr lang="it-IT" dirty="0">
+                <a:latin typeface="Verdana" panose="020B0604030504040204" pitchFamily="34" charset="0"/>
+                <a:ea typeface="Verdana" panose="020B0604030504040204" pitchFamily="34" charset="0"/>
+                <a:cs typeface="Verdana" panose="020B0604030504040204" pitchFamily="34" charset="0"/>
+              </a:rPr>
+              <a:t>Implementazione di una piattaforma Backend + Frontend con architettura API RESTful – Andrea Neri</a:t>
+            </a:r>
+          </a:p>
+          <a:p>
+            <a:endParaRPr lang="it-IT" dirty="0"/>
+          </a:p>
+          <a:p>
+            <a:endParaRPr lang="it-IT" dirty="0"/>
+          </a:p>
+        </p:txBody>
+      </p:sp>
+      <p:sp>
+        <p:nvSpPr>
+          <p:cNvPr id="4" name="Titolo 3">
+            <a:extLst>
+              <a:ext uri="{FF2B5EF4-FFF2-40B4-BE49-F238E27FC236}">
+                <a16:creationId xmlns:a16="http://schemas.microsoft.com/office/drawing/2014/main" id="{BF0E83A2-2410-A78E-E426-5E7DAA9A22BF}"/>
+              </a:ext>
+            </a:extLst>
+          </p:cNvPr>
+          <p:cNvSpPr>
+            <a:spLocks noGrp="1"/>
+          </p:cNvSpPr>
+          <p:nvPr>
+            <p:ph type="title"/>
+          </p:nvPr>
+        </p:nvSpPr>
+        <p:spPr>
+          <a:xfrm>
+            <a:off x="775868" y="958052"/>
+            <a:ext cx="9542414" cy="578690"/>
+          </a:xfrm>
+        </p:spPr>
+        <p:txBody>
+          <a:bodyPr/>
+          <a:lstStyle/>
+          <a:p>
+            <a:r>
+              <a:rPr lang="it-IT" dirty="0"/>
+              <a:t>Front-end – </a:t>
+            </a:r>
+            <a:r>
+              <a:rPr lang="it-IT" dirty="0" err="1"/>
+              <a:t>Vue</a:t>
+            </a:r>
+            <a:r>
+              <a:rPr lang="it-IT" dirty="0"/>
+              <a:t> JS - 2</a:t>
+            </a:r>
+          </a:p>
+        </p:txBody>
+      </p:sp>
+      <p:sp>
+        <p:nvSpPr>
+          <p:cNvPr id="6" name="Segnaposto testo 5">
+            <a:extLst>
+              <a:ext uri="{FF2B5EF4-FFF2-40B4-BE49-F238E27FC236}">
+                <a16:creationId xmlns:a16="http://schemas.microsoft.com/office/drawing/2014/main" id="{6712C8FC-E9C2-7634-B121-47C28633CECD}"/>
+              </a:ext>
+            </a:extLst>
+          </p:cNvPr>
+          <p:cNvSpPr>
+            <a:spLocks noGrp="1"/>
+          </p:cNvSpPr>
+          <p:nvPr>
+            <p:ph type="body" sz="quarter" idx="13"/>
+          </p:nvPr>
+        </p:nvSpPr>
+        <p:spPr>
+          <a:xfrm>
+            <a:off x="775868" y="1342381"/>
+            <a:ext cx="3243473" cy="4375132"/>
+          </a:xfrm>
+        </p:spPr>
+        <p:txBody>
+          <a:bodyPr/>
+          <a:lstStyle/>
+          <a:p>
+            <a:pPr marL="293688" indent="-285750">
+              <a:buFont typeface="Arial" panose="020B0604020202020204" pitchFamily="34" charset="0"/>
+              <a:buChar char="•"/>
+            </a:pPr>
+            <a:r>
+              <a:rPr lang="it-IT" sz="1600" b="1" dirty="0"/>
+              <a:t>Rendering Dichiarativo</a:t>
+            </a:r>
+            <a:r>
+              <a:rPr lang="it-IT" sz="1600" dirty="0"/>
+              <a:t>: </a:t>
+            </a:r>
+            <a:r>
+              <a:rPr lang="it-IT" sz="1600" dirty="0" err="1"/>
+              <a:t>Vue</a:t>
+            </a:r>
+            <a:r>
+              <a:rPr lang="it-IT" sz="1600" dirty="0"/>
+              <a:t> estende l'HTML standard con una sintassi di template </a:t>
+            </a:r>
+          </a:p>
+          <a:p>
+            <a:pPr marL="293688" indent="-285750">
+              <a:buFont typeface="Arial" panose="020B0604020202020204" pitchFamily="34" charset="0"/>
+              <a:buChar char="•"/>
+            </a:pPr>
+            <a:r>
+              <a:rPr lang="it-IT" sz="1600" b="1" dirty="0"/>
+              <a:t>Reattività</a:t>
+            </a:r>
+            <a:r>
+              <a:rPr lang="it-IT" sz="1600" dirty="0"/>
+              <a:t>: </a:t>
+            </a:r>
+            <a:r>
+              <a:rPr lang="it-IT" sz="1600" dirty="0" err="1"/>
+              <a:t>Vue</a:t>
+            </a:r>
+            <a:r>
+              <a:rPr lang="it-IT" sz="1600" dirty="0"/>
+              <a:t> traccia automaticamente i cambiamenti dello stato JavaScript e aggiorna in modo efficiente il DOM quando avvengono modifiche.</a:t>
+            </a:r>
+          </a:p>
+        </p:txBody>
+      </p:sp>
+      <p:pic>
+        <p:nvPicPr>
+          <p:cNvPr id="5" name="Immagine 4">
+            <a:extLst>
+              <a:ext uri="{FF2B5EF4-FFF2-40B4-BE49-F238E27FC236}">
+                <a16:creationId xmlns:a16="http://schemas.microsoft.com/office/drawing/2014/main" id="{ABCFEDCC-ECF6-21D3-9F96-5AFB17DA6A62}"/>
+              </a:ext>
+            </a:extLst>
+          </p:cNvPr>
+          <p:cNvPicPr>
+            <a:picLocks noChangeAspect="1"/>
+          </p:cNvPicPr>
+          <p:nvPr/>
+        </p:nvPicPr>
+        <p:blipFill>
+          <a:blip r:embed="rId2"/>
+          <a:stretch>
+            <a:fillRect/>
+          </a:stretch>
+        </p:blipFill>
+        <p:spPr>
+          <a:xfrm>
+            <a:off x="5201698" y="1748875"/>
+            <a:ext cx="6251832" cy="3360249"/>
+          </a:xfrm>
+          <a:prstGeom prst="rect">
+            <a:avLst/>
+          </a:prstGeom>
+        </p:spPr>
+      </p:pic>
+    </p:spTree>
+    <p:extLst>
+      <p:ext uri="{BB962C8B-B14F-4D97-AF65-F5344CB8AC3E}">
+        <p14:creationId xmlns:p14="http://schemas.microsoft.com/office/powerpoint/2010/main" val="1986462780"/>
+      </p:ext>
+    </p:extLst>
+  </p:cSld>
+  <p:clrMapOvr>
+    <a:masterClrMapping/>
+  </p:clrMapOvr>
+</p:sld>
+</file>
+
+<file path=ppt/slides/slide43.xml><?xml version="1.0" encoding="utf-8"?>
 <p:sld xmlns:a="http://schemas.openxmlformats.org/drawingml/2006/main" xmlns:r="http://schemas.openxmlformats.org/officeDocument/2006/relationships" xmlns:p="http://schemas.openxmlformats.org/presentationml/2006/main">
   <p:cSld>
     <p:spTree>
@@ -13448,7 +13753,7 @@
             </a:r>
             <a:r>
               <a:rPr lang="it-IT" dirty="0"/>
-              <a:t> JS - 2</a:t>
+              <a:t> JS - 3</a:t>
             </a:r>
           </a:p>
         </p:txBody>
@@ -14064,7 +14369,7 @@
 </p:sld>
 </file>
 
-<file path=ppt/slides/slide43.xml><?xml version="1.0" encoding="utf-8"?>
+<file path=ppt/slides/slide44.xml><?xml version="1.0" encoding="utf-8"?>
 <p:sld xmlns:a="http://schemas.openxmlformats.org/drawingml/2006/main" xmlns:r="http://schemas.openxmlformats.org/officeDocument/2006/relationships" xmlns:p="http://schemas.openxmlformats.org/presentationml/2006/main">
   <p:cSld>
     <p:spTree>
@@ -14185,7 +14490,7 @@
           <p:nvPr/>
         </p:nvPicPr>
         <p:blipFill>
-          <a:blip r:embed="rId2"/>
+          <a:blip r:embed="rId3"/>
           <a:stretch>
             <a:fillRect/>
           </a:stretch>
@@ -14215,14 +14520,14 @@
           <p:nvPr/>
         </p:nvPicPr>
         <p:blipFill>
-          <a:blip r:embed="rId3"/>
+          <a:blip r:embed="rId4"/>
           <a:stretch>
             <a:fillRect/>
           </a:stretch>
         </p:blipFill>
         <p:spPr>
           <a:xfrm>
-            <a:off x="5690910" y="2588431"/>
+            <a:off x="5547075" y="209550"/>
             <a:ext cx="6409368" cy="1502306"/>
           </a:xfrm>
           <a:prstGeom prst="rect">
@@ -14230,6 +14535,277 @@
           </a:prstGeom>
         </p:spPr>
       </p:pic>
+      <p:pic>
+        <p:nvPicPr>
+          <p:cNvPr id="5" name="Immagine 4">
+            <a:extLst>
+              <a:ext uri="{FF2B5EF4-FFF2-40B4-BE49-F238E27FC236}">
+                <a16:creationId xmlns:a16="http://schemas.microsoft.com/office/drawing/2014/main" id="{62678546-AAD6-8CE5-79FB-12BA260604D3}"/>
+              </a:ext>
+            </a:extLst>
+          </p:cNvPr>
+          <p:cNvPicPr>
+            <a:picLocks noChangeAspect="1"/>
+          </p:cNvPicPr>
+          <p:nvPr/>
+        </p:nvPicPr>
+        <p:blipFill>
+          <a:blip r:embed="rId5"/>
+          <a:stretch>
+            <a:fillRect/>
+          </a:stretch>
+        </p:blipFill>
+        <p:spPr>
+          <a:xfrm>
+            <a:off x="5409069" y="2133135"/>
+            <a:ext cx="6574957" cy="4153898"/>
+          </a:xfrm>
+          <a:prstGeom prst="rect">
+            <a:avLst/>
+          </a:prstGeom>
+        </p:spPr>
+      </p:pic>
+      <p:sp>
+        <p:nvSpPr>
+          <p:cNvPr id="6" name="Segnaposto testo 5">
+            <a:extLst>
+              <a:ext uri="{FF2B5EF4-FFF2-40B4-BE49-F238E27FC236}">
+                <a16:creationId xmlns:a16="http://schemas.microsoft.com/office/drawing/2014/main" id="{B9201A58-364A-76B2-B052-0ACEB8950AAA}"/>
+              </a:ext>
+            </a:extLst>
+          </p:cNvPr>
+          <p:cNvSpPr>
+            <a:spLocks noGrp="1"/>
+          </p:cNvSpPr>
+          <p:nvPr>
+            <p:ph type="body" sz="quarter" idx="13"/>
+          </p:nvPr>
+        </p:nvSpPr>
+        <p:spPr>
+          <a:xfrm>
+            <a:off x="207974" y="6174335"/>
+            <a:ext cx="10049468" cy="442869"/>
+          </a:xfrm>
+        </p:spPr>
+        <p:txBody>
+          <a:bodyPr/>
+          <a:lstStyle/>
+          <a:p>
+            <a:r>
+              <a:rPr lang="it-IT" sz="1600" dirty="0" err="1"/>
+              <a:t>OrderView</a:t>
+            </a:r>
+            <a:r>
+              <a:rPr lang="it-IT" sz="1600" dirty="0"/>
+              <a:t> 				         </a:t>
+            </a:r>
+            <a:r>
+              <a:rPr lang="it-IT" sz="1600" dirty="0" err="1"/>
+              <a:t>OrderList</a:t>
+            </a:r>
+            <a:endParaRPr lang="it-IT" sz="1600" dirty="0"/>
+          </a:p>
+        </p:txBody>
+      </p:sp>
+      <p:sp>
+        <p:nvSpPr>
+          <p:cNvPr id="9" name="Segnaposto testo 5">
+            <a:extLst>
+              <a:ext uri="{FF2B5EF4-FFF2-40B4-BE49-F238E27FC236}">
+                <a16:creationId xmlns:a16="http://schemas.microsoft.com/office/drawing/2014/main" id="{CF51E251-E1CF-B923-E8C0-F97F688383AA}"/>
+              </a:ext>
+            </a:extLst>
+          </p:cNvPr>
+          <p:cNvSpPr txBox="1">
+            <a:spLocks/>
+          </p:cNvSpPr>
+          <p:nvPr/>
+        </p:nvSpPr>
+        <p:spPr>
+          <a:xfrm>
+            <a:off x="5547075" y="1635854"/>
+            <a:ext cx="1638916" cy="442869"/>
+          </a:xfrm>
+          <a:prstGeom prst="rect">
+            <a:avLst/>
+          </a:prstGeom>
+        </p:spPr>
+        <p:txBody>
+          <a:bodyPr/>
+          <a:lstStyle>
+            <a:lvl1pPr marL="7938" indent="0" algn="l" defTabSz="914354" rtl="0" eaLnBrk="1" latinLnBrk="0" hangingPunct="1">
+              <a:lnSpc>
+                <a:spcPct val="150000"/>
+              </a:lnSpc>
+              <a:spcBef>
+                <a:spcPts val="1000"/>
+              </a:spcBef>
+              <a:buFont typeface="Courier New" panose="02070309020205020404" pitchFamily="49" charset="0"/>
+              <a:buNone/>
+              <a:tabLst/>
+              <a:defRPr sz="1800" kern="1200">
+                <a:solidFill>
+                  <a:schemeClr val="tx1"/>
+                </a:solidFill>
+                <a:latin typeface="Verdana" panose="020B0604030504040204" pitchFamily="34" charset="0"/>
+                <a:ea typeface="Verdana" panose="020B0604030504040204" pitchFamily="34" charset="0"/>
+                <a:cs typeface="Verdana" panose="020B0604030504040204" pitchFamily="34" charset="0"/>
+              </a:defRPr>
+            </a:lvl1pPr>
+            <a:lvl2pPr marL="685766" indent="-228589" algn="l" defTabSz="914354" rtl="0" eaLnBrk="1" latinLnBrk="0" hangingPunct="1">
+              <a:lnSpc>
+                <a:spcPct val="90000"/>
+              </a:lnSpc>
+              <a:spcBef>
+                <a:spcPts val="500"/>
+              </a:spcBef>
+              <a:buFont typeface="Courier New" panose="02070309020205020404" pitchFamily="49" charset="0"/>
+              <a:buChar char="o"/>
+              <a:defRPr sz="1800" kern="1200">
+                <a:solidFill>
+                  <a:schemeClr val="tx1"/>
+                </a:solidFill>
+                <a:latin typeface="Verdana" panose="020B0604030504040204" pitchFamily="34" charset="0"/>
+                <a:ea typeface="Verdana" panose="020B0604030504040204" pitchFamily="34" charset="0"/>
+                <a:cs typeface="Verdana" panose="020B0604030504040204" pitchFamily="34" charset="0"/>
+              </a:defRPr>
+            </a:lvl2pPr>
+            <a:lvl3pPr marL="1142942" indent="-228589" algn="l" defTabSz="914354" rtl="0" eaLnBrk="1" latinLnBrk="0" hangingPunct="1">
+              <a:lnSpc>
+                <a:spcPct val="90000"/>
+              </a:lnSpc>
+              <a:spcBef>
+                <a:spcPts val="500"/>
+              </a:spcBef>
+              <a:buFont typeface="Courier New" panose="02070309020205020404" pitchFamily="49" charset="0"/>
+              <a:buChar char="o"/>
+              <a:defRPr sz="1800" kern="1200">
+                <a:solidFill>
+                  <a:schemeClr val="tx1"/>
+                </a:solidFill>
+                <a:latin typeface="Verdana" panose="020B0604030504040204" pitchFamily="34" charset="0"/>
+                <a:ea typeface="Verdana" panose="020B0604030504040204" pitchFamily="34" charset="0"/>
+                <a:cs typeface="Verdana" panose="020B0604030504040204" pitchFamily="34" charset="0"/>
+              </a:defRPr>
+            </a:lvl3pPr>
+            <a:lvl4pPr marL="1600120" indent="-228589" algn="l" defTabSz="914354" rtl="0" eaLnBrk="1" latinLnBrk="0" hangingPunct="1">
+              <a:lnSpc>
+                <a:spcPct val="90000"/>
+              </a:lnSpc>
+              <a:spcBef>
+                <a:spcPts val="500"/>
+              </a:spcBef>
+              <a:buFont typeface="Courier New" panose="02070309020205020404" pitchFamily="49" charset="0"/>
+              <a:buChar char="o"/>
+              <a:defRPr sz="1800" kern="1200">
+                <a:solidFill>
+                  <a:schemeClr val="tx1"/>
+                </a:solidFill>
+                <a:latin typeface="Verdana" panose="020B0604030504040204" pitchFamily="34" charset="0"/>
+                <a:ea typeface="Verdana" panose="020B0604030504040204" pitchFamily="34" charset="0"/>
+                <a:cs typeface="Verdana" panose="020B0604030504040204" pitchFamily="34" charset="0"/>
+              </a:defRPr>
+            </a:lvl4pPr>
+            <a:lvl5pPr marL="2057298" indent="-228589" algn="l" defTabSz="914354" rtl="0" eaLnBrk="1" latinLnBrk="0" hangingPunct="1">
+              <a:lnSpc>
+                <a:spcPct val="90000"/>
+              </a:lnSpc>
+              <a:spcBef>
+                <a:spcPts val="500"/>
+              </a:spcBef>
+              <a:buFont typeface="Courier New" panose="02070309020205020404" pitchFamily="49" charset="0"/>
+              <a:buChar char="o"/>
+              <a:defRPr sz="1800" kern="1200">
+                <a:solidFill>
+                  <a:schemeClr val="tx1"/>
+                </a:solidFill>
+                <a:latin typeface="Verdana" panose="020B0604030504040204" pitchFamily="34" charset="0"/>
+                <a:ea typeface="Verdana" panose="020B0604030504040204" pitchFamily="34" charset="0"/>
+                <a:cs typeface="Verdana" panose="020B0604030504040204" pitchFamily="34" charset="0"/>
+              </a:defRPr>
+            </a:lvl5pPr>
+            <a:lvl6pPr marL="2514474" indent="-228589" algn="l" defTabSz="914354" rtl="0" eaLnBrk="1" latinLnBrk="0" hangingPunct="1">
+              <a:lnSpc>
+                <a:spcPct val="90000"/>
+              </a:lnSpc>
+              <a:spcBef>
+                <a:spcPts val="500"/>
+              </a:spcBef>
+              <a:buFont typeface="Arial" panose="020B0604020202020204" pitchFamily="34" charset="0"/>
+              <a:buChar char="•"/>
+              <a:defRPr sz="1800" kern="1200">
+                <a:solidFill>
+                  <a:schemeClr val="tx1"/>
+                </a:solidFill>
+                <a:latin typeface="+mn-lt"/>
+                <a:ea typeface="+mn-ea"/>
+                <a:cs typeface="+mn-cs"/>
+              </a:defRPr>
+            </a:lvl6pPr>
+            <a:lvl7pPr marL="2971652" indent="-228589" algn="l" defTabSz="914354" rtl="0" eaLnBrk="1" latinLnBrk="0" hangingPunct="1">
+              <a:lnSpc>
+                <a:spcPct val="90000"/>
+              </a:lnSpc>
+              <a:spcBef>
+                <a:spcPts val="500"/>
+              </a:spcBef>
+              <a:buFont typeface="Arial" panose="020B0604020202020204" pitchFamily="34" charset="0"/>
+              <a:buChar char="•"/>
+              <a:defRPr sz="1800" kern="1200">
+                <a:solidFill>
+                  <a:schemeClr val="tx1"/>
+                </a:solidFill>
+                <a:latin typeface="+mn-lt"/>
+                <a:ea typeface="+mn-ea"/>
+                <a:cs typeface="+mn-cs"/>
+              </a:defRPr>
+            </a:lvl7pPr>
+            <a:lvl8pPr marL="3428829" indent="-228589" algn="l" defTabSz="914354" rtl="0" eaLnBrk="1" latinLnBrk="0" hangingPunct="1">
+              <a:lnSpc>
+                <a:spcPct val="90000"/>
+              </a:lnSpc>
+              <a:spcBef>
+                <a:spcPts val="500"/>
+              </a:spcBef>
+              <a:buFont typeface="Arial" panose="020B0604020202020204" pitchFamily="34" charset="0"/>
+              <a:buChar char="•"/>
+              <a:defRPr sz="1800" kern="1200">
+                <a:solidFill>
+                  <a:schemeClr val="tx1"/>
+                </a:solidFill>
+                <a:latin typeface="+mn-lt"/>
+                <a:ea typeface="+mn-ea"/>
+                <a:cs typeface="+mn-cs"/>
+              </a:defRPr>
+            </a:lvl8pPr>
+            <a:lvl9pPr marL="3886006" indent="-228589" algn="l" defTabSz="914354" rtl="0" eaLnBrk="1" latinLnBrk="0" hangingPunct="1">
+              <a:lnSpc>
+                <a:spcPct val="90000"/>
+              </a:lnSpc>
+              <a:spcBef>
+                <a:spcPts val="500"/>
+              </a:spcBef>
+              <a:buFont typeface="Arial" panose="020B0604020202020204" pitchFamily="34" charset="0"/>
+              <a:buChar char="•"/>
+              <a:defRPr sz="1800" kern="1200">
+                <a:solidFill>
+                  <a:schemeClr val="tx1"/>
+                </a:solidFill>
+                <a:latin typeface="+mn-lt"/>
+                <a:ea typeface="+mn-ea"/>
+                <a:cs typeface="+mn-cs"/>
+              </a:defRPr>
+            </a:lvl9pPr>
+          </a:lstStyle>
+          <a:p>
+            <a:r>
+              <a:rPr lang="it-IT" sz="1600" dirty="0" err="1"/>
+              <a:t>Shop.service</a:t>
+            </a:r>
+            <a:endParaRPr lang="it-IT" sz="1600" dirty="0"/>
+          </a:p>
+        </p:txBody>
+      </p:sp>
     </p:spTree>
     <p:extLst>
       <p:ext uri="{BB962C8B-B14F-4D97-AF65-F5344CB8AC3E}">
@@ -14243,7 +14819,7 @@
 </p:sld>
 </file>
 
-<file path=ppt/slides/slide44.xml><?xml version="1.0" encoding="utf-8"?>
+<file path=ppt/slides/slide45.xml><?xml version="1.0" encoding="utf-8"?>
 <p:sld xmlns:a="http://schemas.openxmlformats.org/drawingml/2006/main" xmlns:r="http://schemas.openxmlformats.org/officeDocument/2006/relationships" xmlns:p="http://schemas.openxmlformats.org/presentationml/2006/main">
   <p:cSld>
     <p:spTree>
@@ -14388,7 +14964,7 @@
 </p:sld>
 </file>
 
-<file path=ppt/slides/slide45.xml><?xml version="1.0" encoding="utf-8"?>
+<file path=ppt/slides/slide46.xml><?xml version="1.0" encoding="utf-8"?>
 <p:sld xmlns:a="http://schemas.openxmlformats.org/drawingml/2006/main" xmlns:r="http://schemas.openxmlformats.org/officeDocument/2006/relationships" xmlns:p="http://schemas.openxmlformats.org/presentationml/2006/main">
   <p:cSld>
     <p:spTree>

--- a/documentazione/Presentazione SWAM.pptx
+++ b/documentazione/Presentazione SWAM.pptx
@@ -5,10 +5,10 @@
     <p:sldMasterId id="2147483671" r:id="rId1"/>
   </p:sldMasterIdLst>
   <p:notesMasterIdLst>
-    <p:notesMasterId r:id="rId48"/>
+    <p:notesMasterId r:id="rId49"/>
   </p:notesMasterIdLst>
   <p:handoutMasterIdLst>
-    <p:handoutMasterId r:id="rId49"/>
+    <p:handoutMasterId r:id="rId50"/>
   </p:handoutMasterIdLst>
   <p:sldIdLst>
     <p:sldId id="260" r:id="rId2"/>
@@ -39,24 +39,25 @@
     <p:sldId id="301" r:id="rId27"/>
     <p:sldId id="289" r:id="rId28"/>
     <p:sldId id="303" r:id="rId29"/>
-    <p:sldId id="304" r:id="rId30"/>
-    <p:sldId id="311" r:id="rId31"/>
-    <p:sldId id="310" r:id="rId32"/>
-    <p:sldId id="312" r:id="rId33"/>
-    <p:sldId id="302" r:id="rId34"/>
-    <p:sldId id="305" r:id="rId35"/>
-    <p:sldId id="293" r:id="rId36"/>
-    <p:sldId id="306" r:id="rId37"/>
-    <p:sldId id="307" r:id="rId38"/>
-    <p:sldId id="294" r:id="rId39"/>
-    <p:sldId id="317" r:id="rId40"/>
-    <p:sldId id="318" r:id="rId41"/>
-    <p:sldId id="295" r:id="rId42"/>
-    <p:sldId id="319" r:id="rId43"/>
-    <p:sldId id="315" r:id="rId44"/>
-    <p:sldId id="316" r:id="rId45"/>
-    <p:sldId id="314" r:id="rId46"/>
-    <p:sldId id="262" r:id="rId47"/>
+    <p:sldId id="320" r:id="rId30"/>
+    <p:sldId id="304" r:id="rId31"/>
+    <p:sldId id="311" r:id="rId32"/>
+    <p:sldId id="310" r:id="rId33"/>
+    <p:sldId id="312" r:id="rId34"/>
+    <p:sldId id="302" r:id="rId35"/>
+    <p:sldId id="305" r:id="rId36"/>
+    <p:sldId id="293" r:id="rId37"/>
+    <p:sldId id="306" r:id="rId38"/>
+    <p:sldId id="307" r:id="rId39"/>
+    <p:sldId id="294" r:id="rId40"/>
+    <p:sldId id="317" r:id="rId41"/>
+    <p:sldId id="318" r:id="rId42"/>
+    <p:sldId id="295" r:id="rId43"/>
+    <p:sldId id="319" r:id="rId44"/>
+    <p:sldId id="315" r:id="rId45"/>
+    <p:sldId id="316" r:id="rId46"/>
+    <p:sldId id="314" r:id="rId47"/>
+    <p:sldId id="262" r:id="rId48"/>
   </p:sldIdLst>
   <p:sldSz cx="12192000" cy="6858000"/>
   <p:notesSz cx="6858000" cy="9144000"/>
@@ -260,7 +261,7 @@
           <a:p>
             <a:fld id="{CDC02513-12D4-7C45-A4B1-0A7A90C954B8}" type="datetimeFigureOut">
               <a:rPr lang="it-IT" smtClean="0"/>
-              <a:t>09/01/2025</a:t>
+              <a:t>21/01/2025</a:t>
             </a:fld>
             <a:endParaRPr lang="it-IT"/>
           </a:p>
@@ -437,7 +438,7 @@
           <a:p>
             <a:fld id="{340D7045-9255-E947-B6AE-7BFBA280817C}" type="datetimeFigureOut">
               <a:rPr lang="it-IT" smtClean="0"/>
-              <a:t>09/01/2025</a:t>
+              <a:t>21/01/2025</a:t>
             </a:fld>
             <a:endParaRPr lang="it-IT"/>
           </a:p>
@@ -781,6 +782,114 @@
         <p:cNvPr id="1" name="">
           <a:extLst>
             <a:ext uri="{FF2B5EF4-FFF2-40B4-BE49-F238E27FC236}">
+              <a16:creationId xmlns:a16="http://schemas.microsoft.com/office/drawing/2014/main" id="{1EE5A218-C1C0-57FC-1052-0959407F4189}"/>
+            </a:ext>
+          </a:extLst>
+        </p:cNvPr>
+        <p:cNvGrpSpPr/>
+        <p:nvPr/>
+      </p:nvGrpSpPr>
+      <p:grpSpPr>
+        <a:xfrm>
+          <a:off x="0" y="0"/>
+          <a:ext cx="0" cy="0"/>
+          <a:chOff x="0" y="0"/>
+          <a:chExt cx="0" cy="0"/>
+        </a:xfrm>
+      </p:grpSpPr>
+      <p:sp>
+        <p:nvSpPr>
+          <p:cNvPr id="2" name="Segnaposto immagine diapositiva 1">
+            <a:extLst>
+              <a:ext uri="{FF2B5EF4-FFF2-40B4-BE49-F238E27FC236}">
+                <a16:creationId xmlns:a16="http://schemas.microsoft.com/office/drawing/2014/main" id="{59DC1A70-FA96-3271-1312-536EB0D57214}"/>
+              </a:ext>
+            </a:extLst>
+          </p:cNvPr>
+          <p:cNvSpPr>
+            <a:spLocks noGrp="1" noRot="1" noChangeAspect="1"/>
+          </p:cNvSpPr>
+          <p:nvPr>
+            <p:ph type="sldImg"/>
+          </p:nvPr>
+        </p:nvSpPr>
+        <p:spPr/>
+      </p:sp>
+      <p:sp>
+        <p:nvSpPr>
+          <p:cNvPr id="3" name="Segnaposto note 2">
+            <a:extLst>
+              <a:ext uri="{FF2B5EF4-FFF2-40B4-BE49-F238E27FC236}">
+                <a16:creationId xmlns:a16="http://schemas.microsoft.com/office/drawing/2014/main" id="{C4215779-C723-4384-C0D5-6206F721FB4C}"/>
+              </a:ext>
+            </a:extLst>
+          </p:cNvPr>
+          <p:cNvSpPr>
+            <a:spLocks noGrp="1"/>
+          </p:cNvSpPr>
+          <p:nvPr>
+            <p:ph type="body" idx="1"/>
+          </p:nvPr>
+        </p:nvSpPr>
+        <p:spPr/>
+        <p:txBody>
+          <a:bodyPr/>
+          <a:lstStyle/>
+          <a:p>
+            <a:endParaRPr lang="it-IT" dirty="0"/>
+          </a:p>
+        </p:txBody>
+      </p:sp>
+      <p:sp>
+        <p:nvSpPr>
+          <p:cNvPr id="4" name="Segnaposto numero diapositiva 3">
+            <a:extLst>
+              <a:ext uri="{FF2B5EF4-FFF2-40B4-BE49-F238E27FC236}">
+                <a16:creationId xmlns:a16="http://schemas.microsoft.com/office/drawing/2014/main" id="{8A977DA2-BF72-D3D8-19E8-82DCC74145F9}"/>
+              </a:ext>
+            </a:extLst>
+          </p:cNvPr>
+          <p:cNvSpPr>
+            <a:spLocks noGrp="1"/>
+          </p:cNvSpPr>
+          <p:nvPr>
+            <p:ph type="sldNum" sz="quarter" idx="5"/>
+          </p:nvPr>
+        </p:nvSpPr>
+        <p:spPr/>
+        <p:txBody>
+          <a:bodyPr/>
+          <a:lstStyle/>
+          <a:p>
+            <a:fld id="{79E7D7B2-511C-5746-97D1-507EEDB38854}" type="slidenum">
+              <a:rPr lang="it-IT" smtClean="0"/>
+              <a:t>20</a:t>
+            </a:fld>
+            <a:endParaRPr lang="it-IT"/>
+          </a:p>
+        </p:txBody>
+      </p:sp>
+    </p:spTree>
+    <p:extLst>
+      <p:ext uri="{BB962C8B-B14F-4D97-AF65-F5344CB8AC3E}">
+        <p14:creationId xmlns:p14="http://schemas.microsoft.com/office/powerpoint/2010/main" val="2875352542"/>
+      </p:ext>
+    </p:extLst>
+  </p:cSld>
+  <p:clrMapOvr>
+    <a:masterClrMapping/>
+  </p:clrMapOvr>
+</p:notes>
+</file>
+
+<file path=ppt/notesSlides/notesSlide11.xml><?xml version="1.0" encoding="utf-8"?>
+<p:notes xmlns:a="http://schemas.openxmlformats.org/drawingml/2006/main" xmlns:r="http://schemas.openxmlformats.org/officeDocument/2006/relationships" xmlns:p="http://schemas.openxmlformats.org/presentationml/2006/main">
+  <p:cSld>
+    <p:spTree>
+      <p:nvGrpSpPr>
+        <p:cNvPr id="1" name="">
+          <a:extLst>
+            <a:ext uri="{FF2B5EF4-FFF2-40B4-BE49-F238E27FC236}">
               <a16:creationId xmlns:a16="http://schemas.microsoft.com/office/drawing/2014/main" id="{52B55BF8-083B-524E-1C89-752B272345DB}"/>
             </a:ext>
           </a:extLst>
@@ -881,7 +990,7 @@
 </p:notes>
 </file>
 
-<file path=ppt/notesSlides/notesSlide11.xml><?xml version="1.0" encoding="utf-8"?>
+<file path=ppt/notesSlides/notesSlide12.xml><?xml version="1.0" encoding="utf-8"?>
 <p:notes xmlns:a="http://schemas.openxmlformats.org/drawingml/2006/main" xmlns:r="http://schemas.openxmlformats.org/officeDocument/2006/relationships" xmlns:p="http://schemas.openxmlformats.org/presentationml/2006/main">
   <p:cSld>
     <p:spTree>
@@ -989,7 +1098,7 @@
 </p:notes>
 </file>
 
-<file path=ppt/notesSlides/notesSlide12.xml><?xml version="1.0" encoding="utf-8"?>
+<file path=ppt/notesSlides/notesSlide13.xml><?xml version="1.0" encoding="utf-8"?>
 <p:notes xmlns:a="http://schemas.openxmlformats.org/drawingml/2006/main" xmlns:r="http://schemas.openxmlformats.org/officeDocument/2006/relationships" xmlns:p="http://schemas.openxmlformats.org/presentationml/2006/main">
   <p:cSld>
     <p:spTree>
@@ -1073,7 +1182,7 @@
 </p:notes>
 </file>
 
-<file path=ppt/notesSlides/notesSlide13.xml><?xml version="1.0" encoding="utf-8"?>
+<file path=ppt/notesSlides/notesSlide14.xml><?xml version="1.0" encoding="utf-8"?>
 <p:notes xmlns:a="http://schemas.openxmlformats.org/drawingml/2006/main" xmlns:r="http://schemas.openxmlformats.org/officeDocument/2006/relationships" xmlns:p="http://schemas.openxmlformats.org/presentationml/2006/main">
   <p:cSld>
     <p:spTree>
@@ -1172,90 +1281,6 @@
     <p:extLst>
       <p:ext uri="{BB962C8B-B14F-4D97-AF65-F5344CB8AC3E}">
         <p14:creationId xmlns:p14="http://schemas.microsoft.com/office/powerpoint/2010/main" val="2325110899"/>
-      </p:ext>
-    </p:extLst>
-  </p:cSld>
-  <p:clrMapOvr>
-    <a:masterClrMapping/>
-  </p:clrMapOvr>
-</p:notes>
-</file>
-
-<file path=ppt/notesSlides/notesSlide14.xml><?xml version="1.0" encoding="utf-8"?>
-<p:notes xmlns:a="http://schemas.openxmlformats.org/drawingml/2006/main" xmlns:r="http://schemas.openxmlformats.org/officeDocument/2006/relationships" xmlns:p="http://schemas.openxmlformats.org/presentationml/2006/main">
-  <p:cSld>
-    <p:spTree>
-      <p:nvGrpSpPr>
-        <p:cNvPr id="1" name=""/>
-        <p:cNvGrpSpPr/>
-        <p:nvPr/>
-      </p:nvGrpSpPr>
-      <p:grpSpPr>
-        <a:xfrm>
-          <a:off x="0" y="0"/>
-          <a:ext cx="0" cy="0"/>
-          <a:chOff x="0" y="0"/>
-          <a:chExt cx="0" cy="0"/>
-        </a:xfrm>
-      </p:grpSpPr>
-      <p:sp>
-        <p:nvSpPr>
-          <p:cNvPr id="2" name="Segnaposto immagine diapositiva 1"/>
-          <p:cNvSpPr>
-            <a:spLocks noGrp="1" noRot="1" noChangeAspect="1"/>
-          </p:cNvSpPr>
-          <p:nvPr>
-            <p:ph type="sldImg"/>
-          </p:nvPr>
-        </p:nvSpPr>
-        <p:spPr/>
-      </p:sp>
-      <p:sp>
-        <p:nvSpPr>
-          <p:cNvPr id="3" name="Segnaposto note 2"/>
-          <p:cNvSpPr>
-            <a:spLocks noGrp="1"/>
-          </p:cNvSpPr>
-          <p:nvPr>
-            <p:ph type="body" idx="1"/>
-          </p:nvPr>
-        </p:nvSpPr>
-        <p:spPr/>
-        <p:txBody>
-          <a:bodyPr/>
-          <a:lstStyle/>
-          <a:p>
-            <a:endParaRPr lang="it-IT" dirty="0"/>
-          </a:p>
-        </p:txBody>
-      </p:sp>
-      <p:sp>
-        <p:nvSpPr>
-          <p:cNvPr id="4" name="Segnaposto numero diapositiva 3"/>
-          <p:cNvSpPr>
-            <a:spLocks noGrp="1"/>
-          </p:cNvSpPr>
-          <p:nvPr>
-            <p:ph type="sldNum" sz="quarter" idx="5"/>
-          </p:nvPr>
-        </p:nvSpPr>
-        <p:spPr/>
-        <p:txBody>
-          <a:bodyPr/>
-          <a:lstStyle/>
-          <a:p>
-            <a:fld id="{79E7D7B2-511C-5746-97D1-507EEDB38854}" type="slidenum">
-              <a:rPr lang="it-IT" smtClean="0"/>
-              <a:t>44</a:t>
-            </a:fld>
-            <a:endParaRPr lang="it-IT"/>
-          </a:p>
-        </p:txBody>
-      </p:sp>
-    </p:spTree>
-    <p:extLst>
-      <p:ext uri="{BB962C8B-B14F-4D97-AF65-F5344CB8AC3E}">
-        <p14:creationId xmlns:p14="http://schemas.microsoft.com/office/powerpoint/2010/main" val="2471646548"/>
       </p:ext>
     </p:extLst>
   </p:cSld>
@@ -1292,6 +1317,90 @@
             <p:ph type="sldImg"/>
           </p:nvPr>
         </p:nvSpPr>
+        <p:spPr/>
+      </p:sp>
+      <p:sp>
+        <p:nvSpPr>
+          <p:cNvPr id="3" name="Segnaposto note 2"/>
+          <p:cNvSpPr>
+            <a:spLocks noGrp="1"/>
+          </p:cNvSpPr>
+          <p:nvPr>
+            <p:ph type="body" idx="1"/>
+          </p:nvPr>
+        </p:nvSpPr>
+        <p:spPr/>
+        <p:txBody>
+          <a:bodyPr/>
+          <a:lstStyle/>
+          <a:p>
+            <a:endParaRPr lang="it-IT" dirty="0"/>
+          </a:p>
+        </p:txBody>
+      </p:sp>
+      <p:sp>
+        <p:nvSpPr>
+          <p:cNvPr id="4" name="Segnaposto numero diapositiva 3"/>
+          <p:cNvSpPr>
+            <a:spLocks noGrp="1"/>
+          </p:cNvSpPr>
+          <p:nvPr>
+            <p:ph type="sldNum" sz="quarter" idx="5"/>
+          </p:nvPr>
+        </p:nvSpPr>
+        <p:spPr/>
+        <p:txBody>
+          <a:bodyPr/>
+          <a:lstStyle/>
+          <a:p>
+            <a:fld id="{79E7D7B2-511C-5746-97D1-507EEDB38854}" type="slidenum">
+              <a:rPr lang="it-IT" smtClean="0"/>
+              <a:t>45</a:t>
+            </a:fld>
+            <a:endParaRPr lang="it-IT"/>
+          </a:p>
+        </p:txBody>
+      </p:sp>
+    </p:spTree>
+    <p:extLst>
+      <p:ext uri="{BB962C8B-B14F-4D97-AF65-F5344CB8AC3E}">
+        <p14:creationId xmlns:p14="http://schemas.microsoft.com/office/powerpoint/2010/main" val="2471646548"/>
+      </p:ext>
+    </p:extLst>
+  </p:cSld>
+  <p:clrMapOvr>
+    <a:masterClrMapping/>
+  </p:clrMapOvr>
+</p:notes>
+</file>
+
+<file path=ppt/notesSlides/notesSlide16.xml><?xml version="1.0" encoding="utf-8"?>
+<p:notes xmlns:a="http://schemas.openxmlformats.org/drawingml/2006/main" xmlns:r="http://schemas.openxmlformats.org/officeDocument/2006/relationships" xmlns:p="http://schemas.openxmlformats.org/presentationml/2006/main">
+  <p:cSld>
+    <p:spTree>
+      <p:nvGrpSpPr>
+        <p:cNvPr id="1" name=""/>
+        <p:cNvGrpSpPr/>
+        <p:nvPr/>
+      </p:nvGrpSpPr>
+      <p:grpSpPr>
+        <a:xfrm>
+          <a:off x="0" y="0"/>
+          <a:ext cx="0" cy="0"/>
+          <a:chOff x="0" y="0"/>
+          <a:chExt cx="0" cy="0"/>
+        </a:xfrm>
+      </p:grpSpPr>
+      <p:sp>
+        <p:nvSpPr>
+          <p:cNvPr id="2" name="Segnaposto immagine diapositiva 1"/>
+          <p:cNvSpPr>
+            <a:spLocks noGrp="1" noRot="1" noChangeAspect="1"/>
+          </p:cNvSpPr>
+          <p:nvPr>
+            <p:ph type="sldImg"/>
+          </p:nvPr>
+        </p:nvSpPr>
         <p:spPr>
           <a:xfrm>
             <a:off x="685800" y="1143000"/>
@@ -1335,7 +1444,7 @@
           <a:p>
             <a:fld id="{79E7D7B2-511C-5746-97D1-507EEDB38854}" type="slidenum">
               <a:rPr lang="it-IT" smtClean="0"/>
-              <a:t>46</a:t>
+              <a:t>47</a:t>
             </a:fld>
             <a:endParaRPr lang="it-IT"/>
           </a:p>
@@ -1419,6 +1528,90 @@
           <a:p>
             <a:fld id="{79E7D7B2-511C-5746-97D1-507EEDB38854}" type="slidenum">
               <a:rPr lang="it-IT" smtClean="0"/>
+              <a:t>4</a:t>
+            </a:fld>
+            <a:endParaRPr lang="it-IT"/>
+          </a:p>
+        </p:txBody>
+      </p:sp>
+    </p:spTree>
+    <p:extLst>
+      <p:ext uri="{BB962C8B-B14F-4D97-AF65-F5344CB8AC3E}">
+        <p14:creationId xmlns:p14="http://schemas.microsoft.com/office/powerpoint/2010/main" val="3295782851"/>
+      </p:ext>
+    </p:extLst>
+  </p:cSld>
+  <p:clrMapOvr>
+    <a:masterClrMapping/>
+  </p:clrMapOvr>
+</p:notes>
+</file>
+
+<file path=ppt/notesSlides/notesSlide3.xml><?xml version="1.0" encoding="utf-8"?>
+<p:notes xmlns:a="http://schemas.openxmlformats.org/drawingml/2006/main" xmlns:r="http://schemas.openxmlformats.org/officeDocument/2006/relationships" xmlns:p="http://schemas.openxmlformats.org/presentationml/2006/main">
+  <p:cSld>
+    <p:spTree>
+      <p:nvGrpSpPr>
+        <p:cNvPr id="1" name=""/>
+        <p:cNvGrpSpPr/>
+        <p:nvPr/>
+      </p:nvGrpSpPr>
+      <p:grpSpPr>
+        <a:xfrm>
+          <a:off x="0" y="0"/>
+          <a:ext cx="0" cy="0"/>
+          <a:chOff x="0" y="0"/>
+          <a:chExt cx="0" cy="0"/>
+        </a:xfrm>
+      </p:grpSpPr>
+      <p:sp>
+        <p:nvSpPr>
+          <p:cNvPr id="2" name="Segnaposto immagine diapositiva 1"/>
+          <p:cNvSpPr>
+            <a:spLocks noGrp="1" noRot="1" noChangeAspect="1"/>
+          </p:cNvSpPr>
+          <p:nvPr>
+            <p:ph type="sldImg"/>
+          </p:nvPr>
+        </p:nvSpPr>
+        <p:spPr/>
+      </p:sp>
+      <p:sp>
+        <p:nvSpPr>
+          <p:cNvPr id="3" name="Segnaposto note 2"/>
+          <p:cNvSpPr>
+            <a:spLocks noGrp="1"/>
+          </p:cNvSpPr>
+          <p:nvPr>
+            <p:ph type="body" idx="1"/>
+          </p:nvPr>
+        </p:nvSpPr>
+        <p:spPr/>
+        <p:txBody>
+          <a:bodyPr/>
+          <a:lstStyle/>
+          <a:p>
+            <a:endParaRPr lang="it-IT" dirty="0"/>
+          </a:p>
+        </p:txBody>
+      </p:sp>
+      <p:sp>
+        <p:nvSpPr>
+          <p:cNvPr id="4" name="Segnaposto numero diapositiva 3"/>
+          <p:cNvSpPr>
+            <a:spLocks noGrp="1"/>
+          </p:cNvSpPr>
+          <p:nvPr>
+            <p:ph type="sldNum" sz="quarter" idx="5"/>
+          </p:nvPr>
+        </p:nvSpPr>
+        <p:spPr/>
+        <p:txBody>
+          <a:bodyPr/>
+          <a:lstStyle/>
+          <a:p>
+            <a:fld id="{79E7D7B2-511C-5746-97D1-507EEDB38854}" type="slidenum">
+              <a:rPr lang="it-IT" smtClean="0"/>
               <a:t>9</a:t>
             </a:fld>
             <a:endParaRPr lang="it-IT"/>
@@ -1438,7 +1631,7 @@
 </p:notes>
 </file>
 
-<file path=ppt/notesSlides/notesSlide3.xml><?xml version="1.0" encoding="utf-8"?>
+<file path=ppt/notesSlides/notesSlide4.xml><?xml version="1.0" encoding="utf-8"?>
 <p:notes xmlns:a="http://schemas.openxmlformats.org/drawingml/2006/main" xmlns:r="http://schemas.openxmlformats.org/officeDocument/2006/relationships" xmlns:p="http://schemas.openxmlformats.org/presentationml/2006/main">
   <p:cSld>
     <p:spTree>
@@ -1546,7 +1739,7 @@
 </p:notes>
 </file>
 
-<file path=ppt/notesSlides/notesSlide4.xml><?xml version="1.0" encoding="utf-8"?>
+<file path=ppt/notesSlides/notesSlide5.xml><?xml version="1.0" encoding="utf-8"?>
 <p:notes xmlns:a="http://schemas.openxmlformats.org/drawingml/2006/main" xmlns:r="http://schemas.openxmlformats.org/officeDocument/2006/relationships" xmlns:p="http://schemas.openxmlformats.org/presentationml/2006/main">
   <p:cSld>
     <p:spTree>
@@ -1654,7 +1847,7 @@
 </p:notes>
 </file>
 
-<file path=ppt/notesSlides/notesSlide5.xml><?xml version="1.0" encoding="utf-8"?>
+<file path=ppt/notesSlides/notesSlide6.xml><?xml version="1.0" encoding="utf-8"?>
 <p:notes xmlns:a="http://schemas.openxmlformats.org/drawingml/2006/main" xmlns:r="http://schemas.openxmlformats.org/officeDocument/2006/relationships" xmlns:p="http://schemas.openxmlformats.org/presentationml/2006/main">
   <p:cSld>
     <p:spTree>
@@ -1753,90 +1946,6 @@
     <p:extLst>
       <p:ext uri="{BB962C8B-B14F-4D97-AF65-F5344CB8AC3E}">
         <p14:creationId xmlns:p14="http://schemas.microsoft.com/office/powerpoint/2010/main" val="521754801"/>
-      </p:ext>
-    </p:extLst>
-  </p:cSld>
-  <p:clrMapOvr>
-    <a:masterClrMapping/>
-  </p:clrMapOvr>
-</p:notes>
-</file>
-
-<file path=ppt/notesSlides/notesSlide6.xml><?xml version="1.0" encoding="utf-8"?>
-<p:notes xmlns:a="http://schemas.openxmlformats.org/drawingml/2006/main" xmlns:r="http://schemas.openxmlformats.org/officeDocument/2006/relationships" xmlns:p="http://schemas.openxmlformats.org/presentationml/2006/main">
-  <p:cSld>
-    <p:spTree>
-      <p:nvGrpSpPr>
-        <p:cNvPr id="1" name=""/>
-        <p:cNvGrpSpPr/>
-        <p:nvPr/>
-      </p:nvGrpSpPr>
-      <p:grpSpPr>
-        <a:xfrm>
-          <a:off x="0" y="0"/>
-          <a:ext cx="0" cy="0"/>
-          <a:chOff x="0" y="0"/>
-          <a:chExt cx="0" cy="0"/>
-        </a:xfrm>
-      </p:grpSpPr>
-      <p:sp>
-        <p:nvSpPr>
-          <p:cNvPr id="2" name="Segnaposto immagine diapositiva 1"/>
-          <p:cNvSpPr>
-            <a:spLocks noGrp="1" noRot="1" noChangeAspect="1"/>
-          </p:cNvSpPr>
-          <p:nvPr>
-            <p:ph type="sldImg"/>
-          </p:nvPr>
-        </p:nvSpPr>
-        <p:spPr/>
-      </p:sp>
-      <p:sp>
-        <p:nvSpPr>
-          <p:cNvPr id="3" name="Segnaposto note 2"/>
-          <p:cNvSpPr>
-            <a:spLocks noGrp="1"/>
-          </p:cNvSpPr>
-          <p:nvPr>
-            <p:ph type="body" idx="1"/>
-          </p:nvPr>
-        </p:nvSpPr>
-        <p:spPr/>
-        <p:txBody>
-          <a:bodyPr/>
-          <a:lstStyle/>
-          <a:p>
-            <a:endParaRPr lang="it-IT" dirty="0"/>
-          </a:p>
-        </p:txBody>
-      </p:sp>
-      <p:sp>
-        <p:nvSpPr>
-          <p:cNvPr id="4" name="Segnaposto numero diapositiva 3"/>
-          <p:cNvSpPr>
-            <a:spLocks noGrp="1"/>
-          </p:cNvSpPr>
-          <p:nvPr>
-            <p:ph type="sldNum" sz="quarter" idx="5"/>
-          </p:nvPr>
-        </p:nvSpPr>
-        <p:spPr/>
-        <p:txBody>
-          <a:bodyPr/>
-          <a:lstStyle/>
-          <a:p>
-            <a:fld id="{79E7D7B2-511C-5746-97D1-507EEDB38854}" type="slidenum">
-              <a:rPr lang="it-IT" smtClean="0"/>
-              <a:t>14</a:t>
-            </a:fld>
-            <a:endParaRPr lang="it-IT"/>
-          </a:p>
-        </p:txBody>
-      </p:sp>
-    </p:spTree>
-    <p:extLst>
-      <p:ext uri="{BB962C8B-B14F-4D97-AF65-F5344CB8AC3E}">
-        <p14:creationId xmlns:p14="http://schemas.microsoft.com/office/powerpoint/2010/main" val="2025129087"/>
       </p:ext>
     </p:extLst>
   </p:cSld>
@@ -1911,6 +2020,90 @@
           <a:p>
             <a:fld id="{79E7D7B2-511C-5746-97D1-507EEDB38854}" type="slidenum">
               <a:rPr lang="it-IT" smtClean="0"/>
+              <a:t>14</a:t>
+            </a:fld>
+            <a:endParaRPr lang="it-IT"/>
+          </a:p>
+        </p:txBody>
+      </p:sp>
+    </p:spTree>
+    <p:extLst>
+      <p:ext uri="{BB962C8B-B14F-4D97-AF65-F5344CB8AC3E}">
+        <p14:creationId xmlns:p14="http://schemas.microsoft.com/office/powerpoint/2010/main" val="2025129087"/>
+      </p:ext>
+    </p:extLst>
+  </p:cSld>
+  <p:clrMapOvr>
+    <a:masterClrMapping/>
+  </p:clrMapOvr>
+</p:notes>
+</file>
+
+<file path=ppt/notesSlides/notesSlide8.xml><?xml version="1.0" encoding="utf-8"?>
+<p:notes xmlns:a="http://schemas.openxmlformats.org/drawingml/2006/main" xmlns:r="http://schemas.openxmlformats.org/officeDocument/2006/relationships" xmlns:p="http://schemas.openxmlformats.org/presentationml/2006/main">
+  <p:cSld>
+    <p:spTree>
+      <p:nvGrpSpPr>
+        <p:cNvPr id="1" name=""/>
+        <p:cNvGrpSpPr/>
+        <p:nvPr/>
+      </p:nvGrpSpPr>
+      <p:grpSpPr>
+        <a:xfrm>
+          <a:off x="0" y="0"/>
+          <a:ext cx="0" cy="0"/>
+          <a:chOff x="0" y="0"/>
+          <a:chExt cx="0" cy="0"/>
+        </a:xfrm>
+      </p:grpSpPr>
+      <p:sp>
+        <p:nvSpPr>
+          <p:cNvPr id="2" name="Segnaposto immagine diapositiva 1"/>
+          <p:cNvSpPr>
+            <a:spLocks noGrp="1" noRot="1" noChangeAspect="1"/>
+          </p:cNvSpPr>
+          <p:nvPr>
+            <p:ph type="sldImg"/>
+          </p:nvPr>
+        </p:nvSpPr>
+        <p:spPr/>
+      </p:sp>
+      <p:sp>
+        <p:nvSpPr>
+          <p:cNvPr id="3" name="Segnaposto note 2"/>
+          <p:cNvSpPr>
+            <a:spLocks noGrp="1"/>
+          </p:cNvSpPr>
+          <p:nvPr>
+            <p:ph type="body" idx="1"/>
+          </p:nvPr>
+        </p:nvSpPr>
+        <p:spPr/>
+        <p:txBody>
+          <a:bodyPr/>
+          <a:lstStyle/>
+          <a:p>
+            <a:endParaRPr lang="it-IT" dirty="0"/>
+          </a:p>
+        </p:txBody>
+      </p:sp>
+      <p:sp>
+        <p:nvSpPr>
+          <p:cNvPr id="4" name="Segnaposto numero diapositiva 3"/>
+          <p:cNvSpPr>
+            <a:spLocks noGrp="1"/>
+          </p:cNvSpPr>
+          <p:nvPr>
+            <p:ph type="sldNum" sz="quarter" idx="5"/>
+          </p:nvPr>
+        </p:nvSpPr>
+        <p:spPr/>
+        <p:txBody>
+          <a:bodyPr/>
+          <a:lstStyle/>
+          <a:p>
+            <a:fld id="{79E7D7B2-511C-5746-97D1-507EEDB38854}" type="slidenum">
+              <a:rPr lang="it-IT" smtClean="0"/>
               <a:t>18</a:t>
             </a:fld>
             <a:endParaRPr lang="it-IT"/>
@@ -1930,7 +2123,7 @@
 </p:notes>
 </file>
 
-<file path=ppt/notesSlides/notesSlide8.xml><?xml version="1.0" encoding="utf-8"?>
+<file path=ppt/notesSlides/notesSlide9.xml><?xml version="1.0" encoding="utf-8"?>
 <p:notes xmlns:a="http://schemas.openxmlformats.org/drawingml/2006/main" xmlns:r="http://schemas.openxmlformats.org/officeDocument/2006/relationships" xmlns:p="http://schemas.openxmlformats.org/presentationml/2006/main">
   <p:cSld>
     <p:spTree>
@@ -2029,114 +2222,6 @@
     <p:extLst>
       <p:ext uri="{BB962C8B-B14F-4D97-AF65-F5344CB8AC3E}">
         <p14:creationId xmlns:p14="http://schemas.microsoft.com/office/powerpoint/2010/main" val="2947204446"/>
-      </p:ext>
-    </p:extLst>
-  </p:cSld>
-  <p:clrMapOvr>
-    <a:masterClrMapping/>
-  </p:clrMapOvr>
-</p:notes>
-</file>
-
-<file path=ppt/notesSlides/notesSlide9.xml><?xml version="1.0" encoding="utf-8"?>
-<p:notes xmlns:a="http://schemas.openxmlformats.org/drawingml/2006/main" xmlns:r="http://schemas.openxmlformats.org/officeDocument/2006/relationships" xmlns:p="http://schemas.openxmlformats.org/presentationml/2006/main">
-  <p:cSld>
-    <p:spTree>
-      <p:nvGrpSpPr>
-        <p:cNvPr id="1" name="">
-          <a:extLst>
-            <a:ext uri="{FF2B5EF4-FFF2-40B4-BE49-F238E27FC236}">
-              <a16:creationId xmlns:a16="http://schemas.microsoft.com/office/drawing/2014/main" id="{1EE5A218-C1C0-57FC-1052-0959407F4189}"/>
-            </a:ext>
-          </a:extLst>
-        </p:cNvPr>
-        <p:cNvGrpSpPr/>
-        <p:nvPr/>
-      </p:nvGrpSpPr>
-      <p:grpSpPr>
-        <a:xfrm>
-          <a:off x="0" y="0"/>
-          <a:ext cx="0" cy="0"/>
-          <a:chOff x="0" y="0"/>
-          <a:chExt cx="0" cy="0"/>
-        </a:xfrm>
-      </p:grpSpPr>
-      <p:sp>
-        <p:nvSpPr>
-          <p:cNvPr id="2" name="Segnaposto immagine diapositiva 1">
-            <a:extLst>
-              <a:ext uri="{FF2B5EF4-FFF2-40B4-BE49-F238E27FC236}">
-                <a16:creationId xmlns:a16="http://schemas.microsoft.com/office/drawing/2014/main" id="{59DC1A70-FA96-3271-1312-536EB0D57214}"/>
-              </a:ext>
-            </a:extLst>
-          </p:cNvPr>
-          <p:cNvSpPr>
-            <a:spLocks noGrp="1" noRot="1" noChangeAspect="1"/>
-          </p:cNvSpPr>
-          <p:nvPr>
-            <p:ph type="sldImg"/>
-          </p:nvPr>
-        </p:nvSpPr>
-        <p:spPr/>
-      </p:sp>
-      <p:sp>
-        <p:nvSpPr>
-          <p:cNvPr id="3" name="Segnaposto note 2">
-            <a:extLst>
-              <a:ext uri="{FF2B5EF4-FFF2-40B4-BE49-F238E27FC236}">
-                <a16:creationId xmlns:a16="http://schemas.microsoft.com/office/drawing/2014/main" id="{C4215779-C723-4384-C0D5-6206F721FB4C}"/>
-              </a:ext>
-            </a:extLst>
-          </p:cNvPr>
-          <p:cNvSpPr>
-            <a:spLocks noGrp="1"/>
-          </p:cNvSpPr>
-          <p:nvPr>
-            <p:ph type="body" idx="1"/>
-          </p:nvPr>
-        </p:nvSpPr>
-        <p:spPr/>
-        <p:txBody>
-          <a:bodyPr/>
-          <a:lstStyle/>
-          <a:p>
-            <a:endParaRPr lang="it-IT" dirty="0"/>
-          </a:p>
-        </p:txBody>
-      </p:sp>
-      <p:sp>
-        <p:nvSpPr>
-          <p:cNvPr id="4" name="Segnaposto numero diapositiva 3">
-            <a:extLst>
-              <a:ext uri="{FF2B5EF4-FFF2-40B4-BE49-F238E27FC236}">
-                <a16:creationId xmlns:a16="http://schemas.microsoft.com/office/drawing/2014/main" id="{8A977DA2-BF72-D3D8-19E8-82DCC74145F9}"/>
-              </a:ext>
-            </a:extLst>
-          </p:cNvPr>
-          <p:cNvSpPr>
-            <a:spLocks noGrp="1"/>
-          </p:cNvSpPr>
-          <p:nvPr>
-            <p:ph type="sldNum" sz="quarter" idx="5"/>
-          </p:nvPr>
-        </p:nvSpPr>
-        <p:spPr/>
-        <p:txBody>
-          <a:bodyPr/>
-          <a:lstStyle/>
-          <a:p>
-            <a:fld id="{79E7D7B2-511C-5746-97D1-507EEDB38854}" type="slidenum">
-              <a:rPr lang="it-IT" smtClean="0"/>
-              <a:t>20</a:t>
-            </a:fld>
-            <a:endParaRPr lang="it-IT"/>
-          </a:p>
-        </p:txBody>
-      </p:sp>
-    </p:spTree>
-    <p:extLst>
-      <p:ext uri="{BB962C8B-B14F-4D97-AF65-F5344CB8AC3E}">
-        <p14:creationId xmlns:p14="http://schemas.microsoft.com/office/powerpoint/2010/main" val="2875352542"/>
       </p:ext>
     </p:extLst>
   </p:cSld>
@@ -6286,15 +6371,7 @@
             </a:r>
             <a:r>
               <a:rPr lang="it-IT" sz="1600" dirty="0"/>
-              <a:t> (</a:t>
-            </a:r>
-            <a:r>
-              <a:rPr lang="it-IT" sz="1600" dirty="0" err="1"/>
-              <a:t>glassfish</a:t>
-            </a:r>
-            <a:r>
-              <a:rPr lang="it-IT" sz="1600" dirty="0"/>
-              <a:t> web server)</a:t>
+              <a:t> (Apache Tomcat 10.1.19)</a:t>
             </a:r>
           </a:p>
           <a:p>
@@ -6617,16 +6694,6 @@
             </a:pPr>
             <a:r>
               <a:rPr lang="it-IT" sz="1600" dirty="0"/>
-              <a:t>Apache Tomcat 10.1.19</a:t>
-            </a:r>
-          </a:p>
-          <a:p>
-            <a:pPr marL="293688" indent="-285750">
-              <a:buFont typeface="Arial" panose="020B0604020202020204" pitchFamily="34" charset="0"/>
-              <a:buChar char="•"/>
-            </a:pPr>
-            <a:r>
-              <a:rPr lang="it-IT" sz="1600" dirty="0"/>
               <a:t>Per i test delle API è stato utilizzato </a:t>
             </a:r>
             <a:r>
@@ -7109,6 +7176,13 @@
               <a:buChar char="•"/>
             </a:pPr>
             <a:r>
+              <a:rPr lang="it-IT" sz="1600" dirty="0">
+                <a:effectLst/>
+                <a:cs typeface="Book Antiqua" panose="02040602050305030304" pitchFamily="18" charset="0"/>
+              </a:rPr>
+              <a:t>I </a:t>
+            </a:r>
+            <a:r>
               <a:rPr lang="it-IT" sz="1600" b="1" dirty="0">
                 <a:effectLst/>
                 <a:cs typeface="Book Antiqua" panose="02040602050305030304" pitchFamily="18" charset="0"/>
@@ -7120,7 +7194,7 @@
                 <a:effectLst/>
                 <a:cs typeface="Book Antiqua" panose="02040602050305030304" pitchFamily="18" charset="0"/>
               </a:rPr>
-              <a:t>, che fornisce un'interfaccia per la persistenza dei dati e per le operazioni di accesso ai dati (come CRUD: Create, Read)</a:t>
+              <a:t> forniscono un'interfaccia per la persistenza dei dati e per le operazioni di accesso ai dati (come CRUD: Create, Read, Update, Delete)</a:t>
             </a:r>
           </a:p>
           <a:p>
@@ -7417,7 +7491,7 @@
         </p:blipFill>
         <p:spPr>
           <a:xfrm>
-            <a:off x="1418896" y="3657599"/>
+            <a:off x="1418896" y="3089708"/>
             <a:ext cx="9992053" cy="951115"/>
           </a:xfrm>
           <a:prstGeom prst="rect">
@@ -7439,7 +7513,7 @@
         </p:nvSpPr>
         <p:spPr>
           <a:xfrm>
-            <a:off x="631441" y="5018629"/>
+            <a:off x="681085" y="4359474"/>
             <a:ext cx="9515005" cy="923330"/>
           </a:xfrm>
           <a:prstGeom prst="rect">
@@ -7488,6 +7562,36 @@
           </a:p>
         </p:txBody>
       </p:sp>
+      <p:pic>
+        <p:nvPicPr>
+          <p:cNvPr id="6" name="Immagine 5">
+            <a:extLst>
+              <a:ext uri="{FF2B5EF4-FFF2-40B4-BE49-F238E27FC236}">
+                <a16:creationId xmlns:a16="http://schemas.microsoft.com/office/drawing/2014/main" id="{9338231D-F6BC-FE68-9C30-D1A84251E6DE}"/>
+              </a:ext>
+            </a:extLst>
+          </p:cNvPr>
+          <p:cNvPicPr>
+            <a:picLocks noChangeAspect="1"/>
+          </p:cNvPicPr>
+          <p:nvPr/>
+        </p:nvPicPr>
+        <p:blipFill>
+          <a:blip r:embed="rId4"/>
+          <a:stretch>
+            <a:fillRect/>
+          </a:stretch>
+        </p:blipFill>
+        <p:spPr>
+          <a:xfrm>
+            <a:off x="1742888" y="5475090"/>
+            <a:ext cx="7391400" cy="1019175"/>
+          </a:xfrm>
+          <a:prstGeom prst="rect">
+            <a:avLst/>
+          </a:prstGeom>
+        </p:spPr>
+      </p:pic>
     </p:spTree>
     <p:extLst>
       <p:ext uri="{BB962C8B-B14F-4D97-AF65-F5344CB8AC3E}">
@@ -7618,7 +7722,7 @@
         <p:spPr>
           <a:xfrm>
             <a:off x="605052" y="1778887"/>
-            <a:ext cx="10981895" cy="3981189"/>
+            <a:ext cx="10981895" cy="4285029"/>
           </a:xfrm>
         </p:spPr>
         <p:txBody>
@@ -7635,7 +7739,17 @@
             </a:r>
             <a:r>
               <a:rPr lang="it-IT" dirty="0"/>
-              <a:t> dispone di alcuni metodi CRUD, ma offre anche la possibilità di scrivere query in linguaggio JPQL e l’uso del modulo Query Method: consente di definire metodi di query nel repository semplicemente dichiarando il nome del metodo secondo una convenzione specifica, senza dover scrivere implementazione.</a:t>
+              <a:t> dispone di alcuni metodi CRUD, ma offre anche la possibilità di scrivere query in linguaggio JPQL e l’uso del modulo Query Method</a:t>
+            </a:r>
+          </a:p>
+          <a:p>
+            <a:pPr marL="293688" indent="-285750">
+              <a:buFont typeface="Arial" panose="020B0604020202020204" pitchFamily="34" charset="0"/>
+              <a:buChar char="•"/>
+            </a:pPr>
+            <a:r>
+              <a:rPr lang="it-IT" dirty="0"/>
+              <a:t> Query Method: consente di definire metodi di query nel repository semplicemente dichiarando il nome del metodo secondo una convenzione specifica, senza dover scrivere implementazione.</a:t>
             </a:r>
           </a:p>
           <a:p>
@@ -7917,7 +8031,7 @@
             </a:pPr>
             <a:r>
               <a:rPr lang="it-IT" dirty="0"/>
-              <a:t>Model – DAO</a:t>
+              <a:t>Model</a:t>
             </a:r>
           </a:p>
           <a:p>
@@ -7927,6 +8041,16 @@
             </a:pPr>
             <a:r>
               <a:rPr lang="it-IT" dirty="0"/>
+              <a:t>DAO/Repository</a:t>
+            </a:r>
+          </a:p>
+          <a:p>
+            <a:pPr marL="971516" lvl="1" indent="-285750">
+              <a:buFont typeface="Arial" panose="020B0604020202020204" pitchFamily="34" charset="0"/>
+              <a:buChar char="•"/>
+            </a:pPr>
+            <a:r>
+              <a:rPr lang="it-IT" dirty="0"/>
               <a:t>DTO</a:t>
             </a:r>
           </a:p>
@@ -7937,7 +8061,7 @@
             </a:pPr>
             <a:r>
               <a:rPr lang="it-IT" dirty="0"/>
-              <a:t>Repository</a:t>
+              <a:t>Controller/API</a:t>
             </a:r>
           </a:p>
           <a:p>
@@ -8153,6 +8277,16 @@
             </a:pPr>
             <a:r>
               <a:rPr lang="it-IT" dirty="0"/>
+              <a:t>API Security</a:t>
+            </a:r>
+          </a:p>
+          <a:p>
+            <a:pPr marL="350838" indent="-342900">
+              <a:buFont typeface="Arial" panose="020B0604020202020204" pitchFamily="34" charset="0"/>
+              <a:buChar char="•"/>
+            </a:pPr>
+            <a:r>
+              <a:rPr lang="it-IT" dirty="0"/>
               <a:t>Gestione copyright delle immagini</a:t>
             </a:r>
           </a:p>
@@ -8163,7 +8297,17 @@
             </a:pPr>
             <a:r>
               <a:rPr lang="it-IT" dirty="0"/>
-              <a:t>API Security</a:t>
+              <a:t>Sezione Shop</a:t>
+            </a:r>
+          </a:p>
+          <a:p>
+            <a:pPr marL="971516" lvl="1" indent="-285750">
+              <a:buFont typeface="Arial" panose="020B0604020202020204" pitchFamily="34" charset="0"/>
+              <a:buChar char="•"/>
+            </a:pPr>
+            <a:r>
+              <a:rPr lang="it-IT" dirty="0"/>
+              <a:t>Blockchain</a:t>
             </a:r>
           </a:p>
           <a:p>
@@ -8174,26 +8318,6 @@
             <a:r>
               <a:rPr lang="it-IT" dirty="0"/>
               <a:t>Implementazione front-end</a:t>
-            </a:r>
-          </a:p>
-          <a:p>
-            <a:pPr marL="293688" indent="-285750">
-              <a:buFont typeface="Arial" panose="020B0604020202020204" pitchFamily="34" charset="0"/>
-              <a:buChar char="•"/>
-            </a:pPr>
-            <a:r>
-              <a:rPr lang="it-IT" dirty="0"/>
-              <a:t>Sezione Shop</a:t>
-            </a:r>
-          </a:p>
-          <a:p>
-            <a:pPr marL="971516" lvl="1" indent="-285750">
-              <a:buFont typeface="Arial" panose="020B0604020202020204" pitchFamily="34" charset="0"/>
-              <a:buChar char="•"/>
-            </a:pPr>
-            <a:r>
-              <a:rPr lang="it-IT" dirty="0"/>
-              <a:t>Blockchain</a:t>
             </a:r>
           </a:p>
         </p:txBody>
@@ -8341,7 +8465,7 @@
             </a:pPr>
             <a:r>
               <a:rPr lang="it-IT" dirty="0"/>
-              <a:t>CRUD Repository: Spring Data JPA fornisce metodi già pronti per le operazioni CRUD (Create, Read, Update, Delete) attraverso interfacce come </a:t>
+              <a:t>Spring Data JPA fornisce metodi già pronti per le operazioni CRUD (Create, Read, Update, Delete) attraverso interfacce come </a:t>
             </a:r>
             <a:r>
               <a:rPr lang="it-IT" i="1" dirty="0" err="1"/>
@@ -10100,7 +10224,7 @@
         <p:cNvPr id="1" name="">
           <a:extLst>
             <a:ext uri="{FF2B5EF4-FFF2-40B4-BE49-F238E27FC236}">
-              <a16:creationId xmlns:a16="http://schemas.microsoft.com/office/drawing/2014/main" id="{1F9F0D46-ED19-A22A-D997-8726444D1D92}"/>
+              <a16:creationId xmlns:a16="http://schemas.microsoft.com/office/drawing/2014/main" id="{2838A37C-443B-22D2-E573-BF233B6880CE}"/>
             </a:ext>
           </a:extLst>
         </p:cNvPr>
@@ -10120,7 +10244,7 @@
           <p:cNvPr id="2" name="Segnaposto testo 1">
             <a:extLst>
               <a:ext uri="{FF2B5EF4-FFF2-40B4-BE49-F238E27FC236}">
-                <a16:creationId xmlns:a16="http://schemas.microsoft.com/office/drawing/2014/main" id="{6CFEA7AB-2E75-D1DF-83A8-8716B02D42C9}"/>
+                <a16:creationId xmlns:a16="http://schemas.microsoft.com/office/drawing/2014/main" id="{DA0265CB-D7A4-29D6-C1B3-2CFF4968F8CF}"/>
               </a:ext>
             </a:extLst>
           </p:cNvPr>
@@ -10162,7 +10286,7 @@
           <p:cNvPr id="4" name="Titolo 3">
             <a:extLst>
               <a:ext uri="{FF2B5EF4-FFF2-40B4-BE49-F238E27FC236}">
-                <a16:creationId xmlns:a16="http://schemas.microsoft.com/office/drawing/2014/main" id="{FD545E07-BCFD-7FCA-3E4B-8EFDE20D8F1F}"/>
+                <a16:creationId xmlns:a16="http://schemas.microsoft.com/office/drawing/2014/main" id="{F48237DF-5E5D-7394-B4CF-79FF4398A2FD}"/>
               </a:ext>
             </a:extLst>
           </p:cNvPr>
@@ -10176,7 +10300,7 @@
         <p:spPr>
           <a:xfrm>
             <a:off x="775867" y="958052"/>
-            <a:ext cx="9994801" cy="578690"/>
+            <a:ext cx="7463357" cy="578690"/>
           </a:xfrm>
         </p:spPr>
         <p:txBody>
@@ -10185,159 +10309,45 @@
           <a:p>
             <a:r>
               <a:rPr lang="it-IT" dirty="0"/>
-              <a:t>Implementazione back-end (Gestione copyright immagini - 1)</a:t>
-            </a:r>
-          </a:p>
-        </p:txBody>
-      </p:sp>
-      <p:sp>
-        <p:nvSpPr>
-          <p:cNvPr id="5" name="Segnaposto testo 2">
-            <a:extLst>
-              <a:ext uri="{FF2B5EF4-FFF2-40B4-BE49-F238E27FC236}">
-                <a16:creationId xmlns:a16="http://schemas.microsoft.com/office/drawing/2014/main" id="{0DA8E940-2F55-AD09-0745-D3A8F1753E80}"/>
-              </a:ext>
-            </a:extLst>
-          </p:cNvPr>
-          <p:cNvSpPr>
-            <a:spLocks noGrp="1"/>
-          </p:cNvSpPr>
-          <p:nvPr>
-            <p:ph type="body" sz="quarter" idx="13"/>
-          </p:nvPr>
-        </p:nvSpPr>
+              <a:t>Implementazione back-end (API Security) 3</a:t>
+            </a:r>
+          </a:p>
+        </p:txBody>
+      </p:sp>
+      <p:pic>
+        <p:nvPicPr>
+          <p:cNvPr id="6" name="Immagine 5">
+            <a:extLst>
+              <a:ext uri="{FF2B5EF4-FFF2-40B4-BE49-F238E27FC236}">
+                <a16:creationId xmlns:a16="http://schemas.microsoft.com/office/drawing/2014/main" id="{98950C98-B2C7-75A2-757C-BC42B7ADF703}"/>
+              </a:ext>
+            </a:extLst>
+          </p:cNvPr>
+          <p:cNvPicPr>
+            <a:picLocks noChangeAspect="1"/>
+          </p:cNvPicPr>
+          <p:nvPr/>
+        </p:nvPicPr>
+        <p:blipFill>
+          <a:blip r:embed="rId2"/>
+          <a:stretch>
+            <a:fillRect/>
+          </a:stretch>
+        </p:blipFill>
         <p:spPr>
           <a:xfrm>
-            <a:off x="775868" y="1808400"/>
-            <a:ext cx="10981895" cy="4091548"/>
+            <a:off x="1546007" y="1390800"/>
+            <a:ext cx="8753475" cy="5019675"/>
           </a:xfrm>
+          <a:prstGeom prst="rect">
+            <a:avLst/>
+          </a:prstGeom>
         </p:spPr>
-        <p:txBody>
-          <a:bodyPr/>
-          <a:lstStyle/>
-          <a:p>
-            <a:pPr marL="293688" indent="-285750">
-              <a:buFont typeface="Arial" panose="020B0604020202020204" pitchFamily="34" charset="0"/>
-              <a:buChar char="•"/>
-            </a:pPr>
-            <a:r>
-              <a:rPr lang="it-IT" sz="1600" dirty="0"/>
-              <a:t>Requisiti fondamentali:</a:t>
-            </a:r>
-          </a:p>
-          <a:p>
-            <a:pPr marL="971516" lvl="1" indent="-285750">
-              <a:buFont typeface="Arial" panose="020B0604020202020204" pitchFamily="34" charset="0"/>
-              <a:buChar char="•"/>
-            </a:pPr>
-            <a:r>
-              <a:rPr lang="it-IT" sz="1600" dirty="0"/>
-              <a:t>Visualizzazione di immagini protette per utenti autorizzati</a:t>
-            </a:r>
-          </a:p>
-          <a:p>
-            <a:pPr marL="971516" lvl="1" indent="-285750">
-              <a:buFont typeface="Arial" panose="020B0604020202020204" pitchFamily="34" charset="0"/>
-              <a:buChar char="•"/>
-            </a:pPr>
-            <a:r>
-              <a:rPr lang="it-IT" sz="1600" dirty="0"/>
-              <a:t>Prevenzione dell'uso non autorizzato attraverso watermark</a:t>
-            </a:r>
-          </a:p>
-          <a:p>
-            <a:pPr marL="971516" lvl="1" indent="-285750">
-              <a:buFont typeface="Arial" panose="020B0604020202020204" pitchFamily="34" charset="0"/>
-              <a:buChar char="•"/>
-            </a:pPr>
-            <a:r>
-              <a:rPr lang="it-IT" sz="1600" dirty="0"/>
-              <a:t>Creazione di Thumbnail: versioni ridotte (30%) delle immagini, generate per ridurre consumo di banda e spazio, con l’applicazione di watermark visibile per disincentivare usi illeciti.</a:t>
-            </a:r>
-          </a:p>
-          <a:p>
-            <a:pPr marL="971516" lvl="1" indent="-285750">
-              <a:buFont typeface="Arial" panose="020B0604020202020204" pitchFamily="34" charset="0"/>
-              <a:buChar char="•"/>
-            </a:pPr>
-            <a:r>
-              <a:rPr lang="it-IT" sz="1600" dirty="0"/>
-              <a:t>Applicazione del watermark lato back-end per immagini a risoluzione standard applicato </a:t>
-            </a:r>
-            <a:r>
-              <a:rPr lang="it-IT" sz="1600" b="1" dirty="0"/>
-              <a:t>dinamicamente a Runtime</a:t>
-            </a:r>
-            <a:r>
-              <a:rPr lang="it-IT" sz="1600" dirty="0"/>
-              <a:t> senza modificare l’originale, mantenendo la qualità e l’integrità.</a:t>
-            </a:r>
-          </a:p>
-          <a:p>
-            <a:pPr marL="971516" lvl="1" indent="-285750">
-              <a:buFont typeface="Arial" panose="020B0604020202020204" pitchFamily="34" charset="0"/>
-              <a:buChar char="•"/>
-            </a:pPr>
-            <a:endParaRPr lang="it-IT" sz="1600" dirty="0"/>
-          </a:p>
-          <a:p>
-            <a:pPr>
-              <a:buFont typeface="Arial" panose="020B0604020202020204" pitchFamily="34" charset="0"/>
-              <a:buChar char="•"/>
-            </a:pPr>
-            <a:r>
-              <a:rPr lang="it-IT" sz="1600" dirty="0"/>
-              <a:t>Vantaggi del sistema:</a:t>
-            </a:r>
-          </a:p>
-          <a:p>
-            <a:pPr lvl="1">
-              <a:buFont typeface="Arial" panose="020B0604020202020204" pitchFamily="34" charset="0"/>
-              <a:buChar char="•"/>
-            </a:pPr>
-            <a:r>
-              <a:rPr lang="it-IT" sz="1600" b="1" dirty="0"/>
-              <a:t>Protezione del copyright:</a:t>
-            </a:r>
-            <a:r>
-              <a:rPr lang="it-IT" sz="1600" dirty="0"/>
-              <a:t> Watermark applicato su tutte le immagini visualizzate.</a:t>
-            </a:r>
-          </a:p>
-          <a:p>
-            <a:pPr lvl="1">
-              <a:buFont typeface="Arial" panose="020B0604020202020204" pitchFamily="34" charset="0"/>
-              <a:buChar char="•"/>
-            </a:pPr>
-            <a:r>
-              <a:rPr lang="it-IT" sz="1600" b="1" dirty="0"/>
-              <a:t>Conservazione dell'originale:</a:t>
-            </a:r>
-            <a:r>
-              <a:rPr lang="it-IT" sz="1600" dirty="0"/>
-              <a:t> L'immagine senza watermark rimane disponibile per usi legittimi.</a:t>
-            </a:r>
-          </a:p>
-          <a:p>
-            <a:pPr marL="1428692" lvl="2" indent="-285750">
-              <a:buFont typeface="Arial" panose="020B0604020202020204" pitchFamily="34" charset="0"/>
-              <a:buChar char="•"/>
-            </a:pPr>
-            <a:endParaRPr lang="it-IT" sz="1600" dirty="0"/>
-          </a:p>
-          <a:p>
-            <a:pPr marL="1428692" lvl="2" indent="-285750">
-              <a:buFont typeface="Arial" panose="020B0604020202020204" pitchFamily="34" charset="0"/>
-              <a:buChar char="•"/>
-            </a:pPr>
-            <a:endParaRPr lang="it-IT" sz="1600" dirty="0"/>
-          </a:p>
-        </p:txBody>
-      </p:sp>
+      </p:pic>
     </p:spTree>
     <p:extLst>
       <p:ext uri="{BB962C8B-B14F-4D97-AF65-F5344CB8AC3E}">
-        <p14:creationId xmlns:p14="http://schemas.microsoft.com/office/powerpoint/2010/main" val="224267992"/>
+        <p14:creationId xmlns:p14="http://schemas.microsoft.com/office/powerpoint/2010/main" val="2030634939"/>
       </p:ext>
     </p:extLst>
   </p:cSld>
@@ -10430,8 +10440,8 @@
         </p:nvSpPr>
         <p:spPr>
           <a:xfrm>
-            <a:off x="775868" y="1536742"/>
-            <a:ext cx="10981895" cy="4470050"/>
+            <a:off x="775868" y="2335639"/>
+            <a:ext cx="10981895" cy="2727250"/>
           </a:xfrm>
         </p:spPr>
         <p:txBody>
@@ -10464,7 +10474,7 @@
             </a:pPr>
             <a:r>
               <a:rPr lang="it-IT" dirty="0"/>
-              <a:t>Utilizzo dell'app del produttore del NAS che consente l'accesso ai file e la gestione dei permessi. Scartata per la necessità di condividere l'intera libreria del NAS sulla rete pubblica.</a:t>
+              <a:t>Utilizzo dell'app del produttore del NAS che consente l'accesso ai file e la gestione dei permessi. Scartata per la necessità di condividere la libreria del NAS tramite app e la difficoltà di uso da parte dei clienti</a:t>
             </a:r>
           </a:p>
           <a:p>
@@ -10483,36 +10493,6 @@
             <a:r>
               <a:rPr lang="it-IT" dirty="0"/>
               <a:t>, soluzione scomoda e temporanea per la condivisione dei file.</a:t>
-            </a:r>
-          </a:p>
-          <a:p>
-            <a:pPr marL="293688" indent="-285750">
-              <a:buFont typeface="Arial" panose="020B0604020202020204" pitchFamily="34" charset="0"/>
-              <a:buChar char="•"/>
-            </a:pPr>
-            <a:r>
-              <a:rPr lang="it-IT" dirty="0"/>
-              <a:t>Esigenze principali:</a:t>
-            </a:r>
-          </a:p>
-          <a:p>
-            <a:pPr marL="971516" lvl="1" indent="-285750">
-              <a:buFont typeface="Arial" panose="020B0604020202020204" pitchFamily="34" charset="0"/>
-              <a:buChar char="•"/>
-            </a:pPr>
-            <a:r>
-              <a:rPr lang="it-IT" dirty="0"/>
-              <a:t>Visualizzazione di immagini con watermark per utenti registrati con permessi specifici.</a:t>
-            </a:r>
-          </a:p>
-          <a:p>
-            <a:pPr marL="971516" lvl="1" indent="-285750">
-              <a:buFont typeface="Arial" panose="020B0604020202020204" pitchFamily="34" charset="0"/>
-              <a:buChar char="•"/>
-            </a:pPr>
-            <a:r>
-              <a:rPr lang="it-IT" dirty="0"/>
-              <a:t>Gestione delle foto tramite raccolte (Work) che rappresentano progetti fotografici o temi comuni, per una gestione accurata degli accessi.</a:t>
             </a:r>
           </a:p>
         </p:txBody>
@@ -10564,6 +10544,261 @@
 </file>
 
 <file path=ppt/slides/slide30.xml><?xml version="1.0" encoding="utf-8"?>
+<p:sld xmlns:a="http://schemas.openxmlformats.org/drawingml/2006/main" xmlns:r="http://schemas.openxmlformats.org/officeDocument/2006/relationships" xmlns:p="http://schemas.openxmlformats.org/presentationml/2006/main">
+  <p:cSld>
+    <p:spTree>
+      <p:nvGrpSpPr>
+        <p:cNvPr id="1" name="">
+          <a:extLst>
+            <a:ext uri="{FF2B5EF4-FFF2-40B4-BE49-F238E27FC236}">
+              <a16:creationId xmlns:a16="http://schemas.microsoft.com/office/drawing/2014/main" id="{1F9F0D46-ED19-A22A-D997-8726444D1D92}"/>
+            </a:ext>
+          </a:extLst>
+        </p:cNvPr>
+        <p:cNvGrpSpPr/>
+        <p:nvPr/>
+      </p:nvGrpSpPr>
+      <p:grpSpPr>
+        <a:xfrm>
+          <a:off x="0" y="0"/>
+          <a:ext cx="0" cy="0"/>
+          <a:chOff x="0" y="0"/>
+          <a:chExt cx="0" cy="0"/>
+        </a:xfrm>
+      </p:grpSpPr>
+      <p:sp>
+        <p:nvSpPr>
+          <p:cNvPr id="2" name="Segnaposto testo 1">
+            <a:extLst>
+              <a:ext uri="{FF2B5EF4-FFF2-40B4-BE49-F238E27FC236}">
+                <a16:creationId xmlns:a16="http://schemas.microsoft.com/office/drawing/2014/main" id="{6CFEA7AB-2E75-D1DF-83A8-8716B02D42C9}"/>
+              </a:ext>
+            </a:extLst>
+          </p:cNvPr>
+          <p:cNvSpPr>
+            <a:spLocks noGrp="1"/>
+          </p:cNvSpPr>
+          <p:nvPr>
+            <p:ph type="body" sz="quarter" idx="14"/>
+          </p:nvPr>
+        </p:nvSpPr>
+        <p:spPr/>
+        <p:txBody>
+          <a:bodyPr/>
+          <a:lstStyle/>
+          <a:p>
+            <a:r>
+              <a:rPr lang="it-IT" b="1" dirty="0"/>
+              <a:t>MyPortfolio - </a:t>
+            </a:r>
+            <a:r>
+              <a:rPr lang="it-IT" dirty="0">
+                <a:latin typeface="Verdana" panose="020B0604030504040204" pitchFamily="34" charset="0"/>
+                <a:ea typeface="Verdana" panose="020B0604030504040204" pitchFamily="34" charset="0"/>
+                <a:cs typeface="Verdana" panose="020B0604030504040204" pitchFamily="34" charset="0"/>
+              </a:rPr>
+              <a:t>Implementazione di una piattaforma Backend + Frontend con architettura API RESTful – Andrea Neri</a:t>
+            </a:r>
+          </a:p>
+          <a:p>
+            <a:endParaRPr lang="it-IT" dirty="0"/>
+          </a:p>
+          <a:p>
+            <a:endParaRPr lang="it-IT" dirty="0"/>
+          </a:p>
+        </p:txBody>
+      </p:sp>
+      <p:sp>
+        <p:nvSpPr>
+          <p:cNvPr id="4" name="Titolo 3">
+            <a:extLst>
+              <a:ext uri="{FF2B5EF4-FFF2-40B4-BE49-F238E27FC236}">
+                <a16:creationId xmlns:a16="http://schemas.microsoft.com/office/drawing/2014/main" id="{FD545E07-BCFD-7FCA-3E4B-8EFDE20D8F1F}"/>
+              </a:ext>
+            </a:extLst>
+          </p:cNvPr>
+          <p:cNvSpPr>
+            <a:spLocks noGrp="1"/>
+          </p:cNvSpPr>
+          <p:nvPr>
+            <p:ph type="title"/>
+          </p:nvPr>
+        </p:nvSpPr>
+        <p:spPr>
+          <a:xfrm>
+            <a:off x="775867" y="958052"/>
+            <a:ext cx="9994801" cy="578690"/>
+          </a:xfrm>
+        </p:spPr>
+        <p:txBody>
+          <a:bodyPr/>
+          <a:lstStyle/>
+          <a:p>
+            <a:r>
+              <a:rPr lang="it-IT" dirty="0"/>
+              <a:t>Implementazione back-end (Gestione copyright immagini - 1)</a:t>
+            </a:r>
+          </a:p>
+        </p:txBody>
+      </p:sp>
+      <p:sp>
+        <p:nvSpPr>
+          <p:cNvPr id="5" name="Segnaposto testo 2">
+            <a:extLst>
+              <a:ext uri="{FF2B5EF4-FFF2-40B4-BE49-F238E27FC236}">
+                <a16:creationId xmlns:a16="http://schemas.microsoft.com/office/drawing/2014/main" id="{0DA8E940-2F55-AD09-0745-D3A8F1753E80}"/>
+              </a:ext>
+            </a:extLst>
+          </p:cNvPr>
+          <p:cNvSpPr>
+            <a:spLocks noGrp="1"/>
+          </p:cNvSpPr>
+          <p:nvPr>
+            <p:ph type="body" sz="quarter" idx="13"/>
+          </p:nvPr>
+        </p:nvSpPr>
+        <p:spPr>
+          <a:xfrm>
+            <a:off x="775868" y="1808400"/>
+            <a:ext cx="10981895" cy="4091548"/>
+          </a:xfrm>
+        </p:spPr>
+        <p:txBody>
+          <a:bodyPr/>
+          <a:lstStyle/>
+          <a:p>
+            <a:pPr marL="293688" indent="-285750">
+              <a:buFont typeface="Arial" panose="020B0604020202020204" pitchFamily="34" charset="0"/>
+              <a:buChar char="•"/>
+            </a:pPr>
+            <a:r>
+              <a:rPr lang="it-IT" sz="1600" dirty="0"/>
+              <a:t>Requisiti fondamentali:</a:t>
+            </a:r>
+          </a:p>
+          <a:p>
+            <a:pPr marL="971516" lvl="1" indent="-285750">
+              <a:buFont typeface="Arial" panose="020B0604020202020204" pitchFamily="34" charset="0"/>
+              <a:buChar char="•"/>
+            </a:pPr>
+            <a:r>
+              <a:rPr lang="it-IT" sz="1600" dirty="0"/>
+              <a:t>Visualizzazione di immagini protette per utenti autorizzati</a:t>
+            </a:r>
+          </a:p>
+          <a:p>
+            <a:pPr marL="971516" lvl="1" indent="-285750">
+              <a:buFont typeface="Arial" panose="020B0604020202020204" pitchFamily="34" charset="0"/>
+              <a:buChar char="•"/>
+            </a:pPr>
+            <a:r>
+              <a:rPr lang="it-IT" sz="1600" dirty="0"/>
+              <a:t>Prevenzione dell'uso non autorizzato attraverso watermark</a:t>
+            </a:r>
+          </a:p>
+          <a:p>
+            <a:pPr marL="971516" lvl="1" indent="-285750">
+              <a:buFont typeface="Arial" panose="020B0604020202020204" pitchFamily="34" charset="0"/>
+              <a:buChar char="•"/>
+            </a:pPr>
+            <a:r>
+              <a:rPr lang="it-IT" sz="1600" dirty="0"/>
+              <a:t>Creazione di Thumbnail: versioni ridotte (30%) delle immagini, generate per ridurre consumo di banda e spazio, con l’applicazione di watermark visibile per disincentivare usi illeciti.</a:t>
+            </a:r>
+          </a:p>
+          <a:p>
+            <a:pPr marL="971516" lvl="1" indent="-285750">
+              <a:buFont typeface="Arial" panose="020B0604020202020204" pitchFamily="34" charset="0"/>
+              <a:buChar char="•"/>
+            </a:pPr>
+            <a:r>
+              <a:rPr lang="it-IT" sz="1600" dirty="0"/>
+              <a:t>Applicazione del watermark lato back-end per immagini a risoluzione standard applicato </a:t>
+            </a:r>
+            <a:r>
+              <a:rPr lang="it-IT" sz="1600" b="1" dirty="0"/>
+              <a:t>dinamicamente a Runtime</a:t>
+            </a:r>
+            <a:r>
+              <a:rPr lang="it-IT" sz="1600" dirty="0"/>
+              <a:t> senza modificare l’originale, mantenendo la qualità e l’integrità.</a:t>
+            </a:r>
+          </a:p>
+          <a:p>
+            <a:pPr marL="971516" lvl="1" indent="-285750">
+              <a:buFont typeface="Arial" panose="020B0604020202020204" pitchFamily="34" charset="0"/>
+              <a:buChar char="•"/>
+            </a:pPr>
+            <a:endParaRPr lang="it-IT" sz="1600" dirty="0"/>
+          </a:p>
+          <a:p>
+            <a:pPr>
+              <a:buFont typeface="Arial" panose="020B0604020202020204" pitchFamily="34" charset="0"/>
+              <a:buChar char="•"/>
+            </a:pPr>
+            <a:r>
+              <a:rPr lang="it-IT" sz="1600" dirty="0"/>
+              <a:t>Vantaggi del sistema:</a:t>
+            </a:r>
+          </a:p>
+          <a:p>
+            <a:pPr lvl="1">
+              <a:buFont typeface="Arial" panose="020B0604020202020204" pitchFamily="34" charset="0"/>
+              <a:buChar char="•"/>
+            </a:pPr>
+            <a:r>
+              <a:rPr lang="it-IT" sz="1600" b="1" dirty="0"/>
+              <a:t>Protezione del copyright:</a:t>
+            </a:r>
+            <a:r>
+              <a:rPr lang="it-IT" sz="1600" dirty="0"/>
+              <a:t> Watermark applicato su tutte le immagini visualizzate.</a:t>
+            </a:r>
+          </a:p>
+          <a:p>
+            <a:pPr lvl="1">
+              <a:buFont typeface="Arial" panose="020B0604020202020204" pitchFamily="34" charset="0"/>
+              <a:buChar char="•"/>
+            </a:pPr>
+            <a:r>
+              <a:rPr lang="it-IT" sz="1600" b="1" dirty="0"/>
+              <a:t>Conservazione dell'originale:</a:t>
+            </a:r>
+            <a:r>
+              <a:rPr lang="it-IT" sz="1600" dirty="0"/>
+              <a:t> L'immagine senza watermark rimane disponibile per usi legittimi.</a:t>
+            </a:r>
+          </a:p>
+          <a:p>
+            <a:pPr marL="1428692" lvl="2" indent="-285750">
+              <a:buFont typeface="Arial" panose="020B0604020202020204" pitchFamily="34" charset="0"/>
+              <a:buChar char="•"/>
+            </a:pPr>
+            <a:endParaRPr lang="it-IT" sz="1600" dirty="0"/>
+          </a:p>
+          <a:p>
+            <a:pPr marL="1428692" lvl="2" indent="-285750">
+              <a:buFont typeface="Arial" panose="020B0604020202020204" pitchFamily="34" charset="0"/>
+              <a:buChar char="•"/>
+            </a:pPr>
+            <a:endParaRPr lang="it-IT" sz="1600" dirty="0"/>
+          </a:p>
+        </p:txBody>
+      </p:sp>
+    </p:spTree>
+    <p:extLst>
+      <p:ext uri="{BB962C8B-B14F-4D97-AF65-F5344CB8AC3E}">
+        <p14:creationId xmlns:p14="http://schemas.microsoft.com/office/powerpoint/2010/main" val="224267992"/>
+      </p:ext>
+    </p:extLst>
+  </p:cSld>
+  <p:clrMapOvr>
+    <a:masterClrMapping/>
+  </p:clrMapOvr>
+</p:sld>
+</file>
+
+<file path=ppt/slides/slide31.xml><?xml version="1.0" encoding="utf-8"?>
 <p:sld xmlns:a="http://schemas.openxmlformats.org/drawingml/2006/main" xmlns:r="http://schemas.openxmlformats.org/officeDocument/2006/relationships" xmlns:p="http://schemas.openxmlformats.org/presentationml/2006/main">
   <p:cSld>
     <p:spTree>
@@ -10704,7 +10939,7 @@
 </p:sld>
 </file>
 
-<file path=ppt/slides/slide31.xml><?xml version="1.0" encoding="utf-8"?>
+<file path=ppt/slides/slide32.xml><?xml version="1.0" encoding="utf-8"?>
 <p:sld xmlns:a="http://schemas.openxmlformats.org/drawingml/2006/main" xmlns:r="http://schemas.openxmlformats.org/officeDocument/2006/relationships" xmlns:p="http://schemas.openxmlformats.org/presentationml/2006/main">
   <p:cSld>
     <p:spTree>
@@ -10845,7 +11080,7 @@
 </p:sld>
 </file>
 
-<file path=ppt/slides/slide32.xml><?xml version="1.0" encoding="utf-8"?>
+<file path=ppt/slides/slide33.xml><?xml version="1.0" encoding="utf-8"?>
 <p:sld xmlns:a="http://schemas.openxmlformats.org/drawingml/2006/main" xmlns:r="http://schemas.openxmlformats.org/officeDocument/2006/relationships" xmlns:p="http://schemas.openxmlformats.org/presentationml/2006/main">
   <p:cSld>
     <p:spTree>
@@ -11098,7 +11333,7 @@
 </p:sld>
 </file>
 
-<file path=ppt/slides/slide33.xml><?xml version="1.0" encoding="utf-8"?>
+<file path=ppt/slides/slide34.xml><?xml version="1.0" encoding="utf-8"?>
 <p:sld xmlns:a="http://schemas.openxmlformats.org/drawingml/2006/main" xmlns:r="http://schemas.openxmlformats.org/officeDocument/2006/relationships" xmlns:p="http://schemas.openxmlformats.org/presentationml/2006/main">
   <p:cSld>
     <p:spTree>
@@ -11263,7 +11498,7 @@
 </p:sld>
 </file>
 
-<file path=ppt/slides/slide34.xml><?xml version="1.0" encoding="utf-8"?>
+<file path=ppt/slides/slide35.xml><?xml version="1.0" encoding="utf-8"?>
 <p:sld xmlns:a="http://schemas.openxmlformats.org/drawingml/2006/main" xmlns:r="http://schemas.openxmlformats.org/officeDocument/2006/relationships" xmlns:p="http://schemas.openxmlformats.org/presentationml/2006/main">
   <p:cSld>
     <p:spTree>
@@ -11404,7 +11639,7 @@
 </p:sld>
 </file>
 
-<file path=ppt/slides/slide35.xml><?xml version="1.0" encoding="utf-8"?>
+<file path=ppt/slides/slide36.xml><?xml version="1.0" encoding="utf-8"?>
 <p:sld xmlns:a="http://schemas.openxmlformats.org/drawingml/2006/main" xmlns:r="http://schemas.openxmlformats.org/officeDocument/2006/relationships" xmlns:p="http://schemas.openxmlformats.org/presentationml/2006/main">
   <p:cSld>
     <p:spTree>
@@ -11598,7 +11833,7 @@
 </p:sld>
 </file>
 
-<file path=ppt/slides/slide36.xml><?xml version="1.0" encoding="utf-8"?>
+<file path=ppt/slides/slide37.xml><?xml version="1.0" encoding="utf-8"?>
 <p:sld xmlns:a="http://schemas.openxmlformats.org/drawingml/2006/main" xmlns:r="http://schemas.openxmlformats.org/officeDocument/2006/relationships" xmlns:p="http://schemas.openxmlformats.org/presentationml/2006/main">
   <p:cSld>
     <p:spTree>
@@ -11881,7 +12116,7 @@
 </p:sld>
 </file>
 
-<file path=ppt/slides/slide37.xml><?xml version="1.0" encoding="utf-8"?>
+<file path=ppt/slides/slide38.xml><?xml version="1.0" encoding="utf-8"?>
 <p:sld xmlns:a="http://schemas.openxmlformats.org/drawingml/2006/main" xmlns:r="http://schemas.openxmlformats.org/officeDocument/2006/relationships" xmlns:p="http://schemas.openxmlformats.org/presentationml/2006/main">
   <p:cSld>
     <p:spTree>
@@ -12503,7 +12738,7 @@
 </p:sld>
 </file>
 
-<file path=ppt/slides/slide38.xml><?xml version="1.0" encoding="utf-8"?>
+<file path=ppt/slides/slide39.xml><?xml version="1.0" encoding="utf-8"?>
 <p:sld xmlns:a="http://schemas.openxmlformats.org/drawingml/2006/main" xmlns:r="http://schemas.openxmlformats.org/officeDocument/2006/relationships" xmlns:p="http://schemas.openxmlformats.org/presentationml/2006/main">
   <p:cSld>
     <p:spTree>
@@ -12603,10 +12838,10 @@
       </p:sp>
       <p:pic>
         <p:nvPicPr>
-          <p:cNvPr id="6" name="Immagine 5">
-            <a:extLst>
-              <a:ext uri="{FF2B5EF4-FFF2-40B4-BE49-F238E27FC236}">
-                <a16:creationId xmlns:a16="http://schemas.microsoft.com/office/drawing/2014/main" id="{FC77083B-554F-FE94-1E06-A28DBB30717B}"/>
+          <p:cNvPr id="8" name="Immagine 7">
+            <a:extLst>
+              <a:ext uri="{FF2B5EF4-FFF2-40B4-BE49-F238E27FC236}">
+                <a16:creationId xmlns:a16="http://schemas.microsoft.com/office/drawing/2014/main" id="{970F416F-C5DE-D309-363A-3C94FD0CCACE}"/>
               </a:ext>
             </a:extLst>
           </p:cNvPr>
@@ -12623,8 +12858,8 @@
         </p:blipFill>
         <p:spPr>
           <a:xfrm>
-            <a:off x="539015" y="1419057"/>
-            <a:ext cx="5385936" cy="5051175"/>
+            <a:off x="6096000" y="3460339"/>
+            <a:ext cx="5859693" cy="968610"/>
           </a:xfrm>
           <a:prstGeom prst="rect">
             <a:avLst/>
@@ -12633,10 +12868,10 @@
       </p:pic>
       <p:pic>
         <p:nvPicPr>
-          <p:cNvPr id="8" name="Immagine 7">
-            <a:extLst>
-              <a:ext uri="{FF2B5EF4-FFF2-40B4-BE49-F238E27FC236}">
-                <a16:creationId xmlns:a16="http://schemas.microsoft.com/office/drawing/2014/main" id="{970F416F-C5DE-D309-363A-3C94FD0CCACE}"/>
+          <p:cNvPr id="9" name="Immagine 8">
+            <a:extLst>
+              <a:ext uri="{FF2B5EF4-FFF2-40B4-BE49-F238E27FC236}">
+                <a16:creationId xmlns:a16="http://schemas.microsoft.com/office/drawing/2014/main" id="{23AD92BD-665C-7F8C-9940-4B3D6FDF820C}"/>
               </a:ext>
             </a:extLst>
           </p:cNvPr>
@@ -12653,8 +12888,8 @@
         </p:blipFill>
         <p:spPr>
           <a:xfrm>
-            <a:off x="6096000" y="3460339"/>
-            <a:ext cx="5859693" cy="968610"/>
+            <a:off x="529043" y="1321549"/>
+            <a:ext cx="4716725" cy="5203463"/>
           </a:xfrm>
           <a:prstGeom prst="rect">
             <a:avLst/>
@@ -12674,7 +12909,209 @@
 </p:sld>
 </file>
 
-<file path=ppt/slides/slide39.xml><?xml version="1.0" encoding="utf-8"?>
+<file path=ppt/slides/slide4.xml><?xml version="1.0" encoding="utf-8"?>
+<p:sld xmlns:a="http://schemas.openxmlformats.org/drawingml/2006/main" xmlns:r="http://schemas.openxmlformats.org/officeDocument/2006/relationships" xmlns:p="http://schemas.openxmlformats.org/presentationml/2006/main">
+  <p:cSld>
+    <p:spTree>
+      <p:nvGrpSpPr>
+        <p:cNvPr id="1" name="">
+          <a:extLst>
+            <a:ext uri="{FF2B5EF4-FFF2-40B4-BE49-F238E27FC236}">
+              <a16:creationId xmlns:a16="http://schemas.microsoft.com/office/drawing/2014/main" id="{BB4E53BE-5EA5-0F11-569B-009C7E39DC04}"/>
+            </a:ext>
+          </a:extLst>
+        </p:cNvPr>
+        <p:cNvGrpSpPr/>
+        <p:nvPr/>
+      </p:nvGrpSpPr>
+      <p:grpSpPr>
+        <a:xfrm>
+          <a:off x="0" y="0"/>
+          <a:ext cx="0" cy="0"/>
+          <a:chOff x="0" y="0"/>
+          <a:chExt cx="0" cy="0"/>
+        </a:xfrm>
+      </p:grpSpPr>
+      <p:sp>
+        <p:nvSpPr>
+          <p:cNvPr id="2" name="Segnaposto testo 1">
+            <a:extLst>
+              <a:ext uri="{FF2B5EF4-FFF2-40B4-BE49-F238E27FC236}">
+                <a16:creationId xmlns:a16="http://schemas.microsoft.com/office/drawing/2014/main" id="{C53AF950-F4D5-61B5-434D-7C64D91B1CEB}"/>
+              </a:ext>
+            </a:extLst>
+          </p:cNvPr>
+          <p:cNvSpPr>
+            <a:spLocks noGrp="1"/>
+          </p:cNvSpPr>
+          <p:nvPr>
+            <p:ph type="body" sz="quarter" idx="14"/>
+          </p:nvPr>
+        </p:nvSpPr>
+        <p:spPr/>
+        <p:txBody>
+          <a:bodyPr/>
+          <a:lstStyle/>
+          <a:p>
+            <a:r>
+              <a:rPr lang="it-IT" b="1" dirty="0"/>
+              <a:t>MyPortfolio - </a:t>
+            </a:r>
+            <a:r>
+              <a:rPr lang="it-IT" dirty="0">
+                <a:latin typeface="Verdana" panose="020B0604030504040204" pitchFamily="34" charset="0"/>
+                <a:ea typeface="Verdana" panose="020B0604030504040204" pitchFamily="34" charset="0"/>
+                <a:cs typeface="Verdana" panose="020B0604030504040204" pitchFamily="34" charset="0"/>
+              </a:rPr>
+              <a:t>Implementazione di una piattaforma Backend + Frontend con architettura API RESTful – Andrea Neri</a:t>
+            </a:r>
+          </a:p>
+          <a:p>
+            <a:endParaRPr lang="it-IT" dirty="0"/>
+          </a:p>
+          <a:p>
+            <a:endParaRPr lang="it-IT" dirty="0"/>
+          </a:p>
+        </p:txBody>
+      </p:sp>
+      <p:sp>
+        <p:nvSpPr>
+          <p:cNvPr id="3" name="Segnaposto testo 2">
+            <a:extLst>
+              <a:ext uri="{FF2B5EF4-FFF2-40B4-BE49-F238E27FC236}">
+                <a16:creationId xmlns:a16="http://schemas.microsoft.com/office/drawing/2014/main" id="{5E4A0E69-9554-3D74-FF04-4B7D0D71BD72}"/>
+              </a:ext>
+            </a:extLst>
+          </p:cNvPr>
+          <p:cNvSpPr>
+            <a:spLocks noGrp="1"/>
+          </p:cNvSpPr>
+          <p:nvPr>
+            <p:ph type="body" sz="quarter" idx="13"/>
+          </p:nvPr>
+        </p:nvSpPr>
+        <p:spPr>
+          <a:xfrm>
+            <a:off x="775868" y="1426056"/>
+            <a:ext cx="10981895" cy="5431949"/>
+          </a:xfrm>
+        </p:spPr>
+        <p:txBody>
+          <a:bodyPr/>
+          <a:lstStyle/>
+          <a:p>
+            <a:pPr marL="293688" indent="-285750">
+              <a:buFont typeface="Arial" panose="020B0604020202020204" pitchFamily="34" charset="0"/>
+              <a:buChar char="•"/>
+            </a:pPr>
+            <a:r>
+              <a:rPr lang="it-IT" dirty="0"/>
+              <a:t>Fornire un sito web fruibile sia da PC che smartphone, che oltre ad avere una homepage, una sezione di presentazione e una di contatto, avesse un’area dedicata a cui accedere solo tramite login (username e password)</a:t>
+            </a:r>
+          </a:p>
+          <a:p>
+            <a:pPr marL="293688" indent="-285750">
+              <a:buFont typeface="Arial" panose="020B0604020202020204" pitchFamily="34" charset="0"/>
+              <a:buChar char="•"/>
+            </a:pPr>
+            <a:r>
+              <a:rPr lang="it-IT" dirty="0"/>
+              <a:t>Piattaforma per la condivisione selettiva e autenticata di shooting fotografici raggruppati in Work. </a:t>
+            </a:r>
+          </a:p>
+          <a:p>
+            <a:pPr marL="293688" indent="-285750">
+              <a:buFont typeface="Arial" panose="020B0604020202020204" pitchFamily="34" charset="0"/>
+              <a:buChar char="•"/>
+            </a:pPr>
+            <a:r>
+              <a:rPr lang="it-IT" dirty="0"/>
+              <a:t>L’utenza standard, una volta registrata e loggata, possa accedere in visualizzazione alla/e cartella/e in base alle autorizzazioni fornite dall’amministratore.</a:t>
+            </a:r>
+          </a:p>
+          <a:p>
+            <a:pPr marL="293688" indent="-285750">
+              <a:buFont typeface="Arial" panose="020B0604020202020204" pitchFamily="34" charset="0"/>
+              <a:buChar char="•"/>
+            </a:pPr>
+            <a:r>
+              <a:rPr lang="it-IT" dirty="0"/>
+              <a:t>La visualizzazione della foto avviene tramite una galleria fotografica (una per Work alla quale l’utente ha accesso) sfruttando le thumbnail in modo da rendere più veloce il caricamento della pagina, che al click verranno mostrate a tutto schermo.</a:t>
+            </a:r>
+          </a:p>
+          <a:p>
+            <a:pPr marL="293688" indent="-285750">
+              <a:buFont typeface="Arial" panose="020B0604020202020204" pitchFamily="34" charset="0"/>
+              <a:buChar char="•"/>
+            </a:pPr>
+            <a:r>
+              <a:rPr lang="it-IT" dirty="0"/>
+              <a:t>Visualizzazione di immagini con watermark per utenti registrati</a:t>
+            </a:r>
+          </a:p>
+          <a:p>
+            <a:pPr marL="293688" indent="-285750">
+              <a:buFont typeface="Arial" panose="020B0604020202020204" pitchFamily="34" charset="0"/>
+              <a:buChar char="•"/>
+            </a:pPr>
+            <a:endParaRPr lang="it-IT" dirty="0"/>
+          </a:p>
+          <a:p>
+            <a:pPr marL="293688" indent="-285750">
+              <a:buFont typeface="Arial" panose="020B0604020202020204" pitchFamily="34" charset="0"/>
+              <a:buChar char="•"/>
+            </a:pPr>
+            <a:endParaRPr lang="it-IT" dirty="0"/>
+          </a:p>
+        </p:txBody>
+      </p:sp>
+      <p:sp>
+        <p:nvSpPr>
+          <p:cNvPr id="4" name="Titolo 3">
+            <a:extLst>
+              <a:ext uri="{FF2B5EF4-FFF2-40B4-BE49-F238E27FC236}">
+                <a16:creationId xmlns:a16="http://schemas.microsoft.com/office/drawing/2014/main" id="{15A44091-3E9D-EA6E-E55A-41A8315DB23A}"/>
+              </a:ext>
+            </a:extLst>
+          </p:cNvPr>
+          <p:cNvSpPr>
+            <a:spLocks noGrp="1"/>
+          </p:cNvSpPr>
+          <p:nvPr>
+            <p:ph type="title"/>
+          </p:nvPr>
+        </p:nvSpPr>
+        <p:spPr>
+          <a:xfrm>
+            <a:off x="775869" y="958052"/>
+            <a:ext cx="2550655" cy="578690"/>
+          </a:xfrm>
+        </p:spPr>
+        <p:txBody>
+          <a:bodyPr/>
+          <a:lstStyle/>
+          <a:p>
+            <a:r>
+              <a:rPr lang="it-IT" dirty="0"/>
+              <a:t>Obiettivi</a:t>
+            </a:r>
+          </a:p>
+        </p:txBody>
+      </p:sp>
+    </p:spTree>
+    <p:extLst>
+      <p:ext uri="{BB962C8B-B14F-4D97-AF65-F5344CB8AC3E}">
+        <p14:creationId xmlns:p14="http://schemas.microsoft.com/office/powerpoint/2010/main" val="1590286674"/>
+      </p:ext>
+    </p:extLst>
+  </p:cSld>
+  <p:clrMapOvr>
+    <a:masterClrMapping/>
+  </p:clrMapOvr>
+</p:sld>
+</file>
+
+<file path=ppt/slides/slide40.xml><?xml version="1.0" encoding="utf-8"?>
 <p:sld xmlns:a="http://schemas.openxmlformats.org/drawingml/2006/main" xmlns:r="http://schemas.openxmlformats.org/officeDocument/2006/relationships" xmlns:p="http://schemas.openxmlformats.org/presentationml/2006/main">
   <p:cSld>
     <p:spTree>
@@ -12815,176 +13252,7 @@
 </p:sld>
 </file>
 
-<file path=ppt/slides/slide4.xml><?xml version="1.0" encoding="utf-8"?>
-<p:sld xmlns:a="http://schemas.openxmlformats.org/drawingml/2006/main" xmlns:r="http://schemas.openxmlformats.org/officeDocument/2006/relationships" xmlns:p="http://schemas.openxmlformats.org/presentationml/2006/main">
-  <p:cSld>
-    <p:spTree>
-      <p:nvGrpSpPr>
-        <p:cNvPr id="1" name="">
-          <a:extLst>
-            <a:ext uri="{FF2B5EF4-FFF2-40B4-BE49-F238E27FC236}">
-              <a16:creationId xmlns:a16="http://schemas.microsoft.com/office/drawing/2014/main" id="{BB4E53BE-5EA5-0F11-569B-009C7E39DC04}"/>
-            </a:ext>
-          </a:extLst>
-        </p:cNvPr>
-        <p:cNvGrpSpPr/>
-        <p:nvPr/>
-      </p:nvGrpSpPr>
-      <p:grpSpPr>
-        <a:xfrm>
-          <a:off x="0" y="0"/>
-          <a:ext cx="0" cy="0"/>
-          <a:chOff x="0" y="0"/>
-          <a:chExt cx="0" cy="0"/>
-        </a:xfrm>
-      </p:grpSpPr>
-      <p:sp>
-        <p:nvSpPr>
-          <p:cNvPr id="2" name="Segnaposto testo 1">
-            <a:extLst>
-              <a:ext uri="{FF2B5EF4-FFF2-40B4-BE49-F238E27FC236}">
-                <a16:creationId xmlns:a16="http://schemas.microsoft.com/office/drawing/2014/main" id="{C53AF950-F4D5-61B5-434D-7C64D91B1CEB}"/>
-              </a:ext>
-            </a:extLst>
-          </p:cNvPr>
-          <p:cNvSpPr>
-            <a:spLocks noGrp="1"/>
-          </p:cNvSpPr>
-          <p:nvPr>
-            <p:ph type="body" sz="quarter" idx="14"/>
-          </p:nvPr>
-        </p:nvSpPr>
-        <p:spPr/>
-        <p:txBody>
-          <a:bodyPr/>
-          <a:lstStyle/>
-          <a:p>
-            <a:r>
-              <a:rPr lang="it-IT" b="1" dirty="0"/>
-              <a:t>MyPortfolio - </a:t>
-            </a:r>
-            <a:r>
-              <a:rPr lang="it-IT" dirty="0">
-                <a:latin typeface="Verdana" panose="020B0604030504040204" pitchFamily="34" charset="0"/>
-                <a:ea typeface="Verdana" panose="020B0604030504040204" pitchFamily="34" charset="0"/>
-                <a:cs typeface="Verdana" panose="020B0604030504040204" pitchFamily="34" charset="0"/>
-              </a:rPr>
-              <a:t>Implementazione di una piattaforma Backend + Frontend con architettura API RESTful – Andrea Neri</a:t>
-            </a:r>
-          </a:p>
-          <a:p>
-            <a:endParaRPr lang="it-IT" dirty="0"/>
-          </a:p>
-          <a:p>
-            <a:endParaRPr lang="it-IT" dirty="0"/>
-          </a:p>
-        </p:txBody>
-      </p:sp>
-      <p:sp>
-        <p:nvSpPr>
-          <p:cNvPr id="3" name="Segnaposto testo 2">
-            <a:extLst>
-              <a:ext uri="{FF2B5EF4-FFF2-40B4-BE49-F238E27FC236}">
-                <a16:creationId xmlns:a16="http://schemas.microsoft.com/office/drawing/2014/main" id="{5E4A0E69-9554-3D74-FF04-4B7D0D71BD72}"/>
-              </a:ext>
-            </a:extLst>
-          </p:cNvPr>
-          <p:cNvSpPr>
-            <a:spLocks noGrp="1"/>
-          </p:cNvSpPr>
-          <p:nvPr>
-            <p:ph type="body" sz="quarter" idx="13"/>
-          </p:nvPr>
-        </p:nvSpPr>
-        <p:spPr>
-          <a:xfrm>
-            <a:off x="775868" y="1536742"/>
-            <a:ext cx="10981895" cy="4627575"/>
-          </a:xfrm>
-        </p:spPr>
-        <p:txBody>
-          <a:bodyPr/>
-          <a:lstStyle/>
-          <a:p>
-            <a:r>
-              <a:rPr lang="it-IT" dirty="0"/>
-              <a:t>● Fornire un sito web fruibile sia da PC che smartphone, che oltre ad avere una homepage, una sezione di presentazione e una di contatto, avesse un’area dedicata a cui accedere solo tramite login (username e password)</a:t>
-            </a:r>
-          </a:p>
-          <a:p>
-            <a:r>
-              <a:rPr lang="it-IT" dirty="0"/>
-              <a:t>● Fornire una piattaforma per la condivisione selettiva e autenticata di shooting fotografici raggruppati in Work (questo concetto verrà esposto nelle prossime sezioni). </a:t>
-            </a:r>
-          </a:p>
-          <a:p>
-            <a:r>
-              <a:rPr lang="it-IT" dirty="0"/>
-              <a:t>● L’utenza standard, una volta registrata e loggata, potrà accedere in visualizzazione alla/e cartella/e in base alle autorizzazioni fornite dall’amministratore.</a:t>
-            </a:r>
-          </a:p>
-          <a:p>
-            <a:r>
-              <a:rPr lang="it-IT" dirty="0"/>
-              <a:t>● La visualizzazione della foto avviene tramite una galleria fotografica (una per ogni cartella o area di lavoro alla quale l’utente ha accesso) sfruttando le thumbnail in modo da rendere più veloce il caricamento della pagina, che al click verranno mostrate a tutto schermo.</a:t>
-            </a:r>
-          </a:p>
-          <a:p>
-            <a:pPr marL="293688" indent="-285750">
-              <a:buFont typeface="Arial" panose="020B0604020202020204" pitchFamily="34" charset="0"/>
-              <a:buChar char="•"/>
-            </a:pPr>
-            <a:endParaRPr lang="it-IT" dirty="0"/>
-          </a:p>
-        </p:txBody>
-      </p:sp>
-      <p:sp>
-        <p:nvSpPr>
-          <p:cNvPr id="4" name="Titolo 3">
-            <a:extLst>
-              <a:ext uri="{FF2B5EF4-FFF2-40B4-BE49-F238E27FC236}">
-                <a16:creationId xmlns:a16="http://schemas.microsoft.com/office/drawing/2014/main" id="{15A44091-3E9D-EA6E-E55A-41A8315DB23A}"/>
-              </a:ext>
-            </a:extLst>
-          </p:cNvPr>
-          <p:cNvSpPr>
-            <a:spLocks noGrp="1"/>
-          </p:cNvSpPr>
-          <p:nvPr>
-            <p:ph type="title"/>
-          </p:nvPr>
-        </p:nvSpPr>
-        <p:spPr>
-          <a:xfrm>
-            <a:off x="775869" y="958052"/>
-            <a:ext cx="2550655" cy="578690"/>
-          </a:xfrm>
-        </p:spPr>
-        <p:txBody>
-          <a:bodyPr/>
-          <a:lstStyle/>
-          <a:p>
-            <a:r>
-              <a:rPr lang="it-IT" dirty="0"/>
-              <a:t>Obiettivi</a:t>
-            </a:r>
-          </a:p>
-        </p:txBody>
-      </p:sp>
-    </p:spTree>
-    <p:extLst>
-      <p:ext uri="{BB962C8B-B14F-4D97-AF65-F5344CB8AC3E}">
-        <p14:creationId xmlns:p14="http://schemas.microsoft.com/office/powerpoint/2010/main" val="1590286674"/>
-      </p:ext>
-    </p:extLst>
-  </p:cSld>
-  <p:clrMapOvr>
-    <a:masterClrMapping/>
-  </p:clrMapOvr>
-</p:sld>
-</file>
-
-<file path=ppt/slides/slide40.xml><?xml version="1.0" encoding="utf-8"?>
+<file path=ppt/slides/slide41.xml><?xml version="1.0" encoding="utf-8"?>
 <p:sld xmlns:a="http://schemas.openxmlformats.org/drawingml/2006/main" xmlns:r="http://schemas.openxmlformats.org/officeDocument/2006/relationships" xmlns:p="http://schemas.openxmlformats.org/presentationml/2006/main">
   <p:cSld>
     <p:spTree>
@@ -13155,7 +13423,7 @@
 </p:sld>
 </file>
 
-<file path=ppt/slides/slide41.xml><?xml version="1.0" encoding="utf-8"?>
+<file path=ppt/slides/slide42.xml><?xml version="1.0" encoding="utf-8"?>
 <p:sld xmlns:a="http://schemas.openxmlformats.org/drawingml/2006/main" xmlns:r="http://schemas.openxmlformats.org/officeDocument/2006/relationships" xmlns:p="http://schemas.openxmlformats.org/presentationml/2006/main">
   <p:cSld>
     <p:spTree>
@@ -13432,7 +13700,7 @@
 </p:sld>
 </file>
 
-<file path=ppt/slides/slide42.xml><?xml version="1.0" encoding="utf-8"?>
+<file path=ppt/slides/slide43.xml><?xml version="1.0" encoding="utf-8"?>
 <p:sld xmlns:a="http://schemas.openxmlformats.org/drawingml/2006/main" xmlns:r="http://schemas.openxmlformats.org/officeDocument/2006/relationships" xmlns:p="http://schemas.openxmlformats.org/presentationml/2006/main">
   <p:cSld>
     <p:spTree>
@@ -13652,7 +13920,7 @@
 </p:sld>
 </file>
 
-<file path=ppt/slides/slide43.xml><?xml version="1.0" encoding="utf-8"?>
+<file path=ppt/slides/slide44.xml><?xml version="1.0" encoding="utf-8"?>
 <p:sld xmlns:a="http://schemas.openxmlformats.org/drawingml/2006/main" xmlns:r="http://schemas.openxmlformats.org/officeDocument/2006/relationships" xmlns:p="http://schemas.openxmlformats.org/presentationml/2006/main">
   <p:cSld>
     <p:spTree>
@@ -14369,7 +14637,7 @@
 </p:sld>
 </file>
 
-<file path=ppt/slides/slide44.xml><?xml version="1.0" encoding="utf-8"?>
+<file path=ppt/slides/slide45.xml><?xml version="1.0" encoding="utf-8"?>
 <p:sld xmlns:a="http://schemas.openxmlformats.org/drawingml/2006/main" xmlns:r="http://schemas.openxmlformats.org/officeDocument/2006/relationships" xmlns:p="http://schemas.openxmlformats.org/presentationml/2006/main">
   <p:cSld>
     <p:spTree>
@@ -14529,36 +14797,6 @@
           <a:xfrm>
             <a:off x="5547075" y="209550"/>
             <a:ext cx="6409368" cy="1502306"/>
-          </a:xfrm>
-          <a:prstGeom prst="rect">
-            <a:avLst/>
-          </a:prstGeom>
-        </p:spPr>
-      </p:pic>
-      <p:pic>
-        <p:nvPicPr>
-          <p:cNvPr id="5" name="Immagine 4">
-            <a:extLst>
-              <a:ext uri="{FF2B5EF4-FFF2-40B4-BE49-F238E27FC236}">
-                <a16:creationId xmlns:a16="http://schemas.microsoft.com/office/drawing/2014/main" id="{62678546-AAD6-8CE5-79FB-12BA260604D3}"/>
-              </a:ext>
-            </a:extLst>
-          </p:cNvPr>
-          <p:cNvPicPr>
-            <a:picLocks noChangeAspect="1"/>
-          </p:cNvPicPr>
-          <p:nvPr/>
-        </p:nvPicPr>
-        <p:blipFill>
-          <a:blip r:embed="rId5"/>
-          <a:stretch>
-            <a:fillRect/>
-          </a:stretch>
-        </p:blipFill>
-        <p:spPr>
-          <a:xfrm>
-            <a:off x="5409069" y="2133135"/>
-            <a:ext cx="6574957" cy="4153898"/>
           </a:xfrm>
           <a:prstGeom prst="rect">
             <a:avLst/>
@@ -14806,6 +15044,36 @@
           </a:p>
         </p:txBody>
       </p:sp>
+      <p:pic>
+        <p:nvPicPr>
+          <p:cNvPr id="3" name="Immagine 2">
+            <a:extLst>
+              <a:ext uri="{FF2B5EF4-FFF2-40B4-BE49-F238E27FC236}">
+                <a16:creationId xmlns:a16="http://schemas.microsoft.com/office/drawing/2014/main" id="{8995C0C6-B448-EA0A-7B4B-E9CF8A0E092E}"/>
+              </a:ext>
+            </a:extLst>
+          </p:cNvPr>
+          <p:cNvPicPr>
+            <a:picLocks noChangeAspect="1"/>
+          </p:cNvPicPr>
+          <p:nvPr/>
+        </p:nvPicPr>
+        <p:blipFill>
+          <a:blip r:embed="rId5"/>
+          <a:stretch>
+            <a:fillRect/>
+          </a:stretch>
+        </p:blipFill>
+        <p:spPr>
+          <a:xfrm>
+            <a:off x="5442899" y="2102802"/>
+            <a:ext cx="6617720" cy="4144493"/>
+          </a:xfrm>
+          <a:prstGeom prst="rect">
+            <a:avLst/>
+          </a:prstGeom>
+        </p:spPr>
+      </p:pic>
     </p:spTree>
     <p:extLst>
       <p:ext uri="{BB962C8B-B14F-4D97-AF65-F5344CB8AC3E}">
@@ -14819,7 +15087,7 @@
 </p:sld>
 </file>
 
-<file path=ppt/slides/slide45.xml><?xml version="1.0" encoding="utf-8"?>
+<file path=ppt/slides/slide46.xml><?xml version="1.0" encoding="utf-8"?>
 <p:sld xmlns:a="http://schemas.openxmlformats.org/drawingml/2006/main" xmlns:r="http://schemas.openxmlformats.org/officeDocument/2006/relationships" xmlns:p="http://schemas.openxmlformats.org/presentationml/2006/main">
   <p:cSld>
     <p:spTree>
@@ -14964,7 +15232,7 @@
 </p:sld>
 </file>
 
-<file path=ppt/slides/slide46.xml><?xml version="1.0" encoding="utf-8"?>
+<file path=ppt/slides/slide47.xml><?xml version="1.0" encoding="utf-8"?>
 <p:sld xmlns:a="http://schemas.openxmlformats.org/drawingml/2006/main" xmlns:r="http://schemas.openxmlformats.org/officeDocument/2006/relationships" xmlns:p="http://schemas.openxmlformats.org/presentationml/2006/main">
   <p:cSld>
     <p:spTree>
@@ -15402,16 +15670,6 @@
             </a:pPr>
             <a:r>
               <a:rPr lang="it-IT" dirty="0"/>
-              <a:t>L'architettura deve garantire la portabilità del sistema.</a:t>
-            </a:r>
-          </a:p>
-          <a:p>
-            <a:pPr marL="293688" indent="-285750">
-              <a:buFont typeface="Arial" panose="020B0604020202020204" pitchFamily="34" charset="0"/>
-              <a:buChar char="•"/>
-            </a:pPr>
-            <a:r>
-              <a:rPr lang="it-IT" dirty="0"/>
               <a:t>Gestione del Copyright: il sistema deve garantire il rispetto del copyright delle immagini</a:t>
             </a:r>
           </a:p>
@@ -15591,17 +15849,17 @@
             </a:pPr>
             <a:r>
               <a:rPr lang="it-IT" dirty="0"/>
+              <a:t>Le immagini saranno catalogate in "work", con generazione automatica di miniature e applicazione di watermark.</a:t>
+            </a:r>
+          </a:p>
+          <a:p>
+            <a:pPr marL="293688" indent="-285750">
+              <a:buFont typeface="Arial" panose="020B0604020202020204" pitchFamily="34" charset="0"/>
+              <a:buChar char="•"/>
+            </a:pPr>
+            <a:r>
+              <a:rPr lang="it-IT" dirty="0"/>
               <a:t>Pannello di controllo per l’amministratore per gestire work, immagini, autorizzazioni e la sezione Shop.</a:t>
-            </a:r>
-          </a:p>
-          <a:p>
-            <a:pPr marL="293688" indent="-285750">
-              <a:buFont typeface="Arial" panose="020B0604020202020204" pitchFamily="34" charset="0"/>
-              <a:buChar char="•"/>
-            </a:pPr>
-            <a:r>
-              <a:rPr lang="it-IT" dirty="0"/>
-              <a:t>Le immagini saranno catalogate in "work" e supportate in formati standard, con generazione automatica di miniature e watermark.</a:t>
             </a:r>
           </a:p>
           <a:p>
@@ -15771,7 +16029,7 @@
           <a:lstStyle/>
           <a:p>
             <a:r>
-              <a:rPr lang="it-IT" sz="1600" dirty="0"/>
+              <a:rPr lang="it-IT" sz="1400" dirty="0"/>
               <a:t>A partire quindi da vincoli, requisiti non funzionali e requisiti funzionali sono state estrapolate le seguenti entità:</a:t>
             </a:r>
           </a:p>
@@ -15781,11 +16039,26 @@
               <a:buChar char="•"/>
             </a:pPr>
             <a:r>
-              <a:rPr lang="it-IT" sz="1600" b="1" dirty="0" err="1"/>
-              <a:t>UserWork</a:t>
-            </a:r>
-            <a:r>
-              <a:rPr lang="it-IT" sz="1600" dirty="0"/>
+              <a:rPr lang="it-IT" sz="1400" b="1" dirty="0"/>
+              <a:t>User:</a:t>
+            </a:r>
+            <a:r>
+              <a:rPr lang="it-IT" sz="1400" dirty="0"/>
+              <a:t> rappresenta l’utente registrato all’interno della piattaforma</a:t>
+            </a:r>
+            <a:endParaRPr lang="it-IT" sz="1400" b="1" dirty="0"/>
+          </a:p>
+          <a:p>
+            <a:pPr marL="293688" indent="-285750">
+              <a:buFont typeface="Arial" panose="020B0604020202020204" pitchFamily="34" charset="0"/>
+              <a:buChar char="•"/>
+            </a:pPr>
+            <a:r>
+              <a:rPr lang="it-IT" sz="1400" b="1" dirty="0"/>
+              <a:t>Work</a:t>
+            </a:r>
+            <a:r>
+              <a:rPr lang="it-IT" sz="1400" dirty="0"/>
               <a:t>: rappresenta un lavoro fotografico o meglio un contenitore logico per raggruppare più immagini legate a uno stesso progetto fotografico. </a:t>
             </a:r>
           </a:p>
@@ -15795,11 +16068,11 @@
               <a:buChar char="•"/>
             </a:pPr>
             <a:r>
-              <a:rPr lang="it-IT" sz="1600" b="1" dirty="0"/>
+              <a:rPr lang="it-IT" sz="1400" b="1" dirty="0"/>
               <a:t>ImageProject</a:t>
             </a:r>
             <a:r>
-              <a:rPr lang="it-IT" sz="1600" dirty="0"/>
+              <a:rPr lang="it-IT" sz="1400" dirty="0"/>
               <a:t>: rappresenta ogni scatto fotografico all'interno di un progetto specifico (Work). Non può esistere senza un Work di riferimento.</a:t>
             </a:r>
           </a:p>
@@ -15809,11 +16082,11 @@
               <a:buChar char="•"/>
             </a:pPr>
             <a:r>
-              <a:rPr lang="it-IT" sz="1600" b="1" dirty="0"/>
+              <a:rPr lang="it-IT" sz="1400" b="1" dirty="0"/>
               <a:t>ShopableImage</a:t>
             </a:r>
             <a:r>
-              <a:rPr lang="it-IT" sz="1600" dirty="0"/>
+              <a:rPr lang="it-IT" sz="1400" dirty="0"/>
               <a:t>: rappresenta una specializzazione di un ImageProject arricchita da informazioni aggiuntive per essere venduta nello shop online.</a:t>
             </a:r>
           </a:p>
@@ -15823,11 +16096,11 @@
               <a:buChar char="•"/>
             </a:pPr>
             <a:r>
-              <a:rPr lang="it-IT" sz="1600" b="1" dirty="0"/>
+              <a:rPr lang="it-IT" sz="1400" b="1" dirty="0"/>
               <a:t>Cart</a:t>
             </a:r>
             <a:r>
-              <a:rPr lang="it-IT" sz="1600" dirty="0"/>
+              <a:rPr lang="it-IT" sz="1400" dirty="0"/>
               <a:t>: rappresenta il carrello dell’utente.</a:t>
             </a:r>
           </a:p>
@@ -15837,11 +16110,11 @@
               <a:buChar char="•"/>
             </a:pPr>
             <a:r>
-              <a:rPr lang="it-IT" sz="1600" b="1" dirty="0" err="1"/>
+              <a:rPr lang="it-IT" sz="1400" b="1" dirty="0" err="1"/>
               <a:t>SalesOrder</a:t>
             </a:r>
             <a:r>
-              <a:rPr lang="it-IT" sz="1600" dirty="0"/>
+              <a:rPr lang="it-IT" sz="1400" dirty="0"/>
               <a:t>: rappresenta un ordine di acquisto.</a:t>
             </a:r>
           </a:p>
@@ -15851,16 +16124,13 @@
               <a:buChar char="•"/>
             </a:pPr>
             <a:r>
-              <a:rPr lang="it-IT" sz="1600" b="1" dirty="0" err="1"/>
+              <a:rPr lang="it-IT" sz="1400" b="1" dirty="0" err="1"/>
               <a:t>Role</a:t>
             </a:r>
             <a:r>
-              <a:rPr lang="it-IT" sz="1600" dirty="0"/>
-              <a:t>: rappresenta il ruolo di un utente (attualmente i ruoli presenti sono Admin e User).</a:t>
-            </a:r>
-          </a:p>
-          <a:p>
-            <a:endParaRPr lang="it-IT" sz="1400" dirty="0"/>
+              <a:rPr lang="it-IT" sz="1400" dirty="0"/>
+              <a:t>: rappresenta il ruolo di un utente (attualmente i ruoli presenti sono Admin e User)</a:t>
+            </a:r>
           </a:p>
         </p:txBody>
       </p:sp>
@@ -16008,47 +16278,6 @@
           </a:p>
         </p:txBody>
       </p:sp>
-      <p:pic>
-        <p:nvPicPr>
-          <p:cNvPr id="7" name="Immagine 6">
-            <a:extLst>
-              <a:ext uri="{FF2B5EF4-FFF2-40B4-BE49-F238E27FC236}">
-                <a16:creationId xmlns:a16="http://schemas.microsoft.com/office/drawing/2014/main" id="{8520F211-1015-52AC-9316-08B966410C60}"/>
-              </a:ext>
-            </a:extLst>
-          </p:cNvPr>
-          <p:cNvPicPr>
-            <a:picLocks noChangeAspect="1"/>
-          </p:cNvPicPr>
-          <p:nvPr/>
-        </p:nvPicPr>
-        <p:blipFill>
-          <a:blip r:embed="rId3">
-            <a:extLst>
-              <a:ext uri="{28A0092B-C50C-407E-A947-70E740481C1C}">
-                <a14:useLocalDpi xmlns:a14="http://schemas.microsoft.com/office/drawing/2010/main" val="0"/>
-              </a:ext>
-            </a:extLst>
-          </a:blip>
-          <a:srcRect/>
-          <a:stretch>
-            <a:fillRect/>
-          </a:stretch>
-        </p:blipFill>
-        <p:spPr bwMode="auto">
-          <a:xfrm>
-            <a:off x="5861785" y="120015"/>
-            <a:ext cx="5822515" cy="6296146"/>
-          </a:xfrm>
-          <a:prstGeom prst="rect">
-            <a:avLst/>
-          </a:prstGeom>
-          <a:noFill/>
-          <a:ln>
-            <a:noFill/>
-          </a:ln>
-        </p:spPr>
-      </p:pic>
       <p:sp>
         <p:nvSpPr>
           <p:cNvPr id="8" name="Segnaposto testo 2">
@@ -16118,7 +16347,7 @@
             </a:pPr>
             <a:r>
               <a:rPr lang="it-IT" sz="1600" dirty="0"/>
-              <a:t>Ogni Work contiene ImageProject (aggregazione 1..N).</a:t>
+              <a:t>Ogni Work contiene ImageProject (aggregazione 0..N).</a:t>
             </a:r>
           </a:p>
           <a:p>
@@ -16144,7 +16373,7 @@
             </a:pPr>
             <a:r>
               <a:rPr lang="it-IT" sz="1600" dirty="0"/>
-              <a:t>Cart contiene ShopableImage (associazione 1..N).</a:t>
+              <a:t>Cart contiene ShopableImage (associazione 0..N).</a:t>
             </a:r>
           </a:p>
           <a:p>
@@ -16193,6 +16422,36 @@
           </a:p>
         </p:txBody>
       </p:sp>
+      <p:pic>
+        <p:nvPicPr>
+          <p:cNvPr id="5" name="Immagine 4">
+            <a:extLst>
+              <a:ext uri="{FF2B5EF4-FFF2-40B4-BE49-F238E27FC236}">
+                <a16:creationId xmlns:a16="http://schemas.microsoft.com/office/drawing/2014/main" id="{6D962D9F-469C-D910-4CC6-F9E934EFB54E}"/>
+              </a:ext>
+            </a:extLst>
+          </p:cNvPr>
+          <p:cNvPicPr>
+            <a:picLocks noChangeAspect="1"/>
+          </p:cNvPicPr>
+          <p:nvPr/>
+        </p:nvPicPr>
+        <p:blipFill>
+          <a:blip r:embed="rId3"/>
+          <a:stretch>
+            <a:fillRect/>
+          </a:stretch>
+        </p:blipFill>
+        <p:spPr>
+          <a:xfrm>
+            <a:off x="5909253" y="181449"/>
+            <a:ext cx="5862443" cy="6339132"/>
+          </a:xfrm>
+          <a:prstGeom prst="rect">
+            <a:avLst/>
+          </a:prstGeom>
+        </p:spPr>
+      </p:pic>
     </p:spTree>
     <p:extLst>
       <p:ext uri="{BB962C8B-B14F-4D97-AF65-F5344CB8AC3E}">

--- a/documentazione/Presentazione SWAM.pptx
+++ b/documentazione/Presentazione SWAM.pptx
@@ -12896,6 +12896,124 @@
           </a:prstGeom>
         </p:spPr>
       </p:pic>
+      <p:sp>
+        <p:nvSpPr>
+          <p:cNvPr id="3" name="Rettangolo 2">
+            <a:extLst>
+              <a:ext uri="{FF2B5EF4-FFF2-40B4-BE49-F238E27FC236}">
+                <a16:creationId xmlns:a16="http://schemas.microsoft.com/office/drawing/2014/main" id="{C15F5EB4-28D7-1494-9414-2EC7858AB991}"/>
+              </a:ext>
+            </a:extLst>
+          </p:cNvPr>
+          <p:cNvSpPr/>
+          <p:nvPr/>
+        </p:nvSpPr>
+        <p:spPr>
+          <a:xfrm>
+            <a:off x="1241657" y="2156059"/>
+            <a:ext cx="3994484" cy="308008"/>
+          </a:xfrm>
+          <a:prstGeom prst="rect">
+            <a:avLst/>
+          </a:prstGeom>
+          <a:solidFill>
+            <a:schemeClr val="tx2">
+              <a:lumMod val="20000"/>
+              <a:lumOff val="80000"/>
+            </a:schemeClr>
+          </a:solidFill>
+        </p:spPr>
+        <p:style>
+          <a:lnRef idx="2">
+            <a:schemeClr val="accent1">
+              <a:shade val="15000"/>
+            </a:schemeClr>
+          </a:lnRef>
+          <a:fillRef idx="1">
+            <a:schemeClr val="accent1"/>
+          </a:fillRef>
+          <a:effectRef idx="0">
+            <a:schemeClr val="accent1"/>
+          </a:effectRef>
+          <a:fontRef idx="minor">
+            <a:schemeClr val="lt1"/>
+          </a:fontRef>
+        </p:style>
+        <p:txBody>
+          <a:bodyPr rtlCol="0" anchor="ctr"/>
+          <a:lstStyle/>
+          <a:p>
+            <a:pPr algn="ctr"/>
+            <a:endParaRPr lang="it-IT" dirty="0">
+              <a:solidFill>
+                <a:schemeClr val="tx2">
+                  <a:lumMod val="20000"/>
+                  <a:lumOff val="80000"/>
+                </a:schemeClr>
+              </a:solidFill>
+            </a:endParaRPr>
+          </a:p>
+        </p:txBody>
+      </p:sp>
+      <p:sp>
+        <p:nvSpPr>
+          <p:cNvPr id="5" name="Rettangolo 4">
+            <a:extLst>
+              <a:ext uri="{FF2B5EF4-FFF2-40B4-BE49-F238E27FC236}">
+                <a16:creationId xmlns:a16="http://schemas.microsoft.com/office/drawing/2014/main" id="{21A1390F-7D96-E245-486D-65617BC5133C}"/>
+              </a:ext>
+            </a:extLst>
+          </p:cNvPr>
+          <p:cNvSpPr/>
+          <p:nvPr/>
+        </p:nvSpPr>
+        <p:spPr>
+          <a:xfrm>
+            <a:off x="7101839" y="3870409"/>
+            <a:ext cx="4561118" cy="209647"/>
+          </a:xfrm>
+          <a:prstGeom prst="rect">
+            <a:avLst/>
+          </a:prstGeom>
+          <a:solidFill>
+            <a:schemeClr val="tx2">
+              <a:lumMod val="20000"/>
+              <a:lumOff val="80000"/>
+            </a:schemeClr>
+          </a:solidFill>
+        </p:spPr>
+        <p:style>
+          <a:lnRef idx="2">
+            <a:schemeClr val="accent1">
+              <a:shade val="15000"/>
+            </a:schemeClr>
+          </a:lnRef>
+          <a:fillRef idx="1">
+            <a:schemeClr val="accent1"/>
+          </a:fillRef>
+          <a:effectRef idx="0">
+            <a:schemeClr val="accent1"/>
+          </a:effectRef>
+          <a:fontRef idx="minor">
+            <a:schemeClr val="lt1"/>
+          </a:fontRef>
+        </p:style>
+        <p:txBody>
+          <a:bodyPr rtlCol="0" anchor="ctr"/>
+          <a:lstStyle/>
+          <a:p>
+            <a:pPr algn="ctr"/>
+            <a:endParaRPr lang="it-IT" dirty="0">
+              <a:solidFill>
+                <a:schemeClr val="tx2">
+                  <a:lumMod val="20000"/>
+                  <a:lumOff val="80000"/>
+                </a:schemeClr>
+              </a:solidFill>
+            </a:endParaRPr>
+          </a:p>
+        </p:txBody>
+      </p:sp>
     </p:spTree>
     <p:extLst>
       <p:ext uri="{BB962C8B-B14F-4D97-AF65-F5344CB8AC3E}">
